--- a/Presentation/moradi_class19.pptx
+++ b/Presentation/moradi_class19.pptx
@@ -5,17 +5,19 @@
     <p:sldMasterId id="2147483660" r:id="rId1"/>
   </p:sldMasterIdLst>
   <p:notesMasterIdLst>
-    <p:notesMasterId r:id="rId10"/>
+    <p:notesMasterId r:id="rId12"/>
   </p:notesMasterIdLst>
   <p:sldIdLst>
     <p:sldId id="256" r:id="rId2"/>
     <p:sldId id="257" r:id="rId3"/>
     <p:sldId id="258" r:id="rId4"/>
-    <p:sldId id="259" r:id="rId5"/>
-    <p:sldId id="260" r:id="rId6"/>
-    <p:sldId id="261" r:id="rId7"/>
-    <p:sldId id="262" r:id="rId8"/>
-    <p:sldId id="263" r:id="rId9"/>
+    <p:sldId id="264" r:id="rId5"/>
+    <p:sldId id="259" r:id="rId6"/>
+    <p:sldId id="260" r:id="rId7"/>
+    <p:sldId id="261" r:id="rId8"/>
+    <p:sldId id="262" r:id="rId9"/>
+    <p:sldId id="263" r:id="rId10"/>
+    <p:sldId id="265" r:id="rId11"/>
   </p:sldIdLst>
   <p:sldSz cx="9144000" cy="6858000" type="screen4x3"/>
   <p:notesSz cx="6858000" cy="9144000"/>
@@ -4810,7 +4812,7 @@
             <a:fld id="{75FFEABF-C0C7-48EA-8231-5657EAE18051}" type="slidenum">
               <a:rPr lang="en-US" smtClean="0"/>
               <a:pPr/>
-              <a:t>4</a:t>
+              <a:t>5</a:t>
             </a:fld>
             <a:endParaRPr lang="en-US"/>
           </a:p>
@@ -7190,7 +7192,7 @@
         <p:spPr>
           <a:xfrm>
             <a:off x="-26988" y="6561138"/>
-            <a:ext cx="1233030" cy="338554"/>
+            <a:ext cx="2461832" cy="615553"/>
           </a:xfrm>
           <a:prstGeom prst="rect">
             <a:avLst/>
@@ -7216,8 +7218,13 @@
                 <a:effectLst/>
                 <a:latin typeface="Verdana" charset="0"/>
               </a:rPr>
-              <a:t>Yale LANS</a:t>
-            </a:r>
+              <a:t>University of Michigan</a:t>
+            </a:r>
+          </a:p>
+          <a:p>
+            <a:pPr eaLnBrk="0" hangingPunct="0">
+              <a:defRPr/>
+            </a:pPr>
             <a:endParaRPr lang="en-US" sz="1800" dirty="0">
               <a:solidFill>
                 <a:schemeClr val="tx1">
@@ -8053,6 +8060,3874 @@
 </p:sld>
 </file>
 
+<file path=ppt/slides/slide10.xml><?xml version="1.0" encoding="utf-8"?>
+<p:sld xmlns:a="http://schemas.openxmlformats.org/drawingml/2006/main" xmlns:r="http://schemas.openxmlformats.org/officeDocument/2006/relationships" xmlns:p="http://schemas.openxmlformats.org/presentationml/2006/main">
+  <p:cSld>
+    <p:spTree>
+      <p:nvGrpSpPr>
+        <p:cNvPr id="1" name=""/>
+        <p:cNvGrpSpPr/>
+        <p:nvPr/>
+      </p:nvGrpSpPr>
+      <p:grpSpPr>
+        <a:xfrm>
+          <a:off x="0" y="0"/>
+          <a:ext cx="0" cy="0"/>
+          <a:chOff x="0" y="0"/>
+          <a:chExt cx="0" cy="0"/>
+        </a:xfrm>
+      </p:grpSpPr>
+      <p:sp>
+        <p:nvSpPr>
+          <p:cNvPr id="2" name="Title 1"/>
+          <p:cNvSpPr>
+            <a:spLocks noGrp="1"/>
+          </p:cNvSpPr>
+          <p:nvPr>
+            <p:ph type="title"/>
+          </p:nvPr>
+        </p:nvSpPr>
+        <p:spPr/>
+        <p:txBody>
+          <a:bodyPr/>
+          <a:lstStyle/>
+          <a:p>
+            <a:r>
+              <a:rPr lang="en-US" dirty="0"/>
+              <a:t/>
+            </a:r>
+            <a:br>
+              <a:rPr lang="en-US" dirty="0"/>
+            </a:br>
+            <a:r>
+              <a:rPr lang="en-US" dirty="0"/>
+              <a:t>Oscillation Graph </a:t>
+            </a:r>
+            <a:r>
+              <a:rPr lang="en-US" dirty="0" smtClean="0"/>
+              <a:t>Clustering(2)</a:t>
+            </a:r>
+            <a:r>
+              <a:rPr lang="en-US" dirty="0"/>
+              <a:t/>
+            </a:r>
+            <a:br>
+              <a:rPr lang="en-US" dirty="0"/>
+            </a:br>
+            <a:endParaRPr lang="en-US" dirty="0"/>
+          </a:p>
+        </p:txBody>
+      </p:sp>
+      <p:sp>
+        <p:nvSpPr>
+          <p:cNvPr id="42" name="TextBox 41"/>
+          <p:cNvSpPr txBox="1"/>
+          <p:nvPr/>
+        </p:nvSpPr>
+        <p:spPr>
+          <a:xfrm>
+            <a:off x="5781040" y="5100320"/>
+            <a:ext cx="184666" cy="369332"/>
+          </a:xfrm>
+          <a:prstGeom prst="rect">
+            <a:avLst/>
+          </a:prstGeom>
+          <a:noFill/>
+        </p:spPr>
+        <p:txBody>
+          <a:bodyPr wrap="none" rtlCol="0">
+            <a:spAutoFit/>
+          </a:bodyPr>
+          <a:lstStyle/>
+          <a:p>
+            <a:endParaRPr lang="en-US" dirty="0"/>
+          </a:p>
+        </p:txBody>
+      </p:sp>
+      <p:grpSp>
+        <p:nvGrpSpPr>
+          <p:cNvPr id="67" name="Group 66"/>
+          <p:cNvGrpSpPr/>
+          <p:nvPr/>
+        </p:nvGrpSpPr>
+        <p:grpSpPr>
+          <a:xfrm>
+            <a:off x="76200" y="914400"/>
+            <a:ext cx="4191000" cy="1663988"/>
+            <a:chOff x="76200" y="914400"/>
+            <a:chExt cx="4191000" cy="1663988"/>
+          </a:xfrm>
+        </p:grpSpPr>
+        <p:sp>
+          <p:nvSpPr>
+            <p:cNvPr id="61" name="TextBox 60"/>
+            <p:cNvSpPr txBox="1"/>
+            <p:nvPr/>
+          </p:nvSpPr>
+          <p:spPr>
+            <a:xfrm>
+              <a:off x="76200" y="1600200"/>
+              <a:ext cx="457200" cy="292388"/>
+            </a:xfrm>
+            <a:prstGeom prst="rect">
+              <a:avLst/>
+            </a:prstGeom>
+            <a:noFill/>
+          </p:spPr>
+          <p:txBody>
+            <a:bodyPr wrap="square" rtlCol="0">
+              <a:spAutoFit/>
+            </a:bodyPr>
+            <a:lstStyle/>
+            <a:p>
+              <a:r>
+                <a:rPr lang="en-US" sz="1300" dirty="0" smtClean="0"/>
+                <a:t>0.6</a:t>
+              </a:r>
+              <a:endParaRPr lang="en-US" sz="1300" dirty="0"/>
+            </a:p>
+          </p:txBody>
+        </p:sp>
+        <p:grpSp>
+          <p:nvGrpSpPr>
+            <p:cNvPr id="66" name="Group 65"/>
+            <p:cNvGrpSpPr/>
+            <p:nvPr/>
+          </p:nvGrpSpPr>
+          <p:grpSpPr>
+            <a:xfrm>
+              <a:off x="381000" y="914400"/>
+              <a:ext cx="3886200" cy="1663988"/>
+              <a:chOff x="381000" y="914400"/>
+              <a:chExt cx="3886200" cy="1663988"/>
+            </a:xfrm>
+          </p:grpSpPr>
+          <p:sp>
+            <p:nvSpPr>
+              <p:cNvPr id="4" name="Oval 3"/>
+              <p:cNvSpPr/>
+              <p:nvPr/>
+            </p:nvSpPr>
+            <p:spPr bwMode="auto">
+              <a:xfrm>
+                <a:off x="381000" y="1143000"/>
+                <a:ext cx="381000" cy="381000"/>
+              </a:xfrm>
+              <a:prstGeom prst="ellipse">
+                <a:avLst/>
+              </a:prstGeom>
+              <a:solidFill>
+                <a:schemeClr val="accent1"/>
+              </a:solidFill>
+              <a:ln w="9525" cap="flat" cmpd="sng" algn="ctr">
+                <a:solidFill>
+                  <a:schemeClr val="tx1"/>
+                </a:solidFill>
+                <a:prstDash val="solid"/>
+                <a:round/>
+                <a:headEnd type="none" w="med" len="med"/>
+                <a:tailEnd type="none" w="med" len="med"/>
+              </a:ln>
+              <a:effectLst/>
+            </p:spPr>
+            <p:txBody>
+              <a:bodyPr vert="horz" wrap="square" lIns="91440" tIns="45720" rIns="91440" bIns="45720" numCol="1" rtlCol="0" anchor="t" anchorCtr="0" compatLnSpc="1">
+                <a:prstTxWarp prst="textNoShape">
+                  <a:avLst/>
+                </a:prstTxWarp>
+              </a:bodyPr>
+              <a:lstStyle/>
+              <a:p>
+                <a:pPr marL="0" marR="0" indent="0" algn="l" defTabSz="914400" rtl="0" eaLnBrk="0" fontAlgn="base" latinLnBrk="0" hangingPunct="0">
+                  <a:lnSpc>
+                    <a:spcPct val="100000"/>
+                  </a:lnSpc>
+                  <a:spcBef>
+                    <a:spcPct val="0"/>
+                  </a:spcBef>
+                  <a:spcAft>
+                    <a:spcPct val="0"/>
+                  </a:spcAft>
+                  <a:buClrTx/>
+                  <a:buSzTx/>
+                  <a:buFontTx/>
+                  <a:buNone/>
+                  <a:tabLst/>
+                </a:pPr>
+                <a:endParaRPr kumimoji="0" lang="en-US" sz="2400" b="0" i="0" u="none" strike="noStrike" cap="none" normalizeH="0" baseline="-25000" dirty="0">
+                  <a:ln>
+                    <a:noFill/>
+                  </a:ln>
+                  <a:solidFill>
+                    <a:schemeClr val="tx1"/>
+                  </a:solidFill>
+                  <a:effectLst>
+                    <a:outerShdw blurRad="38100" dist="38100" dir="2700000" algn="tl">
+                      <a:srgbClr val="000000">
+                        <a:alpha val="43137"/>
+                      </a:srgbClr>
+                    </a:outerShdw>
+                  </a:effectLst>
+                  <a:latin typeface="Arial" pitchFamily="-105" charset="0"/>
+                  <a:ea typeface="ＭＳ Ｐゴシック" pitchFamily="-105" charset="-128"/>
+                  <a:cs typeface="ＭＳ Ｐゴシック" pitchFamily="-105" charset="-128"/>
+                </a:endParaRPr>
+              </a:p>
+            </p:txBody>
+          </p:sp>
+          <p:sp>
+            <p:nvSpPr>
+              <p:cNvPr id="7" name="Oval 6"/>
+              <p:cNvSpPr/>
+              <p:nvPr/>
+            </p:nvSpPr>
+            <p:spPr bwMode="auto">
+              <a:xfrm>
+                <a:off x="1447800" y="1143000"/>
+                <a:ext cx="381000" cy="381000"/>
+              </a:xfrm>
+              <a:prstGeom prst="ellipse">
+                <a:avLst/>
+              </a:prstGeom>
+              <a:solidFill>
+                <a:schemeClr val="accent1"/>
+              </a:solidFill>
+              <a:ln w="9525" cap="flat" cmpd="sng" algn="ctr">
+                <a:solidFill>
+                  <a:schemeClr val="tx1"/>
+                </a:solidFill>
+                <a:prstDash val="solid"/>
+                <a:round/>
+                <a:headEnd type="none" w="med" len="med"/>
+                <a:tailEnd type="none" w="med" len="med"/>
+              </a:ln>
+              <a:effectLst/>
+            </p:spPr>
+            <p:txBody>
+              <a:bodyPr vert="horz" wrap="square" lIns="91440" tIns="45720" rIns="91440" bIns="45720" numCol="1" rtlCol="0" anchor="t" anchorCtr="0" compatLnSpc="1">
+                <a:prstTxWarp prst="textNoShape">
+                  <a:avLst/>
+                </a:prstTxWarp>
+              </a:bodyPr>
+              <a:lstStyle/>
+              <a:p>
+                <a:pPr marL="0" marR="0" indent="0" algn="l" defTabSz="914400" rtl="0" eaLnBrk="0" fontAlgn="base" latinLnBrk="0" hangingPunct="0">
+                  <a:lnSpc>
+                    <a:spcPct val="100000"/>
+                  </a:lnSpc>
+                  <a:spcBef>
+                    <a:spcPct val="0"/>
+                  </a:spcBef>
+                  <a:spcAft>
+                    <a:spcPct val="0"/>
+                  </a:spcAft>
+                  <a:buClrTx/>
+                  <a:buSzTx/>
+                  <a:buFontTx/>
+                  <a:buNone/>
+                  <a:tabLst/>
+                </a:pPr>
+                <a:endParaRPr kumimoji="0" lang="en-US" sz="2400" b="0" i="0" u="none" strike="noStrike" cap="none" normalizeH="0" baseline="-25000">
+                  <a:ln>
+                    <a:noFill/>
+                  </a:ln>
+                  <a:solidFill>
+                    <a:schemeClr val="tx1"/>
+                  </a:solidFill>
+                  <a:effectLst>
+                    <a:outerShdw blurRad="38100" dist="38100" dir="2700000" algn="tl">
+                      <a:srgbClr val="000000">
+                        <a:alpha val="43137"/>
+                      </a:srgbClr>
+                    </a:outerShdw>
+                  </a:effectLst>
+                  <a:latin typeface="Arial" pitchFamily="-105" charset="0"/>
+                  <a:ea typeface="ＭＳ Ｐゴシック" pitchFamily="-105" charset="-128"/>
+                  <a:cs typeface="ＭＳ Ｐゴシック" pitchFamily="-105" charset="-128"/>
+                </a:endParaRPr>
+              </a:p>
+            </p:txBody>
+          </p:sp>
+          <p:sp>
+            <p:nvSpPr>
+              <p:cNvPr id="8" name="Oval 7"/>
+              <p:cNvSpPr/>
+              <p:nvPr/>
+            </p:nvSpPr>
+            <p:spPr bwMode="auto">
+              <a:xfrm>
+                <a:off x="381000" y="1981200"/>
+                <a:ext cx="381000" cy="381000"/>
+              </a:xfrm>
+              <a:prstGeom prst="ellipse">
+                <a:avLst/>
+              </a:prstGeom>
+              <a:solidFill>
+                <a:schemeClr val="accent1"/>
+              </a:solidFill>
+              <a:ln w="9525" cap="flat" cmpd="sng" algn="ctr">
+                <a:solidFill>
+                  <a:schemeClr val="tx1"/>
+                </a:solidFill>
+                <a:prstDash val="solid"/>
+                <a:round/>
+                <a:headEnd type="none" w="med" len="med"/>
+                <a:tailEnd type="none" w="med" len="med"/>
+              </a:ln>
+              <a:effectLst/>
+            </p:spPr>
+            <p:txBody>
+              <a:bodyPr vert="horz" wrap="square" lIns="91440" tIns="45720" rIns="91440" bIns="45720" numCol="1" rtlCol="0" anchor="t" anchorCtr="0" compatLnSpc="1">
+                <a:prstTxWarp prst="textNoShape">
+                  <a:avLst/>
+                </a:prstTxWarp>
+              </a:bodyPr>
+              <a:lstStyle/>
+              <a:p>
+                <a:pPr marL="0" marR="0" indent="0" algn="l" defTabSz="914400" rtl="0" eaLnBrk="0" fontAlgn="base" latinLnBrk="0" hangingPunct="0">
+                  <a:lnSpc>
+                    <a:spcPct val="100000"/>
+                  </a:lnSpc>
+                  <a:spcBef>
+                    <a:spcPct val="0"/>
+                  </a:spcBef>
+                  <a:spcAft>
+                    <a:spcPct val="0"/>
+                  </a:spcAft>
+                  <a:buClrTx/>
+                  <a:buSzTx/>
+                  <a:buFontTx/>
+                  <a:buNone/>
+                  <a:tabLst/>
+                </a:pPr>
+                <a:endParaRPr kumimoji="0" lang="en-US" sz="2400" b="0" i="0" u="none" strike="noStrike" cap="none" normalizeH="0" baseline="-25000">
+                  <a:ln>
+                    <a:noFill/>
+                  </a:ln>
+                  <a:solidFill>
+                    <a:schemeClr val="tx1"/>
+                  </a:solidFill>
+                  <a:effectLst>
+                    <a:outerShdw blurRad="38100" dist="38100" dir="2700000" algn="tl">
+                      <a:srgbClr val="000000">
+                        <a:alpha val="43137"/>
+                      </a:srgbClr>
+                    </a:outerShdw>
+                  </a:effectLst>
+                  <a:latin typeface="Arial" pitchFamily="-105" charset="0"/>
+                  <a:ea typeface="ＭＳ Ｐゴシック" pitchFamily="-105" charset="-128"/>
+                  <a:cs typeface="ＭＳ Ｐゴシック" pitchFamily="-105" charset="-128"/>
+                </a:endParaRPr>
+              </a:p>
+            </p:txBody>
+          </p:sp>
+          <p:sp>
+            <p:nvSpPr>
+              <p:cNvPr id="9" name="Oval 8"/>
+              <p:cNvSpPr/>
+              <p:nvPr/>
+            </p:nvSpPr>
+            <p:spPr bwMode="auto">
+              <a:xfrm>
+                <a:off x="1447800" y="1981200"/>
+                <a:ext cx="381000" cy="381000"/>
+              </a:xfrm>
+              <a:prstGeom prst="ellipse">
+                <a:avLst/>
+              </a:prstGeom>
+              <a:solidFill>
+                <a:schemeClr val="accent1"/>
+              </a:solidFill>
+              <a:ln w="9525" cap="flat" cmpd="sng" algn="ctr">
+                <a:solidFill>
+                  <a:schemeClr val="tx1"/>
+                </a:solidFill>
+                <a:prstDash val="solid"/>
+                <a:round/>
+                <a:headEnd type="none" w="med" len="med"/>
+                <a:tailEnd type="none" w="med" len="med"/>
+              </a:ln>
+              <a:effectLst/>
+            </p:spPr>
+            <p:txBody>
+              <a:bodyPr vert="horz" wrap="square" lIns="91440" tIns="45720" rIns="91440" bIns="45720" numCol="1" rtlCol="0" anchor="t" anchorCtr="0" compatLnSpc="1">
+                <a:prstTxWarp prst="textNoShape">
+                  <a:avLst/>
+                </a:prstTxWarp>
+              </a:bodyPr>
+              <a:lstStyle/>
+              <a:p>
+                <a:pPr marL="0" marR="0" indent="0" algn="l" defTabSz="914400" rtl="0" eaLnBrk="0" fontAlgn="base" latinLnBrk="0" hangingPunct="0">
+                  <a:lnSpc>
+                    <a:spcPct val="100000"/>
+                  </a:lnSpc>
+                  <a:spcBef>
+                    <a:spcPct val="0"/>
+                  </a:spcBef>
+                  <a:spcAft>
+                    <a:spcPct val="0"/>
+                  </a:spcAft>
+                  <a:buClrTx/>
+                  <a:buSzTx/>
+                  <a:buFontTx/>
+                  <a:buNone/>
+                  <a:tabLst/>
+                </a:pPr>
+                <a:endParaRPr kumimoji="0" lang="en-US" sz="2400" b="0" i="0" u="none" strike="noStrike" cap="none" normalizeH="0" baseline="-25000">
+                  <a:ln>
+                    <a:noFill/>
+                  </a:ln>
+                  <a:solidFill>
+                    <a:schemeClr val="tx1"/>
+                  </a:solidFill>
+                  <a:effectLst>
+                    <a:outerShdw blurRad="38100" dist="38100" dir="2700000" algn="tl">
+                      <a:srgbClr val="000000">
+                        <a:alpha val="43137"/>
+                      </a:srgbClr>
+                    </a:outerShdw>
+                  </a:effectLst>
+                  <a:latin typeface="Arial" pitchFamily="-105" charset="0"/>
+                  <a:ea typeface="ＭＳ Ｐゴシック" pitchFamily="-105" charset="-128"/>
+                  <a:cs typeface="ＭＳ Ｐゴシック" pitchFamily="-105" charset="-128"/>
+                </a:endParaRPr>
+              </a:p>
+            </p:txBody>
+          </p:sp>
+          <p:cxnSp>
+            <p:nvCxnSpPr>
+              <p:cNvPr id="15" name="Straight Connector 14"/>
+              <p:cNvCxnSpPr>
+                <a:stCxn id="4" idx="6"/>
+                <a:endCxn id="7" idx="2"/>
+              </p:cNvCxnSpPr>
+              <p:nvPr/>
+            </p:nvCxnSpPr>
+            <p:spPr bwMode="auto">
+              <a:xfrm>
+                <a:off x="762000" y="1333500"/>
+                <a:ext cx="685800" cy="0"/>
+              </a:xfrm>
+              <a:prstGeom prst="line">
+                <a:avLst/>
+              </a:prstGeom>
+              <a:solidFill>
+                <a:schemeClr val="accent1"/>
+              </a:solidFill>
+              <a:ln w="9525" cap="flat" cmpd="sng" algn="ctr">
+                <a:solidFill>
+                  <a:schemeClr val="tx1"/>
+                </a:solidFill>
+                <a:prstDash val="solid"/>
+                <a:round/>
+                <a:headEnd type="none" w="med" len="med"/>
+                <a:tailEnd type="none" w="med" len="med"/>
+              </a:ln>
+              <a:effectLst/>
+            </p:spPr>
+          </p:cxnSp>
+          <p:cxnSp>
+            <p:nvCxnSpPr>
+              <p:cNvPr id="17" name="Straight Connector 16"/>
+              <p:cNvCxnSpPr>
+                <a:stCxn id="4" idx="4"/>
+                <a:endCxn id="8" idx="0"/>
+              </p:cNvCxnSpPr>
+              <p:nvPr/>
+            </p:nvCxnSpPr>
+            <p:spPr bwMode="auto">
+              <a:xfrm>
+                <a:off x="571500" y="1524000"/>
+                <a:ext cx="0" cy="457200"/>
+              </a:xfrm>
+              <a:prstGeom prst="line">
+                <a:avLst/>
+              </a:prstGeom>
+              <a:solidFill>
+                <a:schemeClr val="accent1"/>
+              </a:solidFill>
+              <a:ln w="9525" cap="flat" cmpd="sng" algn="ctr">
+                <a:solidFill>
+                  <a:schemeClr val="tx1"/>
+                </a:solidFill>
+                <a:prstDash val="solid"/>
+                <a:round/>
+                <a:headEnd type="none" w="med" len="med"/>
+                <a:tailEnd type="none" w="med" len="med"/>
+              </a:ln>
+              <a:effectLst/>
+            </p:spPr>
+          </p:cxnSp>
+          <p:cxnSp>
+            <p:nvCxnSpPr>
+              <p:cNvPr id="19" name="Straight Connector 18"/>
+              <p:cNvCxnSpPr>
+                <a:stCxn id="8" idx="6"/>
+                <a:endCxn id="9" idx="2"/>
+              </p:cNvCxnSpPr>
+              <p:nvPr/>
+            </p:nvCxnSpPr>
+            <p:spPr bwMode="auto">
+              <a:xfrm>
+                <a:off x="762000" y="2171700"/>
+                <a:ext cx="685800" cy="0"/>
+              </a:xfrm>
+              <a:prstGeom prst="line">
+                <a:avLst/>
+              </a:prstGeom>
+              <a:solidFill>
+                <a:schemeClr val="accent1"/>
+              </a:solidFill>
+              <a:ln w="9525" cap="flat" cmpd="sng" algn="ctr">
+                <a:solidFill>
+                  <a:schemeClr val="tx1"/>
+                </a:solidFill>
+                <a:prstDash val="solid"/>
+                <a:round/>
+                <a:headEnd type="none" w="med" len="med"/>
+                <a:tailEnd type="none" w="med" len="med"/>
+              </a:ln>
+              <a:effectLst/>
+            </p:spPr>
+          </p:cxnSp>
+          <p:cxnSp>
+            <p:nvCxnSpPr>
+              <p:cNvPr id="21" name="Straight Connector 20"/>
+              <p:cNvCxnSpPr>
+                <a:stCxn id="7" idx="4"/>
+                <a:endCxn id="9" idx="0"/>
+              </p:cNvCxnSpPr>
+              <p:nvPr/>
+            </p:nvCxnSpPr>
+            <p:spPr bwMode="auto">
+              <a:xfrm>
+                <a:off x="1638300" y="1524000"/>
+                <a:ext cx="0" cy="457200"/>
+              </a:xfrm>
+              <a:prstGeom prst="line">
+                <a:avLst/>
+              </a:prstGeom>
+              <a:solidFill>
+                <a:schemeClr val="accent1"/>
+              </a:solidFill>
+              <a:ln w="9525" cap="flat" cmpd="sng" algn="ctr">
+                <a:solidFill>
+                  <a:schemeClr val="tx1"/>
+                </a:solidFill>
+                <a:prstDash val="solid"/>
+                <a:round/>
+                <a:headEnd type="none" w="med" len="med"/>
+                <a:tailEnd type="none" w="med" len="med"/>
+              </a:ln>
+              <a:effectLst/>
+            </p:spPr>
+          </p:cxnSp>
+          <p:sp>
+            <p:nvSpPr>
+              <p:cNvPr id="43" name="Oval 42"/>
+              <p:cNvSpPr/>
+              <p:nvPr/>
+            </p:nvSpPr>
+            <p:spPr bwMode="auto">
+              <a:xfrm>
+                <a:off x="2514600" y="1219200"/>
+                <a:ext cx="381000" cy="381000"/>
+              </a:xfrm>
+              <a:prstGeom prst="ellipse">
+                <a:avLst/>
+              </a:prstGeom>
+              <a:solidFill>
+                <a:schemeClr val="accent1"/>
+              </a:solidFill>
+              <a:ln w="9525" cap="flat" cmpd="sng" algn="ctr">
+                <a:solidFill>
+                  <a:schemeClr val="tx1"/>
+                </a:solidFill>
+                <a:prstDash val="solid"/>
+                <a:round/>
+                <a:headEnd type="none" w="med" len="med"/>
+                <a:tailEnd type="none" w="med" len="med"/>
+              </a:ln>
+              <a:effectLst/>
+            </p:spPr>
+            <p:txBody>
+              <a:bodyPr vert="horz" wrap="square" lIns="91440" tIns="45720" rIns="91440" bIns="45720" numCol="1" rtlCol="0" anchor="t" anchorCtr="0" compatLnSpc="1">
+                <a:prstTxWarp prst="textNoShape">
+                  <a:avLst/>
+                </a:prstTxWarp>
+              </a:bodyPr>
+              <a:lstStyle/>
+              <a:p>
+                <a:pPr marL="0" marR="0" indent="0" algn="l" defTabSz="914400" rtl="0" eaLnBrk="0" fontAlgn="base" latinLnBrk="0" hangingPunct="0">
+                  <a:lnSpc>
+                    <a:spcPct val="100000"/>
+                  </a:lnSpc>
+                  <a:spcBef>
+                    <a:spcPct val="0"/>
+                  </a:spcBef>
+                  <a:spcAft>
+                    <a:spcPct val="0"/>
+                  </a:spcAft>
+                  <a:buClrTx/>
+                  <a:buSzTx/>
+                  <a:buFontTx/>
+                  <a:buNone/>
+                  <a:tabLst/>
+                </a:pPr>
+                <a:endParaRPr kumimoji="0" lang="en-US" sz="2400" b="0" i="0" u="none" strike="noStrike" cap="none" normalizeH="0" baseline="-25000">
+                  <a:ln>
+                    <a:noFill/>
+                  </a:ln>
+                  <a:solidFill>
+                    <a:schemeClr val="tx1"/>
+                  </a:solidFill>
+                  <a:effectLst>
+                    <a:outerShdw blurRad="38100" dist="38100" dir="2700000" algn="tl">
+                      <a:srgbClr val="000000">
+                        <a:alpha val="43137"/>
+                      </a:srgbClr>
+                    </a:outerShdw>
+                  </a:effectLst>
+                  <a:latin typeface="Arial" pitchFamily="-105" charset="0"/>
+                  <a:ea typeface="ＭＳ Ｐゴシック" pitchFamily="-105" charset="-128"/>
+                  <a:cs typeface="ＭＳ Ｐゴシック" pitchFamily="-105" charset="-128"/>
+                </a:endParaRPr>
+              </a:p>
+            </p:txBody>
+          </p:sp>
+          <p:sp>
+            <p:nvSpPr>
+              <p:cNvPr id="44" name="Oval 43"/>
+              <p:cNvSpPr/>
+              <p:nvPr/>
+            </p:nvSpPr>
+            <p:spPr bwMode="auto">
+              <a:xfrm>
+                <a:off x="3581400" y="1219200"/>
+                <a:ext cx="381000" cy="381000"/>
+              </a:xfrm>
+              <a:prstGeom prst="ellipse">
+                <a:avLst/>
+              </a:prstGeom>
+              <a:solidFill>
+                <a:schemeClr val="accent1"/>
+              </a:solidFill>
+              <a:ln w="9525" cap="flat" cmpd="sng" algn="ctr">
+                <a:solidFill>
+                  <a:schemeClr val="tx1"/>
+                </a:solidFill>
+                <a:prstDash val="solid"/>
+                <a:round/>
+                <a:headEnd type="none" w="med" len="med"/>
+                <a:tailEnd type="none" w="med" len="med"/>
+              </a:ln>
+              <a:effectLst/>
+            </p:spPr>
+            <p:txBody>
+              <a:bodyPr vert="horz" wrap="square" lIns="91440" tIns="45720" rIns="91440" bIns="45720" numCol="1" rtlCol="0" anchor="t" anchorCtr="0" compatLnSpc="1">
+                <a:prstTxWarp prst="textNoShape">
+                  <a:avLst/>
+                </a:prstTxWarp>
+              </a:bodyPr>
+              <a:lstStyle/>
+              <a:p>
+                <a:pPr marL="0" marR="0" indent="0" algn="l" defTabSz="914400" rtl="0" eaLnBrk="0" fontAlgn="base" latinLnBrk="0" hangingPunct="0">
+                  <a:lnSpc>
+                    <a:spcPct val="100000"/>
+                  </a:lnSpc>
+                  <a:spcBef>
+                    <a:spcPct val="0"/>
+                  </a:spcBef>
+                  <a:spcAft>
+                    <a:spcPct val="0"/>
+                  </a:spcAft>
+                  <a:buClrTx/>
+                  <a:buSzTx/>
+                  <a:buFontTx/>
+                  <a:buNone/>
+                  <a:tabLst/>
+                </a:pPr>
+                <a:endParaRPr kumimoji="0" lang="en-US" sz="2400" b="0" i="0" u="none" strike="noStrike" cap="none" normalizeH="0" baseline="-25000">
+                  <a:ln>
+                    <a:noFill/>
+                  </a:ln>
+                  <a:solidFill>
+                    <a:schemeClr val="tx1"/>
+                  </a:solidFill>
+                  <a:effectLst>
+                    <a:outerShdw blurRad="38100" dist="38100" dir="2700000" algn="tl">
+                      <a:srgbClr val="000000">
+                        <a:alpha val="43137"/>
+                      </a:srgbClr>
+                    </a:outerShdw>
+                  </a:effectLst>
+                  <a:latin typeface="Arial" pitchFamily="-105" charset="0"/>
+                  <a:ea typeface="ＭＳ Ｐゴシック" pitchFamily="-105" charset="-128"/>
+                  <a:cs typeface="ＭＳ Ｐゴシック" pitchFamily="-105" charset="-128"/>
+                </a:endParaRPr>
+              </a:p>
+            </p:txBody>
+          </p:sp>
+          <p:sp>
+            <p:nvSpPr>
+              <p:cNvPr id="45" name="Oval 44"/>
+              <p:cNvSpPr/>
+              <p:nvPr/>
+            </p:nvSpPr>
+            <p:spPr bwMode="auto">
+              <a:xfrm>
+                <a:off x="2514600" y="2057400"/>
+                <a:ext cx="381000" cy="381000"/>
+              </a:xfrm>
+              <a:prstGeom prst="ellipse">
+                <a:avLst/>
+              </a:prstGeom>
+              <a:solidFill>
+                <a:schemeClr val="accent1"/>
+              </a:solidFill>
+              <a:ln w="9525" cap="flat" cmpd="sng" algn="ctr">
+                <a:solidFill>
+                  <a:schemeClr val="tx1"/>
+                </a:solidFill>
+                <a:prstDash val="solid"/>
+                <a:round/>
+                <a:headEnd type="none" w="med" len="med"/>
+                <a:tailEnd type="none" w="med" len="med"/>
+              </a:ln>
+              <a:effectLst/>
+            </p:spPr>
+            <p:txBody>
+              <a:bodyPr vert="horz" wrap="square" lIns="91440" tIns="45720" rIns="91440" bIns="45720" numCol="1" rtlCol="0" anchor="t" anchorCtr="0" compatLnSpc="1">
+                <a:prstTxWarp prst="textNoShape">
+                  <a:avLst/>
+                </a:prstTxWarp>
+              </a:bodyPr>
+              <a:lstStyle/>
+              <a:p>
+                <a:pPr marL="0" marR="0" indent="0" algn="l" defTabSz="914400" rtl="0" eaLnBrk="0" fontAlgn="base" latinLnBrk="0" hangingPunct="0">
+                  <a:lnSpc>
+                    <a:spcPct val="100000"/>
+                  </a:lnSpc>
+                  <a:spcBef>
+                    <a:spcPct val="0"/>
+                  </a:spcBef>
+                  <a:spcAft>
+                    <a:spcPct val="0"/>
+                  </a:spcAft>
+                  <a:buClrTx/>
+                  <a:buSzTx/>
+                  <a:buFontTx/>
+                  <a:buNone/>
+                  <a:tabLst/>
+                </a:pPr>
+                <a:endParaRPr kumimoji="0" lang="en-US" sz="2400" b="0" i="0" u="none" strike="noStrike" cap="none" normalizeH="0" baseline="-25000">
+                  <a:ln>
+                    <a:noFill/>
+                  </a:ln>
+                  <a:solidFill>
+                    <a:schemeClr val="tx1"/>
+                  </a:solidFill>
+                  <a:effectLst>
+                    <a:outerShdw blurRad="38100" dist="38100" dir="2700000" algn="tl">
+                      <a:srgbClr val="000000">
+                        <a:alpha val="43137"/>
+                      </a:srgbClr>
+                    </a:outerShdw>
+                  </a:effectLst>
+                  <a:latin typeface="Arial" pitchFamily="-105" charset="0"/>
+                  <a:ea typeface="ＭＳ Ｐゴシック" pitchFamily="-105" charset="-128"/>
+                  <a:cs typeface="ＭＳ Ｐゴシック" pitchFamily="-105" charset="-128"/>
+                </a:endParaRPr>
+              </a:p>
+            </p:txBody>
+          </p:sp>
+          <p:sp>
+            <p:nvSpPr>
+              <p:cNvPr id="46" name="Oval 45"/>
+              <p:cNvSpPr/>
+              <p:nvPr/>
+            </p:nvSpPr>
+            <p:spPr bwMode="auto">
+              <a:xfrm>
+                <a:off x="3581400" y="2057400"/>
+                <a:ext cx="381000" cy="381000"/>
+              </a:xfrm>
+              <a:prstGeom prst="ellipse">
+                <a:avLst/>
+              </a:prstGeom>
+              <a:solidFill>
+                <a:schemeClr val="accent1"/>
+              </a:solidFill>
+              <a:ln w="9525" cap="flat" cmpd="sng" algn="ctr">
+                <a:solidFill>
+                  <a:schemeClr val="tx1"/>
+                </a:solidFill>
+                <a:prstDash val="solid"/>
+                <a:round/>
+                <a:headEnd type="none" w="med" len="med"/>
+                <a:tailEnd type="none" w="med" len="med"/>
+              </a:ln>
+              <a:effectLst/>
+            </p:spPr>
+            <p:txBody>
+              <a:bodyPr vert="horz" wrap="square" lIns="91440" tIns="45720" rIns="91440" bIns="45720" numCol="1" rtlCol="0" anchor="t" anchorCtr="0" compatLnSpc="1">
+                <a:prstTxWarp prst="textNoShape">
+                  <a:avLst/>
+                </a:prstTxWarp>
+              </a:bodyPr>
+              <a:lstStyle/>
+              <a:p>
+                <a:pPr marL="0" marR="0" indent="0" algn="l" defTabSz="914400" rtl="0" eaLnBrk="0" fontAlgn="base" latinLnBrk="0" hangingPunct="0">
+                  <a:lnSpc>
+                    <a:spcPct val="100000"/>
+                  </a:lnSpc>
+                  <a:spcBef>
+                    <a:spcPct val="0"/>
+                  </a:spcBef>
+                  <a:spcAft>
+                    <a:spcPct val="0"/>
+                  </a:spcAft>
+                  <a:buClrTx/>
+                  <a:buSzTx/>
+                  <a:buFontTx/>
+                  <a:buNone/>
+                  <a:tabLst/>
+                </a:pPr>
+                <a:endParaRPr kumimoji="0" lang="en-US" sz="2400" b="0" i="0" u="none" strike="noStrike" cap="none" normalizeH="0" baseline="-25000">
+                  <a:ln>
+                    <a:noFill/>
+                  </a:ln>
+                  <a:solidFill>
+                    <a:schemeClr val="tx1"/>
+                  </a:solidFill>
+                  <a:effectLst>
+                    <a:outerShdw blurRad="38100" dist="38100" dir="2700000" algn="tl">
+                      <a:srgbClr val="000000">
+                        <a:alpha val="43137"/>
+                      </a:srgbClr>
+                    </a:outerShdw>
+                  </a:effectLst>
+                  <a:latin typeface="Arial" pitchFamily="-105" charset="0"/>
+                  <a:ea typeface="ＭＳ Ｐゴシック" pitchFamily="-105" charset="-128"/>
+                  <a:cs typeface="ＭＳ Ｐゴシック" pitchFamily="-105" charset="-128"/>
+                </a:endParaRPr>
+              </a:p>
+            </p:txBody>
+          </p:sp>
+          <p:cxnSp>
+            <p:nvCxnSpPr>
+              <p:cNvPr id="47" name="Straight Connector 46"/>
+              <p:cNvCxnSpPr>
+                <a:stCxn id="43" idx="6"/>
+                <a:endCxn id="44" idx="2"/>
+              </p:cNvCxnSpPr>
+              <p:nvPr/>
+            </p:nvCxnSpPr>
+            <p:spPr bwMode="auto">
+              <a:xfrm>
+                <a:off x="2895600" y="1409700"/>
+                <a:ext cx="685800" cy="0"/>
+              </a:xfrm>
+              <a:prstGeom prst="line">
+                <a:avLst/>
+              </a:prstGeom>
+              <a:solidFill>
+                <a:schemeClr val="accent1"/>
+              </a:solidFill>
+              <a:ln w="9525" cap="flat" cmpd="sng" algn="ctr">
+                <a:solidFill>
+                  <a:schemeClr val="tx1"/>
+                </a:solidFill>
+                <a:prstDash val="solid"/>
+                <a:round/>
+                <a:headEnd type="none" w="med" len="med"/>
+                <a:tailEnd type="none" w="med" len="med"/>
+              </a:ln>
+              <a:effectLst/>
+            </p:spPr>
+          </p:cxnSp>
+          <p:cxnSp>
+            <p:nvCxnSpPr>
+              <p:cNvPr id="48" name="Straight Connector 47"/>
+              <p:cNvCxnSpPr>
+                <a:stCxn id="43" idx="4"/>
+                <a:endCxn id="45" idx="0"/>
+              </p:cNvCxnSpPr>
+              <p:nvPr/>
+            </p:nvCxnSpPr>
+            <p:spPr bwMode="auto">
+              <a:xfrm>
+                <a:off x="2705100" y="1600200"/>
+                <a:ext cx="0" cy="457200"/>
+              </a:xfrm>
+              <a:prstGeom prst="line">
+                <a:avLst/>
+              </a:prstGeom>
+              <a:solidFill>
+                <a:schemeClr val="accent1"/>
+              </a:solidFill>
+              <a:ln w="9525" cap="flat" cmpd="sng" algn="ctr">
+                <a:solidFill>
+                  <a:schemeClr val="tx1"/>
+                </a:solidFill>
+                <a:prstDash val="solid"/>
+                <a:round/>
+                <a:headEnd type="none" w="med" len="med"/>
+                <a:tailEnd type="none" w="med" len="med"/>
+              </a:ln>
+              <a:effectLst/>
+            </p:spPr>
+          </p:cxnSp>
+          <p:cxnSp>
+            <p:nvCxnSpPr>
+              <p:cNvPr id="49" name="Straight Connector 48"/>
+              <p:cNvCxnSpPr>
+                <a:stCxn id="45" idx="6"/>
+                <a:endCxn id="46" idx="2"/>
+              </p:cNvCxnSpPr>
+              <p:nvPr/>
+            </p:nvCxnSpPr>
+            <p:spPr bwMode="auto">
+              <a:xfrm>
+                <a:off x="2895600" y="2247900"/>
+                <a:ext cx="685800" cy="0"/>
+              </a:xfrm>
+              <a:prstGeom prst="line">
+                <a:avLst/>
+              </a:prstGeom>
+              <a:solidFill>
+                <a:schemeClr val="accent1"/>
+              </a:solidFill>
+              <a:ln w="9525" cap="flat" cmpd="sng" algn="ctr">
+                <a:solidFill>
+                  <a:schemeClr val="tx1"/>
+                </a:solidFill>
+                <a:prstDash val="solid"/>
+                <a:round/>
+                <a:headEnd type="none" w="med" len="med"/>
+                <a:tailEnd type="none" w="med" len="med"/>
+              </a:ln>
+              <a:effectLst/>
+            </p:spPr>
+          </p:cxnSp>
+          <p:cxnSp>
+            <p:nvCxnSpPr>
+              <p:cNvPr id="50" name="Straight Connector 49"/>
+              <p:cNvCxnSpPr>
+                <a:stCxn id="44" idx="4"/>
+                <a:endCxn id="46" idx="0"/>
+              </p:cNvCxnSpPr>
+              <p:nvPr/>
+            </p:nvCxnSpPr>
+            <p:spPr bwMode="auto">
+              <a:xfrm>
+                <a:off x="3771900" y="1600200"/>
+                <a:ext cx="0" cy="457200"/>
+              </a:xfrm>
+              <a:prstGeom prst="line">
+                <a:avLst/>
+              </a:prstGeom>
+              <a:solidFill>
+                <a:schemeClr val="accent1"/>
+              </a:solidFill>
+              <a:ln w="9525" cap="flat" cmpd="sng" algn="ctr">
+                <a:solidFill>
+                  <a:schemeClr val="tx1"/>
+                </a:solidFill>
+                <a:prstDash val="solid"/>
+                <a:round/>
+                <a:headEnd type="none" w="med" len="med"/>
+                <a:tailEnd type="none" w="med" len="med"/>
+              </a:ln>
+              <a:effectLst/>
+            </p:spPr>
+          </p:cxnSp>
+          <p:cxnSp>
+            <p:nvCxnSpPr>
+              <p:cNvPr id="54" name="Straight Connector 53"/>
+              <p:cNvCxnSpPr>
+                <a:stCxn id="7" idx="5"/>
+                <a:endCxn id="45" idx="2"/>
+              </p:cNvCxnSpPr>
+              <p:nvPr/>
+            </p:nvCxnSpPr>
+            <p:spPr bwMode="auto">
+              <a:xfrm>
+                <a:off x="1773004" y="1468204"/>
+                <a:ext cx="741596" cy="779696"/>
+              </a:xfrm>
+              <a:prstGeom prst="line">
+                <a:avLst/>
+              </a:prstGeom>
+              <a:solidFill>
+                <a:schemeClr val="accent1"/>
+              </a:solidFill>
+              <a:ln w="9525" cap="flat" cmpd="sng" algn="ctr">
+                <a:solidFill>
+                  <a:schemeClr val="tx1"/>
+                </a:solidFill>
+                <a:prstDash val="solid"/>
+                <a:round/>
+                <a:headEnd type="none" w="med" len="med"/>
+                <a:tailEnd type="none" w="med" len="med"/>
+              </a:ln>
+              <a:effectLst/>
+            </p:spPr>
+          </p:cxnSp>
+          <p:sp>
+            <p:nvSpPr>
+              <p:cNvPr id="57" name="TextBox 56"/>
+              <p:cNvSpPr txBox="1"/>
+              <p:nvPr/>
+            </p:nvSpPr>
+            <p:spPr>
+              <a:xfrm>
+                <a:off x="838200" y="914400"/>
+                <a:ext cx="457200" cy="292388"/>
+              </a:xfrm>
+              <a:prstGeom prst="rect">
+                <a:avLst/>
+              </a:prstGeom>
+              <a:noFill/>
+            </p:spPr>
+            <p:txBody>
+              <a:bodyPr wrap="square" rtlCol="0">
+                <a:spAutoFit/>
+              </a:bodyPr>
+              <a:lstStyle/>
+              <a:p>
+                <a:r>
+                  <a:rPr lang="en-US" sz="1300" dirty="0" smtClean="0"/>
+                  <a:t>0.9</a:t>
+                </a:r>
+                <a:endParaRPr lang="en-US" sz="1300" dirty="0"/>
+              </a:p>
+            </p:txBody>
+          </p:sp>
+          <p:sp>
+            <p:nvSpPr>
+              <p:cNvPr id="60" name="TextBox 59"/>
+              <p:cNvSpPr txBox="1"/>
+              <p:nvPr/>
+            </p:nvSpPr>
+            <p:spPr>
+              <a:xfrm>
+                <a:off x="914400" y="2209800"/>
+                <a:ext cx="457200" cy="292388"/>
+              </a:xfrm>
+              <a:prstGeom prst="rect">
+                <a:avLst/>
+              </a:prstGeom>
+              <a:noFill/>
+            </p:spPr>
+            <p:txBody>
+              <a:bodyPr wrap="square" rtlCol="0">
+                <a:spAutoFit/>
+              </a:bodyPr>
+              <a:lstStyle/>
+              <a:p>
+                <a:r>
+                  <a:rPr lang="en-US" sz="1300" dirty="0" smtClean="0"/>
+                  <a:t>0.8</a:t>
+                </a:r>
+                <a:endParaRPr lang="en-US" sz="1300" dirty="0"/>
+              </a:p>
+            </p:txBody>
+          </p:sp>
+          <p:sp>
+            <p:nvSpPr>
+              <p:cNvPr id="62" name="TextBox 61"/>
+              <p:cNvSpPr txBox="1"/>
+              <p:nvPr/>
+            </p:nvSpPr>
+            <p:spPr>
+              <a:xfrm>
+                <a:off x="1981200" y="1524000"/>
+                <a:ext cx="457200" cy="292388"/>
+              </a:xfrm>
+              <a:prstGeom prst="rect">
+                <a:avLst/>
+              </a:prstGeom>
+              <a:noFill/>
+            </p:spPr>
+            <p:txBody>
+              <a:bodyPr wrap="square" rtlCol="0">
+                <a:spAutoFit/>
+              </a:bodyPr>
+              <a:lstStyle/>
+              <a:p>
+                <a:r>
+                  <a:rPr lang="en-US" sz="1300" dirty="0" smtClean="0"/>
+                  <a:t>0.1</a:t>
+                </a:r>
+                <a:endParaRPr lang="en-US" sz="1300" dirty="0"/>
+              </a:p>
+            </p:txBody>
+          </p:sp>
+          <p:sp>
+            <p:nvSpPr>
+              <p:cNvPr id="63" name="TextBox 62"/>
+              <p:cNvSpPr txBox="1"/>
+              <p:nvPr/>
+            </p:nvSpPr>
+            <p:spPr>
+              <a:xfrm>
+                <a:off x="3048000" y="1066800"/>
+                <a:ext cx="457200" cy="292388"/>
+              </a:xfrm>
+              <a:prstGeom prst="rect">
+                <a:avLst/>
+              </a:prstGeom>
+              <a:noFill/>
+            </p:spPr>
+            <p:txBody>
+              <a:bodyPr wrap="square" rtlCol="0">
+                <a:spAutoFit/>
+              </a:bodyPr>
+              <a:lstStyle/>
+              <a:p>
+                <a:r>
+                  <a:rPr lang="en-US" sz="1300" dirty="0" smtClean="0"/>
+                  <a:t>0.8</a:t>
+                </a:r>
+                <a:endParaRPr lang="en-US" sz="1300" dirty="0"/>
+              </a:p>
+            </p:txBody>
+          </p:sp>
+          <p:sp>
+            <p:nvSpPr>
+              <p:cNvPr id="64" name="TextBox 63"/>
+              <p:cNvSpPr txBox="1"/>
+              <p:nvPr/>
+            </p:nvSpPr>
+            <p:spPr>
+              <a:xfrm>
+                <a:off x="2971800" y="2286000"/>
+                <a:ext cx="533400" cy="292388"/>
+              </a:xfrm>
+              <a:prstGeom prst="rect">
+                <a:avLst/>
+              </a:prstGeom>
+              <a:noFill/>
+            </p:spPr>
+            <p:txBody>
+              <a:bodyPr wrap="square" rtlCol="0">
+                <a:spAutoFit/>
+              </a:bodyPr>
+              <a:lstStyle/>
+              <a:p>
+                <a:r>
+                  <a:rPr lang="en-US" sz="1300" dirty="0" smtClean="0"/>
+                  <a:t>0.75</a:t>
+                </a:r>
+                <a:endParaRPr lang="en-US" sz="1300" dirty="0"/>
+              </a:p>
+            </p:txBody>
+          </p:sp>
+          <p:sp>
+            <p:nvSpPr>
+              <p:cNvPr id="65" name="TextBox 64"/>
+              <p:cNvSpPr txBox="1"/>
+              <p:nvPr/>
+            </p:nvSpPr>
+            <p:spPr>
+              <a:xfrm>
+                <a:off x="3810000" y="1676400"/>
+                <a:ext cx="457200" cy="292388"/>
+              </a:xfrm>
+              <a:prstGeom prst="rect">
+                <a:avLst/>
+              </a:prstGeom>
+              <a:noFill/>
+            </p:spPr>
+            <p:txBody>
+              <a:bodyPr wrap="square" rtlCol="0">
+                <a:spAutoFit/>
+              </a:bodyPr>
+              <a:lstStyle/>
+              <a:p>
+                <a:r>
+                  <a:rPr lang="en-US" sz="1300" dirty="0" smtClean="0"/>
+                  <a:t>0.9</a:t>
+                </a:r>
+                <a:endParaRPr lang="en-US" sz="1300" dirty="0"/>
+              </a:p>
+            </p:txBody>
+          </p:sp>
+        </p:grpSp>
+      </p:grpSp>
+      <p:grpSp>
+        <p:nvGrpSpPr>
+          <p:cNvPr id="68" name="Group 67"/>
+          <p:cNvGrpSpPr/>
+          <p:nvPr/>
+        </p:nvGrpSpPr>
+        <p:grpSpPr>
+          <a:xfrm>
+            <a:off x="4800600" y="2819400"/>
+            <a:ext cx="4191000" cy="1663988"/>
+            <a:chOff x="76200" y="914400"/>
+            <a:chExt cx="4191000" cy="1663988"/>
+          </a:xfrm>
+        </p:grpSpPr>
+        <p:sp>
+          <p:nvSpPr>
+            <p:cNvPr id="69" name="TextBox 68"/>
+            <p:cNvSpPr txBox="1"/>
+            <p:nvPr/>
+          </p:nvSpPr>
+          <p:spPr>
+            <a:xfrm>
+              <a:off x="76200" y="1600200"/>
+              <a:ext cx="457200" cy="292388"/>
+            </a:xfrm>
+            <a:prstGeom prst="rect">
+              <a:avLst/>
+            </a:prstGeom>
+            <a:noFill/>
+          </p:spPr>
+          <p:txBody>
+            <a:bodyPr wrap="square" rtlCol="0">
+              <a:spAutoFit/>
+            </a:bodyPr>
+            <a:lstStyle/>
+            <a:p>
+              <a:r>
+                <a:rPr lang="en-US" sz="1300" dirty="0" smtClean="0"/>
+                <a:t>0.6</a:t>
+              </a:r>
+              <a:endParaRPr lang="en-US" sz="1300" dirty="0"/>
+            </a:p>
+          </p:txBody>
+        </p:sp>
+        <p:grpSp>
+          <p:nvGrpSpPr>
+            <p:cNvPr id="70" name="Group 69"/>
+            <p:cNvGrpSpPr/>
+            <p:nvPr/>
+          </p:nvGrpSpPr>
+          <p:grpSpPr>
+            <a:xfrm>
+              <a:off x="381000" y="914400"/>
+              <a:ext cx="3886200" cy="1663988"/>
+              <a:chOff x="381000" y="914400"/>
+              <a:chExt cx="3886200" cy="1663988"/>
+            </a:xfrm>
+          </p:grpSpPr>
+          <p:sp>
+            <p:nvSpPr>
+              <p:cNvPr id="71" name="Oval 70"/>
+              <p:cNvSpPr/>
+              <p:nvPr/>
+            </p:nvSpPr>
+            <p:spPr bwMode="auto">
+              <a:xfrm>
+                <a:off x="381000" y="1143000"/>
+                <a:ext cx="381000" cy="381000"/>
+              </a:xfrm>
+              <a:prstGeom prst="ellipse">
+                <a:avLst/>
+              </a:prstGeom>
+              <a:solidFill>
+                <a:schemeClr val="accent1"/>
+              </a:solidFill>
+              <a:ln w="9525" cap="flat" cmpd="sng" algn="ctr">
+                <a:solidFill>
+                  <a:schemeClr val="tx1"/>
+                </a:solidFill>
+                <a:prstDash val="solid"/>
+                <a:round/>
+                <a:headEnd type="none" w="med" len="med"/>
+                <a:tailEnd type="none" w="med" len="med"/>
+              </a:ln>
+              <a:effectLst/>
+            </p:spPr>
+            <p:txBody>
+              <a:bodyPr vert="horz" wrap="square" lIns="91440" tIns="45720" rIns="91440" bIns="45720" numCol="1" rtlCol="0" anchor="t" anchorCtr="0" compatLnSpc="1">
+                <a:prstTxWarp prst="textNoShape">
+                  <a:avLst/>
+                </a:prstTxWarp>
+              </a:bodyPr>
+              <a:lstStyle/>
+              <a:p>
+                <a:pPr marL="0" marR="0" indent="0" algn="l" defTabSz="914400" rtl="0" eaLnBrk="0" fontAlgn="base" latinLnBrk="0" hangingPunct="0">
+                  <a:lnSpc>
+                    <a:spcPct val="100000"/>
+                  </a:lnSpc>
+                  <a:spcBef>
+                    <a:spcPct val="0"/>
+                  </a:spcBef>
+                  <a:spcAft>
+                    <a:spcPct val="0"/>
+                  </a:spcAft>
+                  <a:buClrTx/>
+                  <a:buSzTx/>
+                  <a:buFontTx/>
+                  <a:buNone/>
+                  <a:tabLst/>
+                </a:pPr>
+                <a:endParaRPr kumimoji="0" lang="en-US" sz="2400" b="0" i="0" u="none" strike="noStrike" cap="none" normalizeH="0" baseline="-25000" dirty="0">
+                  <a:ln>
+                    <a:noFill/>
+                  </a:ln>
+                  <a:solidFill>
+                    <a:schemeClr val="tx1"/>
+                  </a:solidFill>
+                  <a:effectLst>
+                    <a:outerShdw blurRad="38100" dist="38100" dir="2700000" algn="tl">
+                      <a:srgbClr val="000000">
+                        <a:alpha val="43137"/>
+                      </a:srgbClr>
+                    </a:outerShdw>
+                  </a:effectLst>
+                  <a:latin typeface="Arial" pitchFamily="-105" charset="0"/>
+                  <a:ea typeface="ＭＳ Ｐゴシック" pitchFamily="-105" charset="-128"/>
+                  <a:cs typeface="ＭＳ Ｐゴシック" pitchFamily="-105" charset="-128"/>
+                </a:endParaRPr>
+              </a:p>
+            </p:txBody>
+          </p:sp>
+          <p:sp>
+            <p:nvSpPr>
+              <p:cNvPr id="72" name="Oval 71"/>
+              <p:cNvSpPr/>
+              <p:nvPr/>
+            </p:nvSpPr>
+            <p:spPr bwMode="auto">
+              <a:xfrm>
+                <a:off x="1447800" y="1143000"/>
+                <a:ext cx="381000" cy="381000"/>
+              </a:xfrm>
+              <a:prstGeom prst="ellipse">
+                <a:avLst/>
+              </a:prstGeom>
+              <a:solidFill>
+                <a:schemeClr val="accent1"/>
+              </a:solidFill>
+              <a:ln w="9525" cap="flat" cmpd="sng" algn="ctr">
+                <a:solidFill>
+                  <a:schemeClr val="tx1"/>
+                </a:solidFill>
+                <a:prstDash val="solid"/>
+                <a:round/>
+                <a:headEnd type="none" w="med" len="med"/>
+                <a:tailEnd type="none" w="med" len="med"/>
+              </a:ln>
+              <a:effectLst/>
+            </p:spPr>
+            <p:txBody>
+              <a:bodyPr vert="horz" wrap="square" lIns="91440" tIns="45720" rIns="91440" bIns="45720" numCol="1" rtlCol="0" anchor="t" anchorCtr="0" compatLnSpc="1">
+                <a:prstTxWarp prst="textNoShape">
+                  <a:avLst/>
+                </a:prstTxWarp>
+              </a:bodyPr>
+              <a:lstStyle/>
+              <a:p>
+                <a:pPr marL="0" marR="0" indent="0" algn="l" defTabSz="914400" rtl="0" eaLnBrk="0" fontAlgn="base" latinLnBrk="0" hangingPunct="0">
+                  <a:lnSpc>
+                    <a:spcPct val="100000"/>
+                  </a:lnSpc>
+                  <a:spcBef>
+                    <a:spcPct val="0"/>
+                  </a:spcBef>
+                  <a:spcAft>
+                    <a:spcPct val="0"/>
+                  </a:spcAft>
+                  <a:buClrTx/>
+                  <a:buSzTx/>
+                  <a:buFontTx/>
+                  <a:buNone/>
+                  <a:tabLst/>
+                </a:pPr>
+                <a:endParaRPr kumimoji="0" lang="en-US" sz="2400" b="0" i="0" u="none" strike="noStrike" cap="none" normalizeH="0" baseline="-25000">
+                  <a:ln>
+                    <a:noFill/>
+                  </a:ln>
+                  <a:solidFill>
+                    <a:schemeClr val="tx1"/>
+                  </a:solidFill>
+                  <a:effectLst>
+                    <a:outerShdw blurRad="38100" dist="38100" dir="2700000" algn="tl">
+                      <a:srgbClr val="000000">
+                        <a:alpha val="43137"/>
+                      </a:srgbClr>
+                    </a:outerShdw>
+                  </a:effectLst>
+                  <a:latin typeface="Arial" pitchFamily="-105" charset="0"/>
+                  <a:ea typeface="ＭＳ Ｐゴシック" pitchFamily="-105" charset="-128"/>
+                  <a:cs typeface="ＭＳ Ｐゴシック" pitchFamily="-105" charset="-128"/>
+                </a:endParaRPr>
+              </a:p>
+            </p:txBody>
+          </p:sp>
+          <p:sp>
+            <p:nvSpPr>
+              <p:cNvPr id="73" name="Oval 72"/>
+              <p:cNvSpPr/>
+              <p:nvPr/>
+            </p:nvSpPr>
+            <p:spPr bwMode="auto">
+              <a:xfrm>
+                <a:off x="381000" y="1981200"/>
+                <a:ext cx="381000" cy="381000"/>
+              </a:xfrm>
+              <a:prstGeom prst="ellipse">
+                <a:avLst/>
+              </a:prstGeom>
+              <a:solidFill>
+                <a:schemeClr val="accent1"/>
+              </a:solidFill>
+              <a:ln w="9525" cap="flat" cmpd="sng" algn="ctr">
+                <a:solidFill>
+                  <a:schemeClr val="tx1"/>
+                </a:solidFill>
+                <a:prstDash val="solid"/>
+                <a:round/>
+                <a:headEnd type="none" w="med" len="med"/>
+                <a:tailEnd type="none" w="med" len="med"/>
+              </a:ln>
+              <a:effectLst/>
+            </p:spPr>
+            <p:txBody>
+              <a:bodyPr vert="horz" wrap="square" lIns="91440" tIns="45720" rIns="91440" bIns="45720" numCol="1" rtlCol="0" anchor="t" anchorCtr="0" compatLnSpc="1">
+                <a:prstTxWarp prst="textNoShape">
+                  <a:avLst/>
+                </a:prstTxWarp>
+              </a:bodyPr>
+              <a:lstStyle/>
+              <a:p>
+                <a:pPr marL="0" marR="0" indent="0" algn="l" defTabSz="914400" rtl="0" eaLnBrk="0" fontAlgn="base" latinLnBrk="0" hangingPunct="0">
+                  <a:lnSpc>
+                    <a:spcPct val="100000"/>
+                  </a:lnSpc>
+                  <a:spcBef>
+                    <a:spcPct val="0"/>
+                  </a:spcBef>
+                  <a:spcAft>
+                    <a:spcPct val="0"/>
+                  </a:spcAft>
+                  <a:buClrTx/>
+                  <a:buSzTx/>
+                  <a:buFontTx/>
+                  <a:buNone/>
+                  <a:tabLst/>
+                </a:pPr>
+                <a:endParaRPr kumimoji="0" lang="en-US" sz="2400" b="0" i="0" u="none" strike="noStrike" cap="none" normalizeH="0" baseline="-25000">
+                  <a:ln>
+                    <a:noFill/>
+                  </a:ln>
+                  <a:solidFill>
+                    <a:schemeClr val="tx1"/>
+                  </a:solidFill>
+                  <a:effectLst>
+                    <a:outerShdw blurRad="38100" dist="38100" dir="2700000" algn="tl">
+                      <a:srgbClr val="000000">
+                        <a:alpha val="43137"/>
+                      </a:srgbClr>
+                    </a:outerShdw>
+                  </a:effectLst>
+                  <a:latin typeface="Arial" pitchFamily="-105" charset="0"/>
+                  <a:ea typeface="ＭＳ Ｐゴシック" pitchFamily="-105" charset="-128"/>
+                  <a:cs typeface="ＭＳ Ｐゴシック" pitchFamily="-105" charset="-128"/>
+                </a:endParaRPr>
+              </a:p>
+            </p:txBody>
+          </p:sp>
+          <p:sp>
+            <p:nvSpPr>
+              <p:cNvPr id="74" name="Oval 73"/>
+              <p:cNvSpPr/>
+              <p:nvPr/>
+            </p:nvSpPr>
+            <p:spPr bwMode="auto">
+              <a:xfrm>
+                <a:off x="1447800" y="1981200"/>
+                <a:ext cx="381000" cy="381000"/>
+              </a:xfrm>
+              <a:prstGeom prst="ellipse">
+                <a:avLst/>
+              </a:prstGeom>
+              <a:solidFill>
+                <a:schemeClr val="accent1"/>
+              </a:solidFill>
+              <a:ln w="9525" cap="flat" cmpd="sng" algn="ctr">
+                <a:solidFill>
+                  <a:schemeClr val="tx1"/>
+                </a:solidFill>
+                <a:prstDash val="solid"/>
+                <a:round/>
+                <a:headEnd type="none" w="med" len="med"/>
+                <a:tailEnd type="none" w="med" len="med"/>
+              </a:ln>
+              <a:effectLst/>
+            </p:spPr>
+            <p:txBody>
+              <a:bodyPr vert="horz" wrap="square" lIns="91440" tIns="45720" rIns="91440" bIns="45720" numCol="1" rtlCol="0" anchor="t" anchorCtr="0" compatLnSpc="1">
+                <a:prstTxWarp prst="textNoShape">
+                  <a:avLst/>
+                </a:prstTxWarp>
+              </a:bodyPr>
+              <a:lstStyle/>
+              <a:p>
+                <a:pPr marL="0" marR="0" indent="0" algn="l" defTabSz="914400" rtl="0" eaLnBrk="0" fontAlgn="base" latinLnBrk="0" hangingPunct="0">
+                  <a:lnSpc>
+                    <a:spcPct val="100000"/>
+                  </a:lnSpc>
+                  <a:spcBef>
+                    <a:spcPct val="0"/>
+                  </a:spcBef>
+                  <a:spcAft>
+                    <a:spcPct val="0"/>
+                  </a:spcAft>
+                  <a:buClrTx/>
+                  <a:buSzTx/>
+                  <a:buFontTx/>
+                  <a:buNone/>
+                  <a:tabLst/>
+                </a:pPr>
+                <a:endParaRPr kumimoji="0" lang="en-US" sz="2400" b="0" i="0" u="none" strike="noStrike" cap="none" normalizeH="0" baseline="-25000">
+                  <a:ln>
+                    <a:noFill/>
+                  </a:ln>
+                  <a:solidFill>
+                    <a:schemeClr val="tx1"/>
+                  </a:solidFill>
+                  <a:effectLst>
+                    <a:outerShdw blurRad="38100" dist="38100" dir="2700000" algn="tl">
+                      <a:srgbClr val="000000">
+                        <a:alpha val="43137"/>
+                      </a:srgbClr>
+                    </a:outerShdw>
+                  </a:effectLst>
+                  <a:latin typeface="Arial" pitchFamily="-105" charset="0"/>
+                  <a:ea typeface="ＭＳ Ｐゴシック" pitchFamily="-105" charset="-128"/>
+                  <a:cs typeface="ＭＳ Ｐゴシック" pitchFamily="-105" charset="-128"/>
+                </a:endParaRPr>
+              </a:p>
+            </p:txBody>
+          </p:sp>
+          <p:cxnSp>
+            <p:nvCxnSpPr>
+              <p:cNvPr id="75" name="Straight Connector 74"/>
+              <p:cNvCxnSpPr>
+                <a:stCxn id="71" idx="6"/>
+                <a:endCxn id="72" idx="2"/>
+              </p:cNvCxnSpPr>
+              <p:nvPr/>
+            </p:nvCxnSpPr>
+            <p:spPr bwMode="auto">
+              <a:xfrm>
+                <a:off x="762000" y="1333500"/>
+                <a:ext cx="685800" cy="0"/>
+              </a:xfrm>
+              <a:prstGeom prst="line">
+                <a:avLst/>
+              </a:prstGeom>
+              <a:solidFill>
+                <a:schemeClr val="accent1"/>
+              </a:solidFill>
+              <a:ln w="9525" cap="flat" cmpd="sng" algn="ctr">
+                <a:solidFill>
+                  <a:schemeClr val="tx1"/>
+                </a:solidFill>
+                <a:prstDash val="solid"/>
+                <a:round/>
+                <a:headEnd type="none" w="med" len="med"/>
+                <a:tailEnd type="none" w="med" len="med"/>
+              </a:ln>
+              <a:effectLst/>
+            </p:spPr>
+          </p:cxnSp>
+          <p:cxnSp>
+            <p:nvCxnSpPr>
+              <p:cNvPr id="76" name="Straight Connector 75"/>
+              <p:cNvCxnSpPr>
+                <a:stCxn id="71" idx="4"/>
+                <a:endCxn id="73" idx="0"/>
+              </p:cNvCxnSpPr>
+              <p:nvPr/>
+            </p:nvCxnSpPr>
+            <p:spPr bwMode="auto">
+              <a:xfrm>
+                <a:off x="571500" y="1524000"/>
+                <a:ext cx="0" cy="457200"/>
+              </a:xfrm>
+              <a:prstGeom prst="line">
+                <a:avLst/>
+              </a:prstGeom>
+              <a:solidFill>
+                <a:schemeClr val="accent1"/>
+              </a:solidFill>
+              <a:ln w="9525" cap="flat" cmpd="sng" algn="ctr">
+                <a:solidFill>
+                  <a:schemeClr val="tx1"/>
+                </a:solidFill>
+                <a:prstDash val="solid"/>
+                <a:round/>
+                <a:headEnd type="none" w="med" len="med"/>
+                <a:tailEnd type="none" w="med" len="med"/>
+              </a:ln>
+              <a:effectLst/>
+            </p:spPr>
+          </p:cxnSp>
+          <p:cxnSp>
+            <p:nvCxnSpPr>
+              <p:cNvPr id="77" name="Straight Connector 76"/>
+              <p:cNvCxnSpPr>
+                <a:stCxn id="73" idx="6"/>
+                <a:endCxn id="74" idx="2"/>
+              </p:cNvCxnSpPr>
+              <p:nvPr/>
+            </p:nvCxnSpPr>
+            <p:spPr bwMode="auto">
+              <a:xfrm>
+                <a:off x="762000" y="2171700"/>
+                <a:ext cx="685800" cy="0"/>
+              </a:xfrm>
+              <a:prstGeom prst="line">
+                <a:avLst/>
+              </a:prstGeom>
+              <a:solidFill>
+                <a:schemeClr val="accent1"/>
+              </a:solidFill>
+              <a:ln w="9525" cap="flat" cmpd="sng" algn="ctr">
+                <a:solidFill>
+                  <a:schemeClr val="tx1"/>
+                </a:solidFill>
+                <a:prstDash val="solid"/>
+                <a:round/>
+                <a:headEnd type="none" w="med" len="med"/>
+                <a:tailEnd type="none" w="med" len="med"/>
+              </a:ln>
+              <a:effectLst/>
+            </p:spPr>
+          </p:cxnSp>
+          <p:cxnSp>
+            <p:nvCxnSpPr>
+              <p:cNvPr id="78" name="Straight Connector 77"/>
+              <p:cNvCxnSpPr>
+                <a:stCxn id="72" idx="4"/>
+                <a:endCxn id="74" idx="0"/>
+              </p:cNvCxnSpPr>
+              <p:nvPr/>
+            </p:nvCxnSpPr>
+            <p:spPr bwMode="auto">
+              <a:xfrm>
+                <a:off x="1638300" y="1524000"/>
+                <a:ext cx="0" cy="457200"/>
+              </a:xfrm>
+              <a:prstGeom prst="line">
+                <a:avLst/>
+              </a:prstGeom>
+              <a:solidFill>
+                <a:schemeClr val="accent1"/>
+              </a:solidFill>
+              <a:ln w="9525" cap="flat" cmpd="sng" algn="ctr">
+                <a:solidFill>
+                  <a:schemeClr val="tx1"/>
+                </a:solidFill>
+                <a:prstDash val="solid"/>
+                <a:round/>
+                <a:headEnd type="none" w="med" len="med"/>
+                <a:tailEnd type="none" w="med" len="med"/>
+              </a:ln>
+              <a:effectLst/>
+            </p:spPr>
+          </p:cxnSp>
+          <p:sp>
+            <p:nvSpPr>
+              <p:cNvPr id="79" name="Oval 78"/>
+              <p:cNvSpPr/>
+              <p:nvPr/>
+            </p:nvSpPr>
+            <p:spPr bwMode="auto">
+              <a:xfrm>
+                <a:off x="2514600" y="1219200"/>
+                <a:ext cx="381000" cy="381000"/>
+              </a:xfrm>
+              <a:prstGeom prst="ellipse">
+                <a:avLst/>
+              </a:prstGeom>
+              <a:solidFill>
+                <a:schemeClr val="accent1"/>
+              </a:solidFill>
+              <a:ln w="9525" cap="flat" cmpd="sng" algn="ctr">
+                <a:solidFill>
+                  <a:schemeClr val="tx1"/>
+                </a:solidFill>
+                <a:prstDash val="solid"/>
+                <a:round/>
+                <a:headEnd type="none" w="med" len="med"/>
+                <a:tailEnd type="none" w="med" len="med"/>
+              </a:ln>
+              <a:effectLst/>
+            </p:spPr>
+            <p:txBody>
+              <a:bodyPr vert="horz" wrap="square" lIns="91440" tIns="45720" rIns="91440" bIns="45720" numCol="1" rtlCol="0" anchor="t" anchorCtr="0" compatLnSpc="1">
+                <a:prstTxWarp prst="textNoShape">
+                  <a:avLst/>
+                </a:prstTxWarp>
+              </a:bodyPr>
+              <a:lstStyle/>
+              <a:p>
+                <a:pPr marL="0" marR="0" indent="0" algn="l" defTabSz="914400" rtl="0" eaLnBrk="0" fontAlgn="base" latinLnBrk="0" hangingPunct="0">
+                  <a:lnSpc>
+                    <a:spcPct val="100000"/>
+                  </a:lnSpc>
+                  <a:spcBef>
+                    <a:spcPct val="0"/>
+                  </a:spcBef>
+                  <a:spcAft>
+                    <a:spcPct val="0"/>
+                  </a:spcAft>
+                  <a:buClrTx/>
+                  <a:buSzTx/>
+                  <a:buFontTx/>
+                  <a:buNone/>
+                  <a:tabLst/>
+                </a:pPr>
+                <a:endParaRPr kumimoji="0" lang="en-US" sz="2400" b="0" i="0" u="none" strike="noStrike" cap="none" normalizeH="0" baseline="-25000">
+                  <a:ln>
+                    <a:noFill/>
+                  </a:ln>
+                  <a:solidFill>
+                    <a:schemeClr val="tx1"/>
+                  </a:solidFill>
+                  <a:effectLst>
+                    <a:outerShdw blurRad="38100" dist="38100" dir="2700000" algn="tl">
+                      <a:srgbClr val="000000">
+                        <a:alpha val="43137"/>
+                      </a:srgbClr>
+                    </a:outerShdw>
+                  </a:effectLst>
+                  <a:latin typeface="Arial" pitchFamily="-105" charset="0"/>
+                  <a:ea typeface="ＭＳ Ｐゴシック" pitchFamily="-105" charset="-128"/>
+                  <a:cs typeface="ＭＳ Ｐゴシック" pitchFamily="-105" charset="-128"/>
+                </a:endParaRPr>
+              </a:p>
+            </p:txBody>
+          </p:sp>
+          <p:sp>
+            <p:nvSpPr>
+              <p:cNvPr id="80" name="Oval 79"/>
+              <p:cNvSpPr/>
+              <p:nvPr/>
+            </p:nvSpPr>
+            <p:spPr bwMode="auto">
+              <a:xfrm>
+                <a:off x="3581400" y="1219200"/>
+                <a:ext cx="381000" cy="381000"/>
+              </a:xfrm>
+              <a:prstGeom prst="ellipse">
+                <a:avLst/>
+              </a:prstGeom>
+              <a:solidFill>
+                <a:schemeClr val="accent1"/>
+              </a:solidFill>
+              <a:ln w="9525" cap="flat" cmpd="sng" algn="ctr">
+                <a:solidFill>
+                  <a:schemeClr val="tx1"/>
+                </a:solidFill>
+                <a:prstDash val="solid"/>
+                <a:round/>
+                <a:headEnd type="none" w="med" len="med"/>
+                <a:tailEnd type="none" w="med" len="med"/>
+              </a:ln>
+              <a:effectLst/>
+            </p:spPr>
+            <p:txBody>
+              <a:bodyPr vert="horz" wrap="square" lIns="91440" tIns="45720" rIns="91440" bIns="45720" numCol="1" rtlCol="0" anchor="t" anchorCtr="0" compatLnSpc="1">
+                <a:prstTxWarp prst="textNoShape">
+                  <a:avLst/>
+                </a:prstTxWarp>
+              </a:bodyPr>
+              <a:lstStyle/>
+              <a:p>
+                <a:pPr marL="0" marR="0" indent="0" algn="l" defTabSz="914400" rtl="0" eaLnBrk="0" fontAlgn="base" latinLnBrk="0" hangingPunct="0">
+                  <a:lnSpc>
+                    <a:spcPct val="100000"/>
+                  </a:lnSpc>
+                  <a:spcBef>
+                    <a:spcPct val="0"/>
+                  </a:spcBef>
+                  <a:spcAft>
+                    <a:spcPct val="0"/>
+                  </a:spcAft>
+                  <a:buClrTx/>
+                  <a:buSzTx/>
+                  <a:buFontTx/>
+                  <a:buNone/>
+                  <a:tabLst/>
+                </a:pPr>
+                <a:endParaRPr kumimoji="0" lang="en-US" sz="2400" b="0" i="0" u="none" strike="noStrike" cap="none" normalizeH="0" baseline="-25000">
+                  <a:ln>
+                    <a:noFill/>
+                  </a:ln>
+                  <a:solidFill>
+                    <a:schemeClr val="tx1"/>
+                  </a:solidFill>
+                  <a:effectLst>
+                    <a:outerShdw blurRad="38100" dist="38100" dir="2700000" algn="tl">
+                      <a:srgbClr val="000000">
+                        <a:alpha val="43137"/>
+                      </a:srgbClr>
+                    </a:outerShdw>
+                  </a:effectLst>
+                  <a:latin typeface="Arial" pitchFamily="-105" charset="0"/>
+                  <a:ea typeface="ＭＳ Ｐゴシック" pitchFamily="-105" charset="-128"/>
+                  <a:cs typeface="ＭＳ Ｐゴシック" pitchFamily="-105" charset="-128"/>
+                </a:endParaRPr>
+              </a:p>
+            </p:txBody>
+          </p:sp>
+          <p:sp>
+            <p:nvSpPr>
+              <p:cNvPr id="81" name="Oval 80"/>
+              <p:cNvSpPr/>
+              <p:nvPr/>
+            </p:nvSpPr>
+            <p:spPr bwMode="auto">
+              <a:xfrm>
+                <a:off x="2514600" y="2057400"/>
+                <a:ext cx="381000" cy="381000"/>
+              </a:xfrm>
+              <a:prstGeom prst="ellipse">
+                <a:avLst/>
+              </a:prstGeom>
+              <a:solidFill>
+                <a:schemeClr val="accent1"/>
+              </a:solidFill>
+              <a:ln w="9525" cap="flat" cmpd="sng" algn="ctr">
+                <a:solidFill>
+                  <a:schemeClr val="tx1"/>
+                </a:solidFill>
+                <a:prstDash val="solid"/>
+                <a:round/>
+                <a:headEnd type="none" w="med" len="med"/>
+                <a:tailEnd type="none" w="med" len="med"/>
+              </a:ln>
+              <a:effectLst/>
+            </p:spPr>
+            <p:txBody>
+              <a:bodyPr vert="horz" wrap="square" lIns="91440" tIns="45720" rIns="91440" bIns="45720" numCol="1" rtlCol="0" anchor="t" anchorCtr="0" compatLnSpc="1">
+                <a:prstTxWarp prst="textNoShape">
+                  <a:avLst/>
+                </a:prstTxWarp>
+              </a:bodyPr>
+              <a:lstStyle/>
+              <a:p>
+                <a:pPr marL="0" marR="0" indent="0" algn="l" defTabSz="914400" rtl="0" eaLnBrk="0" fontAlgn="base" latinLnBrk="0" hangingPunct="0">
+                  <a:lnSpc>
+                    <a:spcPct val="100000"/>
+                  </a:lnSpc>
+                  <a:spcBef>
+                    <a:spcPct val="0"/>
+                  </a:spcBef>
+                  <a:spcAft>
+                    <a:spcPct val="0"/>
+                  </a:spcAft>
+                  <a:buClrTx/>
+                  <a:buSzTx/>
+                  <a:buFontTx/>
+                  <a:buNone/>
+                  <a:tabLst/>
+                </a:pPr>
+                <a:endParaRPr kumimoji="0" lang="en-US" sz="2400" b="0" i="0" u="none" strike="noStrike" cap="none" normalizeH="0" baseline="-25000">
+                  <a:ln>
+                    <a:noFill/>
+                  </a:ln>
+                  <a:solidFill>
+                    <a:schemeClr val="tx1"/>
+                  </a:solidFill>
+                  <a:effectLst>
+                    <a:outerShdw blurRad="38100" dist="38100" dir="2700000" algn="tl">
+                      <a:srgbClr val="000000">
+                        <a:alpha val="43137"/>
+                      </a:srgbClr>
+                    </a:outerShdw>
+                  </a:effectLst>
+                  <a:latin typeface="Arial" pitchFamily="-105" charset="0"/>
+                  <a:ea typeface="ＭＳ Ｐゴシック" pitchFamily="-105" charset="-128"/>
+                  <a:cs typeface="ＭＳ Ｐゴシック" pitchFamily="-105" charset="-128"/>
+                </a:endParaRPr>
+              </a:p>
+            </p:txBody>
+          </p:sp>
+          <p:sp>
+            <p:nvSpPr>
+              <p:cNvPr id="82" name="Oval 81"/>
+              <p:cNvSpPr/>
+              <p:nvPr/>
+            </p:nvSpPr>
+            <p:spPr bwMode="auto">
+              <a:xfrm>
+                <a:off x="3581400" y="2057400"/>
+                <a:ext cx="381000" cy="381000"/>
+              </a:xfrm>
+              <a:prstGeom prst="ellipse">
+                <a:avLst/>
+              </a:prstGeom>
+              <a:solidFill>
+                <a:schemeClr val="accent1"/>
+              </a:solidFill>
+              <a:ln w="9525" cap="flat" cmpd="sng" algn="ctr">
+                <a:solidFill>
+                  <a:schemeClr val="tx1"/>
+                </a:solidFill>
+                <a:prstDash val="solid"/>
+                <a:round/>
+                <a:headEnd type="none" w="med" len="med"/>
+                <a:tailEnd type="none" w="med" len="med"/>
+              </a:ln>
+              <a:effectLst/>
+            </p:spPr>
+            <p:txBody>
+              <a:bodyPr vert="horz" wrap="square" lIns="91440" tIns="45720" rIns="91440" bIns="45720" numCol="1" rtlCol="0" anchor="t" anchorCtr="0" compatLnSpc="1">
+                <a:prstTxWarp prst="textNoShape">
+                  <a:avLst/>
+                </a:prstTxWarp>
+              </a:bodyPr>
+              <a:lstStyle/>
+              <a:p>
+                <a:pPr marL="0" marR="0" indent="0" algn="l" defTabSz="914400" rtl="0" eaLnBrk="0" fontAlgn="base" latinLnBrk="0" hangingPunct="0">
+                  <a:lnSpc>
+                    <a:spcPct val="100000"/>
+                  </a:lnSpc>
+                  <a:spcBef>
+                    <a:spcPct val="0"/>
+                  </a:spcBef>
+                  <a:spcAft>
+                    <a:spcPct val="0"/>
+                  </a:spcAft>
+                  <a:buClrTx/>
+                  <a:buSzTx/>
+                  <a:buFontTx/>
+                  <a:buNone/>
+                  <a:tabLst/>
+                </a:pPr>
+                <a:endParaRPr kumimoji="0" lang="en-US" sz="2400" b="0" i="0" u="none" strike="noStrike" cap="none" normalizeH="0" baseline="-25000">
+                  <a:ln>
+                    <a:noFill/>
+                  </a:ln>
+                  <a:solidFill>
+                    <a:schemeClr val="tx1"/>
+                  </a:solidFill>
+                  <a:effectLst>
+                    <a:outerShdw blurRad="38100" dist="38100" dir="2700000" algn="tl">
+                      <a:srgbClr val="000000">
+                        <a:alpha val="43137"/>
+                      </a:srgbClr>
+                    </a:outerShdw>
+                  </a:effectLst>
+                  <a:latin typeface="Arial" pitchFamily="-105" charset="0"/>
+                  <a:ea typeface="ＭＳ Ｐゴシック" pitchFamily="-105" charset="-128"/>
+                  <a:cs typeface="ＭＳ Ｐゴシック" pitchFamily="-105" charset="-128"/>
+                </a:endParaRPr>
+              </a:p>
+            </p:txBody>
+          </p:sp>
+          <p:cxnSp>
+            <p:nvCxnSpPr>
+              <p:cNvPr id="83" name="Straight Connector 82"/>
+              <p:cNvCxnSpPr>
+                <a:stCxn id="79" idx="6"/>
+                <a:endCxn id="80" idx="2"/>
+              </p:cNvCxnSpPr>
+              <p:nvPr/>
+            </p:nvCxnSpPr>
+            <p:spPr bwMode="auto">
+              <a:xfrm>
+                <a:off x="2895600" y="1409700"/>
+                <a:ext cx="685800" cy="0"/>
+              </a:xfrm>
+              <a:prstGeom prst="line">
+                <a:avLst/>
+              </a:prstGeom>
+              <a:solidFill>
+                <a:schemeClr val="accent1"/>
+              </a:solidFill>
+              <a:ln w="9525" cap="flat" cmpd="sng" algn="ctr">
+                <a:solidFill>
+                  <a:schemeClr val="tx1"/>
+                </a:solidFill>
+                <a:prstDash val="solid"/>
+                <a:round/>
+                <a:headEnd type="none" w="med" len="med"/>
+                <a:tailEnd type="none" w="med" len="med"/>
+              </a:ln>
+              <a:effectLst/>
+            </p:spPr>
+          </p:cxnSp>
+          <p:cxnSp>
+            <p:nvCxnSpPr>
+              <p:cNvPr id="84" name="Straight Connector 83"/>
+              <p:cNvCxnSpPr>
+                <a:stCxn id="79" idx="4"/>
+                <a:endCxn id="81" idx="0"/>
+              </p:cNvCxnSpPr>
+              <p:nvPr/>
+            </p:nvCxnSpPr>
+            <p:spPr bwMode="auto">
+              <a:xfrm>
+                <a:off x="2705100" y="1600200"/>
+                <a:ext cx="0" cy="457200"/>
+              </a:xfrm>
+              <a:prstGeom prst="line">
+                <a:avLst/>
+              </a:prstGeom>
+              <a:solidFill>
+                <a:schemeClr val="accent1"/>
+              </a:solidFill>
+              <a:ln w="9525" cap="flat" cmpd="sng" algn="ctr">
+                <a:solidFill>
+                  <a:schemeClr val="tx1"/>
+                </a:solidFill>
+                <a:prstDash val="solid"/>
+                <a:round/>
+                <a:headEnd type="none" w="med" len="med"/>
+                <a:tailEnd type="none" w="med" len="med"/>
+              </a:ln>
+              <a:effectLst/>
+            </p:spPr>
+          </p:cxnSp>
+          <p:cxnSp>
+            <p:nvCxnSpPr>
+              <p:cNvPr id="85" name="Straight Connector 84"/>
+              <p:cNvCxnSpPr>
+                <a:stCxn id="81" idx="6"/>
+                <a:endCxn id="82" idx="2"/>
+              </p:cNvCxnSpPr>
+              <p:nvPr/>
+            </p:nvCxnSpPr>
+            <p:spPr bwMode="auto">
+              <a:xfrm>
+                <a:off x="2895600" y="2247900"/>
+                <a:ext cx="685800" cy="0"/>
+              </a:xfrm>
+              <a:prstGeom prst="line">
+                <a:avLst/>
+              </a:prstGeom>
+              <a:solidFill>
+                <a:schemeClr val="accent1"/>
+              </a:solidFill>
+              <a:ln w="9525" cap="flat" cmpd="sng" algn="ctr">
+                <a:solidFill>
+                  <a:schemeClr val="tx1"/>
+                </a:solidFill>
+                <a:prstDash val="solid"/>
+                <a:round/>
+                <a:headEnd type="none" w="med" len="med"/>
+                <a:tailEnd type="none" w="med" len="med"/>
+              </a:ln>
+              <a:effectLst/>
+            </p:spPr>
+          </p:cxnSp>
+          <p:cxnSp>
+            <p:nvCxnSpPr>
+              <p:cNvPr id="86" name="Straight Connector 85"/>
+              <p:cNvCxnSpPr>
+                <a:stCxn id="80" idx="4"/>
+                <a:endCxn id="82" idx="0"/>
+              </p:cNvCxnSpPr>
+              <p:nvPr/>
+            </p:nvCxnSpPr>
+            <p:spPr bwMode="auto">
+              <a:xfrm>
+                <a:off x="3771900" y="1600200"/>
+                <a:ext cx="0" cy="457200"/>
+              </a:xfrm>
+              <a:prstGeom prst="line">
+                <a:avLst/>
+              </a:prstGeom>
+              <a:solidFill>
+                <a:schemeClr val="accent1"/>
+              </a:solidFill>
+              <a:ln w="9525" cap="flat" cmpd="sng" algn="ctr">
+                <a:solidFill>
+                  <a:schemeClr val="tx1"/>
+                </a:solidFill>
+                <a:prstDash val="solid"/>
+                <a:round/>
+                <a:headEnd type="none" w="med" len="med"/>
+                <a:tailEnd type="none" w="med" len="med"/>
+              </a:ln>
+              <a:effectLst/>
+            </p:spPr>
+          </p:cxnSp>
+          <p:sp>
+            <p:nvSpPr>
+              <p:cNvPr id="88" name="TextBox 87"/>
+              <p:cNvSpPr txBox="1"/>
+              <p:nvPr/>
+            </p:nvSpPr>
+            <p:spPr>
+              <a:xfrm>
+                <a:off x="838200" y="914400"/>
+                <a:ext cx="457200" cy="292388"/>
+              </a:xfrm>
+              <a:prstGeom prst="rect">
+                <a:avLst/>
+              </a:prstGeom>
+              <a:noFill/>
+            </p:spPr>
+            <p:txBody>
+              <a:bodyPr wrap="square" rtlCol="0">
+                <a:spAutoFit/>
+              </a:bodyPr>
+              <a:lstStyle/>
+              <a:p>
+                <a:r>
+                  <a:rPr lang="en-US" sz="1300" dirty="0" smtClean="0"/>
+                  <a:t>0.9</a:t>
+                </a:r>
+                <a:endParaRPr lang="en-US" sz="1300" dirty="0"/>
+              </a:p>
+            </p:txBody>
+          </p:sp>
+          <p:sp>
+            <p:nvSpPr>
+              <p:cNvPr id="89" name="TextBox 88"/>
+              <p:cNvSpPr txBox="1"/>
+              <p:nvPr/>
+            </p:nvSpPr>
+            <p:spPr>
+              <a:xfrm>
+                <a:off x="914400" y="2209800"/>
+                <a:ext cx="457200" cy="292388"/>
+              </a:xfrm>
+              <a:prstGeom prst="rect">
+                <a:avLst/>
+              </a:prstGeom>
+              <a:noFill/>
+            </p:spPr>
+            <p:txBody>
+              <a:bodyPr wrap="square" rtlCol="0">
+                <a:spAutoFit/>
+              </a:bodyPr>
+              <a:lstStyle/>
+              <a:p>
+                <a:r>
+                  <a:rPr lang="en-US" sz="1300" dirty="0" smtClean="0"/>
+                  <a:t>0.8</a:t>
+                </a:r>
+                <a:endParaRPr lang="en-US" sz="1300" dirty="0"/>
+              </a:p>
+            </p:txBody>
+          </p:sp>
+          <p:sp>
+            <p:nvSpPr>
+              <p:cNvPr id="91" name="TextBox 90"/>
+              <p:cNvSpPr txBox="1"/>
+              <p:nvPr/>
+            </p:nvSpPr>
+            <p:spPr>
+              <a:xfrm>
+                <a:off x="3048000" y="1066800"/>
+                <a:ext cx="457200" cy="292388"/>
+              </a:xfrm>
+              <a:prstGeom prst="rect">
+                <a:avLst/>
+              </a:prstGeom>
+              <a:noFill/>
+            </p:spPr>
+            <p:txBody>
+              <a:bodyPr wrap="square" rtlCol="0">
+                <a:spAutoFit/>
+              </a:bodyPr>
+              <a:lstStyle/>
+              <a:p>
+                <a:r>
+                  <a:rPr lang="en-US" sz="1300" dirty="0" smtClean="0"/>
+                  <a:t>0.8</a:t>
+                </a:r>
+                <a:endParaRPr lang="en-US" sz="1300" dirty="0"/>
+              </a:p>
+            </p:txBody>
+          </p:sp>
+          <p:sp>
+            <p:nvSpPr>
+              <p:cNvPr id="92" name="TextBox 91"/>
+              <p:cNvSpPr txBox="1"/>
+              <p:nvPr/>
+            </p:nvSpPr>
+            <p:spPr>
+              <a:xfrm>
+                <a:off x="2971800" y="2286000"/>
+                <a:ext cx="533400" cy="292388"/>
+              </a:xfrm>
+              <a:prstGeom prst="rect">
+                <a:avLst/>
+              </a:prstGeom>
+              <a:noFill/>
+            </p:spPr>
+            <p:txBody>
+              <a:bodyPr wrap="square" rtlCol="0">
+                <a:spAutoFit/>
+              </a:bodyPr>
+              <a:lstStyle/>
+              <a:p>
+                <a:r>
+                  <a:rPr lang="en-US" sz="1300" dirty="0" smtClean="0"/>
+                  <a:t>0.75</a:t>
+                </a:r>
+                <a:endParaRPr lang="en-US" sz="1300" dirty="0"/>
+              </a:p>
+            </p:txBody>
+          </p:sp>
+          <p:sp>
+            <p:nvSpPr>
+              <p:cNvPr id="93" name="TextBox 92"/>
+              <p:cNvSpPr txBox="1"/>
+              <p:nvPr/>
+            </p:nvSpPr>
+            <p:spPr>
+              <a:xfrm>
+                <a:off x="3810000" y="1676400"/>
+                <a:ext cx="457200" cy="292388"/>
+              </a:xfrm>
+              <a:prstGeom prst="rect">
+                <a:avLst/>
+              </a:prstGeom>
+              <a:noFill/>
+            </p:spPr>
+            <p:txBody>
+              <a:bodyPr wrap="square" rtlCol="0">
+                <a:spAutoFit/>
+              </a:bodyPr>
+              <a:lstStyle/>
+              <a:p>
+                <a:r>
+                  <a:rPr lang="en-US" sz="1300" dirty="0" smtClean="0"/>
+                  <a:t>0.9</a:t>
+                </a:r>
+                <a:endParaRPr lang="en-US" sz="1300" dirty="0"/>
+              </a:p>
+            </p:txBody>
+          </p:sp>
+        </p:grpSp>
+      </p:grpSp>
+      <p:sp>
+        <p:nvSpPr>
+          <p:cNvPr id="96" name="Curved Right Arrow 95"/>
+          <p:cNvSpPr/>
+          <p:nvPr/>
+        </p:nvSpPr>
+        <p:spPr bwMode="auto">
+          <a:xfrm>
+            <a:off x="3048000" y="2590800"/>
+            <a:ext cx="1143000" cy="1447800"/>
+          </a:xfrm>
+          <a:prstGeom prst="curvedRightArrow">
+            <a:avLst/>
+          </a:prstGeom>
+          <a:solidFill>
+            <a:schemeClr val="accent1"/>
+          </a:solidFill>
+          <a:ln w="9525" cap="flat" cmpd="sng" algn="ctr">
+            <a:solidFill>
+              <a:schemeClr val="tx1"/>
+            </a:solidFill>
+            <a:prstDash val="solid"/>
+            <a:round/>
+            <a:headEnd type="none" w="med" len="med"/>
+            <a:tailEnd type="none" w="med" len="med"/>
+          </a:ln>
+          <a:effectLst/>
+        </p:spPr>
+        <p:txBody>
+          <a:bodyPr vert="horz" wrap="square" lIns="91440" tIns="45720" rIns="91440" bIns="45720" numCol="1" rtlCol="0" anchor="t" anchorCtr="0" compatLnSpc="1">
+            <a:prstTxWarp prst="textNoShape">
+              <a:avLst/>
+            </a:prstTxWarp>
+          </a:bodyPr>
+          <a:lstStyle/>
+          <a:p>
+            <a:pPr marL="0" marR="0" indent="0" algn="l" defTabSz="914400" rtl="0" eaLnBrk="0" fontAlgn="base" latinLnBrk="0" hangingPunct="0">
+              <a:lnSpc>
+                <a:spcPct val="100000"/>
+              </a:lnSpc>
+              <a:spcBef>
+                <a:spcPct val="0"/>
+              </a:spcBef>
+              <a:spcAft>
+                <a:spcPct val="0"/>
+              </a:spcAft>
+              <a:buClrTx/>
+              <a:buSzTx/>
+              <a:buFontTx/>
+              <a:buNone/>
+              <a:tabLst/>
+            </a:pPr>
+            <a:endParaRPr kumimoji="0" lang="en-US" sz="2400" b="0" i="0" u="none" strike="noStrike" cap="none" normalizeH="0" baseline="-25000">
+              <a:ln>
+                <a:noFill/>
+              </a:ln>
+              <a:solidFill>
+                <a:schemeClr val="tx1"/>
+              </a:solidFill>
+              <a:effectLst>
+                <a:outerShdw blurRad="38100" dist="38100" dir="2700000" algn="tl">
+                  <a:srgbClr val="000000">
+                    <a:alpha val="43137"/>
+                  </a:srgbClr>
+                </a:outerShdw>
+              </a:effectLst>
+              <a:latin typeface="Arial" pitchFamily="-105" charset="0"/>
+              <a:ea typeface="ＭＳ Ｐゴシック" pitchFamily="-105" charset="-128"/>
+              <a:cs typeface="ＭＳ Ｐゴシック" pitchFamily="-105" charset="-128"/>
+            </a:endParaRPr>
+          </a:p>
+        </p:txBody>
+      </p:sp>
+      <p:sp>
+        <p:nvSpPr>
+          <p:cNvPr id="97" name="TextBox 96"/>
+          <p:cNvSpPr txBox="1"/>
+          <p:nvPr/>
+        </p:nvSpPr>
+        <p:spPr>
+          <a:xfrm>
+            <a:off x="228600" y="2971800"/>
+            <a:ext cx="2667000" cy="338554"/>
+          </a:xfrm>
+          <a:prstGeom prst="rect">
+            <a:avLst/>
+          </a:prstGeom>
+          <a:noFill/>
+        </p:spPr>
+        <p:txBody>
+          <a:bodyPr wrap="square" rtlCol="0">
+            <a:spAutoFit/>
+          </a:bodyPr>
+          <a:lstStyle/>
+          <a:p>
+            <a:r>
+              <a:rPr lang="en-US" sz="1600" dirty="0" smtClean="0"/>
+              <a:t>Removing lowest weight edge </a:t>
+            </a:r>
+            <a:endParaRPr lang="en-US" sz="1600" dirty="0"/>
+          </a:p>
+        </p:txBody>
+      </p:sp>
+      <p:sp>
+        <p:nvSpPr>
+          <p:cNvPr id="98" name="Curved Left Arrow 97"/>
+          <p:cNvSpPr/>
+          <p:nvPr/>
+        </p:nvSpPr>
+        <p:spPr bwMode="auto">
+          <a:xfrm>
+            <a:off x="4648200" y="4800600"/>
+            <a:ext cx="1524000" cy="1295400"/>
+          </a:xfrm>
+          <a:prstGeom prst="curvedLeftArrow">
+            <a:avLst/>
+          </a:prstGeom>
+          <a:solidFill>
+            <a:schemeClr val="accent1"/>
+          </a:solidFill>
+          <a:ln w="9525" cap="flat" cmpd="sng" algn="ctr">
+            <a:solidFill>
+              <a:schemeClr val="tx1"/>
+            </a:solidFill>
+            <a:prstDash val="solid"/>
+            <a:round/>
+            <a:headEnd type="none" w="med" len="med"/>
+            <a:tailEnd type="none" w="med" len="med"/>
+          </a:ln>
+          <a:effectLst/>
+        </p:spPr>
+        <p:txBody>
+          <a:bodyPr vert="horz" wrap="square" lIns="91440" tIns="45720" rIns="91440" bIns="45720" numCol="1" rtlCol="0" anchor="t" anchorCtr="0" compatLnSpc="1">
+            <a:prstTxWarp prst="textNoShape">
+              <a:avLst/>
+            </a:prstTxWarp>
+          </a:bodyPr>
+          <a:lstStyle/>
+          <a:p>
+            <a:pPr marL="0" marR="0" indent="0" algn="l" defTabSz="914400" rtl="0" eaLnBrk="0" fontAlgn="base" latinLnBrk="0" hangingPunct="0">
+              <a:lnSpc>
+                <a:spcPct val="100000"/>
+              </a:lnSpc>
+              <a:spcBef>
+                <a:spcPct val="0"/>
+              </a:spcBef>
+              <a:spcAft>
+                <a:spcPct val="0"/>
+              </a:spcAft>
+              <a:buClrTx/>
+              <a:buSzTx/>
+              <a:buFontTx/>
+              <a:buNone/>
+              <a:tabLst/>
+            </a:pPr>
+            <a:endParaRPr kumimoji="0" lang="en-US" sz="2400" b="0" i="0" u="none" strike="noStrike" cap="none" normalizeH="0" baseline="-25000">
+              <a:ln>
+                <a:noFill/>
+              </a:ln>
+              <a:solidFill>
+                <a:schemeClr val="tx1"/>
+              </a:solidFill>
+              <a:effectLst>
+                <a:outerShdw blurRad="38100" dist="38100" dir="2700000" algn="tl">
+                  <a:srgbClr val="000000">
+                    <a:alpha val="43137"/>
+                  </a:srgbClr>
+                </a:outerShdw>
+              </a:effectLst>
+              <a:latin typeface="Arial" pitchFamily="-105" charset="0"/>
+              <a:ea typeface="ＭＳ Ｐゴシック" pitchFamily="-105" charset="-128"/>
+              <a:cs typeface="ＭＳ Ｐゴシック" pitchFamily="-105" charset="-128"/>
+            </a:endParaRPr>
+          </a:p>
+        </p:txBody>
+      </p:sp>
+      <p:sp>
+        <p:nvSpPr>
+          <p:cNvPr id="124" name="TextBox 123"/>
+          <p:cNvSpPr txBox="1"/>
+          <p:nvPr/>
+        </p:nvSpPr>
+        <p:spPr>
+          <a:xfrm>
+            <a:off x="2743200" y="1676400"/>
+            <a:ext cx="457200" cy="292388"/>
+          </a:xfrm>
+          <a:prstGeom prst="rect">
+            <a:avLst/>
+          </a:prstGeom>
+          <a:noFill/>
+        </p:spPr>
+        <p:txBody>
+          <a:bodyPr wrap="square" rtlCol="0">
+            <a:spAutoFit/>
+          </a:bodyPr>
+          <a:lstStyle/>
+          <a:p>
+            <a:r>
+              <a:rPr lang="en-US" sz="1300" dirty="0" smtClean="0"/>
+              <a:t>0.9</a:t>
+            </a:r>
+            <a:endParaRPr lang="en-US" sz="1300" dirty="0"/>
+          </a:p>
+        </p:txBody>
+      </p:sp>
+      <p:sp>
+        <p:nvSpPr>
+          <p:cNvPr id="125" name="TextBox 124"/>
+          <p:cNvSpPr txBox="1"/>
+          <p:nvPr/>
+        </p:nvSpPr>
+        <p:spPr>
+          <a:xfrm>
+            <a:off x="1143000" y="1600200"/>
+            <a:ext cx="457200" cy="292388"/>
+          </a:xfrm>
+          <a:prstGeom prst="rect">
+            <a:avLst/>
+          </a:prstGeom>
+          <a:noFill/>
+        </p:spPr>
+        <p:txBody>
+          <a:bodyPr wrap="square" rtlCol="0">
+            <a:spAutoFit/>
+          </a:bodyPr>
+          <a:lstStyle/>
+          <a:p>
+            <a:r>
+              <a:rPr lang="en-US" sz="1300" dirty="0" smtClean="0"/>
+              <a:t>0.9</a:t>
+            </a:r>
+            <a:endParaRPr lang="en-US" sz="1300" dirty="0"/>
+          </a:p>
+        </p:txBody>
+      </p:sp>
+      <p:sp>
+        <p:nvSpPr>
+          <p:cNvPr id="126" name="TextBox 125"/>
+          <p:cNvSpPr txBox="1"/>
+          <p:nvPr/>
+        </p:nvSpPr>
+        <p:spPr>
+          <a:xfrm>
+            <a:off x="6400800" y="3505200"/>
+            <a:ext cx="457200" cy="292388"/>
+          </a:xfrm>
+          <a:prstGeom prst="rect">
+            <a:avLst/>
+          </a:prstGeom>
+          <a:noFill/>
+        </p:spPr>
+        <p:txBody>
+          <a:bodyPr wrap="square" rtlCol="0">
+            <a:spAutoFit/>
+          </a:bodyPr>
+          <a:lstStyle/>
+          <a:p>
+            <a:r>
+              <a:rPr lang="en-US" sz="1300" dirty="0" smtClean="0"/>
+              <a:t>0.9</a:t>
+            </a:r>
+            <a:endParaRPr lang="en-US" sz="1300" dirty="0"/>
+          </a:p>
+        </p:txBody>
+      </p:sp>
+      <p:sp>
+        <p:nvSpPr>
+          <p:cNvPr id="127" name="TextBox 126"/>
+          <p:cNvSpPr txBox="1"/>
+          <p:nvPr/>
+        </p:nvSpPr>
+        <p:spPr>
+          <a:xfrm>
+            <a:off x="6781800" y="3429000"/>
+            <a:ext cx="457200" cy="292388"/>
+          </a:xfrm>
+          <a:prstGeom prst="rect">
+            <a:avLst/>
+          </a:prstGeom>
+          <a:noFill/>
+        </p:spPr>
+        <p:txBody>
+          <a:bodyPr wrap="square" rtlCol="0">
+            <a:spAutoFit/>
+          </a:bodyPr>
+          <a:lstStyle/>
+          <a:p>
+            <a:r>
+              <a:rPr lang="en-US" sz="1300" dirty="0" smtClean="0"/>
+              <a:t>0.9</a:t>
+            </a:r>
+            <a:endParaRPr lang="en-US" sz="1300" dirty="0"/>
+          </a:p>
+        </p:txBody>
+      </p:sp>
+      <p:grpSp>
+        <p:nvGrpSpPr>
+          <p:cNvPr id="131" name="Group 130"/>
+          <p:cNvGrpSpPr/>
+          <p:nvPr/>
+        </p:nvGrpSpPr>
+        <p:grpSpPr>
+          <a:xfrm>
+            <a:off x="609600" y="4114800"/>
+            <a:ext cx="4191000" cy="1663988"/>
+            <a:chOff x="304800" y="4419600"/>
+            <a:chExt cx="4191000" cy="1663988"/>
+          </a:xfrm>
+        </p:grpSpPr>
+        <p:sp>
+          <p:nvSpPr>
+            <p:cNvPr id="128" name="TextBox 127"/>
+            <p:cNvSpPr txBox="1"/>
+            <p:nvPr/>
+          </p:nvSpPr>
+          <p:spPr>
+            <a:xfrm>
+              <a:off x="2534920" y="5151120"/>
+              <a:ext cx="457200" cy="292388"/>
+            </a:xfrm>
+            <a:prstGeom prst="rect">
+              <a:avLst/>
+            </a:prstGeom>
+            <a:noFill/>
+          </p:spPr>
+          <p:txBody>
+            <a:bodyPr wrap="square" rtlCol="0">
+              <a:spAutoFit/>
+            </a:bodyPr>
+            <a:lstStyle/>
+            <a:p>
+              <a:r>
+                <a:rPr lang="en-US" sz="1300" dirty="0" smtClean="0"/>
+                <a:t>0.9</a:t>
+              </a:r>
+              <a:endParaRPr lang="en-US" sz="1300" dirty="0"/>
+            </a:p>
+          </p:txBody>
+        </p:sp>
+        <p:grpSp>
+          <p:nvGrpSpPr>
+            <p:cNvPr id="130" name="Group 129"/>
+            <p:cNvGrpSpPr/>
+            <p:nvPr/>
+          </p:nvGrpSpPr>
+          <p:grpSpPr>
+            <a:xfrm>
+              <a:off x="304800" y="4419600"/>
+              <a:ext cx="4191000" cy="1663988"/>
+              <a:chOff x="304800" y="4419600"/>
+              <a:chExt cx="4191000" cy="1663988"/>
+            </a:xfrm>
+          </p:grpSpPr>
+          <p:grpSp>
+            <p:nvGrpSpPr>
+              <p:cNvPr id="99" name="Group 98"/>
+              <p:cNvGrpSpPr/>
+              <p:nvPr/>
+            </p:nvGrpSpPr>
+            <p:grpSpPr>
+              <a:xfrm>
+                <a:off x="304800" y="4419600"/>
+                <a:ext cx="4191000" cy="1663988"/>
+                <a:chOff x="76200" y="914400"/>
+                <a:chExt cx="4191000" cy="1663988"/>
+              </a:xfrm>
+            </p:grpSpPr>
+            <p:sp>
+              <p:nvSpPr>
+                <p:cNvPr id="100" name="TextBox 99"/>
+                <p:cNvSpPr txBox="1"/>
+                <p:nvPr/>
+              </p:nvSpPr>
+              <p:spPr>
+                <a:xfrm>
+                  <a:off x="76200" y="1600200"/>
+                  <a:ext cx="457200" cy="292388"/>
+                </a:xfrm>
+                <a:prstGeom prst="rect">
+                  <a:avLst/>
+                </a:prstGeom>
+                <a:noFill/>
+              </p:spPr>
+              <p:txBody>
+                <a:bodyPr wrap="square" rtlCol="0">
+                  <a:spAutoFit/>
+                </a:bodyPr>
+                <a:lstStyle/>
+                <a:p>
+                  <a:r>
+                    <a:rPr lang="en-US" sz="1300" dirty="0" smtClean="0"/>
+                    <a:t>0.6</a:t>
+                  </a:r>
+                  <a:endParaRPr lang="en-US" sz="1300" dirty="0"/>
+                </a:p>
+              </p:txBody>
+            </p:sp>
+            <p:grpSp>
+              <p:nvGrpSpPr>
+                <p:cNvPr id="101" name="Group 100"/>
+                <p:cNvGrpSpPr/>
+                <p:nvPr/>
+              </p:nvGrpSpPr>
+              <p:grpSpPr>
+                <a:xfrm>
+                  <a:off x="381000" y="914400"/>
+                  <a:ext cx="3886200" cy="1663988"/>
+                  <a:chOff x="381000" y="914400"/>
+                  <a:chExt cx="3886200" cy="1663988"/>
+                </a:xfrm>
+              </p:grpSpPr>
+              <p:sp>
+                <p:nvSpPr>
+                  <p:cNvPr id="102" name="Oval 101"/>
+                  <p:cNvSpPr/>
+                  <p:nvPr/>
+                </p:nvSpPr>
+                <p:spPr bwMode="auto">
+                  <a:xfrm>
+                    <a:off x="381000" y="1143000"/>
+                    <a:ext cx="381000" cy="381000"/>
+                  </a:xfrm>
+                  <a:prstGeom prst="ellipse">
+                    <a:avLst/>
+                  </a:prstGeom>
+                  <a:solidFill>
+                    <a:schemeClr val="accent1"/>
+                  </a:solidFill>
+                  <a:ln w="9525" cap="flat" cmpd="sng" algn="ctr">
+                    <a:solidFill>
+                      <a:schemeClr val="tx1"/>
+                    </a:solidFill>
+                    <a:prstDash val="solid"/>
+                    <a:round/>
+                    <a:headEnd type="none" w="med" len="med"/>
+                    <a:tailEnd type="none" w="med" len="med"/>
+                  </a:ln>
+                  <a:effectLst/>
+                </p:spPr>
+                <p:txBody>
+                  <a:bodyPr vert="horz" wrap="square" lIns="91440" tIns="45720" rIns="91440" bIns="45720" numCol="1" rtlCol="0" anchor="t" anchorCtr="0" compatLnSpc="1">
+                    <a:prstTxWarp prst="textNoShape">
+                      <a:avLst/>
+                    </a:prstTxWarp>
+                  </a:bodyPr>
+                  <a:lstStyle/>
+                  <a:p>
+                    <a:pPr marL="0" marR="0" indent="0" algn="l" defTabSz="914400" rtl="0" eaLnBrk="0" fontAlgn="base" latinLnBrk="0" hangingPunct="0">
+                      <a:lnSpc>
+                        <a:spcPct val="100000"/>
+                      </a:lnSpc>
+                      <a:spcBef>
+                        <a:spcPct val="0"/>
+                      </a:spcBef>
+                      <a:spcAft>
+                        <a:spcPct val="0"/>
+                      </a:spcAft>
+                      <a:buClrTx/>
+                      <a:buSzTx/>
+                      <a:buFontTx/>
+                      <a:buNone/>
+                      <a:tabLst/>
+                    </a:pPr>
+                    <a:endParaRPr kumimoji="0" lang="en-US" sz="2400" b="0" i="0" u="none" strike="noStrike" cap="none" normalizeH="0" baseline="-25000" dirty="0">
+                      <a:ln>
+                        <a:noFill/>
+                      </a:ln>
+                      <a:solidFill>
+                        <a:schemeClr val="tx1"/>
+                      </a:solidFill>
+                      <a:effectLst>
+                        <a:outerShdw blurRad="38100" dist="38100" dir="2700000" algn="tl">
+                          <a:srgbClr val="000000">
+                            <a:alpha val="43137"/>
+                          </a:srgbClr>
+                        </a:outerShdw>
+                      </a:effectLst>
+                      <a:latin typeface="Arial" pitchFamily="-105" charset="0"/>
+                      <a:ea typeface="ＭＳ Ｐゴシック" pitchFamily="-105" charset="-128"/>
+                      <a:cs typeface="ＭＳ Ｐゴシック" pitchFamily="-105" charset="-128"/>
+                    </a:endParaRPr>
+                  </a:p>
+                </p:txBody>
+              </p:sp>
+              <p:sp>
+                <p:nvSpPr>
+                  <p:cNvPr id="103" name="Oval 102"/>
+                  <p:cNvSpPr/>
+                  <p:nvPr/>
+                </p:nvSpPr>
+                <p:spPr bwMode="auto">
+                  <a:xfrm>
+                    <a:off x="1447800" y="1143000"/>
+                    <a:ext cx="381000" cy="381000"/>
+                  </a:xfrm>
+                  <a:prstGeom prst="ellipse">
+                    <a:avLst/>
+                  </a:prstGeom>
+                  <a:solidFill>
+                    <a:schemeClr val="accent1"/>
+                  </a:solidFill>
+                  <a:ln w="9525" cap="flat" cmpd="sng" algn="ctr">
+                    <a:solidFill>
+                      <a:schemeClr val="tx1"/>
+                    </a:solidFill>
+                    <a:prstDash val="solid"/>
+                    <a:round/>
+                    <a:headEnd type="none" w="med" len="med"/>
+                    <a:tailEnd type="none" w="med" len="med"/>
+                  </a:ln>
+                  <a:effectLst/>
+                </p:spPr>
+                <p:txBody>
+                  <a:bodyPr vert="horz" wrap="square" lIns="91440" tIns="45720" rIns="91440" bIns="45720" numCol="1" rtlCol="0" anchor="t" anchorCtr="0" compatLnSpc="1">
+                    <a:prstTxWarp prst="textNoShape">
+                      <a:avLst/>
+                    </a:prstTxWarp>
+                  </a:bodyPr>
+                  <a:lstStyle/>
+                  <a:p>
+                    <a:pPr marL="0" marR="0" indent="0" algn="l" defTabSz="914400" rtl="0" eaLnBrk="0" fontAlgn="base" latinLnBrk="0" hangingPunct="0">
+                      <a:lnSpc>
+                        <a:spcPct val="100000"/>
+                      </a:lnSpc>
+                      <a:spcBef>
+                        <a:spcPct val="0"/>
+                      </a:spcBef>
+                      <a:spcAft>
+                        <a:spcPct val="0"/>
+                      </a:spcAft>
+                      <a:buClrTx/>
+                      <a:buSzTx/>
+                      <a:buFontTx/>
+                      <a:buNone/>
+                      <a:tabLst/>
+                    </a:pPr>
+                    <a:endParaRPr kumimoji="0" lang="en-US" sz="2400" b="0" i="0" u="none" strike="noStrike" cap="none" normalizeH="0" baseline="-25000">
+                      <a:ln>
+                        <a:noFill/>
+                      </a:ln>
+                      <a:solidFill>
+                        <a:schemeClr val="tx1"/>
+                      </a:solidFill>
+                      <a:effectLst>
+                        <a:outerShdw blurRad="38100" dist="38100" dir="2700000" algn="tl">
+                          <a:srgbClr val="000000">
+                            <a:alpha val="43137"/>
+                          </a:srgbClr>
+                        </a:outerShdw>
+                      </a:effectLst>
+                      <a:latin typeface="Arial" pitchFamily="-105" charset="0"/>
+                      <a:ea typeface="ＭＳ Ｐゴシック" pitchFamily="-105" charset="-128"/>
+                      <a:cs typeface="ＭＳ Ｐゴシック" pitchFamily="-105" charset="-128"/>
+                    </a:endParaRPr>
+                  </a:p>
+                </p:txBody>
+              </p:sp>
+              <p:sp>
+                <p:nvSpPr>
+                  <p:cNvPr id="104" name="Oval 103"/>
+                  <p:cNvSpPr/>
+                  <p:nvPr/>
+                </p:nvSpPr>
+                <p:spPr bwMode="auto">
+                  <a:xfrm>
+                    <a:off x="381000" y="1981200"/>
+                    <a:ext cx="381000" cy="381000"/>
+                  </a:xfrm>
+                  <a:prstGeom prst="ellipse">
+                    <a:avLst/>
+                  </a:prstGeom>
+                  <a:solidFill>
+                    <a:schemeClr val="accent1"/>
+                  </a:solidFill>
+                  <a:ln w="9525" cap="flat" cmpd="sng" algn="ctr">
+                    <a:solidFill>
+                      <a:schemeClr val="tx1"/>
+                    </a:solidFill>
+                    <a:prstDash val="solid"/>
+                    <a:round/>
+                    <a:headEnd type="none" w="med" len="med"/>
+                    <a:tailEnd type="none" w="med" len="med"/>
+                  </a:ln>
+                  <a:effectLst/>
+                </p:spPr>
+                <p:txBody>
+                  <a:bodyPr vert="horz" wrap="square" lIns="91440" tIns="45720" rIns="91440" bIns="45720" numCol="1" rtlCol="0" anchor="t" anchorCtr="0" compatLnSpc="1">
+                    <a:prstTxWarp prst="textNoShape">
+                      <a:avLst/>
+                    </a:prstTxWarp>
+                  </a:bodyPr>
+                  <a:lstStyle/>
+                  <a:p>
+                    <a:pPr marL="0" marR="0" indent="0" algn="l" defTabSz="914400" rtl="0" eaLnBrk="0" fontAlgn="base" latinLnBrk="0" hangingPunct="0">
+                      <a:lnSpc>
+                        <a:spcPct val="100000"/>
+                      </a:lnSpc>
+                      <a:spcBef>
+                        <a:spcPct val="0"/>
+                      </a:spcBef>
+                      <a:spcAft>
+                        <a:spcPct val="0"/>
+                      </a:spcAft>
+                      <a:buClrTx/>
+                      <a:buSzTx/>
+                      <a:buFontTx/>
+                      <a:buNone/>
+                      <a:tabLst/>
+                    </a:pPr>
+                    <a:endParaRPr kumimoji="0" lang="en-US" sz="2400" b="0" i="0" u="none" strike="noStrike" cap="none" normalizeH="0" baseline="-25000">
+                      <a:ln>
+                        <a:noFill/>
+                      </a:ln>
+                      <a:solidFill>
+                        <a:schemeClr val="tx1"/>
+                      </a:solidFill>
+                      <a:effectLst>
+                        <a:outerShdw blurRad="38100" dist="38100" dir="2700000" algn="tl">
+                          <a:srgbClr val="000000">
+                            <a:alpha val="43137"/>
+                          </a:srgbClr>
+                        </a:outerShdw>
+                      </a:effectLst>
+                      <a:latin typeface="Arial" pitchFamily="-105" charset="0"/>
+                      <a:ea typeface="ＭＳ Ｐゴシック" pitchFamily="-105" charset="-128"/>
+                      <a:cs typeface="ＭＳ Ｐゴシック" pitchFamily="-105" charset="-128"/>
+                    </a:endParaRPr>
+                  </a:p>
+                </p:txBody>
+              </p:sp>
+              <p:sp>
+                <p:nvSpPr>
+                  <p:cNvPr id="105" name="Oval 104"/>
+                  <p:cNvSpPr/>
+                  <p:nvPr/>
+                </p:nvSpPr>
+                <p:spPr bwMode="auto">
+                  <a:xfrm>
+                    <a:off x="1447800" y="1981200"/>
+                    <a:ext cx="381000" cy="381000"/>
+                  </a:xfrm>
+                  <a:prstGeom prst="ellipse">
+                    <a:avLst/>
+                  </a:prstGeom>
+                  <a:solidFill>
+                    <a:schemeClr val="accent1"/>
+                  </a:solidFill>
+                  <a:ln w="9525" cap="flat" cmpd="sng" algn="ctr">
+                    <a:solidFill>
+                      <a:schemeClr val="tx1"/>
+                    </a:solidFill>
+                    <a:prstDash val="solid"/>
+                    <a:round/>
+                    <a:headEnd type="none" w="med" len="med"/>
+                    <a:tailEnd type="none" w="med" len="med"/>
+                  </a:ln>
+                  <a:effectLst/>
+                </p:spPr>
+                <p:txBody>
+                  <a:bodyPr vert="horz" wrap="square" lIns="91440" tIns="45720" rIns="91440" bIns="45720" numCol="1" rtlCol="0" anchor="t" anchorCtr="0" compatLnSpc="1">
+                    <a:prstTxWarp prst="textNoShape">
+                      <a:avLst/>
+                    </a:prstTxWarp>
+                  </a:bodyPr>
+                  <a:lstStyle/>
+                  <a:p>
+                    <a:pPr marL="0" marR="0" indent="0" algn="l" defTabSz="914400" rtl="0" eaLnBrk="0" fontAlgn="base" latinLnBrk="0" hangingPunct="0">
+                      <a:lnSpc>
+                        <a:spcPct val="100000"/>
+                      </a:lnSpc>
+                      <a:spcBef>
+                        <a:spcPct val="0"/>
+                      </a:spcBef>
+                      <a:spcAft>
+                        <a:spcPct val="0"/>
+                      </a:spcAft>
+                      <a:buClrTx/>
+                      <a:buSzTx/>
+                      <a:buFontTx/>
+                      <a:buNone/>
+                      <a:tabLst/>
+                    </a:pPr>
+                    <a:endParaRPr kumimoji="0" lang="en-US" sz="2400" b="0" i="0" u="none" strike="noStrike" cap="none" normalizeH="0" baseline="-25000">
+                      <a:ln>
+                        <a:noFill/>
+                      </a:ln>
+                      <a:solidFill>
+                        <a:schemeClr val="tx1"/>
+                      </a:solidFill>
+                      <a:effectLst>
+                        <a:outerShdw blurRad="38100" dist="38100" dir="2700000" algn="tl">
+                          <a:srgbClr val="000000">
+                            <a:alpha val="43137"/>
+                          </a:srgbClr>
+                        </a:outerShdw>
+                      </a:effectLst>
+                      <a:latin typeface="Arial" pitchFamily="-105" charset="0"/>
+                      <a:ea typeface="ＭＳ Ｐゴシック" pitchFamily="-105" charset="-128"/>
+                      <a:cs typeface="ＭＳ Ｐゴシック" pitchFamily="-105" charset="-128"/>
+                    </a:endParaRPr>
+                  </a:p>
+                </p:txBody>
+              </p:sp>
+              <p:cxnSp>
+                <p:nvCxnSpPr>
+                  <p:cNvPr id="106" name="Straight Connector 105"/>
+                  <p:cNvCxnSpPr>
+                    <a:stCxn id="102" idx="6"/>
+                    <a:endCxn id="103" idx="2"/>
+                  </p:cNvCxnSpPr>
+                  <p:nvPr/>
+                </p:nvCxnSpPr>
+                <p:spPr bwMode="auto">
+                  <a:xfrm>
+                    <a:off x="762000" y="1333500"/>
+                    <a:ext cx="685800" cy="0"/>
+                  </a:xfrm>
+                  <a:prstGeom prst="line">
+                    <a:avLst/>
+                  </a:prstGeom>
+                  <a:solidFill>
+                    <a:schemeClr val="accent1"/>
+                  </a:solidFill>
+                  <a:ln w="9525" cap="flat" cmpd="sng" algn="ctr">
+                    <a:solidFill>
+                      <a:schemeClr val="tx1"/>
+                    </a:solidFill>
+                    <a:prstDash val="solid"/>
+                    <a:round/>
+                    <a:headEnd type="none" w="med" len="med"/>
+                    <a:tailEnd type="none" w="med" len="med"/>
+                  </a:ln>
+                  <a:effectLst/>
+                </p:spPr>
+              </p:cxnSp>
+              <p:cxnSp>
+                <p:nvCxnSpPr>
+                  <p:cNvPr id="107" name="Straight Connector 106"/>
+                  <p:cNvCxnSpPr>
+                    <a:stCxn id="102" idx="4"/>
+                    <a:endCxn id="104" idx="0"/>
+                  </p:cNvCxnSpPr>
+                  <p:nvPr/>
+                </p:nvCxnSpPr>
+                <p:spPr bwMode="auto">
+                  <a:xfrm>
+                    <a:off x="571500" y="1524000"/>
+                    <a:ext cx="0" cy="457200"/>
+                  </a:xfrm>
+                  <a:prstGeom prst="line">
+                    <a:avLst/>
+                  </a:prstGeom>
+                  <a:solidFill>
+                    <a:schemeClr val="accent1"/>
+                  </a:solidFill>
+                  <a:ln w="9525" cap="flat" cmpd="sng" algn="ctr">
+                    <a:solidFill>
+                      <a:schemeClr val="tx1"/>
+                    </a:solidFill>
+                    <a:prstDash val="solid"/>
+                    <a:round/>
+                    <a:headEnd type="none" w="med" len="med"/>
+                    <a:tailEnd type="none" w="med" len="med"/>
+                  </a:ln>
+                  <a:effectLst/>
+                </p:spPr>
+              </p:cxnSp>
+              <p:cxnSp>
+                <p:nvCxnSpPr>
+                  <p:cNvPr id="108" name="Straight Connector 107"/>
+                  <p:cNvCxnSpPr>
+                    <a:stCxn id="104" idx="6"/>
+                    <a:endCxn id="105" idx="2"/>
+                  </p:cNvCxnSpPr>
+                  <p:nvPr/>
+                </p:nvCxnSpPr>
+                <p:spPr bwMode="auto">
+                  <a:xfrm>
+                    <a:off x="762000" y="2171700"/>
+                    <a:ext cx="685800" cy="0"/>
+                  </a:xfrm>
+                  <a:prstGeom prst="line">
+                    <a:avLst/>
+                  </a:prstGeom>
+                  <a:solidFill>
+                    <a:schemeClr val="accent1"/>
+                  </a:solidFill>
+                  <a:ln w="9525" cap="flat" cmpd="sng" algn="ctr">
+                    <a:solidFill>
+                      <a:schemeClr val="tx1"/>
+                    </a:solidFill>
+                    <a:prstDash val="solid"/>
+                    <a:round/>
+                    <a:headEnd type="none" w="med" len="med"/>
+                    <a:tailEnd type="none" w="med" len="med"/>
+                  </a:ln>
+                  <a:effectLst/>
+                </p:spPr>
+              </p:cxnSp>
+              <p:cxnSp>
+                <p:nvCxnSpPr>
+                  <p:cNvPr id="109" name="Straight Connector 108"/>
+                  <p:cNvCxnSpPr>
+                    <a:stCxn id="103" idx="4"/>
+                    <a:endCxn id="105" idx="0"/>
+                  </p:cNvCxnSpPr>
+                  <p:nvPr/>
+                </p:nvCxnSpPr>
+                <p:spPr bwMode="auto">
+                  <a:xfrm>
+                    <a:off x="1638300" y="1524000"/>
+                    <a:ext cx="0" cy="457200"/>
+                  </a:xfrm>
+                  <a:prstGeom prst="line">
+                    <a:avLst/>
+                  </a:prstGeom>
+                  <a:solidFill>
+                    <a:schemeClr val="accent1"/>
+                  </a:solidFill>
+                  <a:ln w="9525" cap="flat" cmpd="sng" algn="ctr">
+                    <a:solidFill>
+                      <a:schemeClr val="tx1"/>
+                    </a:solidFill>
+                    <a:prstDash val="solid"/>
+                    <a:round/>
+                    <a:headEnd type="none" w="med" len="med"/>
+                    <a:tailEnd type="none" w="med" len="med"/>
+                  </a:ln>
+                  <a:effectLst/>
+                </p:spPr>
+              </p:cxnSp>
+              <p:sp>
+                <p:nvSpPr>
+                  <p:cNvPr id="110" name="Oval 109"/>
+                  <p:cNvSpPr/>
+                  <p:nvPr/>
+                </p:nvSpPr>
+                <p:spPr bwMode="auto">
+                  <a:xfrm>
+                    <a:off x="2514600" y="1219200"/>
+                    <a:ext cx="381000" cy="381000"/>
+                  </a:xfrm>
+                  <a:prstGeom prst="ellipse">
+                    <a:avLst/>
+                  </a:prstGeom>
+                  <a:solidFill>
+                    <a:schemeClr val="accent1"/>
+                  </a:solidFill>
+                  <a:ln w="9525" cap="flat" cmpd="sng" algn="ctr">
+                    <a:solidFill>
+                      <a:schemeClr val="tx1"/>
+                    </a:solidFill>
+                    <a:prstDash val="solid"/>
+                    <a:round/>
+                    <a:headEnd type="none" w="med" len="med"/>
+                    <a:tailEnd type="none" w="med" len="med"/>
+                  </a:ln>
+                  <a:effectLst/>
+                </p:spPr>
+                <p:txBody>
+                  <a:bodyPr vert="horz" wrap="square" lIns="91440" tIns="45720" rIns="91440" bIns="45720" numCol="1" rtlCol="0" anchor="t" anchorCtr="0" compatLnSpc="1">
+                    <a:prstTxWarp prst="textNoShape">
+                      <a:avLst/>
+                    </a:prstTxWarp>
+                  </a:bodyPr>
+                  <a:lstStyle/>
+                  <a:p>
+                    <a:pPr marL="0" marR="0" indent="0" algn="l" defTabSz="914400" rtl="0" eaLnBrk="0" fontAlgn="base" latinLnBrk="0" hangingPunct="0">
+                      <a:lnSpc>
+                        <a:spcPct val="100000"/>
+                      </a:lnSpc>
+                      <a:spcBef>
+                        <a:spcPct val="0"/>
+                      </a:spcBef>
+                      <a:spcAft>
+                        <a:spcPct val="0"/>
+                      </a:spcAft>
+                      <a:buClrTx/>
+                      <a:buSzTx/>
+                      <a:buFontTx/>
+                      <a:buNone/>
+                      <a:tabLst/>
+                    </a:pPr>
+                    <a:endParaRPr kumimoji="0" lang="en-US" sz="2400" b="0" i="0" u="none" strike="noStrike" cap="none" normalizeH="0" baseline="-25000">
+                      <a:ln>
+                        <a:noFill/>
+                      </a:ln>
+                      <a:solidFill>
+                        <a:schemeClr val="tx1"/>
+                      </a:solidFill>
+                      <a:effectLst>
+                        <a:outerShdw blurRad="38100" dist="38100" dir="2700000" algn="tl">
+                          <a:srgbClr val="000000">
+                            <a:alpha val="43137"/>
+                          </a:srgbClr>
+                        </a:outerShdw>
+                      </a:effectLst>
+                      <a:latin typeface="Arial" pitchFamily="-105" charset="0"/>
+                      <a:ea typeface="ＭＳ Ｐゴシック" pitchFamily="-105" charset="-128"/>
+                      <a:cs typeface="ＭＳ Ｐゴシック" pitchFamily="-105" charset="-128"/>
+                    </a:endParaRPr>
+                  </a:p>
+                </p:txBody>
+              </p:sp>
+              <p:sp>
+                <p:nvSpPr>
+                  <p:cNvPr id="111" name="Oval 110"/>
+                  <p:cNvSpPr/>
+                  <p:nvPr/>
+                </p:nvSpPr>
+                <p:spPr bwMode="auto">
+                  <a:xfrm>
+                    <a:off x="3581400" y="1219200"/>
+                    <a:ext cx="381000" cy="381000"/>
+                  </a:xfrm>
+                  <a:prstGeom prst="ellipse">
+                    <a:avLst/>
+                  </a:prstGeom>
+                  <a:solidFill>
+                    <a:schemeClr val="accent1"/>
+                  </a:solidFill>
+                  <a:ln w="9525" cap="flat" cmpd="sng" algn="ctr">
+                    <a:solidFill>
+                      <a:schemeClr val="tx1"/>
+                    </a:solidFill>
+                    <a:prstDash val="solid"/>
+                    <a:round/>
+                    <a:headEnd type="none" w="med" len="med"/>
+                    <a:tailEnd type="none" w="med" len="med"/>
+                  </a:ln>
+                  <a:effectLst/>
+                </p:spPr>
+                <p:txBody>
+                  <a:bodyPr vert="horz" wrap="square" lIns="91440" tIns="45720" rIns="91440" bIns="45720" numCol="1" rtlCol="0" anchor="t" anchorCtr="0" compatLnSpc="1">
+                    <a:prstTxWarp prst="textNoShape">
+                      <a:avLst/>
+                    </a:prstTxWarp>
+                  </a:bodyPr>
+                  <a:lstStyle/>
+                  <a:p>
+                    <a:pPr marL="0" marR="0" indent="0" algn="l" defTabSz="914400" rtl="0" eaLnBrk="0" fontAlgn="base" latinLnBrk="0" hangingPunct="0">
+                      <a:lnSpc>
+                        <a:spcPct val="100000"/>
+                      </a:lnSpc>
+                      <a:spcBef>
+                        <a:spcPct val="0"/>
+                      </a:spcBef>
+                      <a:spcAft>
+                        <a:spcPct val="0"/>
+                      </a:spcAft>
+                      <a:buClrTx/>
+                      <a:buSzTx/>
+                      <a:buFontTx/>
+                      <a:buNone/>
+                      <a:tabLst/>
+                    </a:pPr>
+                    <a:endParaRPr kumimoji="0" lang="en-US" sz="2400" b="0" i="0" u="none" strike="noStrike" cap="none" normalizeH="0" baseline="-25000">
+                      <a:ln>
+                        <a:noFill/>
+                      </a:ln>
+                      <a:solidFill>
+                        <a:schemeClr val="tx1"/>
+                      </a:solidFill>
+                      <a:effectLst>
+                        <a:outerShdw blurRad="38100" dist="38100" dir="2700000" algn="tl">
+                          <a:srgbClr val="000000">
+                            <a:alpha val="43137"/>
+                          </a:srgbClr>
+                        </a:outerShdw>
+                      </a:effectLst>
+                      <a:latin typeface="Arial" pitchFamily="-105" charset="0"/>
+                      <a:ea typeface="ＭＳ Ｐゴシック" pitchFamily="-105" charset="-128"/>
+                      <a:cs typeface="ＭＳ Ｐゴシック" pitchFamily="-105" charset="-128"/>
+                    </a:endParaRPr>
+                  </a:p>
+                </p:txBody>
+              </p:sp>
+              <p:sp>
+                <p:nvSpPr>
+                  <p:cNvPr id="112" name="Oval 111"/>
+                  <p:cNvSpPr/>
+                  <p:nvPr/>
+                </p:nvSpPr>
+                <p:spPr bwMode="auto">
+                  <a:xfrm>
+                    <a:off x="2514600" y="2057400"/>
+                    <a:ext cx="381000" cy="381000"/>
+                  </a:xfrm>
+                  <a:prstGeom prst="ellipse">
+                    <a:avLst/>
+                  </a:prstGeom>
+                  <a:solidFill>
+                    <a:schemeClr val="accent1"/>
+                  </a:solidFill>
+                  <a:ln w="9525" cap="flat" cmpd="sng" algn="ctr">
+                    <a:solidFill>
+                      <a:schemeClr val="tx1"/>
+                    </a:solidFill>
+                    <a:prstDash val="solid"/>
+                    <a:round/>
+                    <a:headEnd type="none" w="med" len="med"/>
+                    <a:tailEnd type="none" w="med" len="med"/>
+                  </a:ln>
+                  <a:effectLst/>
+                </p:spPr>
+                <p:txBody>
+                  <a:bodyPr vert="horz" wrap="square" lIns="91440" tIns="45720" rIns="91440" bIns="45720" numCol="1" rtlCol="0" anchor="t" anchorCtr="0" compatLnSpc="1">
+                    <a:prstTxWarp prst="textNoShape">
+                      <a:avLst/>
+                    </a:prstTxWarp>
+                  </a:bodyPr>
+                  <a:lstStyle/>
+                  <a:p>
+                    <a:pPr marL="0" marR="0" indent="0" algn="l" defTabSz="914400" rtl="0" eaLnBrk="0" fontAlgn="base" latinLnBrk="0" hangingPunct="0">
+                      <a:lnSpc>
+                        <a:spcPct val="100000"/>
+                      </a:lnSpc>
+                      <a:spcBef>
+                        <a:spcPct val="0"/>
+                      </a:spcBef>
+                      <a:spcAft>
+                        <a:spcPct val="0"/>
+                      </a:spcAft>
+                      <a:buClrTx/>
+                      <a:buSzTx/>
+                      <a:buFontTx/>
+                      <a:buNone/>
+                      <a:tabLst/>
+                    </a:pPr>
+                    <a:endParaRPr kumimoji="0" lang="en-US" sz="2400" b="0" i="0" u="none" strike="noStrike" cap="none" normalizeH="0" baseline="-25000">
+                      <a:ln>
+                        <a:noFill/>
+                      </a:ln>
+                      <a:solidFill>
+                        <a:schemeClr val="tx1"/>
+                      </a:solidFill>
+                      <a:effectLst>
+                        <a:outerShdw blurRad="38100" dist="38100" dir="2700000" algn="tl">
+                          <a:srgbClr val="000000">
+                            <a:alpha val="43137"/>
+                          </a:srgbClr>
+                        </a:outerShdw>
+                      </a:effectLst>
+                      <a:latin typeface="Arial" pitchFamily="-105" charset="0"/>
+                      <a:ea typeface="ＭＳ Ｐゴシック" pitchFamily="-105" charset="-128"/>
+                      <a:cs typeface="ＭＳ Ｐゴシック" pitchFamily="-105" charset="-128"/>
+                    </a:endParaRPr>
+                  </a:p>
+                </p:txBody>
+              </p:sp>
+              <p:sp>
+                <p:nvSpPr>
+                  <p:cNvPr id="113" name="Oval 112"/>
+                  <p:cNvSpPr/>
+                  <p:nvPr/>
+                </p:nvSpPr>
+                <p:spPr bwMode="auto">
+                  <a:xfrm>
+                    <a:off x="3581400" y="2057400"/>
+                    <a:ext cx="381000" cy="381000"/>
+                  </a:xfrm>
+                  <a:prstGeom prst="ellipse">
+                    <a:avLst/>
+                  </a:prstGeom>
+                  <a:solidFill>
+                    <a:schemeClr val="accent1"/>
+                  </a:solidFill>
+                  <a:ln w="9525" cap="flat" cmpd="sng" algn="ctr">
+                    <a:solidFill>
+                      <a:schemeClr val="tx1"/>
+                    </a:solidFill>
+                    <a:prstDash val="solid"/>
+                    <a:round/>
+                    <a:headEnd type="none" w="med" len="med"/>
+                    <a:tailEnd type="none" w="med" len="med"/>
+                  </a:ln>
+                  <a:effectLst/>
+                </p:spPr>
+                <p:txBody>
+                  <a:bodyPr vert="horz" wrap="square" lIns="91440" tIns="45720" rIns="91440" bIns="45720" numCol="1" rtlCol="0" anchor="t" anchorCtr="0" compatLnSpc="1">
+                    <a:prstTxWarp prst="textNoShape">
+                      <a:avLst/>
+                    </a:prstTxWarp>
+                  </a:bodyPr>
+                  <a:lstStyle/>
+                  <a:p>
+                    <a:pPr marL="0" marR="0" indent="0" algn="l" defTabSz="914400" rtl="0" eaLnBrk="0" fontAlgn="base" latinLnBrk="0" hangingPunct="0">
+                      <a:lnSpc>
+                        <a:spcPct val="100000"/>
+                      </a:lnSpc>
+                      <a:spcBef>
+                        <a:spcPct val="0"/>
+                      </a:spcBef>
+                      <a:spcAft>
+                        <a:spcPct val="0"/>
+                      </a:spcAft>
+                      <a:buClrTx/>
+                      <a:buSzTx/>
+                      <a:buFontTx/>
+                      <a:buNone/>
+                      <a:tabLst/>
+                    </a:pPr>
+                    <a:endParaRPr kumimoji="0" lang="en-US" sz="2400" b="0" i="0" u="none" strike="noStrike" cap="none" normalizeH="0" baseline="-25000">
+                      <a:ln>
+                        <a:noFill/>
+                      </a:ln>
+                      <a:solidFill>
+                        <a:schemeClr val="tx1"/>
+                      </a:solidFill>
+                      <a:effectLst>
+                        <a:outerShdw blurRad="38100" dist="38100" dir="2700000" algn="tl">
+                          <a:srgbClr val="000000">
+                            <a:alpha val="43137"/>
+                          </a:srgbClr>
+                        </a:outerShdw>
+                      </a:effectLst>
+                      <a:latin typeface="Arial" pitchFamily="-105" charset="0"/>
+                      <a:ea typeface="ＭＳ Ｐゴシック" pitchFamily="-105" charset="-128"/>
+                      <a:cs typeface="ＭＳ Ｐゴシック" pitchFamily="-105" charset="-128"/>
+                    </a:endParaRPr>
+                  </a:p>
+                </p:txBody>
+              </p:sp>
+              <p:cxnSp>
+                <p:nvCxnSpPr>
+                  <p:cNvPr id="114" name="Straight Connector 113"/>
+                  <p:cNvCxnSpPr>
+                    <a:stCxn id="110" idx="6"/>
+                    <a:endCxn id="111" idx="2"/>
+                  </p:cNvCxnSpPr>
+                  <p:nvPr/>
+                </p:nvCxnSpPr>
+                <p:spPr bwMode="auto">
+                  <a:xfrm>
+                    <a:off x="2895600" y="1409700"/>
+                    <a:ext cx="685800" cy="0"/>
+                  </a:xfrm>
+                  <a:prstGeom prst="line">
+                    <a:avLst/>
+                  </a:prstGeom>
+                  <a:solidFill>
+                    <a:schemeClr val="accent1"/>
+                  </a:solidFill>
+                  <a:ln w="9525" cap="flat" cmpd="sng" algn="ctr">
+                    <a:solidFill>
+                      <a:schemeClr val="tx1"/>
+                    </a:solidFill>
+                    <a:prstDash val="solid"/>
+                    <a:round/>
+                    <a:headEnd type="none" w="med" len="med"/>
+                    <a:tailEnd type="none" w="med" len="med"/>
+                  </a:ln>
+                  <a:effectLst/>
+                </p:spPr>
+              </p:cxnSp>
+              <p:cxnSp>
+                <p:nvCxnSpPr>
+                  <p:cNvPr id="115" name="Straight Connector 114"/>
+                  <p:cNvCxnSpPr>
+                    <a:stCxn id="110" idx="4"/>
+                    <a:endCxn id="112" idx="0"/>
+                  </p:cNvCxnSpPr>
+                  <p:nvPr/>
+                </p:nvCxnSpPr>
+                <p:spPr bwMode="auto">
+                  <a:xfrm>
+                    <a:off x="2705100" y="1600200"/>
+                    <a:ext cx="0" cy="457200"/>
+                  </a:xfrm>
+                  <a:prstGeom prst="line">
+                    <a:avLst/>
+                  </a:prstGeom>
+                  <a:solidFill>
+                    <a:schemeClr val="accent1"/>
+                  </a:solidFill>
+                  <a:ln w="9525" cap="flat" cmpd="sng" algn="ctr">
+                    <a:solidFill>
+                      <a:schemeClr val="tx1"/>
+                    </a:solidFill>
+                    <a:prstDash val="solid"/>
+                    <a:round/>
+                    <a:headEnd type="none" w="med" len="med"/>
+                    <a:tailEnd type="none" w="med" len="med"/>
+                  </a:ln>
+                  <a:effectLst/>
+                </p:spPr>
+              </p:cxnSp>
+              <p:cxnSp>
+                <p:nvCxnSpPr>
+                  <p:cNvPr id="116" name="Straight Connector 115"/>
+                  <p:cNvCxnSpPr>
+                    <a:stCxn id="112" idx="6"/>
+                    <a:endCxn id="113" idx="2"/>
+                  </p:cNvCxnSpPr>
+                  <p:nvPr/>
+                </p:nvCxnSpPr>
+                <p:spPr bwMode="auto">
+                  <a:xfrm>
+                    <a:off x="2895600" y="2247900"/>
+                    <a:ext cx="685800" cy="0"/>
+                  </a:xfrm>
+                  <a:prstGeom prst="line">
+                    <a:avLst/>
+                  </a:prstGeom>
+                  <a:solidFill>
+                    <a:schemeClr val="accent1"/>
+                  </a:solidFill>
+                  <a:ln w="9525" cap="flat" cmpd="sng" algn="ctr">
+                    <a:solidFill>
+                      <a:schemeClr val="tx1"/>
+                    </a:solidFill>
+                    <a:prstDash val="solid"/>
+                    <a:round/>
+                    <a:headEnd type="none" w="med" len="med"/>
+                    <a:tailEnd type="none" w="med" len="med"/>
+                  </a:ln>
+                  <a:effectLst/>
+                </p:spPr>
+              </p:cxnSp>
+              <p:cxnSp>
+                <p:nvCxnSpPr>
+                  <p:cNvPr id="117" name="Straight Connector 116"/>
+                  <p:cNvCxnSpPr>
+                    <a:stCxn id="111" idx="4"/>
+                    <a:endCxn id="113" idx="0"/>
+                  </p:cNvCxnSpPr>
+                  <p:nvPr/>
+                </p:nvCxnSpPr>
+                <p:spPr bwMode="auto">
+                  <a:xfrm>
+                    <a:off x="3771900" y="1600200"/>
+                    <a:ext cx="0" cy="457200"/>
+                  </a:xfrm>
+                  <a:prstGeom prst="line">
+                    <a:avLst/>
+                  </a:prstGeom>
+                  <a:solidFill>
+                    <a:schemeClr val="accent1"/>
+                  </a:solidFill>
+                  <a:ln w="9525" cap="flat" cmpd="sng" algn="ctr">
+                    <a:solidFill>
+                      <a:schemeClr val="tx1"/>
+                    </a:solidFill>
+                    <a:prstDash val="solid"/>
+                    <a:round/>
+                    <a:headEnd type="none" w="med" len="med"/>
+                    <a:tailEnd type="none" w="med" len="med"/>
+                  </a:ln>
+                  <a:effectLst/>
+                </p:spPr>
+              </p:cxnSp>
+              <p:sp>
+                <p:nvSpPr>
+                  <p:cNvPr id="118" name="TextBox 117"/>
+                  <p:cNvSpPr txBox="1"/>
+                  <p:nvPr/>
+                </p:nvSpPr>
+                <p:spPr>
+                  <a:xfrm>
+                    <a:off x="838200" y="914400"/>
+                    <a:ext cx="457200" cy="292388"/>
+                  </a:xfrm>
+                  <a:prstGeom prst="rect">
+                    <a:avLst/>
+                  </a:prstGeom>
+                  <a:noFill/>
+                </p:spPr>
+                <p:txBody>
+                  <a:bodyPr wrap="square" rtlCol="0">
+                    <a:spAutoFit/>
+                  </a:bodyPr>
+                  <a:lstStyle/>
+                  <a:p>
+                    <a:r>
+                      <a:rPr lang="en-US" sz="1300" dirty="0" smtClean="0"/>
+                      <a:t>0.9</a:t>
+                    </a:r>
+                    <a:endParaRPr lang="en-US" sz="1300" dirty="0"/>
+                  </a:p>
+                </p:txBody>
+              </p:sp>
+              <p:sp>
+                <p:nvSpPr>
+                  <p:cNvPr id="119" name="TextBox 118"/>
+                  <p:cNvSpPr txBox="1"/>
+                  <p:nvPr/>
+                </p:nvSpPr>
+                <p:spPr>
+                  <a:xfrm>
+                    <a:off x="914400" y="2209800"/>
+                    <a:ext cx="457200" cy="292388"/>
+                  </a:xfrm>
+                  <a:prstGeom prst="rect">
+                    <a:avLst/>
+                  </a:prstGeom>
+                  <a:noFill/>
+                </p:spPr>
+                <p:txBody>
+                  <a:bodyPr wrap="square" rtlCol="0">
+                    <a:spAutoFit/>
+                  </a:bodyPr>
+                  <a:lstStyle/>
+                  <a:p>
+                    <a:r>
+                      <a:rPr lang="en-US" sz="1300" dirty="0" smtClean="0"/>
+                      <a:t>0.8</a:t>
+                    </a:r>
+                    <a:endParaRPr lang="en-US" sz="1300" dirty="0"/>
+                  </a:p>
+                </p:txBody>
+              </p:sp>
+              <p:sp>
+                <p:nvSpPr>
+                  <p:cNvPr id="120" name="TextBox 119"/>
+                  <p:cNvSpPr txBox="1"/>
+                  <p:nvPr/>
+                </p:nvSpPr>
+                <p:spPr>
+                  <a:xfrm>
+                    <a:off x="3048000" y="1066800"/>
+                    <a:ext cx="457200" cy="292388"/>
+                  </a:xfrm>
+                  <a:prstGeom prst="rect">
+                    <a:avLst/>
+                  </a:prstGeom>
+                  <a:noFill/>
+                </p:spPr>
+                <p:txBody>
+                  <a:bodyPr wrap="square" rtlCol="0">
+                    <a:spAutoFit/>
+                  </a:bodyPr>
+                  <a:lstStyle/>
+                  <a:p>
+                    <a:r>
+                      <a:rPr lang="en-US" sz="1300" dirty="0" smtClean="0"/>
+                      <a:t>0.8</a:t>
+                    </a:r>
+                    <a:endParaRPr lang="en-US" sz="1300" dirty="0"/>
+                  </a:p>
+                </p:txBody>
+              </p:sp>
+              <p:sp>
+                <p:nvSpPr>
+                  <p:cNvPr id="121" name="TextBox 120"/>
+                  <p:cNvSpPr txBox="1"/>
+                  <p:nvPr/>
+                </p:nvSpPr>
+                <p:spPr>
+                  <a:xfrm>
+                    <a:off x="2971800" y="2286000"/>
+                    <a:ext cx="533400" cy="292388"/>
+                  </a:xfrm>
+                  <a:prstGeom prst="rect">
+                    <a:avLst/>
+                  </a:prstGeom>
+                  <a:noFill/>
+                </p:spPr>
+                <p:txBody>
+                  <a:bodyPr wrap="square" rtlCol="0">
+                    <a:spAutoFit/>
+                  </a:bodyPr>
+                  <a:lstStyle/>
+                  <a:p>
+                    <a:r>
+                      <a:rPr lang="en-US" sz="1300" dirty="0" smtClean="0"/>
+                      <a:t>0.75</a:t>
+                    </a:r>
+                    <a:endParaRPr lang="en-US" sz="1300" dirty="0"/>
+                  </a:p>
+                </p:txBody>
+              </p:sp>
+              <p:sp>
+                <p:nvSpPr>
+                  <p:cNvPr id="122" name="TextBox 121"/>
+                  <p:cNvSpPr txBox="1"/>
+                  <p:nvPr/>
+                </p:nvSpPr>
+                <p:spPr>
+                  <a:xfrm>
+                    <a:off x="3810000" y="1676400"/>
+                    <a:ext cx="457200" cy="292388"/>
+                  </a:xfrm>
+                  <a:prstGeom prst="rect">
+                    <a:avLst/>
+                  </a:prstGeom>
+                  <a:noFill/>
+                </p:spPr>
+                <p:txBody>
+                  <a:bodyPr wrap="square" rtlCol="0">
+                    <a:spAutoFit/>
+                  </a:bodyPr>
+                  <a:lstStyle/>
+                  <a:p>
+                    <a:r>
+                      <a:rPr lang="en-US" sz="1300" dirty="0" smtClean="0"/>
+                      <a:t>0.9</a:t>
+                    </a:r>
+                    <a:endParaRPr lang="en-US" sz="1300" dirty="0"/>
+                  </a:p>
+                </p:txBody>
+              </p:sp>
+            </p:grpSp>
+          </p:grpSp>
+          <p:sp>
+            <p:nvSpPr>
+              <p:cNvPr id="129" name="TextBox 128"/>
+              <p:cNvSpPr txBox="1"/>
+              <p:nvPr/>
+            </p:nvSpPr>
+            <p:spPr>
+              <a:xfrm>
+                <a:off x="1905000" y="5105400"/>
+                <a:ext cx="457200" cy="292388"/>
+              </a:xfrm>
+              <a:prstGeom prst="rect">
+                <a:avLst/>
+              </a:prstGeom>
+              <a:noFill/>
+            </p:spPr>
+            <p:txBody>
+              <a:bodyPr wrap="square" rtlCol="0">
+                <a:spAutoFit/>
+              </a:bodyPr>
+              <a:lstStyle/>
+              <a:p>
+                <a:r>
+                  <a:rPr lang="en-US" sz="1300" dirty="0" smtClean="0"/>
+                  <a:t>0.9</a:t>
+                </a:r>
+                <a:endParaRPr lang="en-US" sz="1300" dirty="0"/>
+              </a:p>
+            </p:txBody>
+          </p:sp>
+        </p:grpSp>
+      </p:grpSp>
+      <p:sp>
+        <p:nvSpPr>
+          <p:cNvPr id="132" name="Oval 131"/>
+          <p:cNvSpPr/>
+          <p:nvPr/>
+        </p:nvSpPr>
+        <p:spPr bwMode="auto">
+          <a:xfrm>
+            <a:off x="533400" y="4114800"/>
+            <a:ext cx="2133600" cy="1752600"/>
+          </a:xfrm>
+          <a:prstGeom prst="ellipse">
+            <a:avLst/>
+          </a:prstGeom>
+          <a:solidFill>
+            <a:schemeClr val="lt1">
+              <a:alpha val="77000"/>
+            </a:schemeClr>
+          </a:solidFill>
+          <a:ln>
+            <a:headEnd type="none" w="med" len="med"/>
+            <a:tailEnd type="none" w="med" len="med"/>
+          </a:ln>
+        </p:spPr>
+        <p:style>
+          <a:lnRef idx="2">
+            <a:schemeClr val="accent6"/>
+          </a:lnRef>
+          <a:fillRef idx="1">
+            <a:schemeClr val="lt1"/>
+          </a:fillRef>
+          <a:effectRef idx="0">
+            <a:schemeClr val="accent6"/>
+          </a:effectRef>
+          <a:fontRef idx="minor">
+            <a:schemeClr val="dk1"/>
+          </a:fontRef>
+        </p:style>
+        <p:txBody>
+          <a:bodyPr vert="horz" wrap="square" lIns="91440" tIns="45720" rIns="91440" bIns="45720" numCol="1" rtlCol="0" anchor="t" anchorCtr="0" compatLnSpc="1">
+            <a:prstTxWarp prst="textNoShape">
+              <a:avLst/>
+            </a:prstTxWarp>
+          </a:bodyPr>
+          <a:lstStyle/>
+          <a:p>
+            <a:pPr marL="0" marR="0" indent="0" algn="l" defTabSz="914400" rtl="0" eaLnBrk="0" fontAlgn="base" latinLnBrk="0" hangingPunct="0">
+              <a:lnSpc>
+                <a:spcPct val="100000"/>
+              </a:lnSpc>
+              <a:spcBef>
+                <a:spcPct val="0"/>
+              </a:spcBef>
+              <a:spcAft>
+                <a:spcPct val="0"/>
+              </a:spcAft>
+              <a:buClrTx/>
+              <a:buSzTx/>
+              <a:buFontTx/>
+              <a:buNone/>
+              <a:tabLst/>
+            </a:pPr>
+            <a:endParaRPr kumimoji="0" lang="en-US" sz="2400" b="0" i="0" u="none" strike="noStrike" cap="none" normalizeH="0" baseline="-25000">
+              <a:ln>
+                <a:noFill/>
+              </a:ln>
+              <a:solidFill>
+                <a:schemeClr val="tx1"/>
+              </a:solidFill>
+              <a:effectLst>
+                <a:outerShdw blurRad="38100" dist="38100" dir="2700000" algn="tl">
+                  <a:srgbClr val="000000">
+                    <a:alpha val="43137"/>
+                  </a:srgbClr>
+                </a:outerShdw>
+              </a:effectLst>
+              <a:latin typeface="Arial" pitchFamily="-105" charset="0"/>
+              <a:ea typeface="ＭＳ Ｐゴシック" pitchFamily="-105" charset="-128"/>
+              <a:cs typeface="ＭＳ Ｐゴシック" pitchFamily="-105" charset="-128"/>
+            </a:endParaRPr>
+          </a:p>
+        </p:txBody>
+      </p:sp>
+      <p:sp>
+        <p:nvSpPr>
+          <p:cNvPr id="133" name="Oval 132"/>
+          <p:cNvSpPr/>
+          <p:nvPr/>
+        </p:nvSpPr>
+        <p:spPr bwMode="auto">
+          <a:xfrm>
+            <a:off x="2743200" y="4191000"/>
+            <a:ext cx="2133600" cy="1752600"/>
+          </a:xfrm>
+          <a:prstGeom prst="ellipse">
+            <a:avLst/>
+          </a:prstGeom>
+          <a:solidFill>
+            <a:schemeClr val="lt1">
+              <a:alpha val="77000"/>
+            </a:schemeClr>
+          </a:solidFill>
+          <a:ln>
+            <a:headEnd type="none" w="med" len="med"/>
+            <a:tailEnd type="none" w="med" len="med"/>
+          </a:ln>
+        </p:spPr>
+        <p:style>
+          <a:lnRef idx="2">
+            <a:schemeClr val="accent6"/>
+          </a:lnRef>
+          <a:fillRef idx="1">
+            <a:schemeClr val="lt1"/>
+          </a:fillRef>
+          <a:effectRef idx="0">
+            <a:schemeClr val="accent6"/>
+          </a:effectRef>
+          <a:fontRef idx="minor">
+            <a:schemeClr val="dk1"/>
+          </a:fontRef>
+        </p:style>
+        <p:txBody>
+          <a:bodyPr vert="horz" wrap="square" lIns="91440" tIns="45720" rIns="91440" bIns="45720" numCol="1" rtlCol="0" anchor="t" anchorCtr="0" compatLnSpc="1">
+            <a:prstTxWarp prst="textNoShape">
+              <a:avLst/>
+            </a:prstTxWarp>
+          </a:bodyPr>
+          <a:lstStyle/>
+          <a:p>
+            <a:pPr marL="0" marR="0" indent="0" algn="l" defTabSz="914400" rtl="0" eaLnBrk="0" fontAlgn="base" latinLnBrk="0" hangingPunct="0">
+              <a:lnSpc>
+                <a:spcPct val="100000"/>
+              </a:lnSpc>
+              <a:spcBef>
+                <a:spcPct val="0"/>
+              </a:spcBef>
+              <a:spcAft>
+                <a:spcPct val="0"/>
+              </a:spcAft>
+              <a:buClrTx/>
+              <a:buSzTx/>
+              <a:buFontTx/>
+              <a:buNone/>
+              <a:tabLst/>
+            </a:pPr>
+            <a:endParaRPr kumimoji="0" lang="en-US" sz="2400" b="0" i="0" u="none" strike="noStrike" cap="none" normalizeH="0" baseline="-25000">
+              <a:ln>
+                <a:noFill/>
+              </a:ln>
+              <a:solidFill>
+                <a:schemeClr val="tx1"/>
+              </a:solidFill>
+              <a:effectLst>
+                <a:outerShdw blurRad="38100" dist="38100" dir="2700000" algn="tl">
+                  <a:srgbClr val="000000">
+                    <a:alpha val="43137"/>
+                  </a:srgbClr>
+                </a:outerShdw>
+              </a:effectLst>
+              <a:latin typeface="Arial" pitchFamily="-105" charset="0"/>
+              <a:ea typeface="ＭＳ Ｐゴシック" pitchFamily="-105" charset="-128"/>
+              <a:cs typeface="ＭＳ Ｐゴシック" pitchFamily="-105" charset="-128"/>
+            </a:endParaRPr>
+          </a:p>
+        </p:txBody>
+      </p:sp>
+    </p:spTree>
+    <p:extLst>
+      <p:ext uri="{BB962C8B-B14F-4D97-AF65-F5344CB8AC3E}">
+        <p14:creationId xmlns:p14="http://schemas.microsoft.com/office/powerpoint/2010/main" val="2382394282"/>
+      </p:ext>
+    </p:extLst>
+  </p:cSld>
+  <p:clrMapOvr>
+    <a:masterClrMapping/>
+  </p:clrMapOvr>
+  <p:timing>
+    <p:tnLst>
+      <p:par>
+        <p:cTn xmlns:p14="http://schemas.microsoft.com/office/powerpoint/2010/main" id="1" dur="indefinite" restart="never" nodeType="tmRoot"/>
+      </p:par>
+    </p:tnLst>
+  </p:timing>
+</p:sld>
+</file>
+
 <file path=ppt/slides/slide2.xml><?xml version="1.0" encoding="utf-8"?>
 <p:sld xmlns:a="http://schemas.openxmlformats.org/drawingml/2006/main" xmlns:r="http://schemas.openxmlformats.org/officeDocument/2006/relationships" xmlns:p="http://schemas.openxmlformats.org/presentationml/2006/main">
   <p:cSld>
@@ -8168,6 +12043,13 @@
   <p:clrMapOvr>
     <a:masterClrMapping/>
   </p:clrMapOvr>
+  <p:timing>
+    <p:tnLst>
+      <p:par>
+        <p:cTn xmlns:p14="http://schemas.microsoft.com/office/powerpoint/2010/main" id="1" dur="indefinite" restart="never" nodeType="tmRoot"/>
+      </p:par>
+    </p:tnLst>
+  </p:timing>
 </p:sld>
 </file>
 
@@ -8309,10 +12191,410 @@
   <p:clrMapOvr>
     <a:masterClrMapping/>
   </p:clrMapOvr>
+  <p:timing>
+    <p:tnLst>
+      <p:par>
+        <p:cTn xmlns:p14="http://schemas.microsoft.com/office/powerpoint/2010/main" id="1" dur="indefinite" restart="never" nodeType="tmRoot"/>
+      </p:par>
+    </p:tnLst>
+  </p:timing>
 </p:sld>
 </file>
 
 <file path=ppt/slides/slide4.xml><?xml version="1.0" encoding="utf-8"?>
+<p:sld xmlns:a="http://schemas.openxmlformats.org/drawingml/2006/main" xmlns:r="http://schemas.openxmlformats.org/officeDocument/2006/relationships" xmlns:p="http://schemas.openxmlformats.org/presentationml/2006/main">
+  <p:cSld>
+    <p:spTree>
+      <p:nvGrpSpPr>
+        <p:cNvPr id="1" name=""/>
+        <p:cNvGrpSpPr/>
+        <p:nvPr/>
+      </p:nvGrpSpPr>
+      <p:grpSpPr>
+        <a:xfrm>
+          <a:off x="0" y="0"/>
+          <a:ext cx="0" cy="0"/>
+          <a:chOff x="0" y="0"/>
+          <a:chExt cx="0" cy="0"/>
+        </a:xfrm>
+      </p:grpSpPr>
+      <p:sp>
+        <p:nvSpPr>
+          <p:cNvPr id="2" name="Title 1"/>
+          <p:cNvSpPr>
+            <a:spLocks noGrp="1"/>
+          </p:cNvSpPr>
+          <p:nvPr>
+            <p:ph type="title"/>
+          </p:nvPr>
+        </p:nvSpPr>
+        <p:spPr/>
+        <p:txBody>
+          <a:bodyPr/>
+          <a:lstStyle/>
+          <a:p>
+            <a:r>
+              <a:rPr lang="en-US" dirty="0" smtClean="0"/>
+              <a:t>Data Sets</a:t>
+            </a:r>
+            <a:endParaRPr lang="en-US" dirty="0"/>
+          </a:p>
+        </p:txBody>
+      </p:sp>
+      <p:graphicFrame>
+        <p:nvGraphicFramePr>
+          <p:cNvPr id="4" name="Content Placeholder 3"/>
+          <p:cNvGraphicFramePr>
+            <a:graphicFrameLocks noGrp="1"/>
+          </p:cNvGraphicFramePr>
+          <p:nvPr>
+            <p:ph idx="1"/>
+            <p:extLst>
+              <p:ext uri="{D42A27DB-BD31-4B8C-83A1-F6EECF244321}">
+                <p14:modId xmlns:p14="http://schemas.microsoft.com/office/powerpoint/2010/main" val="2475267612"/>
+              </p:ext>
+            </p:extLst>
+          </p:nvPr>
+        </p:nvGraphicFramePr>
+        <p:xfrm>
+          <a:off x="914400" y="2057400"/>
+          <a:ext cx="7380550" cy="1920240"/>
+        </p:xfrm>
+        <a:graphic>
+          <a:graphicData uri="http://schemas.openxmlformats.org/drawingml/2006/table">
+            <a:tbl>
+              <a:tblPr firstRow="1" bandRow="1">
+                <a:tableStyleId>{BC89EF96-8CEA-46FF-86C4-4CE0E7609802}</a:tableStyleId>
+              </a:tblPr>
+              <a:tblGrid>
+                <a:gridCol w="1476110"/>
+                <a:gridCol w="1476110"/>
+                <a:gridCol w="1476110"/>
+                <a:gridCol w="1476110"/>
+                <a:gridCol w="1476110"/>
+              </a:tblGrid>
+              <a:tr h="370840">
+                <a:tc>
+                  <a:txBody>
+                    <a:bodyPr/>
+                    <a:lstStyle/>
+                    <a:p>
+                      <a:pPr algn="ctr"/>
+                      <a:endParaRPr lang="en-US" dirty="0"/>
+                    </a:p>
+                  </a:txBody>
+                  <a:tcPr/>
+                </a:tc>
+                <a:tc>
+                  <a:txBody>
+                    <a:bodyPr/>
+                    <a:lstStyle/>
+                    <a:p>
+                      <a:pPr algn="ctr"/>
+                      <a:r>
+                        <a:rPr lang="en-US" dirty="0" smtClean="0"/>
+                        <a:t>Cells</a:t>
+                      </a:r>
+                      <a:endParaRPr lang="en-US" dirty="0"/>
+                    </a:p>
+                  </a:txBody>
+                  <a:tcPr/>
+                </a:tc>
+                <a:tc>
+                  <a:txBody>
+                    <a:bodyPr/>
+                    <a:lstStyle/>
+                    <a:p>
+                      <a:pPr algn="ctr"/>
+                      <a:r>
+                        <a:rPr lang="en-US" dirty="0" smtClean="0"/>
+                        <a:t>Area Codes</a:t>
+                      </a:r>
+                      <a:endParaRPr lang="en-US" dirty="0"/>
+                    </a:p>
+                  </a:txBody>
+                  <a:tcPr/>
+                </a:tc>
+                <a:tc>
+                  <a:txBody>
+                    <a:bodyPr/>
+                    <a:lstStyle/>
+                    <a:p>
+                      <a:pPr algn="ctr"/>
+                      <a:r>
+                        <a:rPr lang="en-US" dirty="0" smtClean="0"/>
+                        <a:t>Countries</a:t>
+                      </a:r>
+                      <a:endParaRPr lang="en-US" dirty="0"/>
+                    </a:p>
+                  </a:txBody>
+                  <a:tcPr/>
+                </a:tc>
+                <a:tc>
+                  <a:txBody>
+                    <a:bodyPr/>
+                    <a:lstStyle/>
+                    <a:p>
+                      <a:pPr algn="ctr"/>
+                      <a:r>
+                        <a:rPr lang="en-US" dirty="0" smtClean="0"/>
+                        <a:t>Cell Transitions</a:t>
+                      </a:r>
+                      <a:endParaRPr lang="en-US" dirty="0"/>
+                    </a:p>
+                  </a:txBody>
+                  <a:tcPr/>
+                </a:tc>
+              </a:tr>
+              <a:tr h="370840">
+                <a:tc>
+                  <a:txBody>
+                    <a:bodyPr/>
+                    <a:lstStyle/>
+                    <a:p>
+                      <a:pPr algn="ctr"/>
+                      <a:r>
+                        <a:rPr lang="en-US" sz="1800" b="1" kern="1200" dirty="0" smtClean="0">
+                          <a:solidFill>
+                            <a:schemeClr val="tx1"/>
+                          </a:solidFill>
+                          <a:latin typeface="+mn-lt"/>
+                          <a:ea typeface="+mn-ea"/>
+                          <a:cs typeface="+mn-cs"/>
+                        </a:rPr>
+                        <a:t>Nokia Challenge</a:t>
+                      </a:r>
+                      <a:endParaRPr lang="en-US" b="1" dirty="0"/>
+                    </a:p>
+                  </a:txBody>
+                  <a:tcPr/>
+                </a:tc>
+                <a:tc>
+                  <a:txBody>
+                    <a:bodyPr/>
+                    <a:lstStyle/>
+                    <a:p>
+                      <a:pPr algn="ctr"/>
+                      <a:r>
+                        <a:rPr lang="en-US" sz="1800" kern="1200" dirty="0" smtClean="0">
+                          <a:solidFill>
+                            <a:schemeClr val="tx1"/>
+                          </a:solidFill>
+                          <a:latin typeface="+mn-lt"/>
+                          <a:ea typeface="+mn-ea"/>
+                          <a:cs typeface="+mn-cs"/>
+                        </a:rPr>
+                        <a:t>23378</a:t>
+                      </a:r>
+                      <a:endParaRPr lang="en-US" dirty="0"/>
+                    </a:p>
+                  </a:txBody>
+                  <a:tcPr/>
+                </a:tc>
+                <a:tc>
+                  <a:txBody>
+                    <a:bodyPr/>
+                    <a:lstStyle/>
+                    <a:p>
+                      <a:pPr algn="ctr"/>
+                      <a:r>
+                        <a:rPr lang="en-US" sz="1800" kern="1200" dirty="0" smtClean="0">
+                          <a:solidFill>
+                            <a:schemeClr val="tx1"/>
+                          </a:solidFill>
+                          <a:latin typeface="+mn-lt"/>
+                          <a:ea typeface="+mn-ea"/>
+                          <a:cs typeface="+mn-cs"/>
+                        </a:rPr>
+                        <a:t>966</a:t>
+                      </a:r>
+                      <a:endParaRPr lang="en-US" dirty="0"/>
+                    </a:p>
+                  </a:txBody>
+                  <a:tcPr/>
+                </a:tc>
+                <a:tc>
+                  <a:txBody>
+                    <a:bodyPr/>
+                    <a:lstStyle/>
+                    <a:p>
+                      <a:pPr algn="ctr"/>
+                      <a:r>
+                        <a:rPr lang="en-US" sz="1800" kern="1200" dirty="0" smtClean="0">
+                          <a:solidFill>
+                            <a:schemeClr val="tx1"/>
+                          </a:solidFill>
+                          <a:latin typeface="+mn-lt"/>
+                          <a:ea typeface="+mn-ea"/>
+                          <a:cs typeface="+mn-cs"/>
+                        </a:rPr>
+                        <a:t>32</a:t>
+                      </a:r>
+                      <a:endParaRPr lang="en-US" dirty="0"/>
+                    </a:p>
+                  </a:txBody>
+                  <a:tcPr/>
+                </a:tc>
+                <a:tc>
+                  <a:txBody>
+                    <a:bodyPr/>
+                    <a:lstStyle/>
+                    <a:p>
+                      <a:pPr algn="ctr"/>
+                      <a:r>
+                        <a:rPr lang="en-US" sz="1800" kern="1200" dirty="0" smtClean="0">
+                          <a:solidFill>
+                            <a:schemeClr val="tx1"/>
+                          </a:solidFill>
+                          <a:latin typeface="+mn-lt"/>
+                          <a:ea typeface="+mn-ea"/>
+                          <a:cs typeface="+mn-cs"/>
+                        </a:rPr>
+                        <a:t>3308612</a:t>
+                      </a:r>
+                      <a:endParaRPr lang="en-US" dirty="0"/>
+                    </a:p>
+                  </a:txBody>
+                  <a:tcPr/>
+                </a:tc>
+              </a:tr>
+              <a:tr h="370840">
+                <a:tc>
+                  <a:txBody>
+                    <a:bodyPr/>
+                    <a:lstStyle/>
+                    <a:p>
+                      <a:pPr algn="ctr"/>
+                      <a:r>
+                        <a:rPr lang="en-US" sz="1800" b="1" kern="1200" dirty="0" smtClean="0">
+                          <a:solidFill>
+                            <a:schemeClr val="tx1"/>
+                          </a:solidFill>
+                          <a:latin typeface="+mn-lt"/>
+                          <a:ea typeface="+mn-ea"/>
+                          <a:cs typeface="+mn-cs"/>
+                        </a:rPr>
+                        <a:t>Reality Mobility</a:t>
+                      </a:r>
+                      <a:endParaRPr lang="en-US" b="1" dirty="0"/>
+                    </a:p>
+                  </a:txBody>
+                  <a:tcPr/>
+                </a:tc>
+                <a:tc>
+                  <a:txBody>
+                    <a:bodyPr/>
+                    <a:lstStyle/>
+                    <a:p>
+                      <a:pPr algn="ctr"/>
+                      <a:r>
+                        <a:rPr lang="en-US" sz="1800" kern="1200" dirty="0" smtClean="0">
+                          <a:solidFill>
+                            <a:schemeClr val="tx1"/>
+                          </a:solidFill>
+                          <a:latin typeface="+mn-lt"/>
+                          <a:ea typeface="+mn-ea"/>
+                          <a:cs typeface="+mn-cs"/>
+                        </a:rPr>
+                        <a:t>32787</a:t>
+                      </a:r>
+                      <a:endParaRPr lang="en-US" dirty="0"/>
+                    </a:p>
+                  </a:txBody>
+                  <a:tcPr/>
+                </a:tc>
+                <a:tc>
+                  <a:txBody>
+                    <a:bodyPr/>
+                    <a:lstStyle/>
+                    <a:p>
+                      <a:pPr algn="ctr"/>
+                      <a:r>
+                        <a:rPr lang="en-US" sz="1800" kern="1200" dirty="0" smtClean="0">
+                          <a:solidFill>
+                            <a:schemeClr val="tx1"/>
+                          </a:solidFill>
+                          <a:latin typeface="+mn-lt"/>
+                          <a:ea typeface="+mn-ea"/>
+                          <a:cs typeface="+mn-cs"/>
+                        </a:rPr>
+                        <a:t>1052</a:t>
+                      </a:r>
+                      <a:endParaRPr lang="en-US" dirty="0"/>
+                    </a:p>
+                  </a:txBody>
+                  <a:tcPr/>
+                </a:tc>
+                <a:tc>
+                  <a:txBody>
+                    <a:bodyPr/>
+                    <a:lstStyle/>
+                    <a:p>
+                      <a:pPr algn="ctr"/>
+                      <a:r>
+                        <a:rPr lang="en-US" sz="1800" kern="1200" dirty="0" smtClean="0">
+                          <a:solidFill>
+                            <a:schemeClr val="tx1"/>
+                          </a:solidFill>
+                          <a:latin typeface="+mn-lt"/>
+                          <a:ea typeface="+mn-ea"/>
+                          <a:cs typeface="+mn-cs"/>
+                        </a:rPr>
+                        <a:t>2</a:t>
+                      </a:r>
+                      <a:endParaRPr lang="en-US" dirty="0"/>
+                    </a:p>
+                  </a:txBody>
+                  <a:tcPr/>
+                </a:tc>
+                <a:tc>
+                  <a:txBody>
+                    <a:bodyPr/>
+                    <a:lstStyle/>
+                    <a:p>
+                      <a:pPr algn="ctr"/>
+                      <a:r>
+                        <a:rPr lang="en-US" sz="1800" kern="1200" dirty="0" smtClean="0">
+                          <a:solidFill>
+                            <a:schemeClr val="tx1"/>
+                          </a:solidFill>
+                          <a:latin typeface="+mn-lt"/>
+                          <a:ea typeface="+mn-ea"/>
+                          <a:cs typeface="+mn-cs"/>
+                        </a:rPr>
+                        <a:t>619693</a:t>
+                      </a:r>
+                      <a:endParaRPr lang="en-US" dirty="0"/>
+                    </a:p>
+                  </a:txBody>
+                  <a:tcPr/>
+                </a:tc>
+              </a:tr>
+            </a:tbl>
+          </a:graphicData>
+        </a:graphic>
+      </p:graphicFrame>
+    </p:spTree>
+    <p:extLst>
+      <p:ext uri="{BB962C8B-B14F-4D97-AF65-F5344CB8AC3E}">
+        <p14:creationId xmlns:p14="http://schemas.microsoft.com/office/powerpoint/2010/main" val="2045662108"/>
+      </p:ext>
+    </p:extLst>
+  </p:cSld>
+  <p:clrMapOvr>
+    <a:masterClrMapping/>
+  </p:clrMapOvr>
+  <p:timing>
+    <p:tnLst>
+      <p:par>
+        <p:cTn xmlns:p14="http://schemas.microsoft.com/office/powerpoint/2010/main" id="1" dur="indefinite" restart="never" nodeType="tmRoot"/>
+      </p:par>
+    </p:tnLst>
+  </p:timing>
+</p:sld>
+</file>
+
+<file path=ppt/slides/slide5.xml><?xml version="1.0" encoding="utf-8"?>
 <p:sld xmlns:a="http://schemas.openxmlformats.org/drawingml/2006/main" xmlns:r="http://schemas.openxmlformats.org/officeDocument/2006/relationships" xmlns:p="http://schemas.openxmlformats.org/presentationml/2006/main">
   <p:cSld>
     <p:spTree>
@@ -8387,238 +12669,13 @@
   <p:clrMapOvr>
     <a:masterClrMapping/>
   </p:clrMapOvr>
-</p:sld>
-</file>
-
-<file path=ppt/slides/slide5.xml><?xml version="1.0" encoding="utf-8"?>
-<p:sld xmlns:a="http://schemas.openxmlformats.org/drawingml/2006/main" xmlns:r="http://schemas.openxmlformats.org/officeDocument/2006/relationships" xmlns:p="http://schemas.openxmlformats.org/presentationml/2006/main">
-  <p:cSld>
-    <p:spTree>
-      <p:nvGrpSpPr>
-        <p:cNvPr id="1" name=""/>
-        <p:cNvGrpSpPr/>
-        <p:nvPr/>
-      </p:nvGrpSpPr>
-      <p:grpSpPr>
-        <a:xfrm>
-          <a:off x="0" y="0"/>
-          <a:ext cx="0" cy="0"/>
-          <a:chOff x="0" y="0"/>
-          <a:chExt cx="0" cy="0"/>
-        </a:xfrm>
-      </p:grpSpPr>
-      <p:sp>
-        <p:nvSpPr>
-          <p:cNvPr id="2" name="Title 1"/>
-          <p:cNvSpPr>
-            <a:spLocks noGrp="1"/>
-          </p:cNvSpPr>
-          <p:nvPr>
-            <p:ph type="title"/>
-          </p:nvPr>
-        </p:nvSpPr>
-        <p:spPr/>
-        <p:txBody>
-          <a:bodyPr/>
-          <a:lstStyle/>
-          <a:p>
-            <a:pPr lvl="0"/>
-            <a:r>
-              <a:rPr lang="en-US" dirty="0"/>
-              <a:t>Mobility Path Extraction</a:t>
-            </a:r>
-            <a:endParaRPr lang="en-US" dirty="0"/>
-          </a:p>
-        </p:txBody>
-      </p:sp>
-      <p:sp>
-        <p:nvSpPr>
-          <p:cNvPr id="3" name="Content Placeholder 2"/>
-          <p:cNvSpPr>
-            <a:spLocks noGrp="1"/>
-          </p:cNvSpPr>
-          <p:nvPr>
-            <p:ph idx="1"/>
-          </p:nvPr>
-        </p:nvSpPr>
-        <p:spPr/>
-        <p:txBody>
-          <a:bodyPr/>
-          <a:lstStyle/>
-          <a:p>
-            <a:r>
-              <a:rPr lang="en-US" dirty="0" smtClean="0"/>
-              <a:t>Input: </a:t>
-            </a:r>
-            <a:endParaRPr lang="en-US" dirty="0"/>
-          </a:p>
-        </p:txBody>
-      </p:sp>
-      <p:graphicFrame>
-        <p:nvGraphicFramePr>
-          <p:cNvPr id="4" name="Table 3"/>
-          <p:cNvGraphicFramePr>
-            <a:graphicFrameLocks noGrp="1"/>
-          </p:cNvGraphicFramePr>
-          <p:nvPr>
-            <p:extLst>
-              <p:ext uri="{D42A27DB-BD31-4B8C-83A1-F6EECF244321}">
-                <p14:modId xmlns:p14="http://schemas.microsoft.com/office/powerpoint/2010/main" val="3866107251"/>
-              </p:ext>
-            </p:extLst>
-          </p:nvPr>
-        </p:nvGraphicFramePr>
-        <p:xfrm>
-          <a:off x="2133600" y="1295400"/>
-          <a:ext cx="6096000" cy="741680"/>
-        </p:xfrm>
-        <a:graphic>
-          <a:graphicData uri="http://schemas.openxmlformats.org/drawingml/2006/table">
-            <a:tbl>
-              <a:tblPr firstRow="1" bandRow="1">
-                <a:tableStyleId>{BC89EF96-8CEA-46FF-86C4-4CE0E7609802}</a:tableStyleId>
-              </a:tblPr>
-              <a:tblGrid>
-                <a:gridCol w="1219200"/>
-                <a:gridCol w="1219200"/>
-                <a:gridCol w="1219200"/>
-                <a:gridCol w="1219200"/>
-                <a:gridCol w="1219200"/>
-              </a:tblGrid>
-              <a:tr h="370840">
-                <a:tc>
-                  <a:txBody>
-                    <a:bodyPr/>
-                    <a:lstStyle/>
-                    <a:p>
-                      <a:r>
-                        <a:rPr lang="en-US" dirty="0" smtClean="0"/>
-                        <a:t> Person Id</a:t>
-                      </a:r>
-                      <a:endParaRPr lang="en-US" dirty="0"/>
-                    </a:p>
-                  </a:txBody>
-                  <a:tcPr/>
-                </a:tc>
-                <a:tc>
-                  <a:txBody>
-                    <a:bodyPr/>
-                    <a:lstStyle/>
-                    <a:p>
-                      <a:r>
-                        <a:rPr lang="en-US" dirty="0" smtClean="0"/>
-                        <a:t>T start</a:t>
-                      </a:r>
-                      <a:endParaRPr lang="en-US" dirty="0"/>
-                    </a:p>
-                  </a:txBody>
-                  <a:tcPr/>
-                </a:tc>
-                <a:tc>
-                  <a:txBody>
-                    <a:bodyPr/>
-                    <a:lstStyle/>
-                    <a:p>
-                      <a:r>
-                        <a:rPr lang="en-US" dirty="0" smtClean="0"/>
-                        <a:t>T end</a:t>
-                      </a:r>
-                      <a:endParaRPr lang="en-US" dirty="0"/>
-                    </a:p>
-                  </a:txBody>
-                  <a:tcPr/>
-                </a:tc>
-                <a:tc>
-                  <a:txBody>
-                    <a:bodyPr/>
-                    <a:lstStyle/>
-                    <a:p>
-                      <a:r>
-                        <a:rPr lang="en-US" smtClean="0"/>
-                        <a:t>T duration</a:t>
-                      </a:r>
-                      <a:endParaRPr lang="en-US"/>
-                    </a:p>
-                  </a:txBody>
-                  <a:tcPr/>
-                </a:tc>
-                <a:tc>
-                  <a:txBody>
-                    <a:bodyPr/>
-                    <a:lstStyle/>
-                    <a:p>
-                      <a:endParaRPr lang="en-US"/>
-                    </a:p>
-                  </a:txBody>
-                  <a:tcPr/>
-                </a:tc>
-              </a:tr>
-              <a:tr h="370840">
-                <a:tc>
-                  <a:txBody>
-                    <a:bodyPr/>
-                    <a:lstStyle/>
-                    <a:p>
-                      <a:endParaRPr lang="en-US"/>
-                    </a:p>
-                  </a:txBody>
-                  <a:tcPr/>
-                </a:tc>
-                <a:tc>
-                  <a:txBody>
-                    <a:bodyPr/>
-                    <a:lstStyle/>
-                    <a:p>
-                      <a:endParaRPr lang="en-US"/>
-                    </a:p>
-                  </a:txBody>
-                  <a:tcPr/>
-                </a:tc>
-                <a:tc>
-                  <a:txBody>
-                    <a:bodyPr/>
-                    <a:lstStyle/>
-                    <a:p>
-                      <a:endParaRPr lang="en-US"/>
-                    </a:p>
-                  </a:txBody>
-                  <a:tcPr/>
-                </a:tc>
-                <a:tc>
-                  <a:txBody>
-                    <a:bodyPr/>
-                    <a:lstStyle/>
-                    <a:p>
-                      <a:endParaRPr lang="en-US"/>
-                    </a:p>
-                  </a:txBody>
-                  <a:tcPr/>
-                </a:tc>
-                <a:tc>
-                  <a:txBody>
-                    <a:bodyPr/>
-                    <a:lstStyle/>
-                    <a:p>
-                      <a:endParaRPr lang="en-US" dirty="0"/>
-                    </a:p>
-                  </a:txBody>
-                  <a:tcPr/>
-                </a:tc>
-              </a:tr>
-            </a:tbl>
-          </a:graphicData>
-        </a:graphic>
-      </p:graphicFrame>
-    </p:spTree>
-    <p:extLst>
-      <p:ext uri="{BB962C8B-B14F-4D97-AF65-F5344CB8AC3E}">
-        <p14:creationId xmlns:p14="http://schemas.microsoft.com/office/powerpoint/2010/main" val="3142390281"/>
-      </p:ext>
-    </p:extLst>
-  </p:cSld>
-  <p:clrMapOvr>
-    <a:masterClrMapping/>
-  </p:clrMapOvr>
+  <p:timing>
+    <p:tnLst>
+      <p:par>
+        <p:cTn xmlns:p14="http://schemas.microsoft.com/office/powerpoint/2010/main" id="1" dur="indefinite" restart="never" nodeType="tmRoot"/>
+      </p:par>
+    </p:tnLst>
+  </p:timing>
 </p:sld>
 </file>
 
@@ -8657,7 +12714,7 @@
             <a:pPr lvl="0"/>
             <a:r>
               <a:rPr lang="en-US" dirty="0"/>
-              <a:t>Oscillating Pair Detection </a:t>
+              <a:t>Mobility Path Extraction</a:t>
             </a:r>
             <a:endParaRPr lang="en-US" dirty="0"/>
           </a:p>
@@ -8678,20 +12735,674 @@
           <a:bodyPr/>
           <a:lstStyle/>
           <a:p>
-            <a:endParaRPr lang="en-US"/>
+            <a:r>
+              <a:rPr lang="en-US" dirty="0" smtClean="0"/>
+              <a:t>Input:</a:t>
+            </a:r>
+          </a:p>
+          <a:p>
+            <a:pPr lvl="1"/>
+            <a:endParaRPr lang="en-US" dirty="0"/>
+          </a:p>
+          <a:p>
+            <a:endParaRPr lang="en-US" dirty="0" smtClean="0"/>
+          </a:p>
+          <a:p>
+            <a:pPr lvl="1"/>
+            <a:endParaRPr lang="en-US" dirty="0"/>
           </a:p>
         </p:txBody>
       </p:sp>
+      <p:graphicFrame>
+        <p:nvGraphicFramePr>
+          <p:cNvPr id="4" name="Table 3"/>
+          <p:cNvGraphicFramePr>
+            <a:graphicFrameLocks noGrp="1"/>
+          </p:cNvGraphicFramePr>
+          <p:nvPr>
+            <p:extLst>
+              <p:ext uri="{D42A27DB-BD31-4B8C-83A1-F6EECF244321}">
+                <p14:modId xmlns:p14="http://schemas.microsoft.com/office/powerpoint/2010/main" val="1987308278"/>
+              </p:ext>
+            </p:extLst>
+          </p:nvPr>
+        </p:nvGraphicFramePr>
+        <p:xfrm>
+          <a:off x="2819400" y="1066800"/>
+          <a:ext cx="6096000" cy="2301240"/>
+        </p:xfrm>
+        <a:graphic>
+          <a:graphicData uri="http://schemas.openxmlformats.org/drawingml/2006/table">
+            <a:tbl>
+              <a:tblPr firstRow="1" bandRow="1">
+                <a:tableStyleId>{BC89EF96-8CEA-46FF-86C4-4CE0E7609802}</a:tableStyleId>
+              </a:tblPr>
+              <a:tblGrid>
+                <a:gridCol w="1219200"/>
+                <a:gridCol w="1219200"/>
+                <a:gridCol w="1219200"/>
+                <a:gridCol w="1219200"/>
+                <a:gridCol w="1219200"/>
+              </a:tblGrid>
+              <a:tr h="447040">
+                <a:tc>
+                  <a:txBody>
+                    <a:bodyPr/>
+                    <a:lstStyle/>
+                    <a:p>
+                      <a:pPr algn="ctr"/>
+                      <a:r>
+                        <a:rPr lang="en-US" dirty="0" smtClean="0"/>
+                        <a:t> Person Id</a:t>
+                      </a:r>
+                      <a:endParaRPr lang="en-US" dirty="0"/>
+                    </a:p>
+                  </a:txBody>
+                  <a:tcPr/>
+                </a:tc>
+                <a:tc>
+                  <a:txBody>
+                    <a:bodyPr/>
+                    <a:lstStyle/>
+                    <a:p>
+                      <a:pPr algn="ctr"/>
+                      <a:r>
+                        <a:rPr lang="en-US" dirty="0" smtClean="0"/>
+                        <a:t>T start</a:t>
+                      </a:r>
+                      <a:endParaRPr lang="en-US" dirty="0"/>
+                    </a:p>
+                  </a:txBody>
+                  <a:tcPr/>
+                </a:tc>
+                <a:tc>
+                  <a:txBody>
+                    <a:bodyPr/>
+                    <a:lstStyle/>
+                    <a:p>
+                      <a:pPr algn="ctr"/>
+                      <a:r>
+                        <a:rPr lang="en-US" dirty="0" smtClean="0"/>
+                        <a:t>T end</a:t>
+                      </a:r>
+                      <a:endParaRPr lang="en-US" dirty="0"/>
+                    </a:p>
+                  </a:txBody>
+                  <a:tcPr/>
+                </a:tc>
+                <a:tc>
+                  <a:txBody>
+                    <a:bodyPr/>
+                    <a:lstStyle/>
+                    <a:p>
+                      <a:pPr algn="ctr"/>
+                      <a:r>
+                        <a:rPr lang="en-US" dirty="0" smtClean="0"/>
+                        <a:t>T duration</a:t>
+                      </a:r>
+                      <a:endParaRPr lang="en-US" dirty="0"/>
+                    </a:p>
+                  </a:txBody>
+                  <a:tcPr/>
+                </a:tc>
+                <a:tc>
+                  <a:txBody>
+                    <a:bodyPr/>
+                    <a:lstStyle/>
+                    <a:p>
+                      <a:r>
+                        <a:rPr lang="en-US" dirty="0" smtClean="0"/>
+                        <a:t>Cell Id</a:t>
+                      </a:r>
+                      <a:endParaRPr lang="en-US" dirty="0"/>
+                    </a:p>
+                  </a:txBody>
+                  <a:tcPr/>
+                </a:tc>
+              </a:tr>
+              <a:tr h="370840">
+                <a:tc>
+                  <a:txBody>
+                    <a:bodyPr/>
+                    <a:lstStyle/>
+                    <a:p>
+                      <a:pPr algn="ctr"/>
+                      <a:r>
+                        <a:rPr lang="en-US" dirty="0" smtClean="0"/>
+                        <a:t> 1</a:t>
+                      </a:r>
+                      <a:endParaRPr lang="en-US" dirty="0"/>
+                    </a:p>
+                  </a:txBody>
+                  <a:tcPr/>
+                </a:tc>
+                <a:tc>
+                  <a:txBody>
+                    <a:bodyPr/>
+                    <a:lstStyle/>
+                    <a:p>
+                      <a:pPr algn="ctr"/>
+                      <a:r>
+                        <a:rPr lang="en-US" dirty="0" smtClean="0"/>
+                        <a:t>0</a:t>
+                      </a:r>
+                      <a:endParaRPr lang="en-US" dirty="0"/>
+                    </a:p>
+                  </a:txBody>
+                  <a:tcPr/>
+                </a:tc>
+                <a:tc>
+                  <a:txBody>
+                    <a:bodyPr/>
+                    <a:lstStyle/>
+                    <a:p>
+                      <a:pPr algn="ctr"/>
+                      <a:r>
+                        <a:rPr lang="en-US" dirty="0" smtClean="0"/>
+                        <a:t>4</a:t>
+                      </a:r>
+                      <a:endParaRPr lang="en-US" dirty="0"/>
+                    </a:p>
+                  </a:txBody>
+                  <a:tcPr/>
+                </a:tc>
+                <a:tc>
+                  <a:txBody>
+                    <a:bodyPr/>
+                    <a:lstStyle/>
+                    <a:p>
+                      <a:pPr algn="ctr"/>
+                      <a:r>
+                        <a:rPr lang="en-US" dirty="0" smtClean="0"/>
+                        <a:t>4</a:t>
+                      </a:r>
+                      <a:endParaRPr lang="en-US" dirty="0"/>
+                    </a:p>
+                  </a:txBody>
+                  <a:tcPr/>
+                </a:tc>
+                <a:tc>
+                  <a:txBody>
+                    <a:bodyPr/>
+                    <a:lstStyle/>
+                    <a:p>
+                      <a:r>
+                        <a:rPr lang="en-US" dirty="0" smtClean="0"/>
+                        <a:t>C1</a:t>
+                      </a:r>
+                      <a:endParaRPr lang="en-US" dirty="0"/>
+                    </a:p>
+                  </a:txBody>
+                  <a:tcPr/>
+                </a:tc>
+              </a:tr>
+              <a:tr h="370840">
+                <a:tc>
+                  <a:txBody>
+                    <a:bodyPr/>
+                    <a:lstStyle/>
+                    <a:p>
+                      <a:pPr algn="ctr"/>
+                      <a:r>
+                        <a:rPr lang="en-US" dirty="0" smtClean="0"/>
+                        <a:t>1</a:t>
+                      </a:r>
+                      <a:endParaRPr lang="en-US" dirty="0"/>
+                    </a:p>
+                  </a:txBody>
+                  <a:tcPr/>
+                </a:tc>
+                <a:tc>
+                  <a:txBody>
+                    <a:bodyPr/>
+                    <a:lstStyle/>
+                    <a:p>
+                      <a:pPr algn="ctr"/>
+                      <a:r>
+                        <a:rPr lang="en-US" dirty="0" smtClean="0"/>
+                        <a:t>6</a:t>
+                      </a:r>
+                      <a:endParaRPr lang="en-US" dirty="0"/>
+                    </a:p>
+                  </a:txBody>
+                  <a:tcPr/>
+                </a:tc>
+                <a:tc>
+                  <a:txBody>
+                    <a:bodyPr/>
+                    <a:lstStyle/>
+                    <a:p>
+                      <a:pPr algn="ctr"/>
+                      <a:r>
+                        <a:rPr lang="en-US" dirty="0" smtClean="0"/>
+                        <a:t>9</a:t>
+                      </a:r>
+                      <a:endParaRPr lang="en-US" dirty="0"/>
+                    </a:p>
+                  </a:txBody>
+                  <a:tcPr/>
+                </a:tc>
+                <a:tc>
+                  <a:txBody>
+                    <a:bodyPr/>
+                    <a:lstStyle/>
+                    <a:p>
+                      <a:pPr algn="ctr"/>
+                      <a:r>
+                        <a:rPr lang="en-US" dirty="0" smtClean="0"/>
+                        <a:t>3</a:t>
+                      </a:r>
+                      <a:endParaRPr lang="en-US" dirty="0"/>
+                    </a:p>
+                  </a:txBody>
+                  <a:tcPr/>
+                </a:tc>
+                <a:tc>
+                  <a:txBody>
+                    <a:bodyPr/>
+                    <a:lstStyle/>
+                    <a:p>
+                      <a:r>
+                        <a:rPr lang="en-US" dirty="0" smtClean="0"/>
+                        <a:t>C4</a:t>
+                      </a:r>
+                      <a:endParaRPr lang="en-US" dirty="0"/>
+                    </a:p>
+                  </a:txBody>
+                  <a:tcPr/>
+                </a:tc>
+              </a:tr>
+              <a:tr h="370840">
+                <a:tc>
+                  <a:txBody>
+                    <a:bodyPr/>
+                    <a:lstStyle/>
+                    <a:p>
+                      <a:pPr algn="ctr"/>
+                      <a:r>
+                        <a:rPr lang="en-US" dirty="0" smtClean="0"/>
+                        <a:t>1</a:t>
+                      </a:r>
+                      <a:endParaRPr lang="en-US" dirty="0"/>
+                    </a:p>
+                  </a:txBody>
+                  <a:tcPr/>
+                </a:tc>
+                <a:tc>
+                  <a:txBody>
+                    <a:bodyPr/>
+                    <a:lstStyle/>
+                    <a:p>
+                      <a:pPr algn="ctr"/>
+                      <a:r>
+                        <a:rPr lang="en-US" dirty="0" smtClean="0"/>
+                        <a:t>9</a:t>
+                      </a:r>
+                      <a:endParaRPr lang="en-US" dirty="0"/>
+                    </a:p>
+                  </a:txBody>
+                  <a:tcPr/>
+                </a:tc>
+                <a:tc>
+                  <a:txBody>
+                    <a:bodyPr/>
+                    <a:lstStyle/>
+                    <a:p>
+                      <a:pPr algn="ctr"/>
+                      <a:r>
+                        <a:rPr lang="en-US" dirty="0" smtClean="0"/>
+                        <a:t>13</a:t>
+                      </a:r>
+                      <a:endParaRPr lang="en-US" dirty="0"/>
+                    </a:p>
+                  </a:txBody>
+                  <a:tcPr/>
+                </a:tc>
+                <a:tc>
+                  <a:txBody>
+                    <a:bodyPr/>
+                    <a:lstStyle/>
+                    <a:p>
+                      <a:pPr algn="ctr"/>
+                      <a:r>
+                        <a:rPr lang="en-US" dirty="0" smtClean="0"/>
+                        <a:t>4</a:t>
+                      </a:r>
+                      <a:endParaRPr lang="en-US" dirty="0"/>
+                    </a:p>
+                  </a:txBody>
+                  <a:tcPr/>
+                </a:tc>
+                <a:tc>
+                  <a:txBody>
+                    <a:bodyPr/>
+                    <a:lstStyle/>
+                    <a:p>
+                      <a:r>
+                        <a:rPr lang="en-US" dirty="0" smtClean="0"/>
+                        <a:t>C3</a:t>
+                      </a:r>
+                      <a:endParaRPr lang="en-US" dirty="0"/>
+                    </a:p>
+                  </a:txBody>
+                  <a:tcPr/>
+                </a:tc>
+              </a:tr>
+              <a:tr h="370840">
+                <a:tc>
+                  <a:txBody>
+                    <a:bodyPr/>
+                    <a:lstStyle/>
+                    <a:p>
+                      <a:pPr algn="ctr"/>
+                      <a:r>
+                        <a:rPr lang="en-US" dirty="0" smtClean="0"/>
+                        <a:t>1</a:t>
+                      </a:r>
+                      <a:endParaRPr lang="en-US" dirty="0"/>
+                    </a:p>
+                  </a:txBody>
+                  <a:tcPr/>
+                </a:tc>
+                <a:tc>
+                  <a:txBody>
+                    <a:bodyPr/>
+                    <a:lstStyle/>
+                    <a:p>
+                      <a:pPr algn="ctr"/>
+                      <a:r>
+                        <a:rPr lang="en-US" dirty="0" smtClean="0"/>
+                        <a:t>15</a:t>
+                      </a:r>
+                      <a:endParaRPr lang="en-US" dirty="0"/>
+                    </a:p>
+                  </a:txBody>
+                  <a:tcPr/>
+                </a:tc>
+                <a:tc>
+                  <a:txBody>
+                    <a:bodyPr/>
+                    <a:lstStyle/>
+                    <a:p>
+                      <a:pPr algn="ctr"/>
+                      <a:r>
+                        <a:rPr lang="en-US" dirty="0" smtClean="0"/>
+                        <a:t>24</a:t>
+                      </a:r>
+                      <a:endParaRPr lang="en-US" dirty="0"/>
+                    </a:p>
+                  </a:txBody>
+                  <a:tcPr/>
+                </a:tc>
+                <a:tc>
+                  <a:txBody>
+                    <a:bodyPr/>
+                    <a:lstStyle/>
+                    <a:p>
+                      <a:pPr algn="ctr"/>
+                      <a:r>
+                        <a:rPr lang="en-US" dirty="0" smtClean="0"/>
+                        <a:t>9</a:t>
+                      </a:r>
+                      <a:endParaRPr lang="en-US" dirty="0"/>
+                    </a:p>
+                  </a:txBody>
+                  <a:tcPr/>
+                </a:tc>
+                <a:tc>
+                  <a:txBody>
+                    <a:bodyPr/>
+                    <a:lstStyle/>
+                    <a:p>
+                      <a:r>
+                        <a:rPr lang="en-US" dirty="0" smtClean="0"/>
+                        <a:t>C7</a:t>
+                      </a:r>
+                      <a:endParaRPr lang="en-US" dirty="0"/>
+                    </a:p>
+                  </a:txBody>
+                  <a:tcPr/>
+                </a:tc>
+              </a:tr>
+              <a:tr h="370840">
+                <a:tc>
+                  <a:txBody>
+                    <a:bodyPr/>
+                    <a:lstStyle/>
+                    <a:p>
+                      <a:pPr algn="ctr"/>
+                      <a:r>
+                        <a:rPr lang="en-US" dirty="0" smtClean="0"/>
+                        <a:t>1</a:t>
+                      </a:r>
+                      <a:endParaRPr lang="en-US" dirty="0"/>
+                    </a:p>
+                  </a:txBody>
+                  <a:tcPr/>
+                </a:tc>
+                <a:tc>
+                  <a:txBody>
+                    <a:bodyPr/>
+                    <a:lstStyle/>
+                    <a:p>
+                      <a:pPr algn="ctr"/>
+                      <a:r>
+                        <a:rPr lang="en-US" dirty="0" smtClean="0"/>
+                        <a:t>24</a:t>
+                      </a:r>
+                      <a:endParaRPr lang="en-US" dirty="0"/>
+                    </a:p>
+                  </a:txBody>
+                  <a:tcPr/>
+                </a:tc>
+                <a:tc>
+                  <a:txBody>
+                    <a:bodyPr/>
+                    <a:lstStyle/>
+                    <a:p>
+                      <a:pPr algn="ctr"/>
+                      <a:r>
+                        <a:rPr lang="en-US" dirty="0" smtClean="0"/>
+                        <a:t>28</a:t>
+                      </a:r>
+                      <a:endParaRPr lang="en-US" dirty="0"/>
+                    </a:p>
+                  </a:txBody>
+                  <a:tcPr/>
+                </a:tc>
+                <a:tc>
+                  <a:txBody>
+                    <a:bodyPr/>
+                    <a:lstStyle/>
+                    <a:p>
+                      <a:pPr algn="ctr"/>
+                      <a:r>
+                        <a:rPr lang="en-US" smtClean="0"/>
+                        <a:t>4</a:t>
+                      </a:r>
+                      <a:endParaRPr lang="en-US" dirty="0"/>
+                    </a:p>
+                  </a:txBody>
+                  <a:tcPr/>
+                </a:tc>
+                <a:tc>
+                  <a:txBody>
+                    <a:bodyPr/>
+                    <a:lstStyle/>
+                    <a:p>
+                      <a:r>
+                        <a:rPr lang="en-US" dirty="0" smtClean="0"/>
+                        <a:t>C5</a:t>
+                      </a:r>
+                      <a:endParaRPr lang="en-US" dirty="0"/>
+                    </a:p>
+                  </a:txBody>
+                  <a:tcPr/>
+                </a:tc>
+              </a:tr>
+            </a:tbl>
+          </a:graphicData>
+        </a:graphic>
+      </p:graphicFrame>
+      <p:sp>
+        <p:nvSpPr>
+          <p:cNvPr id="6" name="Down Arrow 5"/>
+          <p:cNvSpPr/>
+          <p:nvPr/>
+        </p:nvSpPr>
+        <p:spPr bwMode="auto">
+          <a:xfrm>
+            <a:off x="5562600" y="3581400"/>
+            <a:ext cx="685800" cy="1066800"/>
+          </a:xfrm>
+          <a:prstGeom prst="downArrow">
+            <a:avLst/>
+          </a:prstGeom>
+          <a:solidFill>
+            <a:schemeClr val="accent1"/>
+          </a:solidFill>
+          <a:ln w="9525" cap="flat" cmpd="sng" algn="ctr">
+            <a:solidFill>
+              <a:schemeClr val="tx1"/>
+            </a:solidFill>
+            <a:prstDash val="solid"/>
+            <a:round/>
+            <a:headEnd type="none" w="med" len="med"/>
+            <a:tailEnd type="none" w="med" len="med"/>
+          </a:ln>
+          <a:effectLst/>
+        </p:spPr>
+        <p:txBody>
+          <a:bodyPr vert="horz" wrap="square" lIns="91440" tIns="45720" rIns="91440" bIns="45720" numCol="1" rtlCol="0" anchor="t" anchorCtr="0" compatLnSpc="1">
+            <a:prstTxWarp prst="textNoShape">
+              <a:avLst/>
+            </a:prstTxWarp>
+          </a:bodyPr>
+          <a:lstStyle/>
+          <a:p>
+            <a:pPr marL="0" marR="0" indent="0" algn="l" defTabSz="914400" rtl="0" eaLnBrk="0" fontAlgn="base" latinLnBrk="0" hangingPunct="0">
+              <a:lnSpc>
+                <a:spcPct val="100000"/>
+              </a:lnSpc>
+              <a:spcBef>
+                <a:spcPct val="0"/>
+              </a:spcBef>
+              <a:spcAft>
+                <a:spcPct val="0"/>
+              </a:spcAft>
+              <a:buClrTx/>
+              <a:buSzTx/>
+              <a:buFontTx/>
+              <a:buNone/>
+              <a:tabLst/>
+            </a:pPr>
+            <a:endParaRPr kumimoji="0" lang="en-US" sz="2400" b="0" i="0" u="none" strike="noStrike" cap="none" normalizeH="0" baseline="-25000">
+              <a:ln>
+                <a:noFill/>
+              </a:ln>
+              <a:solidFill>
+                <a:schemeClr val="tx1"/>
+              </a:solidFill>
+              <a:effectLst>
+                <a:outerShdw blurRad="38100" dist="38100" dir="2700000" algn="tl">
+                  <a:srgbClr val="000000">
+                    <a:alpha val="43137"/>
+                  </a:srgbClr>
+                </a:outerShdw>
+              </a:effectLst>
+              <a:latin typeface="Arial" pitchFamily="-105" charset="0"/>
+              <a:ea typeface="ＭＳ Ｐゴシック" pitchFamily="-105" charset="-128"/>
+              <a:cs typeface="ＭＳ Ｐゴシック" pitchFamily="-105" charset="-128"/>
+            </a:endParaRPr>
+          </a:p>
+        </p:txBody>
+      </p:sp>
+      <p:graphicFrame>
+        <p:nvGraphicFramePr>
+          <p:cNvPr id="7" name="Table 6"/>
+          <p:cNvGraphicFramePr>
+            <a:graphicFrameLocks noGrp="1"/>
+          </p:cNvGraphicFramePr>
+          <p:nvPr>
+            <p:extLst>
+              <p:ext uri="{D42A27DB-BD31-4B8C-83A1-F6EECF244321}">
+                <p14:modId xmlns:p14="http://schemas.microsoft.com/office/powerpoint/2010/main" val="1160205744"/>
+              </p:ext>
+            </p:extLst>
+          </p:nvPr>
+        </p:nvGraphicFramePr>
+        <p:xfrm>
+          <a:off x="4953000" y="4876800"/>
+          <a:ext cx="1828800" cy="731520"/>
+        </p:xfrm>
+        <a:graphic>
+          <a:graphicData uri="http://schemas.openxmlformats.org/drawingml/2006/table">
+            <a:tbl>
+              <a:tblPr firstRow="1" bandRow="1">
+                <a:tableStyleId>{BC89EF96-8CEA-46FF-86C4-4CE0E7609802}</a:tableStyleId>
+              </a:tblPr>
+              <a:tblGrid>
+                <a:gridCol w="1828800"/>
+              </a:tblGrid>
+              <a:tr h="342900">
+                <a:tc>
+                  <a:txBody>
+                    <a:bodyPr/>
+                    <a:lstStyle/>
+                    <a:p>
+                      <a:pPr algn="ctr"/>
+                      <a:r>
+                        <a:rPr lang="en-US" b="0" dirty="0" smtClean="0"/>
+                        <a:t> </a:t>
+                      </a:r>
+                      <a:r>
+                        <a:rPr lang="en-US" b="0" baseline="0" dirty="0" smtClean="0"/>
+                        <a:t> [ C1 C4 C3 C7]</a:t>
+                      </a:r>
+                      <a:endParaRPr lang="en-US" b="0" dirty="0"/>
+                    </a:p>
+                  </a:txBody>
+                  <a:tcPr/>
+                </a:tc>
+              </a:tr>
+              <a:tr h="342900">
+                <a:tc>
+                  <a:txBody>
+                    <a:bodyPr/>
+                    <a:lstStyle/>
+                    <a:p>
+                      <a:pPr algn="ctr"/>
+                      <a:r>
+                        <a:rPr lang="en-US" dirty="0" smtClean="0"/>
+                        <a:t>[C7 C5]</a:t>
+                      </a:r>
+                      <a:endParaRPr lang="en-US" dirty="0"/>
+                    </a:p>
+                  </a:txBody>
+                  <a:tcPr/>
+                </a:tc>
+              </a:tr>
+            </a:tbl>
+          </a:graphicData>
+        </a:graphic>
+      </p:graphicFrame>
     </p:spTree>
     <p:extLst>
       <p:ext uri="{BB962C8B-B14F-4D97-AF65-F5344CB8AC3E}">
-        <p14:creationId xmlns:p14="http://schemas.microsoft.com/office/powerpoint/2010/main" val="2095318595"/>
+        <p14:creationId xmlns:p14="http://schemas.microsoft.com/office/powerpoint/2010/main" val="3142390281"/>
       </p:ext>
     </p:extLst>
   </p:cSld>
   <p:clrMapOvr>
     <a:masterClrMapping/>
   </p:clrMapOvr>
+  <p:timing>
+    <p:tnLst>
+      <p:par>
+        <p:cTn xmlns:p14="http://schemas.microsoft.com/office/powerpoint/2010/main" id="1" dur="indefinite" restart="never" nodeType="tmRoot"/>
+      </p:par>
+    </p:tnLst>
+  </p:timing>
 </p:sld>
 </file>
 
@@ -8730,11 +13441,7 @@
             <a:pPr lvl="0"/>
             <a:r>
               <a:rPr lang="en-US" dirty="0"/>
-              <a:t>Oscillation Graph </a:t>
-            </a:r>
-            <a:r>
-              <a:rPr lang="en-US" dirty="0" smtClean="0"/>
-              <a:t>Generation</a:t>
+              <a:t>Oscillating Pair Detection </a:t>
             </a:r>
             <a:endParaRPr lang="en-US" dirty="0"/>
           </a:p>
@@ -8755,20 +13462,123 @@
           <a:bodyPr/>
           <a:lstStyle/>
           <a:p>
-            <a:endParaRPr lang="en-US"/>
+            <a:r>
+              <a:rPr lang="en-US" dirty="0" smtClean="0"/>
+              <a:t>Goal:</a:t>
+            </a:r>
+          </a:p>
+          <a:p>
+            <a:pPr lvl="1"/>
+            <a:r>
+              <a:rPr lang="en-US" dirty="0" smtClean="0"/>
+              <a:t>Retrieve </a:t>
+            </a:r>
+            <a:r>
+              <a:rPr lang="en-US" dirty="0"/>
+              <a:t>sets of towers that overlap each </a:t>
+            </a:r>
+            <a:r>
+              <a:rPr lang="en-US" dirty="0" smtClean="0"/>
+              <a:t>other:</a:t>
+            </a:r>
+          </a:p>
+          <a:p>
+            <a:pPr lvl="2"/>
+            <a:r>
+              <a:rPr lang="en-US" dirty="0" smtClean="0"/>
+              <a:t>Soft Handover: The user is in a stationary state but there is transition between </a:t>
+            </a:r>
+            <a:r>
+              <a:rPr lang="en-US" dirty="0" err="1" smtClean="0"/>
+              <a:t>overlaping</a:t>
+            </a:r>
+            <a:r>
+              <a:rPr lang="en-US" dirty="0" smtClean="0"/>
+              <a:t> towers.</a:t>
+            </a:r>
+          </a:p>
+          <a:p>
+            <a:r>
+              <a:rPr lang="en-US" dirty="0" smtClean="0"/>
+              <a:t>Solution:</a:t>
+            </a:r>
+          </a:p>
+          <a:p>
+            <a:pPr lvl="1"/>
+            <a:r>
+              <a:rPr lang="en-US" i="1" dirty="0" smtClean="0"/>
+              <a:t>Switching </a:t>
+            </a:r>
+            <a:r>
+              <a:rPr lang="en-US" dirty="0" smtClean="0"/>
+              <a:t>means a handover from one tower to another inside of a mobility path </a:t>
+            </a:r>
+          </a:p>
+          <a:p>
+            <a:pPr lvl="1"/>
+            <a:r>
+              <a:rPr lang="en-US" dirty="0" smtClean="0"/>
+              <a:t>[ </a:t>
+            </a:r>
+            <a:r>
+              <a:rPr lang="en-US" dirty="0"/>
+              <a:t>x, y, x, w, v, w, y</a:t>
+            </a:r>
+            <a:r>
+              <a:rPr lang="en-US" dirty="0" smtClean="0"/>
+              <a:t>], minimum switching count= 3</a:t>
+            </a:r>
+          </a:p>
+          <a:p>
+            <a:pPr lvl="2"/>
+            <a:r>
+              <a:rPr lang="en-US" dirty="0" smtClean="0"/>
+              <a:t>(</a:t>
+            </a:r>
+            <a:r>
+              <a:rPr lang="en-US" dirty="0" err="1" smtClean="0"/>
+              <a:t>x,y</a:t>
+            </a:r>
+            <a:r>
+              <a:rPr lang="en-US" dirty="0" smtClean="0"/>
+              <a:t>) has 3 switches</a:t>
+            </a:r>
+          </a:p>
+          <a:p>
+            <a:pPr lvl="3"/>
+            <a:r>
+              <a:rPr lang="en-US" dirty="0" smtClean="0"/>
+              <a:t>It is oscillating pair</a:t>
+            </a:r>
+            <a:endParaRPr lang="en-US" dirty="0"/>
+          </a:p>
+          <a:p>
+            <a:pPr lvl="1"/>
+            <a:endParaRPr lang="en-US" dirty="0"/>
+          </a:p>
+          <a:p>
+            <a:pPr lvl="1"/>
+            <a:endParaRPr lang="en-US" dirty="0"/>
           </a:p>
         </p:txBody>
       </p:sp>
     </p:spTree>
     <p:extLst>
       <p:ext uri="{BB962C8B-B14F-4D97-AF65-F5344CB8AC3E}">
-        <p14:creationId xmlns:p14="http://schemas.microsoft.com/office/powerpoint/2010/main" val="3818138840"/>
+        <p14:creationId xmlns:p14="http://schemas.microsoft.com/office/powerpoint/2010/main" val="2095318595"/>
       </p:ext>
     </p:extLst>
   </p:cSld>
   <p:clrMapOvr>
     <a:masterClrMapping/>
   </p:clrMapOvr>
+  <p:timing>
+    <p:tnLst>
+      <p:par>
+        <p:cTn xmlns:p14="http://schemas.microsoft.com/office/powerpoint/2010/main" id="1" dur="indefinite" restart="never" nodeType="tmRoot"/>
+      </p:par>
+    </p:tnLst>
+  </p:timing>
 </p:sld>
 </file>
 
@@ -8804,7 +13614,16 @@
           <a:bodyPr/>
           <a:lstStyle/>
           <a:p>
-            <a:endParaRPr lang="en-US"/>
+            <a:pPr lvl="0"/>
+            <a:r>
+              <a:rPr lang="en-US" dirty="0"/>
+              <a:t>Oscillation Graph </a:t>
+            </a:r>
+            <a:r>
+              <a:rPr lang="en-US" dirty="0" smtClean="0"/>
+              <a:t>Generation</a:t>
+            </a:r>
+            <a:endParaRPr lang="en-US" dirty="0"/>
           </a:p>
         </p:txBody>
       </p:sp>
@@ -8823,10 +13642,302 @@
           <a:bodyPr/>
           <a:lstStyle/>
           <a:p>
-            <a:endParaRPr lang="en-US"/>
+            <a:r>
+              <a:rPr lang="en-US" dirty="0" smtClean="0"/>
+              <a:t> G(V, E):</a:t>
+            </a:r>
+          </a:p>
+          <a:p>
+            <a:pPr lvl="1"/>
+            <a:r>
+              <a:rPr lang="en-US" sz="2400" dirty="0" smtClean="0"/>
+              <a:t>V: All </a:t>
+            </a:r>
+            <a:r>
+              <a:rPr lang="en-US" sz="2400" dirty="0"/>
+              <a:t>cell towers in </a:t>
+            </a:r>
+            <a:r>
+              <a:rPr lang="en-US" sz="2400" dirty="0" smtClean="0"/>
+              <a:t>oscillating pairs</a:t>
+            </a:r>
+          </a:p>
+          <a:p>
+            <a:pPr lvl="1"/>
+            <a:r>
+              <a:rPr lang="en-US" sz="2400" dirty="0" smtClean="0"/>
+              <a:t>E: Weighted edges with weight:</a:t>
+            </a:r>
+          </a:p>
+          <a:p>
+            <a:pPr lvl="1"/>
+            <a:endParaRPr lang="en-US" dirty="0" smtClean="0"/>
+          </a:p>
+          <a:p>
+            <a:pPr marL="457200" lvl="1" indent="0">
+              <a:buNone/>
+            </a:pPr>
+            <a:endParaRPr lang="en-US" dirty="0" smtClean="0"/>
+          </a:p>
+          <a:p>
+            <a:pPr marL="457200" lvl="1" indent="0">
+              <a:buNone/>
+            </a:pPr>
+            <a:r>
+              <a:rPr lang="en-US" sz="2000" dirty="0"/>
+              <a:t>connecting oscillating </a:t>
+            </a:r>
+            <a:r>
+              <a:rPr lang="en-US" sz="2000" dirty="0" smtClean="0"/>
+              <a:t>pairs.</a:t>
+            </a:r>
+          </a:p>
+          <a:p>
+            <a:r>
+              <a:rPr lang="en-US" dirty="0" smtClean="0"/>
+              <a:t>Intuition:</a:t>
+            </a:r>
+          </a:p>
+          <a:p>
+            <a:pPr lvl="1"/>
+            <a:r>
+              <a:rPr lang="en-US" sz="2400" dirty="0" smtClean="0"/>
+              <a:t>s</a:t>
+            </a:r>
+            <a:r>
+              <a:rPr lang="en-US" sz="2400" dirty="0"/>
+              <a:t>(</a:t>
+            </a:r>
+            <a:r>
+              <a:rPr lang="en-US" sz="2400" dirty="0" err="1"/>
+              <a:t>x,y</a:t>
+            </a:r>
+            <a:r>
+              <a:rPr lang="en-US" sz="2400" dirty="0"/>
+              <a:t>) is the ratio of how many times the cell towers x and y oscillated over the number of mobility paths in which x and y appear. </a:t>
+            </a:r>
+            <a:endParaRPr lang="en-US" sz="2400" dirty="0"/>
+          </a:p>
+          <a:p>
+            <a:pPr lvl="1"/>
+            <a:r>
+              <a:rPr lang="en-US" sz="2400" dirty="0"/>
+              <a:t>[ x, y, x, w, v, w, </a:t>
+            </a:r>
+            <a:r>
+              <a:rPr lang="en-US" sz="2400" dirty="0" smtClean="0"/>
+              <a:t>y], [x f </a:t>
+            </a:r>
+            <a:r>
+              <a:rPr lang="en-US" sz="2400" dirty="0"/>
+              <a:t>y</a:t>
+            </a:r>
+            <a:r>
+              <a:rPr lang="en-US" sz="2400" dirty="0" smtClean="0"/>
+              <a:t>], </a:t>
+            </a:r>
+            <a:r>
+              <a:rPr lang="en-US" sz="2400" dirty="0"/>
+              <a:t>[x </a:t>
+            </a:r>
+            <a:r>
+              <a:rPr lang="en-US" sz="2400" dirty="0" smtClean="0"/>
+              <a:t>y g]: s(</a:t>
+            </a:r>
+            <a:r>
+              <a:rPr lang="en-US" sz="2400" dirty="0" err="1" smtClean="0"/>
+              <a:t>x,y</a:t>
+            </a:r>
+            <a:r>
+              <a:rPr lang="en-US" sz="2400" dirty="0" smtClean="0"/>
+              <a:t>)=2/3</a:t>
+            </a:r>
+            <a:endParaRPr lang="en-US" sz="2400" dirty="0"/>
+          </a:p>
+          <a:p>
+            <a:pPr marL="457200" lvl="1" indent="0">
+              <a:buNone/>
+            </a:pPr>
+            <a:endParaRPr lang="en-US" dirty="0"/>
+          </a:p>
+          <a:p>
+            <a:pPr lvl="1"/>
+            <a:endParaRPr lang="en-US" dirty="0"/>
           </a:p>
         </p:txBody>
       </p:sp>
+      <p:pic>
+        <p:nvPicPr>
+          <p:cNvPr id="4" name="Picture 3"/>
+          <p:cNvPicPr>
+            <a:picLocks noChangeAspect="1"/>
+          </p:cNvPicPr>
+          <p:nvPr/>
+        </p:nvPicPr>
+        <p:blipFill>
+          <a:blip r:embed="rId2"/>
+          <a:stretch>
+            <a:fillRect/>
+          </a:stretch>
+        </p:blipFill>
+        <p:spPr>
+          <a:xfrm>
+            <a:off x="1600200" y="2514600"/>
+            <a:ext cx="5791200" cy="1043012"/>
+          </a:xfrm>
+          <a:prstGeom prst="rect">
+            <a:avLst/>
+          </a:prstGeom>
+        </p:spPr>
+      </p:pic>
+    </p:spTree>
+    <p:extLst>
+      <p:ext uri="{BB962C8B-B14F-4D97-AF65-F5344CB8AC3E}">
+        <p14:creationId xmlns:p14="http://schemas.microsoft.com/office/powerpoint/2010/main" val="3818138840"/>
+      </p:ext>
+    </p:extLst>
+  </p:cSld>
+  <p:clrMapOvr>
+    <a:masterClrMapping/>
+  </p:clrMapOvr>
+  <p:timing>
+    <p:tnLst>
+      <p:par>
+        <p:cTn xmlns:p14="http://schemas.microsoft.com/office/powerpoint/2010/main" id="1" dur="indefinite" restart="never" nodeType="tmRoot"/>
+      </p:par>
+    </p:tnLst>
+  </p:timing>
+</p:sld>
+</file>
+
+<file path=ppt/slides/slide9.xml><?xml version="1.0" encoding="utf-8"?>
+<p:sld xmlns:a="http://schemas.openxmlformats.org/drawingml/2006/main" xmlns:r="http://schemas.openxmlformats.org/officeDocument/2006/relationships" xmlns:p="http://schemas.openxmlformats.org/presentationml/2006/main">
+  <p:cSld>
+    <p:spTree>
+      <p:nvGrpSpPr>
+        <p:cNvPr id="1" name=""/>
+        <p:cNvGrpSpPr/>
+        <p:nvPr/>
+      </p:nvGrpSpPr>
+      <p:grpSpPr>
+        <a:xfrm>
+          <a:off x="0" y="0"/>
+          <a:ext cx="0" cy="0"/>
+          <a:chOff x="0" y="0"/>
+          <a:chExt cx="0" cy="0"/>
+        </a:xfrm>
+      </p:grpSpPr>
+      <p:sp>
+        <p:nvSpPr>
+          <p:cNvPr id="2" name="Title 1"/>
+          <p:cNvSpPr>
+            <a:spLocks noGrp="1"/>
+          </p:cNvSpPr>
+          <p:nvPr>
+            <p:ph type="title"/>
+          </p:nvPr>
+        </p:nvSpPr>
+        <p:spPr/>
+        <p:txBody>
+          <a:bodyPr/>
+          <a:lstStyle/>
+          <a:p>
+            <a:pPr lvl="0"/>
+            <a:r>
+              <a:rPr lang="en-US" dirty="0" smtClean="0"/>
+              <a:t/>
+            </a:r>
+            <a:br>
+              <a:rPr lang="en-US" dirty="0" smtClean="0"/>
+            </a:br>
+            <a:r>
+              <a:rPr lang="en-US" dirty="0" smtClean="0"/>
+              <a:t>Oscillation </a:t>
+            </a:r>
+            <a:r>
+              <a:rPr lang="en-US" dirty="0"/>
+              <a:t>Graph Clustering</a:t>
+            </a:r>
+            <a:br>
+              <a:rPr lang="en-US" dirty="0"/>
+            </a:br>
+            <a:endParaRPr lang="en-US" dirty="0"/>
+          </a:p>
+        </p:txBody>
+      </p:sp>
+      <p:sp>
+        <p:nvSpPr>
+          <p:cNvPr id="3" name="Content Placeholder 2"/>
+          <p:cNvSpPr>
+            <a:spLocks noGrp="1"/>
+          </p:cNvSpPr>
+          <p:nvPr>
+            <p:ph idx="1"/>
+          </p:nvPr>
+        </p:nvSpPr>
+        <p:spPr/>
+        <p:txBody>
+          <a:bodyPr/>
+          <a:lstStyle/>
+          <a:p>
+            <a:r>
+              <a:rPr lang="en-US" dirty="0" smtClean="0"/>
+              <a:t>Approach: </a:t>
+            </a:r>
+          </a:p>
+          <a:p>
+            <a:pPr lvl="1"/>
+            <a:r>
+              <a:rPr lang="en-US" dirty="0" smtClean="0"/>
+              <a:t>Greedy Algorithm</a:t>
+            </a:r>
+          </a:p>
+          <a:p>
+            <a:pPr lvl="2"/>
+            <a:r>
+              <a:rPr lang="en-US" dirty="0" smtClean="0"/>
+              <a:t>Finding Cluster C:</a:t>
+            </a:r>
+          </a:p>
+          <a:p>
+            <a:pPr lvl="3"/>
+            <a:r>
+              <a:rPr lang="en-US" dirty="0" smtClean="0"/>
+              <a:t>Quality Metric(Q(C) ) &gt;threshold</a:t>
+            </a:r>
+          </a:p>
+          <a:p>
+            <a:pPr marL="914400" lvl="2" indent="0">
+              <a:buNone/>
+            </a:pPr>
+            <a:endParaRPr lang="en-US" dirty="0"/>
+          </a:p>
+        </p:txBody>
+      </p:sp>
+      <p:pic>
+        <p:nvPicPr>
+          <p:cNvPr id="4" name="Picture 3"/>
+          <p:cNvPicPr>
+            <a:picLocks noChangeAspect="1"/>
+          </p:cNvPicPr>
+          <p:nvPr/>
+        </p:nvPicPr>
+        <p:blipFill>
+          <a:blip r:embed="rId2"/>
+          <a:stretch>
+            <a:fillRect/>
+          </a:stretch>
+        </p:blipFill>
+        <p:spPr>
+          <a:xfrm>
+            <a:off x="1828800" y="3276600"/>
+            <a:ext cx="5136444" cy="1828800"/>
+          </a:xfrm>
+          <a:prstGeom prst="rect">
+            <a:avLst/>
+          </a:prstGeom>
+        </p:spPr>
+      </p:pic>
     </p:spTree>
     <p:extLst>
       <p:ext uri="{BB962C8B-B14F-4D97-AF65-F5344CB8AC3E}">
@@ -8837,6 +13948,13 @@
   <p:clrMapOvr>
     <a:masterClrMapping/>
   </p:clrMapOvr>
+  <p:timing>
+    <p:tnLst>
+      <p:par>
+        <p:cTn xmlns:p14="http://schemas.microsoft.com/office/powerpoint/2010/main" id="1" dur="indefinite" restart="never" nodeType="tmRoot"/>
+      </p:par>
+    </p:tnLst>
+  </p:timing>
 </p:sld>
 </file>
 

--- a/Presentation/moradi_class19.pptx
+++ b/Presentation/moradi_class19.pptx
@@ -5,7 +5,7 @@
     <p:sldMasterId id="2147483660" r:id="rId1"/>
   </p:sldMasterIdLst>
   <p:notesMasterIdLst>
-    <p:notesMasterId r:id="rId12"/>
+    <p:notesMasterId r:id="rId23"/>
   </p:notesMasterIdLst>
   <p:sldIdLst>
     <p:sldId id="256" r:id="rId2"/>
@@ -18,6 +18,17 @@
     <p:sldId id="262" r:id="rId9"/>
     <p:sldId id="263" r:id="rId10"/>
     <p:sldId id="265" r:id="rId11"/>
+    <p:sldId id="266" r:id="rId12"/>
+    <p:sldId id="267" r:id="rId13"/>
+    <p:sldId id="271" r:id="rId14"/>
+    <p:sldId id="272" r:id="rId15"/>
+    <p:sldId id="274" r:id="rId16"/>
+    <p:sldId id="273" r:id="rId17"/>
+    <p:sldId id="275" r:id="rId18"/>
+    <p:sldId id="276" r:id="rId19"/>
+    <p:sldId id="270" r:id="rId20"/>
+    <p:sldId id="277" r:id="rId21"/>
+    <p:sldId id="278" r:id="rId22"/>
   </p:sldIdLst>
   <p:sldSz cx="9144000" cy="6858000" type="screen4x3"/>
   <p:notesSz cx="6858000" cy="9144000"/>
@@ -1030,7 +1041,7 @@
         <a:p>
           <a:r>
             <a:rPr lang="en-US" dirty="0" smtClean="0"/>
-            <a:t>Validating Graph Clustering</a:t>
+            <a:t>Clustering Efficiency Evaluation	</a:t>
           </a:r>
           <a:endParaRPr lang="en-US" dirty="0"/>
         </a:p>
@@ -1324,12 +1335,12 @@
         </a:fontRef>
       </dsp:style>
       <dsp:txBody>
-        <a:bodyPr spcFirstLastPara="0" vert="horz" wrap="square" lIns="114300" tIns="114300" rIns="114300" bIns="114300" numCol="1" spcCol="1270" anchor="ctr" anchorCtr="0">
+        <a:bodyPr spcFirstLastPara="0" vert="horz" wrap="square" lIns="102870" tIns="102870" rIns="102870" bIns="102870" numCol="1" spcCol="1270" anchor="ctr" anchorCtr="0">
           <a:noAutofit/>
         </a:bodyPr>
         <a:lstStyle/>
         <a:p>
-          <a:pPr lvl="0" algn="l" defTabSz="1333500">
+          <a:pPr lvl="0" algn="l" defTabSz="1200150">
             <a:lnSpc>
               <a:spcPct val="90000"/>
             </a:lnSpc>
@@ -1341,10 +1352,10 @@
             </a:spcAft>
           </a:pPr>
           <a:r>
-            <a:rPr lang="en-US" sz="3000" kern="1200" dirty="0" smtClean="0"/>
+            <a:rPr lang="en-US" sz="2700" kern="1200" dirty="0" smtClean="0"/>
             <a:t>Mobility Path Extraction</a:t>
           </a:r>
-          <a:endParaRPr lang="en-US" sz="3000" kern="1200" dirty="0"/>
+          <a:endParaRPr lang="en-US" sz="2700" kern="1200" dirty="0"/>
         </a:p>
       </dsp:txBody>
       <dsp:txXfrm>
@@ -1420,12 +1431,12 @@
         </a:fontRef>
       </dsp:style>
       <dsp:txBody>
-        <a:bodyPr spcFirstLastPara="0" vert="horz" wrap="square" lIns="114300" tIns="114300" rIns="114300" bIns="114300" numCol="1" spcCol="1270" anchor="ctr" anchorCtr="0">
+        <a:bodyPr spcFirstLastPara="0" vert="horz" wrap="square" lIns="102870" tIns="102870" rIns="102870" bIns="102870" numCol="1" spcCol="1270" anchor="ctr" anchorCtr="0">
           <a:noAutofit/>
         </a:bodyPr>
         <a:lstStyle/>
         <a:p>
-          <a:pPr lvl="0" algn="l" defTabSz="1333500">
+          <a:pPr lvl="0" algn="l" defTabSz="1200150">
             <a:lnSpc>
               <a:spcPct val="90000"/>
             </a:lnSpc>
@@ -1437,10 +1448,10 @@
             </a:spcAft>
           </a:pPr>
           <a:r>
-            <a:rPr lang="en-US" sz="3000" kern="1200" dirty="0" smtClean="0"/>
+            <a:rPr lang="en-US" sz="2700" kern="1200" dirty="0" smtClean="0"/>
             <a:t>Oscillating Pair Detection </a:t>
           </a:r>
-          <a:endParaRPr lang="en-US" sz="3000" kern="1200" dirty="0"/>
+          <a:endParaRPr lang="en-US" sz="2700" kern="1200" dirty="0"/>
         </a:p>
       </dsp:txBody>
       <dsp:txXfrm>
@@ -1516,12 +1527,12 @@
         </a:fontRef>
       </dsp:style>
       <dsp:txBody>
-        <a:bodyPr spcFirstLastPara="0" vert="horz" wrap="square" lIns="114300" tIns="114300" rIns="114300" bIns="114300" numCol="1" spcCol="1270" anchor="ctr" anchorCtr="0">
+        <a:bodyPr spcFirstLastPara="0" vert="horz" wrap="square" lIns="102870" tIns="102870" rIns="102870" bIns="102870" numCol="1" spcCol="1270" anchor="ctr" anchorCtr="0">
           <a:noAutofit/>
         </a:bodyPr>
         <a:lstStyle/>
         <a:p>
-          <a:pPr lvl="0" algn="l" defTabSz="1333500">
+          <a:pPr lvl="0" algn="l" defTabSz="1200150">
             <a:lnSpc>
               <a:spcPct val="90000"/>
             </a:lnSpc>
@@ -1533,10 +1544,10 @@
             </a:spcAft>
           </a:pPr>
           <a:r>
-            <a:rPr lang="en-US" sz="3000" kern="1200" dirty="0" smtClean="0"/>
+            <a:rPr lang="en-US" sz="2700" kern="1200" dirty="0" smtClean="0"/>
             <a:t>Oscillation Graph Generation</a:t>
           </a:r>
-          <a:endParaRPr lang="en-US" sz="3000" kern="1200" dirty="0"/>
+          <a:endParaRPr lang="en-US" sz="2700" kern="1200" dirty="0"/>
         </a:p>
       </dsp:txBody>
       <dsp:txXfrm>
@@ -1612,12 +1623,12 @@
         </a:fontRef>
       </dsp:style>
       <dsp:txBody>
-        <a:bodyPr spcFirstLastPara="0" vert="horz" wrap="square" lIns="114300" tIns="114300" rIns="114300" bIns="114300" numCol="1" spcCol="1270" anchor="ctr" anchorCtr="0">
+        <a:bodyPr spcFirstLastPara="0" vert="horz" wrap="square" lIns="102870" tIns="102870" rIns="102870" bIns="102870" numCol="1" spcCol="1270" anchor="ctr" anchorCtr="0">
           <a:noAutofit/>
         </a:bodyPr>
         <a:lstStyle/>
         <a:p>
-          <a:pPr lvl="0" algn="l" defTabSz="1333500">
+          <a:pPr lvl="0" algn="l" defTabSz="1200150">
             <a:lnSpc>
               <a:spcPct val="90000"/>
             </a:lnSpc>
@@ -1629,10 +1640,10 @@
             </a:spcAft>
           </a:pPr>
           <a:r>
-            <a:rPr lang="en-US" sz="3000" kern="1200" dirty="0" smtClean="0"/>
+            <a:rPr lang="en-US" sz="2700" kern="1200" dirty="0" smtClean="0"/>
             <a:t>Oscillation Graph Clustering</a:t>
           </a:r>
-          <a:endParaRPr lang="en-US" sz="3000" kern="1200" dirty="0"/>
+          <a:endParaRPr lang="en-US" sz="2700" kern="1200" dirty="0"/>
         </a:p>
       </dsp:txBody>
       <dsp:txXfrm>
@@ -1708,12 +1719,12 @@
         </a:fontRef>
       </dsp:style>
       <dsp:txBody>
-        <a:bodyPr spcFirstLastPara="0" vert="horz" wrap="square" lIns="114300" tIns="114300" rIns="114300" bIns="114300" numCol="1" spcCol="1270" anchor="ctr" anchorCtr="0">
+        <a:bodyPr spcFirstLastPara="0" vert="horz" wrap="square" lIns="102870" tIns="102870" rIns="102870" bIns="102870" numCol="1" spcCol="1270" anchor="ctr" anchorCtr="0">
           <a:noAutofit/>
         </a:bodyPr>
         <a:lstStyle/>
         <a:p>
-          <a:pPr lvl="0" algn="l" defTabSz="1333500">
+          <a:pPr lvl="0" algn="l" defTabSz="1200150">
             <a:lnSpc>
               <a:spcPct val="90000"/>
             </a:lnSpc>
@@ -1725,10 +1736,10 @@
             </a:spcAft>
           </a:pPr>
           <a:r>
-            <a:rPr lang="en-US" sz="3000" kern="1200" dirty="0" smtClean="0"/>
-            <a:t>Validating Graph Clustering</a:t>
+            <a:rPr lang="en-US" sz="2700" kern="1200" dirty="0" smtClean="0"/>
+            <a:t>Clustering Efficiency Evaluation	</a:t>
           </a:r>
-          <a:endParaRPr lang="en-US" sz="3000" kern="1200" dirty="0"/>
+          <a:endParaRPr lang="en-US" sz="2700" kern="1200" dirty="0"/>
         </a:p>
       </dsp:txBody>
       <dsp:txXfrm>
@@ -11928,6 +11939,2030 @@
 </p:sld>
 </file>
 
+<file path=ppt/slides/slide11.xml><?xml version="1.0" encoding="utf-8"?>
+<p:sld xmlns:a="http://schemas.openxmlformats.org/drawingml/2006/main" xmlns:r="http://schemas.openxmlformats.org/officeDocument/2006/relationships" xmlns:p="http://schemas.openxmlformats.org/presentationml/2006/main">
+  <p:cSld>
+    <p:spTree>
+      <p:nvGrpSpPr>
+        <p:cNvPr id="1" name=""/>
+        <p:cNvGrpSpPr/>
+        <p:nvPr/>
+      </p:nvGrpSpPr>
+      <p:grpSpPr>
+        <a:xfrm>
+          <a:off x="0" y="0"/>
+          <a:ext cx="0" cy="0"/>
+          <a:chOff x="0" y="0"/>
+          <a:chExt cx="0" cy="0"/>
+        </a:xfrm>
+      </p:grpSpPr>
+      <p:sp>
+        <p:nvSpPr>
+          <p:cNvPr id="2" name="Title 1"/>
+          <p:cNvSpPr>
+            <a:spLocks noGrp="1"/>
+          </p:cNvSpPr>
+          <p:nvPr>
+            <p:ph type="title"/>
+          </p:nvPr>
+        </p:nvSpPr>
+        <p:spPr/>
+        <p:txBody>
+          <a:bodyPr/>
+          <a:lstStyle/>
+          <a:p>
+            <a:r>
+              <a:rPr lang="en-US" dirty="0" smtClean="0"/>
+              <a:t>Questions</a:t>
+            </a:r>
+            <a:endParaRPr lang="en-US" dirty="0"/>
+          </a:p>
+        </p:txBody>
+      </p:sp>
+      <p:sp>
+        <p:nvSpPr>
+          <p:cNvPr id="3" name="Content Placeholder 2"/>
+          <p:cNvSpPr>
+            <a:spLocks noGrp="1"/>
+          </p:cNvSpPr>
+          <p:nvPr>
+            <p:ph idx="1"/>
+          </p:nvPr>
+        </p:nvSpPr>
+        <p:spPr/>
+        <p:txBody>
+          <a:bodyPr/>
+          <a:lstStyle/>
+          <a:p>
+            <a:pPr marL="0" indent="0">
+              <a:buNone/>
+            </a:pPr>
+            <a:endParaRPr lang="en-US" dirty="0" smtClean="0"/>
+          </a:p>
+          <a:p>
+            <a:r>
+              <a:rPr lang="en-US" dirty="0" smtClean="0"/>
+              <a:t>How much clustering is accurate?</a:t>
+            </a:r>
+          </a:p>
+          <a:p>
+            <a:r>
+              <a:rPr lang="en-US" dirty="0" smtClean="0"/>
+              <a:t>Are clustered cells are near enough to overlap?</a:t>
+            </a:r>
+          </a:p>
+          <a:p>
+            <a:r>
+              <a:rPr lang="en-US" dirty="0" smtClean="0"/>
+              <a:t> Does sampling cause high rate of loss in mobility paths?</a:t>
+            </a:r>
+          </a:p>
+          <a:p>
+            <a:pPr marL="0" indent="0">
+              <a:buNone/>
+            </a:pPr>
+            <a:endParaRPr lang="en-US" dirty="0"/>
+          </a:p>
+        </p:txBody>
+      </p:sp>
+    </p:spTree>
+    <p:extLst>
+      <p:ext uri="{BB962C8B-B14F-4D97-AF65-F5344CB8AC3E}">
+        <p14:creationId xmlns:p14="http://schemas.microsoft.com/office/powerpoint/2010/main" val="2321850437"/>
+      </p:ext>
+    </p:extLst>
+  </p:cSld>
+  <p:clrMapOvr>
+    <a:masterClrMapping/>
+  </p:clrMapOvr>
+</p:sld>
+</file>
+
+<file path=ppt/slides/slide12.xml><?xml version="1.0" encoding="utf-8"?>
+<p:sld xmlns:a="http://schemas.openxmlformats.org/drawingml/2006/main" xmlns:r="http://schemas.openxmlformats.org/officeDocument/2006/relationships" xmlns:p="http://schemas.openxmlformats.org/presentationml/2006/main">
+  <p:cSld>
+    <p:spTree>
+      <p:nvGrpSpPr>
+        <p:cNvPr id="1" name=""/>
+        <p:cNvGrpSpPr/>
+        <p:nvPr/>
+      </p:nvGrpSpPr>
+      <p:grpSpPr>
+        <a:xfrm>
+          <a:off x="0" y="0"/>
+          <a:ext cx="0" cy="0"/>
+          <a:chOff x="0" y="0"/>
+          <a:chExt cx="0" cy="0"/>
+        </a:xfrm>
+      </p:grpSpPr>
+      <p:sp>
+        <p:nvSpPr>
+          <p:cNvPr id="2" name="Title 1"/>
+          <p:cNvSpPr>
+            <a:spLocks noGrp="1"/>
+          </p:cNvSpPr>
+          <p:nvPr>
+            <p:ph type="title"/>
+          </p:nvPr>
+        </p:nvSpPr>
+        <p:spPr>
+          <a:xfrm>
+            <a:off x="256874" y="457200"/>
+            <a:ext cx="8562466" cy="314214"/>
+          </a:xfrm>
+        </p:spPr>
+        <p:txBody>
+          <a:bodyPr/>
+          <a:lstStyle/>
+          <a:p>
+            <a:pPr lvl="0"/>
+            <a:r>
+              <a:rPr lang="en-US" dirty="0"/>
+              <a:t>Clustering Efficiency Evaluation	</a:t>
+            </a:r>
+            <a:br>
+              <a:rPr lang="en-US" dirty="0"/>
+            </a:br>
+            <a:endParaRPr lang="en-US" dirty="0"/>
+          </a:p>
+        </p:txBody>
+      </p:sp>
+      <p:sp>
+        <p:nvSpPr>
+          <p:cNvPr id="3" name="Content Placeholder 2"/>
+          <p:cNvSpPr>
+            <a:spLocks noGrp="1"/>
+          </p:cNvSpPr>
+          <p:nvPr>
+            <p:ph idx="1"/>
+          </p:nvPr>
+        </p:nvSpPr>
+        <p:spPr/>
+        <p:txBody>
+          <a:bodyPr/>
+          <a:lstStyle/>
+          <a:p>
+            <a:r>
+              <a:rPr lang="en-US" dirty="0" smtClean="0"/>
+              <a:t>Comparing the effect of sampling on Reality Mining dataset</a:t>
+            </a:r>
+          </a:p>
+          <a:p>
+            <a:r>
+              <a:rPr lang="en-US" dirty="0"/>
+              <a:t>Comparing the results of the clustering </a:t>
+            </a:r>
+            <a:r>
+              <a:rPr lang="en-US" dirty="0" smtClean="0"/>
+              <a:t>in datasets.</a:t>
+            </a:r>
+          </a:p>
+          <a:p>
+            <a:pPr lvl="1"/>
+            <a:r>
+              <a:rPr lang="en-US" dirty="0" smtClean="0"/>
+              <a:t>Cluster Distance</a:t>
+            </a:r>
+          </a:p>
+          <a:p>
+            <a:pPr lvl="1"/>
+            <a:r>
+              <a:rPr lang="en-US" dirty="0" smtClean="0"/>
+              <a:t>Cluster Incompleteness</a:t>
+            </a:r>
+          </a:p>
+          <a:p>
+            <a:r>
+              <a:rPr lang="en-US" dirty="0" smtClean="0"/>
+              <a:t>Validating cluster characteristic using GPS data sets:</a:t>
+            </a:r>
+          </a:p>
+          <a:p>
+            <a:pPr lvl="1"/>
+            <a:r>
+              <a:rPr lang="en-US" dirty="0" err="1" smtClean="0"/>
+              <a:t>OpenCelld</a:t>
+            </a:r>
+            <a:endParaRPr lang="en-US" dirty="0" smtClean="0"/>
+          </a:p>
+          <a:p>
+            <a:pPr lvl="1"/>
+            <a:r>
+              <a:rPr lang="en-US" dirty="0" err="1" smtClean="0"/>
+              <a:t>OpenBMap</a:t>
+            </a:r>
+            <a:endParaRPr lang="en-US" dirty="0" smtClean="0"/>
+          </a:p>
+          <a:p>
+            <a:endParaRPr lang="en-US" dirty="0"/>
+          </a:p>
+          <a:p>
+            <a:endParaRPr lang="en-US" dirty="0"/>
+          </a:p>
+        </p:txBody>
+      </p:sp>
+    </p:spTree>
+    <p:extLst>
+      <p:ext uri="{BB962C8B-B14F-4D97-AF65-F5344CB8AC3E}">
+        <p14:creationId xmlns:p14="http://schemas.microsoft.com/office/powerpoint/2010/main" val="3501520941"/>
+      </p:ext>
+    </p:extLst>
+  </p:cSld>
+  <p:clrMapOvr>
+    <a:masterClrMapping/>
+  </p:clrMapOvr>
+  <p:timing>
+    <p:tnLst>
+      <p:par>
+        <p:cTn xmlns:p14="http://schemas.microsoft.com/office/powerpoint/2010/main" id="1" dur="indefinite" restart="never" nodeType="tmRoot"/>
+      </p:par>
+    </p:tnLst>
+  </p:timing>
+</p:sld>
+</file>
+
+<file path=ppt/slides/slide13.xml><?xml version="1.0" encoding="utf-8"?>
+<p:sld xmlns:a="http://schemas.openxmlformats.org/drawingml/2006/main" xmlns:r="http://schemas.openxmlformats.org/officeDocument/2006/relationships" xmlns:p="http://schemas.openxmlformats.org/presentationml/2006/main">
+  <p:cSld>
+    <p:spTree>
+      <p:nvGrpSpPr>
+        <p:cNvPr id="1" name=""/>
+        <p:cNvGrpSpPr/>
+        <p:nvPr/>
+      </p:nvGrpSpPr>
+      <p:grpSpPr>
+        <a:xfrm>
+          <a:off x="0" y="0"/>
+          <a:ext cx="0" cy="0"/>
+          <a:chOff x="0" y="0"/>
+          <a:chExt cx="0" cy="0"/>
+        </a:xfrm>
+      </p:grpSpPr>
+      <p:sp>
+        <p:nvSpPr>
+          <p:cNvPr id="2" name="Title 1"/>
+          <p:cNvSpPr>
+            <a:spLocks noGrp="1"/>
+          </p:cNvSpPr>
+          <p:nvPr>
+            <p:ph type="title"/>
+          </p:nvPr>
+        </p:nvSpPr>
+        <p:spPr>
+          <a:xfrm>
+            <a:off x="256874" y="457200"/>
+            <a:ext cx="8562466" cy="314214"/>
+          </a:xfrm>
+        </p:spPr>
+        <p:txBody>
+          <a:bodyPr/>
+          <a:lstStyle/>
+          <a:p>
+            <a:pPr lvl="0"/>
+            <a:r>
+              <a:rPr lang="en-US" dirty="0" smtClean="0"/>
+              <a:t>Clustering: </a:t>
+            </a:r>
+            <a:r>
+              <a:rPr lang="en-US" dirty="0"/>
+              <a:t>Sampling Effect	</a:t>
+            </a:r>
+            <a:br>
+              <a:rPr lang="en-US" dirty="0"/>
+            </a:br>
+            <a:endParaRPr lang="en-US" dirty="0"/>
+          </a:p>
+        </p:txBody>
+      </p:sp>
+      <p:sp>
+        <p:nvSpPr>
+          <p:cNvPr id="3" name="Content Placeholder 2"/>
+          <p:cNvSpPr>
+            <a:spLocks noGrp="1"/>
+          </p:cNvSpPr>
+          <p:nvPr>
+            <p:ph idx="1"/>
+          </p:nvPr>
+        </p:nvSpPr>
+        <p:spPr>
+          <a:xfrm>
+            <a:off x="125413" y="990600"/>
+            <a:ext cx="8856662" cy="1524000"/>
+          </a:xfrm>
+        </p:spPr>
+        <p:txBody>
+          <a:bodyPr/>
+          <a:lstStyle/>
+          <a:p>
+            <a:r>
+              <a:rPr lang="en-US" dirty="0" smtClean="0"/>
+              <a:t>Sampling every one minute doesn’t change distribution of size and quality.</a:t>
+            </a:r>
+          </a:p>
+          <a:p>
+            <a:endParaRPr lang="en-US" dirty="0"/>
+          </a:p>
+          <a:p>
+            <a:endParaRPr lang="en-US" dirty="0"/>
+          </a:p>
+        </p:txBody>
+      </p:sp>
+      <p:pic>
+        <p:nvPicPr>
+          <p:cNvPr id="4" name="Content Placeholder 5"/>
+          <p:cNvPicPr>
+            <a:picLocks noChangeAspect="1"/>
+          </p:cNvPicPr>
+          <p:nvPr/>
+        </p:nvPicPr>
+        <p:blipFill rotWithShape="1">
+          <a:blip r:embed="rId2"/>
+          <a:srcRect l="5426" t="12255" r="6153" b="2555"/>
+          <a:stretch/>
+        </p:blipFill>
+        <p:spPr bwMode="auto">
+          <a:xfrm>
+            <a:off x="289561" y="3004318"/>
+            <a:ext cx="4008119" cy="3193281"/>
+          </a:xfrm>
+          <a:prstGeom prst="rect">
+            <a:avLst/>
+          </a:prstGeom>
+          <a:noFill/>
+          <a:ln>
+            <a:noFill/>
+          </a:ln>
+          <a:extLst>
+            <a:ext uri="{909E8E84-426E-40dd-AFC4-6F175D3DCCD1}">
+              <a14:hiddenFill xmlns:a14="http://schemas.microsoft.com/office/drawing/2010/main">
+                <a:solidFill>
+                  <a:srgbClr val="FFFFFF"/>
+                </a:solidFill>
+              </a14:hiddenFill>
+            </a:ext>
+            <a:ext uri="{91240B29-F687-4f45-9708-019B960494DF}">
+              <a14:hiddenLine xmlns:a14="http://schemas.microsoft.com/office/drawing/2010/main" w="9525">
+                <a:solidFill>
+                  <a:srgbClr val="000000"/>
+                </a:solidFill>
+                <a:miter lim="800000"/>
+                <a:headEnd/>
+                <a:tailEnd/>
+              </a14:hiddenLine>
+            </a:ext>
+            <a:ext uri="{FAA26D3D-D897-4be2-8F04-BA451C77F1D7}">
+              <ma14:placeholderFlag xmlns:ma14="http://schemas.microsoft.com/office/mac/drawingml/2011/main" val="1"/>
+            </a:ext>
+          </a:extLst>
+        </p:spPr>
+      </p:pic>
+      <p:pic>
+        <p:nvPicPr>
+          <p:cNvPr id="5" name="Picture 4"/>
+          <p:cNvPicPr>
+            <a:picLocks noChangeAspect="1"/>
+          </p:cNvPicPr>
+          <p:nvPr/>
+        </p:nvPicPr>
+        <p:blipFill>
+          <a:blip r:embed="rId3"/>
+          <a:stretch>
+            <a:fillRect/>
+          </a:stretch>
+        </p:blipFill>
+        <p:spPr>
+          <a:xfrm>
+            <a:off x="4572000" y="2971800"/>
+            <a:ext cx="4420000" cy="3302000"/>
+          </a:xfrm>
+          <a:prstGeom prst="rect">
+            <a:avLst/>
+          </a:prstGeom>
+        </p:spPr>
+      </p:pic>
+    </p:spTree>
+    <p:extLst>
+      <p:ext uri="{BB962C8B-B14F-4D97-AF65-F5344CB8AC3E}">
+        <p14:creationId xmlns:p14="http://schemas.microsoft.com/office/powerpoint/2010/main" val="2331442092"/>
+      </p:ext>
+    </p:extLst>
+  </p:cSld>
+  <p:clrMapOvr>
+    <a:masterClrMapping/>
+  </p:clrMapOvr>
+  <p:timing>
+    <p:tnLst>
+      <p:par>
+        <p:cTn xmlns:p14="http://schemas.microsoft.com/office/powerpoint/2010/main" id="1" dur="indefinite" restart="never" nodeType="tmRoot"/>
+      </p:par>
+    </p:tnLst>
+  </p:timing>
+</p:sld>
+</file>
+
+<file path=ppt/slides/slide14.xml><?xml version="1.0" encoding="utf-8"?>
+<p:sld xmlns:a="http://schemas.openxmlformats.org/drawingml/2006/main" xmlns:r="http://schemas.openxmlformats.org/officeDocument/2006/relationships" xmlns:p="http://schemas.openxmlformats.org/presentationml/2006/main">
+  <p:cSld>
+    <p:spTree>
+      <p:nvGrpSpPr>
+        <p:cNvPr id="1" name=""/>
+        <p:cNvGrpSpPr/>
+        <p:nvPr/>
+      </p:nvGrpSpPr>
+      <p:grpSpPr>
+        <a:xfrm>
+          <a:off x="0" y="0"/>
+          <a:ext cx="0" cy="0"/>
+          <a:chOff x="0" y="0"/>
+          <a:chExt cx="0" cy="0"/>
+        </a:xfrm>
+      </p:grpSpPr>
+      <p:sp>
+        <p:nvSpPr>
+          <p:cNvPr id="2" name="Title 1"/>
+          <p:cNvSpPr>
+            <a:spLocks noGrp="1"/>
+          </p:cNvSpPr>
+          <p:nvPr>
+            <p:ph type="title"/>
+          </p:nvPr>
+        </p:nvSpPr>
+        <p:spPr>
+          <a:xfrm>
+            <a:off x="256874" y="457200"/>
+            <a:ext cx="8562466" cy="314214"/>
+          </a:xfrm>
+        </p:spPr>
+        <p:txBody>
+          <a:bodyPr/>
+          <a:lstStyle/>
+          <a:p>
+            <a:pPr lvl="0"/>
+            <a:r>
+              <a:rPr lang="en-US" dirty="0" smtClean="0"/>
+              <a:t>Clustering: Ratio</a:t>
+            </a:r>
+            <a:r>
+              <a:rPr lang="en-US" dirty="0"/>
+              <a:t>	</a:t>
+            </a:r>
+            <a:br>
+              <a:rPr lang="en-US" dirty="0"/>
+            </a:br>
+            <a:endParaRPr lang="en-US" dirty="0"/>
+          </a:p>
+        </p:txBody>
+      </p:sp>
+      <p:sp>
+        <p:nvSpPr>
+          <p:cNvPr id="3" name="Content Placeholder 2"/>
+          <p:cNvSpPr>
+            <a:spLocks noGrp="1"/>
+          </p:cNvSpPr>
+          <p:nvPr>
+            <p:ph idx="1"/>
+          </p:nvPr>
+        </p:nvSpPr>
+        <p:spPr>
+          <a:xfrm>
+            <a:off x="125413" y="990600"/>
+            <a:ext cx="8856662" cy="1524000"/>
+          </a:xfrm>
+        </p:spPr>
+        <p:txBody>
+          <a:bodyPr/>
+          <a:lstStyle/>
+          <a:p>
+            <a:r>
+              <a:rPr lang="en-US" dirty="0" smtClean="0"/>
+              <a:t>Sampling every one minutes doesn’t change density ratio:</a:t>
+            </a:r>
+          </a:p>
+          <a:p>
+            <a:pPr lvl="1"/>
+            <a:r>
+              <a:rPr lang="en-US" dirty="0" smtClean="0"/>
+              <a:t>Density Ratio= (# Clusters/ # Cells) in an area</a:t>
+            </a:r>
+            <a:endParaRPr lang="en-US" dirty="0"/>
+          </a:p>
+        </p:txBody>
+      </p:sp>
+      <p:pic>
+        <p:nvPicPr>
+          <p:cNvPr id="6" name="Content Placeholder 3"/>
+          <p:cNvPicPr>
+            <a:picLocks noChangeAspect="1"/>
+          </p:cNvPicPr>
+          <p:nvPr/>
+        </p:nvPicPr>
+        <p:blipFill rotWithShape="1">
+          <a:blip r:embed="rId2"/>
+          <a:srcRect l="3706" t="4082" r="2254" b="-921"/>
+          <a:stretch/>
+        </p:blipFill>
+        <p:spPr bwMode="auto">
+          <a:xfrm>
+            <a:off x="2438400" y="2743200"/>
+            <a:ext cx="4080901" cy="3429000"/>
+          </a:xfrm>
+          <a:prstGeom prst="rect">
+            <a:avLst/>
+          </a:prstGeom>
+          <a:noFill/>
+          <a:ln>
+            <a:noFill/>
+          </a:ln>
+          <a:extLst>
+            <a:ext uri="{909E8E84-426E-40dd-AFC4-6F175D3DCCD1}">
+              <a14:hiddenFill xmlns:a14="http://schemas.microsoft.com/office/drawing/2010/main">
+                <a:solidFill>
+                  <a:srgbClr val="FFFFFF"/>
+                </a:solidFill>
+              </a14:hiddenFill>
+            </a:ext>
+            <a:ext uri="{91240B29-F687-4f45-9708-019B960494DF}">
+              <a14:hiddenLine xmlns:a14="http://schemas.microsoft.com/office/drawing/2010/main" w="9525">
+                <a:solidFill>
+                  <a:srgbClr val="000000"/>
+                </a:solidFill>
+                <a:miter lim="800000"/>
+                <a:headEnd/>
+                <a:tailEnd/>
+              </a14:hiddenLine>
+            </a:ext>
+            <a:ext uri="{FAA26D3D-D897-4be2-8F04-BA451C77F1D7}">
+              <ma14:placeholderFlag xmlns:ma14="http://schemas.microsoft.com/office/mac/drawingml/2011/main" val="1"/>
+            </a:ext>
+          </a:extLst>
+        </p:spPr>
+      </p:pic>
+    </p:spTree>
+    <p:extLst>
+      <p:ext uri="{BB962C8B-B14F-4D97-AF65-F5344CB8AC3E}">
+        <p14:creationId xmlns:p14="http://schemas.microsoft.com/office/powerpoint/2010/main" val="440643279"/>
+      </p:ext>
+    </p:extLst>
+  </p:cSld>
+  <p:clrMapOvr>
+    <a:masterClrMapping/>
+  </p:clrMapOvr>
+  <p:timing>
+    <p:tnLst>
+      <p:par>
+        <p:cTn xmlns:p14="http://schemas.microsoft.com/office/powerpoint/2010/main" id="1" dur="indefinite" restart="never" nodeType="tmRoot"/>
+      </p:par>
+    </p:tnLst>
+  </p:timing>
+</p:sld>
+</file>
+
+<file path=ppt/slides/slide15.xml><?xml version="1.0" encoding="utf-8"?>
+<p:sld xmlns:a="http://schemas.openxmlformats.org/drawingml/2006/main" xmlns:r="http://schemas.openxmlformats.org/officeDocument/2006/relationships" xmlns:p="http://schemas.openxmlformats.org/presentationml/2006/main">
+  <p:cSld>
+    <p:spTree>
+      <p:nvGrpSpPr>
+        <p:cNvPr id="1" name=""/>
+        <p:cNvGrpSpPr/>
+        <p:nvPr/>
+      </p:nvGrpSpPr>
+      <p:grpSpPr>
+        <a:xfrm>
+          <a:off x="0" y="0"/>
+          <a:ext cx="0" cy="0"/>
+          <a:chOff x="0" y="0"/>
+          <a:chExt cx="0" cy="0"/>
+        </a:xfrm>
+      </p:grpSpPr>
+      <p:sp>
+        <p:nvSpPr>
+          <p:cNvPr id="2" name="Title 1"/>
+          <p:cNvSpPr>
+            <a:spLocks noGrp="1"/>
+          </p:cNvSpPr>
+          <p:nvPr>
+            <p:ph type="title"/>
+          </p:nvPr>
+        </p:nvSpPr>
+        <p:spPr>
+          <a:xfrm>
+            <a:off x="256874" y="457200"/>
+            <a:ext cx="8562466" cy="314214"/>
+          </a:xfrm>
+        </p:spPr>
+        <p:txBody>
+          <a:bodyPr/>
+          <a:lstStyle/>
+          <a:p>
+            <a:pPr lvl="0"/>
+            <a:r>
+              <a:rPr lang="en-US" dirty="0" smtClean="0"/>
+              <a:t>Clustering: Density Ratio</a:t>
+            </a:r>
+            <a:r>
+              <a:rPr lang="en-US" dirty="0"/>
+              <a:t>	</a:t>
+            </a:r>
+            <a:br>
+              <a:rPr lang="en-US" dirty="0"/>
+            </a:br>
+            <a:endParaRPr lang="en-US" dirty="0"/>
+          </a:p>
+        </p:txBody>
+      </p:sp>
+      <p:sp>
+        <p:nvSpPr>
+          <p:cNvPr id="3" name="Content Placeholder 2"/>
+          <p:cNvSpPr>
+            <a:spLocks noGrp="1"/>
+          </p:cNvSpPr>
+          <p:nvPr>
+            <p:ph idx="1"/>
+          </p:nvPr>
+        </p:nvSpPr>
+        <p:spPr>
+          <a:xfrm>
+            <a:off x="125413" y="990600"/>
+            <a:ext cx="8856662" cy="1524000"/>
+          </a:xfrm>
+        </p:spPr>
+        <p:txBody>
+          <a:bodyPr/>
+          <a:lstStyle/>
+          <a:p>
+            <a:r>
+              <a:rPr lang="en-US" dirty="0" smtClean="0"/>
+              <a:t>Sampling every one minutes doesn’t change density ratio:</a:t>
+            </a:r>
+          </a:p>
+          <a:p>
+            <a:pPr lvl="1"/>
+            <a:r>
+              <a:rPr lang="en-US" dirty="0" smtClean="0"/>
+              <a:t>Density Ratio= (# Clusters/ # Cells) in an area</a:t>
+            </a:r>
+            <a:endParaRPr lang="en-US" dirty="0"/>
+          </a:p>
+        </p:txBody>
+      </p:sp>
+      <p:pic>
+        <p:nvPicPr>
+          <p:cNvPr id="6" name="Content Placeholder 3"/>
+          <p:cNvPicPr>
+            <a:picLocks noChangeAspect="1"/>
+          </p:cNvPicPr>
+          <p:nvPr/>
+        </p:nvPicPr>
+        <p:blipFill rotWithShape="1">
+          <a:blip r:embed="rId2"/>
+          <a:srcRect l="3706" t="4082" r="2254" b="-921"/>
+          <a:stretch/>
+        </p:blipFill>
+        <p:spPr bwMode="auto">
+          <a:xfrm>
+            <a:off x="2438400" y="2743200"/>
+            <a:ext cx="4080901" cy="3429000"/>
+          </a:xfrm>
+          <a:prstGeom prst="rect">
+            <a:avLst/>
+          </a:prstGeom>
+          <a:noFill/>
+          <a:ln>
+            <a:noFill/>
+          </a:ln>
+          <a:extLst>
+            <a:ext uri="{909E8E84-426E-40dd-AFC4-6F175D3DCCD1}">
+              <a14:hiddenFill xmlns:a14="http://schemas.microsoft.com/office/drawing/2010/main">
+                <a:solidFill>
+                  <a:srgbClr val="FFFFFF"/>
+                </a:solidFill>
+              </a14:hiddenFill>
+            </a:ext>
+            <a:ext uri="{91240B29-F687-4f45-9708-019B960494DF}">
+              <a14:hiddenLine xmlns:a14="http://schemas.microsoft.com/office/drawing/2010/main" w="9525">
+                <a:solidFill>
+                  <a:srgbClr val="000000"/>
+                </a:solidFill>
+                <a:miter lim="800000"/>
+                <a:headEnd/>
+                <a:tailEnd/>
+              </a14:hiddenLine>
+            </a:ext>
+            <a:ext uri="{FAA26D3D-D897-4be2-8F04-BA451C77F1D7}">
+              <ma14:placeholderFlag xmlns:ma14="http://schemas.microsoft.com/office/mac/drawingml/2011/main" val="1"/>
+            </a:ext>
+          </a:extLst>
+        </p:spPr>
+      </p:pic>
+    </p:spTree>
+    <p:extLst>
+      <p:ext uri="{BB962C8B-B14F-4D97-AF65-F5344CB8AC3E}">
+        <p14:creationId xmlns:p14="http://schemas.microsoft.com/office/powerpoint/2010/main" val="2059974823"/>
+      </p:ext>
+    </p:extLst>
+  </p:cSld>
+  <p:clrMapOvr>
+    <a:masterClrMapping/>
+  </p:clrMapOvr>
+  <p:timing>
+    <p:tnLst>
+      <p:par>
+        <p:cTn xmlns:p14="http://schemas.microsoft.com/office/powerpoint/2010/main" id="1" dur="indefinite" restart="never" nodeType="tmRoot"/>
+      </p:par>
+    </p:tnLst>
+  </p:timing>
+</p:sld>
+</file>
+
+<file path=ppt/slides/slide16.xml><?xml version="1.0" encoding="utf-8"?>
+<p:sld xmlns:a="http://schemas.openxmlformats.org/drawingml/2006/main" xmlns:r="http://schemas.openxmlformats.org/officeDocument/2006/relationships" xmlns:p="http://schemas.openxmlformats.org/presentationml/2006/main">
+  <p:cSld>
+    <p:spTree>
+      <p:nvGrpSpPr>
+        <p:cNvPr id="1" name=""/>
+        <p:cNvGrpSpPr/>
+        <p:nvPr/>
+      </p:nvGrpSpPr>
+      <p:grpSpPr>
+        <a:xfrm>
+          <a:off x="0" y="0"/>
+          <a:ext cx="0" cy="0"/>
+          <a:chOff x="0" y="0"/>
+          <a:chExt cx="0" cy="0"/>
+        </a:xfrm>
+      </p:grpSpPr>
+      <p:sp>
+        <p:nvSpPr>
+          <p:cNvPr id="2" name="Title 1"/>
+          <p:cNvSpPr>
+            <a:spLocks noGrp="1"/>
+          </p:cNvSpPr>
+          <p:nvPr>
+            <p:ph type="title"/>
+          </p:nvPr>
+        </p:nvSpPr>
+        <p:spPr>
+          <a:xfrm>
+            <a:off x="256874" y="0"/>
+            <a:ext cx="8562466" cy="771414"/>
+          </a:xfrm>
+        </p:spPr>
+        <p:txBody>
+          <a:bodyPr/>
+          <a:lstStyle/>
+          <a:p>
+            <a:pPr lvl="0"/>
+            <a:r>
+              <a:rPr lang="en-US" dirty="0" smtClean="0"/>
+              <a:t>GPS Data From MDC</a:t>
+            </a:r>
+            <a:endParaRPr lang="en-US" dirty="0"/>
+          </a:p>
+        </p:txBody>
+      </p:sp>
+      <p:sp>
+        <p:nvSpPr>
+          <p:cNvPr id="3" name="Content Placeholder 2"/>
+          <p:cNvSpPr>
+            <a:spLocks noGrp="1"/>
+          </p:cNvSpPr>
+          <p:nvPr>
+            <p:ph idx="1"/>
+          </p:nvPr>
+        </p:nvSpPr>
+        <p:spPr>
+          <a:xfrm>
+            <a:off x="125413" y="990600"/>
+            <a:ext cx="8856662" cy="1524000"/>
+          </a:xfrm>
+        </p:spPr>
+        <p:txBody>
+          <a:bodyPr/>
+          <a:lstStyle/>
+          <a:p>
+            <a:endParaRPr lang="en-US" dirty="0"/>
+          </a:p>
+          <a:p>
+            <a:endParaRPr lang="en-US" dirty="0"/>
+          </a:p>
+        </p:txBody>
+      </p:sp>
+      <p:pic>
+        <p:nvPicPr>
+          <p:cNvPr id="8" name="Picture 7"/>
+          <p:cNvPicPr>
+            <a:picLocks noChangeAspect="1"/>
+          </p:cNvPicPr>
+          <p:nvPr/>
+        </p:nvPicPr>
+        <p:blipFill>
+          <a:blip r:embed="rId2"/>
+          <a:stretch>
+            <a:fillRect/>
+          </a:stretch>
+        </p:blipFill>
+        <p:spPr>
+          <a:xfrm>
+            <a:off x="-1" y="3295806"/>
+            <a:ext cx="4267201" cy="2992141"/>
+          </a:xfrm>
+          <a:prstGeom prst="rect">
+            <a:avLst/>
+          </a:prstGeom>
+        </p:spPr>
+      </p:pic>
+      <p:pic>
+        <p:nvPicPr>
+          <p:cNvPr id="11" name="Picture 10"/>
+          <p:cNvPicPr>
+            <a:picLocks noChangeAspect="1"/>
+          </p:cNvPicPr>
+          <p:nvPr/>
+        </p:nvPicPr>
+        <p:blipFill>
+          <a:blip r:embed="rId3"/>
+          <a:stretch>
+            <a:fillRect/>
+          </a:stretch>
+        </p:blipFill>
+        <p:spPr>
+          <a:xfrm>
+            <a:off x="4191000" y="3352800"/>
+            <a:ext cx="4485807" cy="2895600"/>
+          </a:xfrm>
+          <a:prstGeom prst="rect">
+            <a:avLst/>
+          </a:prstGeom>
+        </p:spPr>
+      </p:pic>
+      <p:sp>
+        <p:nvSpPr>
+          <p:cNvPr id="12" name="Content Placeholder 2"/>
+          <p:cNvSpPr txBox="1">
+            <a:spLocks/>
+          </p:cNvSpPr>
+          <p:nvPr/>
+        </p:nvSpPr>
+        <p:spPr bwMode="auto">
+          <a:xfrm>
+            <a:off x="277813" y="1143000"/>
+            <a:ext cx="8856662" cy="1524000"/>
+          </a:xfrm>
+          <a:prstGeom prst="rect">
+            <a:avLst/>
+          </a:prstGeom>
+          <a:noFill/>
+          <a:ln>
+            <a:noFill/>
+          </a:ln>
+          <a:extLst>
+            <a:ext uri="{909E8E84-426E-40dd-AFC4-6F175D3DCCD1}">
+              <a14:hiddenFill xmlns:a14="http://schemas.microsoft.com/office/drawing/2010/main">
+                <a:solidFill>
+                  <a:srgbClr val="FFFFFF"/>
+                </a:solidFill>
+              </a14:hiddenFill>
+            </a:ext>
+            <a:ext uri="{91240B29-F687-4f45-9708-019B960494DF}">
+              <a14:hiddenLine xmlns:a14="http://schemas.microsoft.com/office/drawing/2010/main" w="9525">
+                <a:solidFill>
+                  <a:srgbClr val="000000"/>
+                </a:solidFill>
+                <a:miter lim="800000"/>
+                <a:headEnd/>
+                <a:tailEnd/>
+              </a14:hiddenLine>
+            </a:ext>
+            <a:ext uri="{FAA26D3D-D897-4be2-8F04-BA451C77F1D7}">
+              <ma14:placeholderFlag xmlns:ma14="http://schemas.microsoft.com/office/mac/drawingml/2011/main" val="1"/>
+            </a:ext>
+          </a:extLst>
+        </p:spPr>
+        <p:txBody>
+          <a:bodyPr vert="horz" wrap="square" lIns="91440" tIns="45720" rIns="91440" bIns="45720" numCol="1" anchor="t" anchorCtr="0" compatLnSpc="1">
+            <a:prstTxWarp prst="textNoShape">
+              <a:avLst/>
+            </a:prstTxWarp>
+          </a:bodyPr>
+          <a:lstStyle>
+            <a:lvl1pPr marL="342900" indent="-342900" algn="l" rtl="0" eaLnBrk="1" fontAlgn="base" hangingPunct="1">
+              <a:spcBef>
+                <a:spcPct val="20000"/>
+              </a:spcBef>
+              <a:spcAft>
+                <a:spcPct val="0"/>
+              </a:spcAft>
+              <a:buClr>
+                <a:srgbClr val="6E7BBD"/>
+              </a:buClr>
+              <a:buChar char="•"/>
+              <a:defRPr sz="3200">
+                <a:solidFill>
+                  <a:schemeClr val="tx1"/>
+                </a:solidFill>
+                <a:latin typeface="+mn-lt"/>
+                <a:ea typeface="+mn-ea"/>
+                <a:cs typeface="+mn-cs"/>
+              </a:defRPr>
+            </a:lvl1pPr>
+            <a:lvl2pPr marL="742950" indent="-285750" algn="l" rtl="0" eaLnBrk="1" fontAlgn="base" hangingPunct="1">
+              <a:spcBef>
+                <a:spcPct val="20000"/>
+              </a:spcBef>
+              <a:spcAft>
+                <a:spcPct val="0"/>
+              </a:spcAft>
+              <a:buChar char="–"/>
+              <a:defRPr sz="2800">
+                <a:solidFill>
+                  <a:schemeClr val="tx1"/>
+                </a:solidFill>
+                <a:latin typeface="+mn-lt"/>
+                <a:ea typeface="+mn-ea"/>
+              </a:defRPr>
+            </a:lvl2pPr>
+            <a:lvl3pPr marL="1143000" indent="-228600" algn="l" rtl="0" eaLnBrk="1" fontAlgn="base" hangingPunct="1">
+              <a:spcBef>
+                <a:spcPct val="20000"/>
+              </a:spcBef>
+              <a:spcAft>
+                <a:spcPct val="0"/>
+              </a:spcAft>
+              <a:buChar char="•"/>
+              <a:defRPr sz="2800">
+                <a:solidFill>
+                  <a:schemeClr val="tx1"/>
+                </a:solidFill>
+                <a:latin typeface="+mj-lt"/>
+                <a:ea typeface="+mn-ea"/>
+              </a:defRPr>
+            </a:lvl3pPr>
+            <a:lvl4pPr marL="1600200" indent="-228600" algn="l" rtl="0" eaLnBrk="1" fontAlgn="base" hangingPunct="1">
+              <a:spcBef>
+                <a:spcPct val="20000"/>
+              </a:spcBef>
+              <a:spcAft>
+                <a:spcPct val="0"/>
+              </a:spcAft>
+              <a:buChar char="–"/>
+              <a:defRPr sz="2800">
+                <a:solidFill>
+                  <a:schemeClr val="tx1"/>
+                </a:solidFill>
+                <a:latin typeface="+mj-lt"/>
+                <a:ea typeface="+mn-ea"/>
+              </a:defRPr>
+            </a:lvl4pPr>
+            <a:lvl5pPr marL="2057400" indent="-228600" algn="l" rtl="0" eaLnBrk="1" fontAlgn="base" hangingPunct="1">
+              <a:spcBef>
+                <a:spcPct val="20000"/>
+              </a:spcBef>
+              <a:spcAft>
+                <a:spcPct val="0"/>
+              </a:spcAft>
+              <a:buChar char="»"/>
+              <a:defRPr sz="2800">
+                <a:solidFill>
+                  <a:schemeClr val="tx1"/>
+                </a:solidFill>
+                <a:latin typeface="+mj-lt"/>
+                <a:ea typeface="+mn-ea"/>
+              </a:defRPr>
+            </a:lvl5pPr>
+            <a:lvl6pPr marL="2514600" indent="-228600" algn="l" rtl="0" eaLnBrk="1" fontAlgn="base" hangingPunct="1">
+              <a:spcBef>
+                <a:spcPct val="20000"/>
+              </a:spcBef>
+              <a:spcAft>
+                <a:spcPct val="0"/>
+              </a:spcAft>
+              <a:buChar char="»"/>
+              <a:defRPr>
+                <a:solidFill>
+                  <a:srgbClr val="686868"/>
+                </a:solidFill>
+                <a:latin typeface="+mj-lt"/>
+                <a:ea typeface="+mn-ea"/>
+              </a:defRPr>
+            </a:lvl6pPr>
+            <a:lvl7pPr marL="2971800" indent="-228600" algn="l" rtl="0" eaLnBrk="1" fontAlgn="base" hangingPunct="1">
+              <a:spcBef>
+                <a:spcPct val="20000"/>
+              </a:spcBef>
+              <a:spcAft>
+                <a:spcPct val="0"/>
+              </a:spcAft>
+              <a:buChar char="»"/>
+              <a:defRPr>
+                <a:solidFill>
+                  <a:srgbClr val="686868"/>
+                </a:solidFill>
+                <a:latin typeface="+mj-lt"/>
+                <a:ea typeface="+mn-ea"/>
+              </a:defRPr>
+            </a:lvl7pPr>
+            <a:lvl8pPr marL="3429000" indent="-228600" algn="l" rtl="0" eaLnBrk="1" fontAlgn="base" hangingPunct="1">
+              <a:spcBef>
+                <a:spcPct val="20000"/>
+              </a:spcBef>
+              <a:spcAft>
+                <a:spcPct val="0"/>
+              </a:spcAft>
+              <a:buChar char="»"/>
+              <a:defRPr>
+                <a:solidFill>
+                  <a:srgbClr val="686868"/>
+                </a:solidFill>
+                <a:latin typeface="+mj-lt"/>
+                <a:ea typeface="+mn-ea"/>
+              </a:defRPr>
+            </a:lvl8pPr>
+            <a:lvl9pPr marL="3886200" indent="-228600" algn="l" rtl="0" eaLnBrk="1" fontAlgn="base" hangingPunct="1">
+              <a:spcBef>
+                <a:spcPct val="20000"/>
+              </a:spcBef>
+              <a:spcAft>
+                <a:spcPct val="0"/>
+              </a:spcAft>
+              <a:buChar char="»"/>
+              <a:defRPr>
+                <a:solidFill>
+                  <a:srgbClr val="686868"/>
+                </a:solidFill>
+                <a:latin typeface="+mj-lt"/>
+                <a:ea typeface="+mn-ea"/>
+              </a:defRPr>
+            </a:lvl9pPr>
+          </a:lstStyle>
+          <a:p>
+            <a:endParaRPr lang="en-US" dirty="0"/>
+          </a:p>
+        </p:txBody>
+      </p:sp>
+    </p:spTree>
+    <p:extLst>
+      <p:ext uri="{BB962C8B-B14F-4D97-AF65-F5344CB8AC3E}">
+        <p14:creationId xmlns:p14="http://schemas.microsoft.com/office/powerpoint/2010/main" val="440643279"/>
+      </p:ext>
+    </p:extLst>
+  </p:cSld>
+  <p:clrMapOvr>
+    <a:masterClrMapping/>
+  </p:clrMapOvr>
+  <p:timing>
+    <p:tnLst>
+      <p:par>
+        <p:cTn xmlns:p14="http://schemas.microsoft.com/office/powerpoint/2010/main" id="1" dur="indefinite" restart="never" nodeType="tmRoot"/>
+      </p:par>
+    </p:tnLst>
+  </p:timing>
+</p:sld>
+</file>
+
+<file path=ppt/slides/slide17.xml><?xml version="1.0" encoding="utf-8"?>
+<p:sld xmlns:a="http://schemas.openxmlformats.org/drawingml/2006/main" xmlns:r="http://schemas.openxmlformats.org/officeDocument/2006/relationships" xmlns:p="http://schemas.openxmlformats.org/presentationml/2006/main">
+  <p:cSld>
+    <p:spTree>
+      <p:nvGrpSpPr>
+        <p:cNvPr id="1" name=""/>
+        <p:cNvGrpSpPr/>
+        <p:nvPr/>
+      </p:nvGrpSpPr>
+      <p:grpSpPr>
+        <a:xfrm>
+          <a:off x="0" y="0"/>
+          <a:ext cx="0" cy="0"/>
+          <a:chOff x="0" y="0"/>
+          <a:chExt cx="0" cy="0"/>
+        </a:xfrm>
+      </p:grpSpPr>
+      <p:sp>
+        <p:nvSpPr>
+          <p:cNvPr id="2" name="Title 1"/>
+          <p:cNvSpPr>
+            <a:spLocks noGrp="1"/>
+          </p:cNvSpPr>
+          <p:nvPr>
+            <p:ph type="title"/>
+          </p:nvPr>
+        </p:nvSpPr>
+        <p:spPr>
+          <a:xfrm>
+            <a:off x="256874" y="228600"/>
+            <a:ext cx="8562466" cy="542814"/>
+          </a:xfrm>
+        </p:spPr>
+        <p:txBody>
+          <a:bodyPr/>
+          <a:lstStyle/>
+          <a:p>
+            <a:pPr lvl="0"/>
+            <a:r>
+              <a:rPr lang="en-US" dirty="0" smtClean="0"/>
+              <a:t>MDC GPS VS </a:t>
+            </a:r>
+            <a:r>
+              <a:rPr lang="en-US" dirty="0" err="1" smtClean="0"/>
+              <a:t>OpenCellID</a:t>
+            </a:r>
+            <a:endParaRPr lang="en-US" dirty="0"/>
+          </a:p>
+        </p:txBody>
+      </p:sp>
+      <p:sp>
+        <p:nvSpPr>
+          <p:cNvPr id="3" name="Content Placeholder 2"/>
+          <p:cNvSpPr>
+            <a:spLocks noGrp="1"/>
+          </p:cNvSpPr>
+          <p:nvPr>
+            <p:ph idx="1"/>
+          </p:nvPr>
+        </p:nvSpPr>
+        <p:spPr>
+          <a:xfrm>
+            <a:off x="125413" y="990600"/>
+            <a:ext cx="8856662" cy="1524000"/>
+          </a:xfrm>
+        </p:spPr>
+        <p:txBody>
+          <a:bodyPr/>
+          <a:lstStyle/>
+          <a:p>
+            <a:endParaRPr lang="en-US" dirty="0"/>
+          </a:p>
+          <a:p>
+            <a:endParaRPr lang="en-US" dirty="0"/>
+          </a:p>
+        </p:txBody>
+      </p:sp>
+      <p:pic>
+        <p:nvPicPr>
+          <p:cNvPr id="7" name="Picture 6"/>
+          <p:cNvPicPr>
+            <a:picLocks noChangeAspect="1"/>
+          </p:cNvPicPr>
+          <p:nvPr/>
+        </p:nvPicPr>
+        <p:blipFill>
+          <a:blip r:embed="rId2"/>
+          <a:stretch>
+            <a:fillRect/>
+          </a:stretch>
+        </p:blipFill>
+        <p:spPr>
+          <a:xfrm>
+            <a:off x="2209800" y="2971800"/>
+            <a:ext cx="4294731" cy="3403152"/>
+          </a:xfrm>
+          <a:prstGeom prst="rect">
+            <a:avLst/>
+          </a:prstGeom>
+        </p:spPr>
+      </p:pic>
+      <p:sp>
+        <p:nvSpPr>
+          <p:cNvPr id="6" name="Content Placeholder 2"/>
+          <p:cNvSpPr txBox="1">
+            <a:spLocks/>
+          </p:cNvSpPr>
+          <p:nvPr/>
+        </p:nvSpPr>
+        <p:spPr bwMode="auto">
+          <a:xfrm>
+            <a:off x="277813" y="1143000"/>
+            <a:ext cx="8856662" cy="1524000"/>
+          </a:xfrm>
+          <a:prstGeom prst="rect">
+            <a:avLst/>
+          </a:prstGeom>
+          <a:noFill/>
+          <a:ln>
+            <a:noFill/>
+          </a:ln>
+          <a:extLst>
+            <a:ext uri="{909E8E84-426E-40dd-AFC4-6F175D3DCCD1}">
+              <a14:hiddenFill xmlns:a14="http://schemas.microsoft.com/office/drawing/2010/main">
+                <a:solidFill>
+                  <a:srgbClr val="FFFFFF"/>
+                </a:solidFill>
+              </a14:hiddenFill>
+            </a:ext>
+            <a:ext uri="{91240B29-F687-4f45-9708-019B960494DF}">
+              <a14:hiddenLine xmlns:a14="http://schemas.microsoft.com/office/drawing/2010/main" w="9525">
+                <a:solidFill>
+                  <a:srgbClr val="000000"/>
+                </a:solidFill>
+                <a:miter lim="800000"/>
+                <a:headEnd/>
+                <a:tailEnd/>
+              </a14:hiddenLine>
+            </a:ext>
+            <a:ext uri="{FAA26D3D-D897-4be2-8F04-BA451C77F1D7}">
+              <ma14:placeholderFlag xmlns:ma14="http://schemas.microsoft.com/office/mac/drawingml/2011/main" val="1"/>
+            </a:ext>
+          </a:extLst>
+        </p:spPr>
+        <p:txBody>
+          <a:bodyPr vert="horz" wrap="square" lIns="91440" tIns="45720" rIns="91440" bIns="45720" numCol="1" anchor="t" anchorCtr="0" compatLnSpc="1">
+            <a:prstTxWarp prst="textNoShape">
+              <a:avLst/>
+            </a:prstTxWarp>
+          </a:bodyPr>
+          <a:lstStyle>
+            <a:lvl1pPr marL="342900" indent="-342900" algn="l" rtl="0" eaLnBrk="1" fontAlgn="base" hangingPunct="1">
+              <a:spcBef>
+                <a:spcPct val="20000"/>
+              </a:spcBef>
+              <a:spcAft>
+                <a:spcPct val="0"/>
+              </a:spcAft>
+              <a:buClr>
+                <a:srgbClr val="6E7BBD"/>
+              </a:buClr>
+              <a:buChar char="•"/>
+              <a:defRPr sz="3200">
+                <a:solidFill>
+                  <a:schemeClr val="tx1"/>
+                </a:solidFill>
+                <a:latin typeface="+mn-lt"/>
+                <a:ea typeface="+mn-ea"/>
+                <a:cs typeface="+mn-cs"/>
+              </a:defRPr>
+            </a:lvl1pPr>
+            <a:lvl2pPr marL="742950" indent="-285750" algn="l" rtl="0" eaLnBrk="1" fontAlgn="base" hangingPunct="1">
+              <a:spcBef>
+                <a:spcPct val="20000"/>
+              </a:spcBef>
+              <a:spcAft>
+                <a:spcPct val="0"/>
+              </a:spcAft>
+              <a:buChar char="–"/>
+              <a:defRPr sz="2800">
+                <a:solidFill>
+                  <a:schemeClr val="tx1"/>
+                </a:solidFill>
+                <a:latin typeface="+mn-lt"/>
+                <a:ea typeface="+mn-ea"/>
+              </a:defRPr>
+            </a:lvl2pPr>
+            <a:lvl3pPr marL="1143000" indent="-228600" algn="l" rtl="0" eaLnBrk="1" fontAlgn="base" hangingPunct="1">
+              <a:spcBef>
+                <a:spcPct val="20000"/>
+              </a:spcBef>
+              <a:spcAft>
+                <a:spcPct val="0"/>
+              </a:spcAft>
+              <a:buChar char="•"/>
+              <a:defRPr sz="2800">
+                <a:solidFill>
+                  <a:schemeClr val="tx1"/>
+                </a:solidFill>
+                <a:latin typeface="+mj-lt"/>
+                <a:ea typeface="+mn-ea"/>
+              </a:defRPr>
+            </a:lvl3pPr>
+            <a:lvl4pPr marL="1600200" indent="-228600" algn="l" rtl="0" eaLnBrk="1" fontAlgn="base" hangingPunct="1">
+              <a:spcBef>
+                <a:spcPct val="20000"/>
+              </a:spcBef>
+              <a:spcAft>
+                <a:spcPct val="0"/>
+              </a:spcAft>
+              <a:buChar char="–"/>
+              <a:defRPr sz="2800">
+                <a:solidFill>
+                  <a:schemeClr val="tx1"/>
+                </a:solidFill>
+                <a:latin typeface="+mj-lt"/>
+                <a:ea typeface="+mn-ea"/>
+              </a:defRPr>
+            </a:lvl4pPr>
+            <a:lvl5pPr marL="2057400" indent="-228600" algn="l" rtl="0" eaLnBrk="1" fontAlgn="base" hangingPunct="1">
+              <a:spcBef>
+                <a:spcPct val="20000"/>
+              </a:spcBef>
+              <a:spcAft>
+                <a:spcPct val="0"/>
+              </a:spcAft>
+              <a:buChar char="»"/>
+              <a:defRPr sz="2800">
+                <a:solidFill>
+                  <a:schemeClr val="tx1"/>
+                </a:solidFill>
+                <a:latin typeface="+mj-lt"/>
+                <a:ea typeface="+mn-ea"/>
+              </a:defRPr>
+            </a:lvl5pPr>
+            <a:lvl6pPr marL="2514600" indent="-228600" algn="l" rtl="0" eaLnBrk="1" fontAlgn="base" hangingPunct="1">
+              <a:spcBef>
+                <a:spcPct val="20000"/>
+              </a:spcBef>
+              <a:spcAft>
+                <a:spcPct val="0"/>
+              </a:spcAft>
+              <a:buChar char="»"/>
+              <a:defRPr>
+                <a:solidFill>
+                  <a:srgbClr val="686868"/>
+                </a:solidFill>
+                <a:latin typeface="+mj-lt"/>
+                <a:ea typeface="+mn-ea"/>
+              </a:defRPr>
+            </a:lvl6pPr>
+            <a:lvl7pPr marL="2971800" indent="-228600" algn="l" rtl="0" eaLnBrk="1" fontAlgn="base" hangingPunct="1">
+              <a:spcBef>
+                <a:spcPct val="20000"/>
+              </a:spcBef>
+              <a:spcAft>
+                <a:spcPct val="0"/>
+              </a:spcAft>
+              <a:buChar char="»"/>
+              <a:defRPr>
+                <a:solidFill>
+                  <a:srgbClr val="686868"/>
+                </a:solidFill>
+                <a:latin typeface="+mj-lt"/>
+                <a:ea typeface="+mn-ea"/>
+              </a:defRPr>
+            </a:lvl7pPr>
+            <a:lvl8pPr marL="3429000" indent="-228600" algn="l" rtl="0" eaLnBrk="1" fontAlgn="base" hangingPunct="1">
+              <a:spcBef>
+                <a:spcPct val="20000"/>
+              </a:spcBef>
+              <a:spcAft>
+                <a:spcPct val="0"/>
+              </a:spcAft>
+              <a:buChar char="»"/>
+              <a:defRPr>
+                <a:solidFill>
+                  <a:srgbClr val="686868"/>
+                </a:solidFill>
+                <a:latin typeface="+mj-lt"/>
+                <a:ea typeface="+mn-ea"/>
+              </a:defRPr>
+            </a:lvl8pPr>
+            <a:lvl9pPr marL="3886200" indent="-228600" algn="l" rtl="0" eaLnBrk="1" fontAlgn="base" hangingPunct="1">
+              <a:spcBef>
+                <a:spcPct val="20000"/>
+              </a:spcBef>
+              <a:spcAft>
+                <a:spcPct val="0"/>
+              </a:spcAft>
+              <a:buChar char="»"/>
+              <a:defRPr>
+                <a:solidFill>
+                  <a:srgbClr val="686868"/>
+                </a:solidFill>
+                <a:latin typeface="+mj-lt"/>
+                <a:ea typeface="+mn-ea"/>
+              </a:defRPr>
+            </a:lvl9pPr>
+          </a:lstStyle>
+          <a:p>
+            <a:endParaRPr lang="en-US" dirty="0"/>
+          </a:p>
+        </p:txBody>
+      </p:sp>
+    </p:spTree>
+    <p:extLst>
+      <p:ext uri="{BB962C8B-B14F-4D97-AF65-F5344CB8AC3E}">
+        <p14:creationId xmlns:p14="http://schemas.microsoft.com/office/powerpoint/2010/main" val="557401799"/>
+      </p:ext>
+    </p:extLst>
+  </p:cSld>
+  <p:clrMapOvr>
+    <a:masterClrMapping/>
+  </p:clrMapOvr>
+  <p:timing>
+    <p:tnLst>
+      <p:par>
+        <p:cTn xmlns:p14="http://schemas.microsoft.com/office/powerpoint/2010/main" id="1" dur="indefinite" restart="never" nodeType="tmRoot"/>
+      </p:par>
+    </p:tnLst>
+  </p:timing>
+</p:sld>
+</file>
+
+<file path=ppt/slides/slide18.xml><?xml version="1.0" encoding="utf-8"?>
+<p:sld xmlns:a="http://schemas.openxmlformats.org/drawingml/2006/main" xmlns:r="http://schemas.openxmlformats.org/officeDocument/2006/relationships" xmlns:p="http://schemas.openxmlformats.org/presentationml/2006/main">
+  <p:cSld>
+    <p:spTree>
+      <p:nvGrpSpPr>
+        <p:cNvPr id="1" name=""/>
+        <p:cNvGrpSpPr/>
+        <p:nvPr/>
+      </p:nvGrpSpPr>
+      <p:grpSpPr>
+        <a:xfrm>
+          <a:off x="0" y="0"/>
+          <a:ext cx="0" cy="0"/>
+          <a:chOff x="0" y="0"/>
+          <a:chExt cx="0" cy="0"/>
+        </a:xfrm>
+      </p:grpSpPr>
+      <p:sp>
+        <p:nvSpPr>
+          <p:cNvPr id="2" name="Title 1"/>
+          <p:cNvSpPr>
+            <a:spLocks noGrp="1"/>
+          </p:cNvSpPr>
+          <p:nvPr>
+            <p:ph type="title"/>
+          </p:nvPr>
+        </p:nvSpPr>
+        <p:spPr>
+          <a:xfrm>
+            <a:off x="256874" y="457200"/>
+            <a:ext cx="8562466" cy="314214"/>
+          </a:xfrm>
+        </p:spPr>
+        <p:txBody>
+          <a:bodyPr/>
+          <a:lstStyle/>
+          <a:p>
+            <a:pPr lvl="0"/>
+            <a:r>
+              <a:rPr lang="en-US" dirty="0" smtClean="0"/>
+              <a:t>Cluster Distance</a:t>
+            </a:r>
+            <a:r>
+              <a:rPr lang="en-US" dirty="0"/>
+              <a:t>	</a:t>
+            </a:r>
+            <a:br>
+              <a:rPr lang="en-US" dirty="0"/>
+            </a:br>
+            <a:endParaRPr lang="en-US" dirty="0"/>
+          </a:p>
+        </p:txBody>
+      </p:sp>
+      <p:sp>
+        <p:nvSpPr>
+          <p:cNvPr id="3" name="Content Placeholder 2"/>
+          <p:cNvSpPr>
+            <a:spLocks noGrp="1"/>
+          </p:cNvSpPr>
+          <p:nvPr>
+            <p:ph idx="1"/>
+          </p:nvPr>
+        </p:nvSpPr>
+        <p:spPr>
+          <a:xfrm>
+            <a:off x="125413" y="990600"/>
+            <a:ext cx="8856662" cy="1524000"/>
+          </a:xfrm>
+        </p:spPr>
+        <p:txBody>
+          <a:bodyPr/>
+          <a:lstStyle/>
+          <a:p>
+            <a:endParaRPr lang="en-US" dirty="0"/>
+          </a:p>
+          <a:p>
+            <a:endParaRPr lang="en-US" dirty="0"/>
+          </a:p>
+        </p:txBody>
+      </p:sp>
+      <p:pic>
+        <p:nvPicPr>
+          <p:cNvPr id="4" name="Picture 3"/>
+          <p:cNvPicPr>
+            <a:picLocks noChangeAspect="1"/>
+          </p:cNvPicPr>
+          <p:nvPr/>
+        </p:nvPicPr>
+        <p:blipFill>
+          <a:blip r:embed="rId2"/>
+          <a:stretch>
+            <a:fillRect/>
+          </a:stretch>
+        </p:blipFill>
+        <p:spPr>
+          <a:xfrm>
+            <a:off x="76200" y="2590800"/>
+            <a:ext cx="8954610" cy="3602831"/>
+          </a:xfrm>
+          <a:prstGeom prst="rect">
+            <a:avLst/>
+          </a:prstGeom>
+        </p:spPr>
+      </p:pic>
+      <p:sp>
+        <p:nvSpPr>
+          <p:cNvPr id="6" name="Content Placeholder 2"/>
+          <p:cNvSpPr txBox="1">
+            <a:spLocks/>
+          </p:cNvSpPr>
+          <p:nvPr/>
+        </p:nvSpPr>
+        <p:spPr bwMode="auto">
+          <a:xfrm>
+            <a:off x="277813" y="1143000"/>
+            <a:ext cx="8856662" cy="1524000"/>
+          </a:xfrm>
+          <a:prstGeom prst="rect">
+            <a:avLst/>
+          </a:prstGeom>
+          <a:noFill/>
+          <a:ln>
+            <a:noFill/>
+          </a:ln>
+          <a:extLst>
+            <a:ext uri="{909E8E84-426E-40dd-AFC4-6F175D3DCCD1}">
+              <a14:hiddenFill xmlns:a14="http://schemas.microsoft.com/office/drawing/2010/main">
+                <a:solidFill>
+                  <a:srgbClr val="FFFFFF"/>
+                </a:solidFill>
+              </a14:hiddenFill>
+            </a:ext>
+            <a:ext uri="{91240B29-F687-4f45-9708-019B960494DF}">
+              <a14:hiddenLine xmlns:a14="http://schemas.microsoft.com/office/drawing/2010/main" w="9525">
+                <a:solidFill>
+                  <a:srgbClr val="000000"/>
+                </a:solidFill>
+                <a:miter lim="800000"/>
+                <a:headEnd/>
+                <a:tailEnd/>
+              </a14:hiddenLine>
+            </a:ext>
+            <a:ext uri="{FAA26D3D-D897-4be2-8F04-BA451C77F1D7}">
+              <ma14:placeholderFlag xmlns:ma14="http://schemas.microsoft.com/office/mac/drawingml/2011/main" val="1"/>
+            </a:ext>
+          </a:extLst>
+        </p:spPr>
+        <p:txBody>
+          <a:bodyPr vert="horz" wrap="square" lIns="91440" tIns="45720" rIns="91440" bIns="45720" numCol="1" anchor="t" anchorCtr="0" compatLnSpc="1">
+            <a:prstTxWarp prst="textNoShape">
+              <a:avLst/>
+            </a:prstTxWarp>
+          </a:bodyPr>
+          <a:lstStyle>
+            <a:lvl1pPr marL="342900" indent="-342900" algn="l" rtl="0" eaLnBrk="1" fontAlgn="base" hangingPunct="1">
+              <a:spcBef>
+                <a:spcPct val="20000"/>
+              </a:spcBef>
+              <a:spcAft>
+                <a:spcPct val="0"/>
+              </a:spcAft>
+              <a:buClr>
+                <a:srgbClr val="6E7BBD"/>
+              </a:buClr>
+              <a:buChar char="•"/>
+              <a:defRPr sz="3200">
+                <a:solidFill>
+                  <a:schemeClr val="tx1"/>
+                </a:solidFill>
+                <a:latin typeface="+mn-lt"/>
+                <a:ea typeface="+mn-ea"/>
+                <a:cs typeface="+mn-cs"/>
+              </a:defRPr>
+            </a:lvl1pPr>
+            <a:lvl2pPr marL="742950" indent="-285750" algn="l" rtl="0" eaLnBrk="1" fontAlgn="base" hangingPunct="1">
+              <a:spcBef>
+                <a:spcPct val="20000"/>
+              </a:spcBef>
+              <a:spcAft>
+                <a:spcPct val="0"/>
+              </a:spcAft>
+              <a:buChar char="–"/>
+              <a:defRPr sz="2800">
+                <a:solidFill>
+                  <a:schemeClr val="tx1"/>
+                </a:solidFill>
+                <a:latin typeface="+mn-lt"/>
+                <a:ea typeface="+mn-ea"/>
+              </a:defRPr>
+            </a:lvl2pPr>
+            <a:lvl3pPr marL="1143000" indent="-228600" algn="l" rtl="0" eaLnBrk="1" fontAlgn="base" hangingPunct="1">
+              <a:spcBef>
+                <a:spcPct val="20000"/>
+              </a:spcBef>
+              <a:spcAft>
+                <a:spcPct val="0"/>
+              </a:spcAft>
+              <a:buChar char="•"/>
+              <a:defRPr sz="2800">
+                <a:solidFill>
+                  <a:schemeClr val="tx1"/>
+                </a:solidFill>
+                <a:latin typeface="+mj-lt"/>
+                <a:ea typeface="+mn-ea"/>
+              </a:defRPr>
+            </a:lvl3pPr>
+            <a:lvl4pPr marL="1600200" indent="-228600" algn="l" rtl="0" eaLnBrk="1" fontAlgn="base" hangingPunct="1">
+              <a:spcBef>
+                <a:spcPct val="20000"/>
+              </a:spcBef>
+              <a:spcAft>
+                <a:spcPct val="0"/>
+              </a:spcAft>
+              <a:buChar char="–"/>
+              <a:defRPr sz="2800">
+                <a:solidFill>
+                  <a:schemeClr val="tx1"/>
+                </a:solidFill>
+                <a:latin typeface="+mj-lt"/>
+                <a:ea typeface="+mn-ea"/>
+              </a:defRPr>
+            </a:lvl4pPr>
+            <a:lvl5pPr marL="2057400" indent="-228600" algn="l" rtl="0" eaLnBrk="1" fontAlgn="base" hangingPunct="1">
+              <a:spcBef>
+                <a:spcPct val="20000"/>
+              </a:spcBef>
+              <a:spcAft>
+                <a:spcPct val="0"/>
+              </a:spcAft>
+              <a:buChar char="»"/>
+              <a:defRPr sz="2800">
+                <a:solidFill>
+                  <a:schemeClr val="tx1"/>
+                </a:solidFill>
+                <a:latin typeface="+mj-lt"/>
+                <a:ea typeface="+mn-ea"/>
+              </a:defRPr>
+            </a:lvl5pPr>
+            <a:lvl6pPr marL="2514600" indent="-228600" algn="l" rtl="0" eaLnBrk="1" fontAlgn="base" hangingPunct="1">
+              <a:spcBef>
+                <a:spcPct val="20000"/>
+              </a:spcBef>
+              <a:spcAft>
+                <a:spcPct val="0"/>
+              </a:spcAft>
+              <a:buChar char="»"/>
+              <a:defRPr>
+                <a:solidFill>
+                  <a:srgbClr val="686868"/>
+                </a:solidFill>
+                <a:latin typeface="+mj-lt"/>
+                <a:ea typeface="+mn-ea"/>
+              </a:defRPr>
+            </a:lvl6pPr>
+            <a:lvl7pPr marL="2971800" indent="-228600" algn="l" rtl="0" eaLnBrk="1" fontAlgn="base" hangingPunct="1">
+              <a:spcBef>
+                <a:spcPct val="20000"/>
+              </a:spcBef>
+              <a:spcAft>
+                <a:spcPct val="0"/>
+              </a:spcAft>
+              <a:buChar char="»"/>
+              <a:defRPr>
+                <a:solidFill>
+                  <a:srgbClr val="686868"/>
+                </a:solidFill>
+                <a:latin typeface="+mj-lt"/>
+                <a:ea typeface="+mn-ea"/>
+              </a:defRPr>
+            </a:lvl7pPr>
+            <a:lvl8pPr marL="3429000" indent="-228600" algn="l" rtl="0" eaLnBrk="1" fontAlgn="base" hangingPunct="1">
+              <a:spcBef>
+                <a:spcPct val="20000"/>
+              </a:spcBef>
+              <a:spcAft>
+                <a:spcPct val="0"/>
+              </a:spcAft>
+              <a:buChar char="»"/>
+              <a:defRPr>
+                <a:solidFill>
+                  <a:srgbClr val="686868"/>
+                </a:solidFill>
+                <a:latin typeface="+mj-lt"/>
+                <a:ea typeface="+mn-ea"/>
+              </a:defRPr>
+            </a:lvl8pPr>
+            <a:lvl9pPr marL="3886200" indent="-228600" algn="l" rtl="0" eaLnBrk="1" fontAlgn="base" hangingPunct="1">
+              <a:spcBef>
+                <a:spcPct val="20000"/>
+              </a:spcBef>
+              <a:spcAft>
+                <a:spcPct val="0"/>
+              </a:spcAft>
+              <a:buChar char="»"/>
+              <a:defRPr>
+                <a:solidFill>
+                  <a:srgbClr val="686868"/>
+                </a:solidFill>
+                <a:latin typeface="+mj-lt"/>
+                <a:ea typeface="+mn-ea"/>
+              </a:defRPr>
+            </a:lvl9pPr>
+          </a:lstStyle>
+          <a:p>
+            <a:endParaRPr lang="en-US" dirty="0"/>
+          </a:p>
+        </p:txBody>
+      </p:sp>
+    </p:spTree>
+    <p:extLst>
+      <p:ext uri="{BB962C8B-B14F-4D97-AF65-F5344CB8AC3E}">
+        <p14:creationId xmlns:p14="http://schemas.microsoft.com/office/powerpoint/2010/main" val="2421692684"/>
+      </p:ext>
+    </p:extLst>
+  </p:cSld>
+  <p:clrMapOvr>
+    <a:masterClrMapping/>
+  </p:clrMapOvr>
+  <p:timing>
+    <p:tnLst>
+      <p:par>
+        <p:cTn xmlns:p14="http://schemas.microsoft.com/office/powerpoint/2010/main" id="1" dur="indefinite" restart="never" nodeType="tmRoot"/>
+      </p:par>
+    </p:tnLst>
+  </p:timing>
+</p:sld>
+</file>
+
+<file path=ppt/slides/slide19.xml><?xml version="1.0" encoding="utf-8"?>
+<p:sld xmlns:a="http://schemas.openxmlformats.org/drawingml/2006/main" xmlns:r="http://schemas.openxmlformats.org/officeDocument/2006/relationships" xmlns:p="http://schemas.openxmlformats.org/presentationml/2006/main">
+  <p:cSld>
+    <p:spTree>
+      <p:nvGrpSpPr>
+        <p:cNvPr id="1" name=""/>
+        <p:cNvGrpSpPr/>
+        <p:nvPr/>
+      </p:nvGrpSpPr>
+      <p:grpSpPr>
+        <a:xfrm>
+          <a:off x="0" y="0"/>
+          <a:ext cx="0" cy="0"/>
+          <a:chOff x="0" y="0"/>
+          <a:chExt cx="0" cy="0"/>
+        </a:xfrm>
+      </p:grpSpPr>
+      <p:sp>
+        <p:nvSpPr>
+          <p:cNvPr id="2" name="Title 1"/>
+          <p:cNvSpPr>
+            <a:spLocks noGrp="1"/>
+          </p:cNvSpPr>
+          <p:nvPr>
+            <p:ph type="title"/>
+          </p:nvPr>
+        </p:nvSpPr>
+        <p:spPr>
+          <a:xfrm>
+            <a:off x="256874" y="76200"/>
+            <a:ext cx="8562466" cy="695214"/>
+          </a:xfrm>
+        </p:spPr>
+        <p:txBody>
+          <a:bodyPr/>
+          <a:lstStyle/>
+          <a:p>
+            <a:r>
+              <a:rPr lang="en-US" dirty="0" smtClean="0"/>
+              <a:t>Cluster Incompleteness</a:t>
+            </a:r>
+            <a:endParaRPr lang="en-US" dirty="0"/>
+          </a:p>
+        </p:txBody>
+      </p:sp>
+      <p:pic>
+        <p:nvPicPr>
+          <p:cNvPr id="4" name="Content Placeholder 3"/>
+          <p:cNvPicPr>
+            <a:picLocks noGrp="1" noChangeAspect="1"/>
+          </p:cNvPicPr>
+          <p:nvPr>
+            <p:ph idx="1"/>
+          </p:nvPr>
+        </p:nvPicPr>
+        <p:blipFill rotWithShape="1">
+          <a:blip r:embed="rId2"/>
+          <a:srcRect l="-1191" t="2358" r="834" b="884"/>
+          <a:stretch/>
+        </p:blipFill>
+        <p:spPr>
+          <a:xfrm>
+            <a:off x="223520" y="3088640"/>
+            <a:ext cx="8554720" cy="3332480"/>
+          </a:xfrm>
+        </p:spPr>
+      </p:pic>
+      <p:sp>
+        <p:nvSpPr>
+          <p:cNvPr id="6" name="Content Placeholder 2"/>
+          <p:cNvSpPr txBox="1">
+            <a:spLocks/>
+          </p:cNvSpPr>
+          <p:nvPr/>
+        </p:nvSpPr>
+        <p:spPr bwMode="auto">
+          <a:xfrm>
+            <a:off x="277178" y="1143000"/>
+            <a:ext cx="8856662" cy="1524000"/>
+          </a:xfrm>
+          <a:prstGeom prst="rect">
+            <a:avLst/>
+          </a:prstGeom>
+          <a:noFill/>
+          <a:ln>
+            <a:noFill/>
+          </a:ln>
+          <a:extLst>
+            <a:ext uri="{909E8E84-426E-40dd-AFC4-6F175D3DCCD1}">
+              <a14:hiddenFill xmlns:a14="http://schemas.microsoft.com/office/drawing/2010/main">
+                <a:solidFill>
+                  <a:srgbClr val="FFFFFF"/>
+                </a:solidFill>
+              </a14:hiddenFill>
+            </a:ext>
+            <a:ext uri="{91240B29-F687-4f45-9708-019B960494DF}">
+              <a14:hiddenLine xmlns:a14="http://schemas.microsoft.com/office/drawing/2010/main" w="9525">
+                <a:solidFill>
+                  <a:srgbClr val="000000"/>
+                </a:solidFill>
+                <a:miter lim="800000"/>
+                <a:headEnd/>
+                <a:tailEnd/>
+              </a14:hiddenLine>
+            </a:ext>
+            <a:ext uri="{FAA26D3D-D897-4be2-8F04-BA451C77F1D7}">
+              <ma14:placeholderFlag xmlns:ma14="http://schemas.microsoft.com/office/mac/drawingml/2011/main" val="1"/>
+            </a:ext>
+          </a:extLst>
+        </p:spPr>
+        <p:txBody>
+          <a:bodyPr vert="horz" wrap="square" lIns="91440" tIns="45720" rIns="91440" bIns="45720" numCol="1" anchor="t" anchorCtr="0" compatLnSpc="1">
+            <a:prstTxWarp prst="textNoShape">
+              <a:avLst/>
+            </a:prstTxWarp>
+          </a:bodyPr>
+          <a:lstStyle>
+            <a:lvl1pPr marL="342900" indent="-342900" algn="l" rtl="0" eaLnBrk="1" fontAlgn="base" hangingPunct="1">
+              <a:spcBef>
+                <a:spcPct val="20000"/>
+              </a:spcBef>
+              <a:spcAft>
+                <a:spcPct val="0"/>
+              </a:spcAft>
+              <a:buClr>
+                <a:srgbClr val="6E7BBD"/>
+              </a:buClr>
+              <a:buChar char="•"/>
+              <a:defRPr sz="3200">
+                <a:solidFill>
+                  <a:schemeClr val="tx1"/>
+                </a:solidFill>
+                <a:latin typeface="+mn-lt"/>
+                <a:ea typeface="+mn-ea"/>
+                <a:cs typeface="+mn-cs"/>
+              </a:defRPr>
+            </a:lvl1pPr>
+            <a:lvl2pPr marL="742950" indent="-285750" algn="l" rtl="0" eaLnBrk="1" fontAlgn="base" hangingPunct="1">
+              <a:spcBef>
+                <a:spcPct val="20000"/>
+              </a:spcBef>
+              <a:spcAft>
+                <a:spcPct val="0"/>
+              </a:spcAft>
+              <a:buChar char="–"/>
+              <a:defRPr sz="2800">
+                <a:solidFill>
+                  <a:schemeClr val="tx1"/>
+                </a:solidFill>
+                <a:latin typeface="+mn-lt"/>
+                <a:ea typeface="+mn-ea"/>
+              </a:defRPr>
+            </a:lvl2pPr>
+            <a:lvl3pPr marL="1143000" indent="-228600" algn="l" rtl="0" eaLnBrk="1" fontAlgn="base" hangingPunct="1">
+              <a:spcBef>
+                <a:spcPct val="20000"/>
+              </a:spcBef>
+              <a:spcAft>
+                <a:spcPct val="0"/>
+              </a:spcAft>
+              <a:buChar char="•"/>
+              <a:defRPr sz="2800">
+                <a:solidFill>
+                  <a:schemeClr val="tx1"/>
+                </a:solidFill>
+                <a:latin typeface="+mj-lt"/>
+                <a:ea typeface="+mn-ea"/>
+              </a:defRPr>
+            </a:lvl3pPr>
+            <a:lvl4pPr marL="1600200" indent="-228600" algn="l" rtl="0" eaLnBrk="1" fontAlgn="base" hangingPunct="1">
+              <a:spcBef>
+                <a:spcPct val="20000"/>
+              </a:spcBef>
+              <a:spcAft>
+                <a:spcPct val="0"/>
+              </a:spcAft>
+              <a:buChar char="–"/>
+              <a:defRPr sz="2800">
+                <a:solidFill>
+                  <a:schemeClr val="tx1"/>
+                </a:solidFill>
+                <a:latin typeface="+mj-lt"/>
+                <a:ea typeface="+mn-ea"/>
+              </a:defRPr>
+            </a:lvl4pPr>
+            <a:lvl5pPr marL="2057400" indent="-228600" algn="l" rtl="0" eaLnBrk="1" fontAlgn="base" hangingPunct="1">
+              <a:spcBef>
+                <a:spcPct val="20000"/>
+              </a:spcBef>
+              <a:spcAft>
+                <a:spcPct val="0"/>
+              </a:spcAft>
+              <a:buChar char="»"/>
+              <a:defRPr sz="2800">
+                <a:solidFill>
+                  <a:schemeClr val="tx1"/>
+                </a:solidFill>
+                <a:latin typeface="+mj-lt"/>
+                <a:ea typeface="+mn-ea"/>
+              </a:defRPr>
+            </a:lvl5pPr>
+            <a:lvl6pPr marL="2514600" indent="-228600" algn="l" rtl="0" eaLnBrk="1" fontAlgn="base" hangingPunct="1">
+              <a:spcBef>
+                <a:spcPct val="20000"/>
+              </a:spcBef>
+              <a:spcAft>
+                <a:spcPct val="0"/>
+              </a:spcAft>
+              <a:buChar char="»"/>
+              <a:defRPr>
+                <a:solidFill>
+                  <a:srgbClr val="686868"/>
+                </a:solidFill>
+                <a:latin typeface="+mj-lt"/>
+                <a:ea typeface="+mn-ea"/>
+              </a:defRPr>
+            </a:lvl6pPr>
+            <a:lvl7pPr marL="2971800" indent="-228600" algn="l" rtl="0" eaLnBrk="1" fontAlgn="base" hangingPunct="1">
+              <a:spcBef>
+                <a:spcPct val="20000"/>
+              </a:spcBef>
+              <a:spcAft>
+                <a:spcPct val="0"/>
+              </a:spcAft>
+              <a:buChar char="»"/>
+              <a:defRPr>
+                <a:solidFill>
+                  <a:srgbClr val="686868"/>
+                </a:solidFill>
+                <a:latin typeface="+mj-lt"/>
+                <a:ea typeface="+mn-ea"/>
+              </a:defRPr>
+            </a:lvl7pPr>
+            <a:lvl8pPr marL="3429000" indent="-228600" algn="l" rtl="0" eaLnBrk="1" fontAlgn="base" hangingPunct="1">
+              <a:spcBef>
+                <a:spcPct val="20000"/>
+              </a:spcBef>
+              <a:spcAft>
+                <a:spcPct val="0"/>
+              </a:spcAft>
+              <a:buChar char="»"/>
+              <a:defRPr>
+                <a:solidFill>
+                  <a:srgbClr val="686868"/>
+                </a:solidFill>
+                <a:latin typeface="+mj-lt"/>
+                <a:ea typeface="+mn-ea"/>
+              </a:defRPr>
+            </a:lvl8pPr>
+            <a:lvl9pPr marL="3886200" indent="-228600" algn="l" rtl="0" eaLnBrk="1" fontAlgn="base" hangingPunct="1">
+              <a:spcBef>
+                <a:spcPct val="20000"/>
+              </a:spcBef>
+              <a:spcAft>
+                <a:spcPct val="0"/>
+              </a:spcAft>
+              <a:buChar char="»"/>
+              <a:defRPr>
+                <a:solidFill>
+                  <a:srgbClr val="686868"/>
+                </a:solidFill>
+                <a:latin typeface="+mj-lt"/>
+                <a:ea typeface="+mn-ea"/>
+              </a:defRPr>
+            </a:lvl9pPr>
+          </a:lstStyle>
+          <a:p>
+            <a:endParaRPr lang="en-US" dirty="0"/>
+          </a:p>
+        </p:txBody>
+      </p:sp>
+    </p:spTree>
+    <p:extLst>
+      <p:ext uri="{BB962C8B-B14F-4D97-AF65-F5344CB8AC3E}">
+        <p14:creationId xmlns:p14="http://schemas.microsoft.com/office/powerpoint/2010/main" val="1056124929"/>
+      </p:ext>
+    </p:extLst>
+  </p:cSld>
+  <p:clrMapOvr>
+    <a:masterClrMapping/>
+  </p:clrMapOvr>
+  <p:timing>
+    <p:tnLst>
+      <p:par>
+        <p:cTn xmlns:p14="http://schemas.microsoft.com/office/powerpoint/2010/main" id="1" dur="indefinite" restart="never" nodeType="tmRoot"/>
+      </p:par>
+    </p:tnLst>
+  </p:timing>
+</p:sld>
+</file>
+
 <file path=ppt/slides/slide2.xml><?xml version="1.0" encoding="utf-8"?>
 <p:sld xmlns:a="http://schemas.openxmlformats.org/drawingml/2006/main" xmlns:r="http://schemas.openxmlformats.org/officeDocument/2006/relationships" xmlns:p="http://schemas.openxmlformats.org/presentationml/2006/main">
   <p:cSld>
@@ -12050,6 +14085,150 @@
       </p:par>
     </p:tnLst>
   </p:timing>
+</p:sld>
+</file>
+
+<file path=ppt/slides/slide20.xml><?xml version="1.0" encoding="utf-8"?>
+<p:sld xmlns:a="http://schemas.openxmlformats.org/drawingml/2006/main" xmlns:r="http://schemas.openxmlformats.org/officeDocument/2006/relationships" xmlns:p="http://schemas.openxmlformats.org/presentationml/2006/main">
+  <p:cSld>
+    <p:spTree>
+      <p:nvGrpSpPr>
+        <p:cNvPr id="1" name=""/>
+        <p:cNvGrpSpPr/>
+        <p:nvPr/>
+      </p:nvGrpSpPr>
+      <p:grpSpPr>
+        <a:xfrm>
+          <a:off x="0" y="0"/>
+          <a:ext cx="0" cy="0"/>
+          <a:chOff x="0" y="0"/>
+          <a:chExt cx="0" cy="0"/>
+        </a:xfrm>
+      </p:grpSpPr>
+      <p:sp>
+        <p:nvSpPr>
+          <p:cNvPr id="2" name="Title 1"/>
+          <p:cNvSpPr>
+            <a:spLocks noGrp="1"/>
+          </p:cNvSpPr>
+          <p:nvPr>
+            <p:ph type="title"/>
+          </p:nvPr>
+        </p:nvSpPr>
+        <p:spPr/>
+        <p:txBody>
+          <a:bodyPr/>
+          <a:lstStyle/>
+          <a:p>
+            <a:r>
+              <a:rPr lang="en-US" dirty="0" smtClean="0"/>
+              <a:t>Conclusion</a:t>
+            </a:r>
+            <a:endParaRPr lang="en-US" dirty="0"/>
+          </a:p>
+        </p:txBody>
+      </p:sp>
+      <p:sp>
+        <p:nvSpPr>
+          <p:cNvPr id="3" name="Content Placeholder 2"/>
+          <p:cNvSpPr>
+            <a:spLocks noGrp="1"/>
+          </p:cNvSpPr>
+          <p:nvPr>
+            <p:ph idx="1"/>
+          </p:nvPr>
+        </p:nvSpPr>
+        <p:spPr/>
+        <p:txBody>
+          <a:bodyPr/>
+          <a:lstStyle/>
+          <a:p>
+            <a:endParaRPr lang="en-US"/>
+          </a:p>
+        </p:txBody>
+      </p:sp>
+    </p:spTree>
+    <p:extLst>
+      <p:ext uri="{BB962C8B-B14F-4D97-AF65-F5344CB8AC3E}">
+        <p14:creationId xmlns:p14="http://schemas.microsoft.com/office/powerpoint/2010/main" val="203797786"/>
+      </p:ext>
+    </p:extLst>
+  </p:cSld>
+  <p:clrMapOvr>
+    <a:masterClrMapping/>
+  </p:clrMapOvr>
+</p:sld>
+</file>
+
+<file path=ppt/slides/slide21.xml><?xml version="1.0" encoding="utf-8"?>
+<p:sld xmlns:a="http://schemas.openxmlformats.org/drawingml/2006/main" xmlns:r="http://schemas.openxmlformats.org/officeDocument/2006/relationships" xmlns:p="http://schemas.openxmlformats.org/presentationml/2006/main">
+  <p:cSld>
+    <p:spTree>
+      <p:nvGrpSpPr>
+        <p:cNvPr id="1" name=""/>
+        <p:cNvGrpSpPr/>
+        <p:nvPr/>
+      </p:nvGrpSpPr>
+      <p:grpSpPr>
+        <a:xfrm>
+          <a:off x="0" y="0"/>
+          <a:ext cx="0" cy="0"/>
+          <a:chOff x="0" y="0"/>
+          <a:chExt cx="0" cy="0"/>
+        </a:xfrm>
+      </p:grpSpPr>
+      <p:sp>
+        <p:nvSpPr>
+          <p:cNvPr id="2" name="Title 1"/>
+          <p:cNvSpPr>
+            <a:spLocks noGrp="1"/>
+          </p:cNvSpPr>
+          <p:nvPr>
+            <p:ph type="title"/>
+          </p:nvPr>
+        </p:nvSpPr>
+        <p:spPr/>
+        <p:txBody>
+          <a:bodyPr/>
+          <a:lstStyle/>
+          <a:p>
+            <a:r>
+              <a:rPr lang="en-US" dirty="0" smtClean="0"/>
+              <a:t>Future Works</a:t>
+            </a:r>
+            <a:endParaRPr lang="en-US" dirty="0"/>
+          </a:p>
+        </p:txBody>
+      </p:sp>
+      <p:sp>
+        <p:nvSpPr>
+          <p:cNvPr id="6" name="Content Placeholder 5"/>
+          <p:cNvSpPr>
+            <a:spLocks noGrp="1"/>
+          </p:cNvSpPr>
+          <p:nvPr>
+            <p:ph idx="1"/>
+          </p:nvPr>
+        </p:nvSpPr>
+        <p:spPr/>
+        <p:txBody>
+          <a:bodyPr/>
+          <a:lstStyle/>
+          <a:p>
+            <a:endParaRPr lang="en-US"/>
+          </a:p>
+        </p:txBody>
+      </p:sp>
+    </p:spTree>
+    <p:extLst>
+      <p:ext uri="{BB962C8B-B14F-4D97-AF65-F5344CB8AC3E}">
+        <p14:creationId xmlns:p14="http://schemas.microsoft.com/office/powerpoint/2010/main" val="2807360307"/>
+      </p:ext>
+    </p:extLst>
+  </p:cSld>
+  <p:clrMapOvr>
+    <a:masterClrMapping/>
+  </p:clrMapOvr>
 </p:sld>
 </file>
 
@@ -12251,14 +14430,14 @@
             <p:ph idx="1"/>
             <p:extLst>
               <p:ext uri="{D42A27DB-BD31-4B8C-83A1-F6EECF244321}">
-                <p14:modId xmlns:p14="http://schemas.microsoft.com/office/powerpoint/2010/main" val="2475267612"/>
+                <p14:modId xmlns:p14="http://schemas.microsoft.com/office/powerpoint/2010/main" val="680912716"/>
               </p:ext>
             </p:extLst>
           </p:nvPr>
         </p:nvGraphicFramePr>
         <p:xfrm>
           <a:off x="914400" y="2057400"/>
-          <a:ext cx="7380550" cy="1920240"/>
+          <a:ext cx="7380552" cy="1920240"/>
         </p:xfrm>
         <a:graphic>
           <a:graphicData uri="http://schemas.openxmlformats.org/drawingml/2006/table">
@@ -12267,11 +14446,12 @@
                 <a:tableStyleId>{BC89EF96-8CEA-46FF-86C4-4CE0E7609802}</a:tableStyleId>
               </a:tblPr>
               <a:tblGrid>
-                <a:gridCol w="1476110"/>
-                <a:gridCol w="1476110"/>
-                <a:gridCol w="1476110"/>
-                <a:gridCol w="1476110"/>
-                <a:gridCol w="1476110"/>
+                <a:gridCol w="1230092"/>
+                <a:gridCol w="1230092"/>
+                <a:gridCol w="1230092"/>
+                <a:gridCol w="1230092"/>
+                <a:gridCol w="1230092"/>
+                <a:gridCol w="1230092"/>
               </a:tblGrid>
               <a:tr h="370840">
                 <a:tc>
@@ -12323,7 +14503,11 @@
                       <a:pPr algn="ctr"/>
                       <a:r>
                         <a:rPr lang="en-US" dirty="0" smtClean="0"/>
-                        <a:t>Countries</a:t>
+                        <a:t>Country</a:t>
+                      </a:r>
+                      <a:r>
+                        <a:rPr lang="en-US" baseline="0" dirty="0" smtClean="0"/>
+                        <a:t> IDs</a:t>
                       </a:r>
                       <a:endParaRPr lang="en-US" dirty="0"/>
                     </a:p>
@@ -12339,6 +14523,21 @@
                       <a:r>
                         <a:rPr lang="en-US" dirty="0" smtClean="0"/>
                         <a:t>Cell Transitions</a:t>
+                      </a:r>
+                      <a:endParaRPr lang="en-US" dirty="0"/>
+                    </a:p>
+                  </a:txBody>
+                  <a:tcPr/>
+                </a:tc>
+                <a:tc>
+                  <a:txBody>
+                    <a:bodyPr/>
+                    <a:lstStyle/>
+                    <a:p>
+                      <a:pPr algn="ctr"/>
+                      <a:r>
+                        <a:rPr lang="en-US" dirty="0" smtClean="0"/>
+                        <a:t>Status</a:t>
                       </a:r>
                       <a:endParaRPr lang="en-US" dirty="0"/>
                     </a:p>
@@ -12457,6 +14656,21 @@
                   </a:txBody>
                   <a:tcPr/>
                 </a:tc>
+                <a:tc>
+                  <a:txBody>
+                    <a:bodyPr/>
+                    <a:lstStyle/>
+                    <a:p>
+                      <a:pPr algn="ctr"/>
+                      <a:r>
+                        <a:rPr lang="en-US" dirty="0" smtClean="0"/>
+                        <a:t>Sampled</a:t>
+                      </a:r>
+                      <a:endParaRPr lang="en-US" dirty="0"/>
+                    </a:p>
+                  </a:txBody>
+                  <a:tcPr/>
+                </a:tc>
               </a:tr>
               <a:tr h="370840">
                 <a:tc>
@@ -12569,6 +14783,21 @@
                   </a:txBody>
                   <a:tcPr/>
                 </a:tc>
+                <a:tc>
+                  <a:txBody>
+                    <a:bodyPr/>
+                    <a:lstStyle/>
+                    <a:p>
+                      <a:pPr algn="ctr"/>
+                      <a:r>
+                        <a:rPr lang="en-US" dirty="0" smtClean="0"/>
+                        <a:t>Transition based</a:t>
+                      </a:r>
+                      <a:endParaRPr lang="en-US" dirty="0"/>
+                    </a:p>
+                  </a:txBody>
+                  <a:tcPr/>
+                </a:tc>
               </a:tr>
             </a:tbl>
           </a:graphicData>
@@ -12644,7 +14873,7 @@
             <p:ph idx="1"/>
             <p:extLst>
               <p:ext uri="{D42A27DB-BD31-4B8C-83A1-F6EECF244321}">
-                <p14:modId xmlns:p14="http://schemas.microsoft.com/office/powerpoint/2010/main" val="2764309433"/>
+                <p14:modId xmlns:p14="http://schemas.microsoft.com/office/powerpoint/2010/main" val="3687716445"/>
               </p:ext>
             </p:extLst>
           </p:nvPr>
@@ -12730,25 +14959,66 @@
             <p:ph idx="1"/>
           </p:nvPr>
         </p:nvSpPr>
-        <p:spPr/>
+        <p:spPr>
+          <a:xfrm>
+            <a:off x="152400" y="1066800"/>
+            <a:ext cx="8856662" cy="5334000"/>
+          </a:xfrm>
+        </p:spPr>
         <p:txBody>
           <a:bodyPr/>
           <a:lstStyle/>
           <a:p>
             <a:r>
               <a:rPr lang="en-US" dirty="0" smtClean="0"/>
-              <a:t>Input:</a:t>
-            </a:r>
-          </a:p>
-          <a:p>
-            <a:pPr lvl="1"/>
+              <a:t>Input: GSM Logs</a:t>
+            </a:r>
+          </a:p>
+          <a:p>
+            <a:pPr marL="457200" lvl="1" indent="0">
+              <a:buNone/>
+            </a:pPr>
             <a:endParaRPr lang="en-US" dirty="0"/>
           </a:p>
           <a:p>
             <a:endParaRPr lang="en-US" dirty="0" smtClean="0"/>
           </a:p>
           <a:p>
-            <a:pPr lvl="1"/>
+            <a:pPr marL="457200" lvl="1" indent="0">
+              <a:buNone/>
+            </a:pPr>
+            <a:r>
+              <a:rPr lang="en-US" dirty="0" smtClean="0"/>
+              <a:t/>
+            </a:r>
+          </a:p>
+          <a:p>
+            <a:pPr marL="457200" lvl="1" indent="0">
+              <a:buNone/>
+            </a:pPr>
+            <a:endParaRPr lang="en-US" dirty="0"/>
+          </a:p>
+          <a:p>
+            <a:pPr marL="457200" lvl="1" indent="0">
+              <a:buNone/>
+            </a:pPr>
+            <a:endParaRPr lang="en-US" dirty="0" smtClean="0"/>
+          </a:p>
+          <a:p>
+            <a:pPr marL="457200" lvl="1" indent="0">
+              <a:buNone/>
+            </a:pPr>
+            <a:endParaRPr lang="en-US" dirty="0"/>
+          </a:p>
+          <a:p>
+            <a:pPr>
+              <a:buFont typeface="Arial"/>
+              <a:buChar char="•"/>
+            </a:pPr>
+            <a:r>
+              <a:rPr lang="en-US" dirty="0" smtClean="0"/>
+              <a:t>Output: Mobility Paths</a:t>
+            </a:r>
             <a:endParaRPr lang="en-US" dirty="0"/>
           </a:p>
         </p:txBody>
@@ -12762,13 +15032,13 @@
           <p:nvPr>
             <p:extLst>
               <p:ext uri="{D42A27DB-BD31-4B8C-83A1-F6EECF244321}">
-                <p14:modId xmlns:p14="http://schemas.microsoft.com/office/powerpoint/2010/main" val="1987308278"/>
+                <p14:modId xmlns:p14="http://schemas.microsoft.com/office/powerpoint/2010/main" val="1166003096"/>
               </p:ext>
             </p:extLst>
           </p:nvPr>
         </p:nvGraphicFramePr>
         <p:xfrm>
-          <a:off x="2819400" y="1066800"/>
+          <a:off x="2819400" y="1676400"/>
           <a:ext cx="6096000" cy="2301240"/>
         </p:xfrm>
         <a:graphic>
@@ -12850,6 +15120,7 @@
                     <a:bodyPr/>
                     <a:lstStyle/>
                     <a:p>
+                      <a:pPr algn="ctr"/>
                       <a:r>
                         <a:rPr lang="en-US" dirty="0" smtClean="0"/>
                         <a:t>Cell Id</a:t>
@@ -12926,6 +15197,7 @@
                     <a:bodyPr/>
                     <a:lstStyle/>
                     <a:p>
+                      <a:pPr algn="ctr"/>
                       <a:r>
                         <a:rPr lang="en-US" dirty="0" smtClean="0"/>
                         <a:t>C1</a:t>
@@ -13002,6 +15274,7 @@
                     <a:bodyPr/>
                     <a:lstStyle/>
                     <a:p>
+                      <a:pPr algn="ctr"/>
                       <a:r>
                         <a:rPr lang="en-US" dirty="0" smtClean="0"/>
                         <a:t>C4</a:t>
@@ -13078,6 +15351,7 @@
                     <a:bodyPr/>
                     <a:lstStyle/>
                     <a:p>
+                      <a:pPr algn="ctr"/>
                       <a:r>
                         <a:rPr lang="en-US" dirty="0" smtClean="0"/>
                         <a:t>C3</a:t>
@@ -13154,6 +15428,7 @@
                     <a:bodyPr/>
                     <a:lstStyle/>
                     <a:p>
+                      <a:pPr algn="ctr"/>
                       <a:r>
                         <a:rPr lang="en-US" dirty="0" smtClean="0"/>
                         <a:t>C7</a:t>
@@ -13230,6 +15505,7 @@
                     <a:bodyPr/>
                     <a:lstStyle/>
                     <a:p>
+                      <a:pPr algn="ctr"/>
                       <a:r>
                         <a:rPr lang="en-US" dirty="0" smtClean="0"/>
                         <a:t>C5</a:t>
@@ -13252,7 +15528,7 @@
         </p:nvSpPr>
         <p:spPr bwMode="auto">
           <a:xfrm>
-            <a:off x="5562600" y="3581400"/>
+            <a:off x="5486400" y="4191000"/>
             <a:ext cx="685800" cy="1066800"/>
           </a:xfrm>
           <a:prstGeom prst="downArrow">
@@ -13296,7 +15572,28 @@
               <a:buNone/>
               <a:tabLst/>
             </a:pPr>
-            <a:endParaRPr kumimoji="0" lang="en-US" sz="2400" b="0" i="0" u="none" strike="noStrike" cap="none" normalizeH="0" baseline="-25000">
+            <a:r>
+              <a:rPr kumimoji="0" lang="en-US" sz="2400" b="0" i="0" u="none" strike="noStrike" cap="none" normalizeH="0" baseline="-25000" dirty="0" smtClean="0">
+                <a:ln>
+                  <a:noFill/>
+                </a:ln>
+                <a:solidFill>
+                  <a:schemeClr val="tx1"/>
+                </a:solidFill>
+                <a:effectLst>
+                  <a:outerShdw blurRad="38100" dist="38100" dir="2700000" algn="tl">
+                    <a:srgbClr val="000000">
+                      <a:alpha val="43137"/>
+                    </a:srgbClr>
+                  </a:outerShdw>
+                </a:effectLst>
+                <a:latin typeface="Arial" pitchFamily="-105" charset="0"/>
+                <a:ea typeface="ＭＳ Ｐゴシック" pitchFamily="-105" charset="-128"/>
+                <a:cs typeface="ＭＳ Ｐゴシック" pitchFamily="-105" charset="-128"/>
+              </a:rPr>
+              <a:t/>
+            </a:r>
+            <a:endParaRPr kumimoji="0" lang="en-US" sz="2400" b="0" i="0" u="none" strike="noStrike" cap="none" normalizeH="0" baseline="-25000" dirty="0">
               <a:ln>
                 <a:noFill/>
               </a:ln>
@@ -13326,13 +15623,13 @@
           <p:nvPr>
             <p:extLst>
               <p:ext uri="{D42A27DB-BD31-4B8C-83A1-F6EECF244321}">
-                <p14:modId xmlns:p14="http://schemas.microsoft.com/office/powerpoint/2010/main" val="1160205744"/>
+                <p14:modId xmlns:p14="http://schemas.microsoft.com/office/powerpoint/2010/main" val="2864222473"/>
               </p:ext>
             </p:extLst>
           </p:nvPr>
         </p:nvGraphicFramePr>
         <p:xfrm>
-          <a:off x="4953000" y="4876800"/>
+          <a:off x="4800600" y="5410200"/>
           <a:ext cx="1828800" cy="731520"/>
         </p:xfrm>
         <a:graphic>
@@ -13479,7 +15776,15 @@
             </a:r>
             <a:r>
               <a:rPr lang="en-US" dirty="0" smtClean="0"/>
-              <a:t>other:</a:t>
+              <a:t>other in all </a:t>
+            </a:r>
+            <a:r>
+              <a:rPr lang="en-US" dirty="0" smtClean="0">
+                <a:solidFill>
+                  <a:srgbClr val="FF0000"/>
+                </a:solidFill>
+              </a:rPr>
+              <a:t>mobility paths:</a:t>
             </a:r>
           </a:p>
           <a:p>
@@ -13507,18 +15812,18 @@
             <a:pPr lvl="1"/>
             <a:r>
               <a:rPr lang="en-US" i="1" dirty="0" smtClean="0"/>
-              <a:t>Switching </a:t>
+              <a:t>Switching: </a:t>
             </a:r>
             <a:r>
               <a:rPr lang="en-US" dirty="0" smtClean="0"/>
-              <a:t>means a handover from one tower to another inside of a mobility path </a:t>
+              <a:t>a handover from one tower to another inside of a mobility path </a:t>
             </a:r>
           </a:p>
           <a:p>
             <a:pPr lvl="1"/>
             <a:r>
               <a:rPr lang="en-US" dirty="0" smtClean="0"/>
-              <a:t>[ </a:t>
+              <a:t>Ex[ </a:t>
             </a:r>
             <a:r>
               <a:rPr lang="en-US" dirty="0"/>
@@ -13721,8 +16026,12 @@
           <a:p>
             <a:pPr lvl="1"/>
             <a:r>
+              <a:rPr lang="en-US" sz="2400" dirty="0" smtClean="0"/>
+              <a:t>Example: [ </a:t>
+            </a:r>
+            <a:r>
               <a:rPr lang="en-US" sz="2400" dirty="0"/>
-              <a:t>[ x, y, x, w, v, w, </a:t>
+              <a:t>x, y, x, w, v, w, </a:t>
             </a:r>
             <a:r>
               <a:rPr lang="en-US" sz="2400" dirty="0" smtClean="0"/>
@@ -13891,19 +16200,30 @@
               <a:rPr lang="en-US" dirty="0" smtClean="0"/>
               <a:t>Greedy Algorithm</a:t>
             </a:r>
+            <a:r>
+              <a:rPr lang="ar-IQ" dirty="0" smtClean="0"/>
+              <a:t>: </a:t>
+            </a:r>
           </a:p>
           <a:p>
             <a:pPr lvl="2"/>
             <a:r>
               <a:rPr lang="en-US" dirty="0" smtClean="0"/>
-              <a:t>Finding Cluster C:</a:t>
+              <a:t>Removing edge with minimum weight</a:t>
+            </a:r>
+          </a:p>
+          <a:p>
+            <a:pPr lvl="2"/>
+            <a:r>
+              <a:rPr lang="en-US" dirty="0" smtClean="0"/>
+              <a:t>Finding cluster C:</a:t>
             </a:r>
           </a:p>
           <a:p>
             <a:pPr lvl="3"/>
             <a:r>
               <a:rPr lang="en-US" dirty="0" smtClean="0"/>
-              <a:t>Quality Metric(Q(C) ) &gt;threshold</a:t>
+              <a:t>Quality Metric(Q(C) ) &gt;threshold </a:t>
             </a:r>
           </a:p>
           <a:p>
@@ -13930,7 +16250,7 @@
         </p:blipFill>
         <p:spPr>
           <a:xfrm>
-            <a:off x="1828800" y="3276600"/>
+            <a:off x="1676400" y="4038600"/>
             <a:ext cx="5136444" cy="1828800"/>
           </a:xfrm>
           <a:prstGeom prst="rect">

--- a/Presentation/moradi_class19.pptx
+++ b/Presentation/moradi_class19.pptx
@@ -5,7 +5,7 @@
     <p:sldMasterId id="2147483660" r:id="rId1"/>
   </p:sldMasterIdLst>
   <p:notesMasterIdLst>
-    <p:notesMasterId r:id="rId23"/>
+    <p:notesMasterId r:id="rId25"/>
   </p:notesMasterIdLst>
   <p:sldIdLst>
     <p:sldId id="256" r:id="rId2"/>
@@ -20,15 +20,17 @@
     <p:sldId id="265" r:id="rId11"/>
     <p:sldId id="266" r:id="rId12"/>
     <p:sldId id="267" r:id="rId13"/>
-    <p:sldId id="271" r:id="rId14"/>
-    <p:sldId id="272" r:id="rId15"/>
+    <p:sldId id="279" r:id="rId14"/>
+    <p:sldId id="271" r:id="rId15"/>
     <p:sldId id="274" r:id="rId16"/>
-    <p:sldId id="273" r:id="rId17"/>
-    <p:sldId id="275" r:id="rId18"/>
-    <p:sldId id="276" r:id="rId19"/>
-    <p:sldId id="270" r:id="rId20"/>
-    <p:sldId id="277" r:id="rId21"/>
-    <p:sldId id="278" r:id="rId22"/>
+    <p:sldId id="281" r:id="rId17"/>
+    <p:sldId id="282" r:id="rId18"/>
+    <p:sldId id="273" r:id="rId19"/>
+    <p:sldId id="275" r:id="rId20"/>
+    <p:sldId id="276" r:id="rId21"/>
+    <p:sldId id="270" r:id="rId22"/>
+    <p:sldId id="277" r:id="rId23"/>
+    <p:sldId id="278" r:id="rId24"/>
   </p:sldIdLst>
   <p:sldSz cx="9144000" cy="6858000" type="screen4x3"/>
   <p:notesSz cx="6858000" cy="9144000"/>
@@ -1092,6 +1094,13 @@
         </dgm:presLayoutVars>
       </dgm:prSet>
       <dgm:spPr/>
+      <dgm:t>
+        <a:bodyPr/>
+        <a:lstStyle/>
+        <a:p>
+          <a:endParaRPr lang="en-US"/>
+        </a:p>
+      </dgm:t>
     </dgm:pt>
     <dgm:pt modelId="{E61A5F98-4F6A-9342-A5A5-BA0FA34650C5}" type="pres">
       <dgm:prSet presAssocID="{FB913451-B1E8-2641-ABB6-EE3C1ED34C2E}" presName="FiveNodes_2" presStyleLbl="node1" presStyleIdx="1" presStyleCnt="5">
@@ -1100,6 +1109,13 @@
         </dgm:presLayoutVars>
       </dgm:prSet>
       <dgm:spPr/>
+      <dgm:t>
+        <a:bodyPr/>
+        <a:lstStyle/>
+        <a:p>
+          <a:endParaRPr lang="en-US"/>
+        </a:p>
+      </dgm:t>
     </dgm:pt>
     <dgm:pt modelId="{48DA5913-334E-CA4B-9870-7A68A90EBFB5}" type="pres">
       <dgm:prSet presAssocID="{FB913451-B1E8-2641-ABB6-EE3C1ED34C2E}" presName="FiveNodes_3" presStyleLbl="node1" presStyleIdx="2" presStyleCnt="5">
@@ -1108,6 +1124,13 @@
         </dgm:presLayoutVars>
       </dgm:prSet>
       <dgm:spPr/>
+      <dgm:t>
+        <a:bodyPr/>
+        <a:lstStyle/>
+        <a:p>
+          <a:endParaRPr lang="en-US"/>
+        </a:p>
+      </dgm:t>
     </dgm:pt>
     <dgm:pt modelId="{E6C388DA-1C1A-1E4C-AB8A-E13D5E79B5E1}" type="pres">
       <dgm:prSet presAssocID="{FB913451-B1E8-2641-ABB6-EE3C1ED34C2E}" presName="FiveNodes_4" presStyleLbl="node1" presStyleIdx="3" presStyleCnt="5">
@@ -1116,6 +1139,13 @@
         </dgm:presLayoutVars>
       </dgm:prSet>
       <dgm:spPr/>
+      <dgm:t>
+        <a:bodyPr/>
+        <a:lstStyle/>
+        <a:p>
+          <a:endParaRPr lang="en-US"/>
+        </a:p>
+      </dgm:t>
     </dgm:pt>
     <dgm:pt modelId="{1758CC10-C65E-1749-88AE-49E194B0EA51}" type="pres">
       <dgm:prSet presAssocID="{FB913451-B1E8-2641-ABB6-EE3C1ED34C2E}" presName="FiveNodes_5" presStyleLbl="node1" presStyleIdx="4" presStyleCnt="5">
@@ -1139,6 +1169,13 @@
         </dgm:presLayoutVars>
       </dgm:prSet>
       <dgm:spPr/>
+      <dgm:t>
+        <a:bodyPr/>
+        <a:lstStyle/>
+        <a:p>
+          <a:endParaRPr lang="en-US"/>
+        </a:p>
+      </dgm:t>
     </dgm:pt>
     <dgm:pt modelId="{D7981286-3DB2-8B4B-B783-CACB84A8D56C}" type="pres">
       <dgm:prSet presAssocID="{FB913451-B1E8-2641-ABB6-EE3C1ED34C2E}" presName="FiveConn_2-3" presStyleLbl="fgAccFollowNode1" presStyleIdx="1" presStyleCnt="4">
@@ -1147,6 +1184,13 @@
         </dgm:presLayoutVars>
       </dgm:prSet>
       <dgm:spPr/>
+      <dgm:t>
+        <a:bodyPr/>
+        <a:lstStyle/>
+        <a:p>
+          <a:endParaRPr lang="en-US"/>
+        </a:p>
+      </dgm:t>
     </dgm:pt>
     <dgm:pt modelId="{0207AB94-67C9-CF45-B6B1-0566007CDDF9}" type="pres">
       <dgm:prSet presAssocID="{FB913451-B1E8-2641-ABB6-EE3C1ED34C2E}" presName="FiveConn_3-4" presStyleLbl="fgAccFollowNode1" presStyleIdx="2" presStyleCnt="4">
@@ -1155,6 +1199,13 @@
         </dgm:presLayoutVars>
       </dgm:prSet>
       <dgm:spPr/>
+      <dgm:t>
+        <a:bodyPr/>
+        <a:lstStyle/>
+        <a:p>
+          <a:endParaRPr lang="en-US"/>
+        </a:p>
+      </dgm:t>
     </dgm:pt>
     <dgm:pt modelId="{58D6DC20-4534-7443-A68A-F13E6B9E0725}" type="pres">
       <dgm:prSet presAssocID="{FB913451-B1E8-2641-ABB6-EE3C1ED34C2E}" presName="FiveConn_4-5" presStyleLbl="fgAccFollowNode1" presStyleIdx="3" presStyleCnt="4">
@@ -1163,6 +1214,13 @@
         </dgm:presLayoutVars>
       </dgm:prSet>
       <dgm:spPr/>
+      <dgm:t>
+        <a:bodyPr/>
+        <a:lstStyle/>
+        <a:p>
+          <a:endParaRPr lang="en-US"/>
+        </a:p>
+      </dgm:t>
     </dgm:pt>
     <dgm:pt modelId="{5321F3D6-3B59-D94E-AEDA-1842A7E51BA9}" type="pres">
       <dgm:prSet presAssocID="{FB913451-B1E8-2641-ABB6-EE3C1ED34C2E}" presName="FiveNodes_1_text" presStyleLbl="node1" presStyleIdx="4" presStyleCnt="5">
@@ -1171,6 +1229,13 @@
         </dgm:presLayoutVars>
       </dgm:prSet>
       <dgm:spPr/>
+      <dgm:t>
+        <a:bodyPr/>
+        <a:lstStyle/>
+        <a:p>
+          <a:endParaRPr lang="en-US"/>
+        </a:p>
+      </dgm:t>
     </dgm:pt>
     <dgm:pt modelId="{AA1EC973-ECEF-4B4D-AAA2-47CB568752FB}" type="pres">
       <dgm:prSet presAssocID="{FB913451-B1E8-2641-ABB6-EE3C1ED34C2E}" presName="FiveNodes_2_text" presStyleLbl="node1" presStyleIdx="4" presStyleCnt="5">
@@ -1179,6 +1244,13 @@
         </dgm:presLayoutVars>
       </dgm:prSet>
       <dgm:spPr/>
+      <dgm:t>
+        <a:bodyPr/>
+        <a:lstStyle/>
+        <a:p>
+          <a:endParaRPr lang="en-US"/>
+        </a:p>
+      </dgm:t>
     </dgm:pt>
     <dgm:pt modelId="{3BE7316E-0BFE-CC4F-BAFF-4C390DCB993D}" type="pres">
       <dgm:prSet presAssocID="{FB913451-B1E8-2641-ABB6-EE3C1ED34C2E}" presName="FiveNodes_3_text" presStyleLbl="node1" presStyleIdx="4" presStyleCnt="5">
@@ -1187,6 +1259,13 @@
         </dgm:presLayoutVars>
       </dgm:prSet>
       <dgm:spPr/>
+      <dgm:t>
+        <a:bodyPr/>
+        <a:lstStyle/>
+        <a:p>
+          <a:endParaRPr lang="en-US"/>
+        </a:p>
+      </dgm:t>
     </dgm:pt>
     <dgm:pt modelId="{EBAFED58-F4D7-ED4D-A60A-27352A1E48F6}" type="pres">
       <dgm:prSet presAssocID="{FB913451-B1E8-2641-ABB6-EE3C1ED34C2E}" presName="FiveNodes_4_text" presStyleLbl="node1" presStyleIdx="4" presStyleCnt="5">
@@ -1195,6 +1274,13 @@
         </dgm:presLayoutVars>
       </dgm:prSet>
       <dgm:spPr/>
+      <dgm:t>
+        <a:bodyPr/>
+        <a:lstStyle/>
+        <a:p>
+          <a:endParaRPr lang="en-US"/>
+        </a:p>
+      </dgm:t>
     </dgm:pt>
     <dgm:pt modelId="{6F0B94C6-9100-0947-A96E-74F668981300}" type="pres">
       <dgm:prSet presAssocID="{FB913451-B1E8-2641-ABB6-EE3C1ED34C2E}" presName="FiveNodes_5_text" presStyleLbl="node1" presStyleIdx="4" presStyleCnt="5">
@@ -1213,26 +1299,26 @@
     </dgm:pt>
   </dgm:ptLst>
   <dgm:cxnLst>
+    <dgm:cxn modelId="{B4972DF1-88F6-124A-BB5E-2E2CA397AC0A}" type="presOf" srcId="{8B34DAD7-6326-C840-8864-788DAEEB78CF}" destId="{48DA5913-334E-CA4B-9870-7A68A90EBFB5}" srcOrd="0" destOrd="0" presId="urn:microsoft.com/office/officeart/2005/8/layout/vProcess5"/>
+    <dgm:cxn modelId="{AEB30380-B5FC-274D-BB0F-FFB187F5D182}" type="presOf" srcId="{EA77BF64-F098-DB4E-9F2E-CA9FBF461FF0}" destId="{86CF0FF6-C8EA-C84F-9FEE-FE9C06FCC2CD}" srcOrd="0" destOrd="0" presId="urn:microsoft.com/office/officeart/2005/8/layout/vProcess5"/>
+    <dgm:cxn modelId="{D9A4D359-BB3B-DA4C-B163-71EEFCEBE25B}" srcId="{FB913451-B1E8-2641-ABB6-EE3C1ED34C2E}" destId="{8B34DAD7-6326-C840-8864-788DAEEB78CF}" srcOrd="2" destOrd="0" parTransId="{0B4BBF93-AD00-5B4F-93C4-23D1C22A22BE}" sibTransId="{10A58A6D-1A47-184A-92AF-759797211E54}"/>
+    <dgm:cxn modelId="{8827FB44-D43D-4149-B970-FC709FB74D1D}" type="presOf" srcId="{10A58A6D-1A47-184A-92AF-759797211E54}" destId="{0207AB94-67C9-CF45-B6B1-0566007CDDF9}" srcOrd="0" destOrd="0" presId="urn:microsoft.com/office/officeart/2005/8/layout/vProcess5"/>
+    <dgm:cxn modelId="{0B128E0B-D57F-B149-8F7D-3344A625D8CD}" srcId="{FB913451-B1E8-2641-ABB6-EE3C1ED34C2E}" destId="{3566EE3F-7557-D848-AC81-EF650E440295}" srcOrd="1" destOrd="0" parTransId="{F1B5E429-46F0-4E4F-9DFA-CBDEA47D0076}" sibTransId="{1572CDD4-FFA7-4E4E-8DE1-625BEC7FF5FA}"/>
+    <dgm:cxn modelId="{DB94D2D8-9403-534F-BD94-5DAC205DDB0E}" type="presOf" srcId="{1572CDD4-FFA7-4E4E-8DE1-625BEC7FF5FA}" destId="{D7981286-3DB2-8B4B-B783-CACB84A8D56C}" srcOrd="0" destOrd="0" presId="urn:microsoft.com/office/officeart/2005/8/layout/vProcess5"/>
+    <dgm:cxn modelId="{262F3596-3F7C-B747-8644-06D12E7C63FF}" type="presOf" srcId="{AD6195B0-36A9-9240-9AAA-D113BB947F3E}" destId="{EBAFED58-F4D7-ED4D-A60A-27352A1E48F6}" srcOrd="1" destOrd="0" presId="urn:microsoft.com/office/officeart/2005/8/layout/vProcess5"/>
+    <dgm:cxn modelId="{362BE403-6429-B342-9E6E-F136B1448235}" type="presOf" srcId="{B913D54F-37D9-904C-88B7-C90DC940972A}" destId="{6F0B94C6-9100-0947-A96E-74F668981300}" srcOrd="1" destOrd="0" presId="urn:microsoft.com/office/officeart/2005/8/layout/vProcess5"/>
+    <dgm:cxn modelId="{B13ADE37-12D3-124E-BB47-F714BED816C2}" type="presOf" srcId="{01FF0FC8-9365-544E-83A8-2B8A4296709F}" destId="{5321F3D6-3B59-D94E-AEDA-1842A7E51BA9}" srcOrd="1" destOrd="0" presId="urn:microsoft.com/office/officeart/2005/8/layout/vProcess5"/>
+    <dgm:cxn modelId="{79859F2A-52FA-1F42-9472-CF1B4647EFA9}" srcId="{FB913451-B1E8-2641-ABB6-EE3C1ED34C2E}" destId="{AD6195B0-36A9-9240-9AAA-D113BB947F3E}" srcOrd="3" destOrd="0" parTransId="{8833751A-F881-CF43-8866-EDBD866091F0}" sibTransId="{7DC2B3BA-D054-C640-9853-7B8AF6366C62}"/>
+    <dgm:cxn modelId="{0F5C3765-BDC2-BB42-973F-7D74BA79FD74}" type="presOf" srcId="{3566EE3F-7557-D848-AC81-EF650E440295}" destId="{E61A5F98-4F6A-9342-A5A5-BA0FA34650C5}" srcOrd="0" destOrd="0" presId="urn:microsoft.com/office/officeart/2005/8/layout/vProcess5"/>
+    <dgm:cxn modelId="{41109FF5-3871-5049-BC13-50DEAAE93AFF}" type="presOf" srcId="{3566EE3F-7557-D848-AC81-EF650E440295}" destId="{AA1EC973-ECEF-4B4D-AAA2-47CB568752FB}" srcOrd="1" destOrd="0" presId="urn:microsoft.com/office/officeart/2005/8/layout/vProcess5"/>
+    <dgm:cxn modelId="{B40E6AA8-48EF-D345-B385-FBBF1EB993EC}" type="presOf" srcId="{01FF0FC8-9365-544E-83A8-2B8A4296709F}" destId="{3A1DBF47-F1A7-EF49-9FAF-D23E54275DD7}" srcOrd="0" destOrd="0" presId="urn:microsoft.com/office/officeart/2005/8/layout/vProcess5"/>
+    <dgm:cxn modelId="{34ACA634-84C4-DE4D-8F0C-7A8C279DE9C1}" srcId="{FB913451-B1E8-2641-ABB6-EE3C1ED34C2E}" destId="{01FF0FC8-9365-544E-83A8-2B8A4296709F}" srcOrd="0" destOrd="0" parTransId="{25F165DC-199B-3D46-B9FB-80498D34DB9C}" sibTransId="{EA77BF64-F098-DB4E-9F2E-CA9FBF461FF0}"/>
+    <dgm:cxn modelId="{417BF1CA-BD2D-DD4C-ADF0-20130353B89E}" type="presOf" srcId="{8B34DAD7-6326-C840-8864-788DAEEB78CF}" destId="{3BE7316E-0BFE-CC4F-BAFF-4C390DCB993D}" srcOrd="1" destOrd="0" presId="urn:microsoft.com/office/officeart/2005/8/layout/vProcess5"/>
+    <dgm:cxn modelId="{BD678D81-1370-F544-99D8-5556C317D01C}" srcId="{FB913451-B1E8-2641-ABB6-EE3C1ED34C2E}" destId="{B913D54F-37D9-904C-88B7-C90DC940972A}" srcOrd="4" destOrd="0" parTransId="{273E5C13-0920-C146-82D7-D813F47765CB}" sibTransId="{32B502B0-DE64-6247-9874-215A8694606D}"/>
     <dgm:cxn modelId="{86753C20-E596-E549-8F18-5427CF5BFED1}" type="presOf" srcId="{FB913451-B1E8-2641-ABB6-EE3C1ED34C2E}" destId="{CD6B2F4A-D89D-034F-9EC3-2F8E125E7B6F}" srcOrd="0" destOrd="0" presId="urn:microsoft.com/office/officeart/2005/8/layout/vProcess5"/>
-    <dgm:cxn modelId="{AEB30380-B5FC-274D-BB0F-FFB187F5D182}" type="presOf" srcId="{EA77BF64-F098-DB4E-9F2E-CA9FBF461FF0}" destId="{86CF0FF6-C8EA-C84F-9FEE-FE9C06FCC2CD}" srcOrd="0" destOrd="0" presId="urn:microsoft.com/office/officeart/2005/8/layout/vProcess5"/>
-    <dgm:cxn modelId="{79859F2A-52FA-1F42-9472-CF1B4647EFA9}" srcId="{FB913451-B1E8-2641-ABB6-EE3C1ED34C2E}" destId="{AD6195B0-36A9-9240-9AAA-D113BB947F3E}" srcOrd="3" destOrd="0" parTransId="{8833751A-F881-CF43-8866-EDBD866091F0}" sibTransId="{7DC2B3BA-D054-C640-9853-7B8AF6366C62}"/>
-    <dgm:cxn modelId="{0B128E0B-D57F-B149-8F7D-3344A625D8CD}" srcId="{FB913451-B1E8-2641-ABB6-EE3C1ED34C2E}" destId="{3566EE3F-7557-D848-AC81-EF650E440295}" srcOrd="1" destOrd="0" parTransId="{F1B5E429-46F0-4E4F-9DFA-CBDEA47D0076}" sibTransId="{1572CDD4-FFA7-4E4E-8DE1-625BEC7FF5FA}"/>
-    <dgm:cxn modelId="{B13ADE37-12D3-124E-BB47-F714BED816C2}" type="presOf" srcId="{01FF0FC8-9365-544E-83A8-2B8A4296709F}" destId="{5321F3D6-3B59-D94E-AEDA-1842A7E51BA9}" srcOrd="1" destOrd="0" presId="urn:microsoft.com/office/officeart/2005/8/layout/vProcess5"/>
-    <dgm:cxn modelId="{41109FF5-3871-5049-BC13-50DEAAE93AFF}" type="presOf" srcId="{3566EE3F-7557-D848-AC81-EF650E440295}" destId="{AA1EC973-ECEF-4B4D-AAA2-47CB568752FB}" srcOrd="1" destOrd="0" presId="urn:microsoft.com/office/officeart/2005/8/layout/vProcess5"/>
-    <dgm:cxn modelId="{D9A4D359-BB3B-DA4C-B163-71EEFCEBE25B}" srcId="{FB913451-B1E8-2641-ABB6-EE3C1ED34C2E}" destId="{8B34DAD7-6326-C840-8864-788DAEEB78CF}" srcOrd="2" destOrd="0" parTransId="{0B4BBF93-AD00-5B4F-93C4-23D1C22A22BE}" sibTransId="{10A58A6D-1A47-184A-92AF-759797211E54}"/>
-    <dgm:cxn modelId="{BD678D81-1370-F544-99D8-5556C317D01C}" srcId="{FB913451-B1E8-2641-ABB6-EE3C1ED34C2E}" destId="{B913D54F-37D9-904C-88B7-C90DC940972A}" srcOrd="4" destOrd="0" parTransId="{273E5C13-0920-C146-82D7-D813F47765CB}" sibTransId="{32B502B0-DE64-6247-9874-215A8694606D}"/>
-    <dgm:cxn modelId="{8827FB44-D43D-4149-B970-FC709FB74D1D}" type="presOf" srcId="{10A58A6D-1A47-184A-92AF-759797211E54}" destId="{0207AB94-67C9-CF45-B6B1-0566007CDDF9}" srcOrd="0" destOrd="0" presId="urn:microsoft.com/office/officeart/2005/8/layout/vProcess5"/>
-    <dgm:cxn modelId="{34ACA634-84C4-DE4D-8F0C-7A8C279DE9C1}" srcId="{FB913451-B1E8-2641-ABB6-EE3C1ED34C2E}" destId="{01FF0FC8-9365-544E-83A8-2B8A4296709F}" srcOrd="0" destOrd="0" parTransId="{25F165DC-199B-3D46-B9FB-80498D34DB9C}" sibTransId="{EA77BF64-F098-DB4E-9F2E-CA9FBF461FF0}"/>
+    <dgm:cxn modelId="{C65BFAD3-3328-334D-ABF7-2A78DDBC0717}" type="presOf" srcId="{B913D54F-37D9-904C-88B7-C90DC940972A}" destId="{1758CC10-C65E-1749-88AE-49E194B0EA51}" srcOrd="0" destOrd="0" presId="urn:microsoft.com/office/officeart/2005/8/layout/vProcess5"/>
+    <dgm:cxn modelId="{C288D1AF-A63D-8445-9FA4-C0FAC2E990D9}" type="presOf" srcId="{AD6195B0-36A9-9240-9AAA-D113BB947F3E}" destId="{E6C388DA-1C1A-1E4C-AB8A-E13D5E79B5E1}" srcOrd="0" destOrd="0" presId="urn:microsoft.com/office/officeart/2005/8/layout/vProcess5"/>
     <dgm:cxn modelId="{184CF2F2-4919-F947-8E4E-B91730628B53}" type="presOf" srcId="{7DC2B3BA-D054-C640-9853-7B8AF6366C62}" destId="{58D6DC20-4534-7443-A68A-F13E6B9E0725}" srcOrd="0" destOrd="0" presId="urn:microsoft.com/office/officeart/2005/8/layout/vProcess5"/>
-    <dgm:cxn modelId="{DB94D2D8-9403-534F-BD94-5DAC205DDB0E}" type="presOf" srcId="{1572CDD4-FFA7-4E4E-8DE1-625BEC7FF5FA}" destId="{D7981286-3DB2-8B4B-B783-CACB84A8D56C}" srcOrd="0" destOrd="0" presId="urn:microsoft.com/office/officeart/2005/8/layout/vProcess5"/>
-    <dgm:cxn modelId="{C288D1AF-A63D-8445-9FA4-C0FAC2E990D9}" type="presOf" srcId="{AD6195B0-36A9-9240-9AAA-D113BB947F3E}" destId="{E6C388DA-1C1A-1E4C-AB8A-E13D5E79B5E1}" srcOrd="0" destOrd="0" presId="urn:microsoft.com/office/officeart/2005/8/layout/vProcess5"/>
-    <dgm:cxn modelId="{C65BFAD3-3328-334D-ABF7-2A78DDBC0717}" type="presOf" srcId="{B913D54F-37D9-904C-88B7-C90DC940972A}" destId="{1758CC10-C65E-1749-88AE-49E194B0EA51}" srcOrd="0" destOrd="0" presId="urn:microsoft.com/office/officeart/2005/8/layout/vProcess5"/>
-    <dgm:cxn modelId="{262F3596-3F7C-B747-8644-06D12E7C63FF}" type="presOf" srcId="{AD6195B0-36A9-9240-9AAA-D113BB947F3E}" destId="{EBAFED58-F4D7-ED4D-A60A-27352A1E48F6}" srcOrd="1" destOrd="0" presId="urn:microsoft.com/office/officeart/2005/8/layout/vProcess5"/>
-    <dgm:cxn modelId="{0F5C3765-BDC2-BB42-973F-7D74BA79FD74}" type="presOf" srcId="{3566EE3F-7557-D848-AC81-EF650E440295}" destId="{E61A5F98-4F6A-9342-A5A5-BA0FA34650C5}" srcOrd="0" destOrd="0" presId="urn:microsoft.com/office/officeart/2005/8/layout/vProcess5"/>
-    <dgm:cxn modelId="{362BE403-6429-B342-9E6E-F136B1448235}" type="presOf" srcId="{B913D54F-37D9-904C-88B7-C90DC940972A}" destId="{6F0B94C6-9100-0947-A96E-74F668981300}" srcOrd="1" destOrd="0" presId="urn:microsoft.com/office/officeart/2005/8/layout/vProcess5"/>
-    <dgm:cxn modelId="{B4972DF1-88F6-124A-BB5E-2E2CA397AC0A}" type="presOf" srcId="{8B34DAD7-6326-C840-8864-788DAEEB78CF}" destId="{48DA5913-334E-CA4B-9870-7A68A90EBFB5}" srcOrd="0" destOrd="0" presId="urn:microsoft.com/office/officeart/2005/8/layout/vProcess5"/>
-    <dgm:cxn modelId="{417BF1CA-BD2D-DD4C-ADF0-20130353B89E}" type="presOf" srcId="{8B34DAD7-6326-C840-8864-788DAEEB78CF}" destId="{3BE7316E-0BFE-CC4F-BAFF-4C390DCB993D}" srcOrd="1" destOrd="0" presId="urn:microsoft.com/office/officeart/2005/8/layout/vProcess5"/>
-    <dgm:cxn modelId="{B40E6AA8-48EF-D345-B385-FBBF1EB993EC}" type="presOf" srcId="{01FF0FC8-9365-544E-83A8-2B8A4296709F}" destId="{3A1DBF47-F1A7-EF49-9FAF-D23E54275DD7}" srcOrd="0" destOrd="0" presId="urn:microsoft.com/office/officeart/2005/8/layout/vProcess5"/>
     <dgm:cxn modelId="{9B108011-46CA-EE48-AFB7-6FCBC5D2E3B6}" type="presParOf" srcId="{CD6B2F4A-D89D-034F-9EC3-2F8E125E7B6F}" destId="{72BBFC3C-771B-7D40-961A-DB25AE58B863}" srcOrd="0" destOrd="0" presId="urn:microsoft.com/office/officeart/2005/8/layout/vProcess5"/>
     <dgm:cxn modelId="{BC775E58-7A85-6642-9C45-4DC12E91B5F0}" type="presParOf" srcId="{CD6B2F4A-D89D-034F-9EC3-2F8E125E7B6F}" destId="{3A1DBF47-F1A7-EF49-9FAF-D23E54275DD7}" srcOrd="1" destOrd="0" presId="urn:microsoft.com/office/officeart/2005/8/layout/vProcess5"/>
     <dgm:cxn modelId="{EBE36565-0193-6441-A58A-57699A1CA393}" type="presParOf" srcId="{CD6B2F4A-D89D-034F-9EC3-2F8E125E7B6F}" destId="{E61A5F98-4F6A-9342-A5A5-BA0FA34650C5}" srcOrd="2" destOrd="0" presId="urn:microsoft.com/office/officeart/2005/8/layout/vProcess5"/>
@@ -4406,7 +4492,7 @@
             <a:fld id="{8ED46FEE-763F-49F0-84EF-8E4053EA1883}" type="datetimeFigureOut">
               <a:rPr lang="en-US" smtClean="0"/>
               <a:pPr/>
-              <a:t>12/12/12</a:t>
+              <a:t>12/13/12</a:t>
             </a:fld>
             <a:endParaRPr lang="en-US"/>
           </a:p>
@@ -8131,6 +8217,36 @@
       </p:sp>
       <p:sp>
         <p:nvSpPr>
+          <p:cNvPr id="5" name="Content Placeholder 4"/>
+          <p:cNvSpPr>
+            <a:spLocks noGrp="1"/>
+          </p:cNvSpPr>
+          <p:nvPr>
+            <p:ph idx="1"/>
+          </p:nvPr>
+        </p:nvSpPr>
+        <p:spPr>
+          <a:xfrm>
+            <a:off x="228600" y="914400"/>
+            <a:ext cx="8561387" cy="533400"/>
+          </a:xfrm>
+        </p:spPr>
+        <p:txBody>
+          <a:bodyPr/>
+          <a:lstStyle/>
+          <a:p>
+            <a:r>
+              <a:rPr lang="en-US" dirty="0"/>
+              <a:t>Intuition:</a:t>
+            </a:r>
+          </a:p>
+          <a:p>
+            <a:endParaRPr lang="en-US" dirty="0"/>
+          </a:p>
+        </p:txBody>
+      </p:sp>
+      <p:sp>
+        <p:nvSpPr>
           <p:cNvPr id="42" name="TextBox 41"/>
           <p:cNvSpPr txBox="1"/>
           <p:nvPr/>
@@ -8163,7 +8279,7 @@
         </p:nvGrpSpPr>
         <p:grpSpPr>
           <a:xfrm>
-            <a:off x="76200" y="914400"/>
+            <a:off x="152400" y="1371600"/>
             <a:ext cx="4191000" cy="1663988"/>
             <a:chOff x="76200" y="914400"/>
             <a:chExt cx="4191000" cy="1663988"/>
@@ -10325,8 +10441,8 @@
         </p:nvSpPr>
         <p:spPr bwMode="auto">
           <a:xfrm>
-            <a:off x="3048000" y="2590800"/>
-            <a:ext cx="1143000" cy="1447800"/>
+            <a:off x="3733800" y="3048000"/>
+            <a:ext cx="838200" cy="1066800"/>
           </a:xfrm>
           <a:prstGeom prst="curvedRightArrow">
             <a:avLst/>
@@ -10398,7 +10514,7 @@
         </p:nvSpPr>
         <p:spPr>
           <a:xfrm>
-            <a:off x="228600" y="2971800"/>
+            <a:off x="304800" y="3200400"/>
             <a:ext cx="2667000" cy="338554"/>
           </a:xfrm>
           <a:prstGeom prst="rect">
@@ -10428,8 +10544,8 @@
         </p:nvSpPr>
         <p:spPr bwMode="auto">
           <a:xfrm>
-            <a:off x="4648200" y="4800600"/>
-            <a:ext cx="1524000" cy="1295400"/>
+            <a:off x="5257800" y="4876800"/>
+            <a:ext cx="1066800" cy="838200"/>
           </a:xfrm>
           <a:prstGeom prst="curvedLeftArrow">
             <a:avLst/>
@@ -10501,7 +10617,7 @@
         </p:nvSpPr>
         <p:spPr>
           <a:xfrm>
-            <a:off x="2743200" y="1676400"/>
+            <a:off x="2438400" y="2057400"/>
             <a:ext cx="457200" cy="292388"/>
           </a:xfrm>
           <a:prstGeom prst="rect">
@@ -10531,7 +10647,7 @@
         </p:nvSpPr>
         <p:spPr>
           <a:xfrm>
-            <a:off x="1143000" y="1600200"/>
+            <a:off x="1219200" y="2057400"/>
             <a:ext cx="457200" cy="292388"/>
           </a:xfrm>
           <a:prstGeom prst="rect">
@@ -10621,7 +10737,7 @@
         </p:nvGrpSpPr>
         <p:grpSpPr>
           <a:xfrm>
-            <a:off x="609600" y="4114800"/>
+            <a:off x="609600" y="4495800"/>
             <a:ext cx="4191000" cy="1663988"/>
             <a:chOff x="304800" y="4419600"/>
             <a:chExt cx="4191000" cy="1663988"/>
@@ -11761,7 +11877,7 @@
         </p:nvSpPr>
         <p:spPr bwMode="auto">
           <a:xfrm>
-            <a:off x="533400" y="4114800"/>
+            <a:off x="609600" y="4572000"/>
             <a:ext cx="2133600" cy="1752600"/>
           </a:xfrm>
           <a:prstGeom prst="ellipse">
@@ -11844,7 +11960,7 @@
         </p:nvSpPr>
         <p:spPr bwMode="auto">
           <a:xfrm>
-            <a:off x="2743200" y="4191000"/>
+            <a:off x="2743200" y="4648200"/>
             <a:ext cx="2133600" cy="1752600"/>
           </a:xfrm>
           <a:prstGeom prst="ellipse">
@@ -12014,7 +12130,11 @@
           <a:p>
             <a:r>
               <a:rPr lang="en-US" dirty="0" smtClean="0"/>
-              <a:t> Does sampling cause high rate of loss in mobility paths?</a:t>
+              <a:t>Does </a:t>
+            </a:r>
+            <a:r>
+              <a:rPr lang="en-US" dirty="0" smtClean="0"/>
+              <a:t>sampling cause high rate of loss in mobility paths?</a:t>
             </a:r>
           </a:p>
           <a:p>
@@ -12097,20 +12217,47 @@
             <p:ph idx="1"/>
           </p:nvPr>
         </p:nvSpPr>
-        <p:spPr/>
+        <p:spPr>
+          <a:xfrm>
+            <a:off x="152400" y="838200"/>
+            <a:ext cx="8856662" cy="5638800"/>
+          </a:xfrm>
+        </p:spPr>
         <p:txBody>
           <a:bodyPr/>
           <a:lstStyle/>
           <a:p>
             <a:r>
               <a:rPr lang="en-US" dirty="0" smtClean="0"/>
-              <a:t>Comparing the effect of sampling on Reality Mining dataset</a:t>
-            </a:r>
-          </a:p>
-          <a:p>
+              <a:t>Sampling Effect:</a:t>
+            </a:r>
+          </a:p>
+          <a:p>
+            <a:pPr lvl="1"/>
+            <a:r>
+              <a:rPr lang="en-US" dirty="0" smtClean="0"/>
+              <a:t>Comparing </a:t>
+            </a:r>
+            <a:r>
+              <a:rPr lang="en-US" dirty="0" smtClean="0"/>
+              <a:t>the effect of sampling on Reality Mining dataset</a:t>
+            </a:r>
+          </a:p>
+          <a:p>
+            <a:r>
+              <a:rPr lang="en-US" dirty="0" smtClean="0"/>
+              <a:t>Metric Measurements:</a:t>
+            </a:r>
+          </a:p>
+          <a:p>
+            <a:pPr lvl="1"/>
+            <a:r>
+              <a:rPr lang="en-US" dirty="0" smtClean="0"/>
+              <a:t>Comparing </a:t>
+            </a:r>
             <a:r>
               <a:rPr lang="en-US" dirty="0"/>
-              <a:t>Comparing the results of the clustering </a:t>
+              <a:t>the results of the clustering </a:t>
             </a:r>
             <a:r>
               <a:rPr lang="en-US" dirty="0" smtClean="0"/>
@@ -12118,14 +12265,14 @@
             </a:r>
           </a:p>
           <a:p>
-            <a:pPr lvl="1"/>
+            <a:pPr lvl="2"/>
             <a:r>
               <a:rPr lang="en-US" dirty="0" smtClean="0"/>
               <a:t>Cluster Distance</a:t>
             </a:r>
           </a:p>
           <a:p>
-            <a:pPr lvl="1"/>
+            <a:pPr lvl="2"/>
             <a:r>
               <a:rPr lang="en-US" dirty="0" smtClean="0"/>
               <a:t>Cluster Incompleteness</a:t>
@@ -12134,11 +12281,22 @@
           <a:p>
             <a:r>
               <a:rPr lang="en-US" dirty="0" smtClean="0"/>
-              <a:t>Validating cluster characteristic using GPS data sets:</a:t>
+              <a:t>Cross Validation:</a:t>
             </a:r>
           </a:p>
           <a:p>
             <a:pPr lvl="1"/>
+            <a:r>
+              <a:rPr lang="en-US" dirty="0" smtClean="0"/>
+              <a:t>Validating </a:t>
+            </a:r>
+            <a:r>
+              <a:rPr lang="en-US" dirty="0" smtClean="0"/>
+              <a:t>cluster characteristic using GPS data sets:</a:t>
+            </a:r>
+          </a:p>
+          <a:p>
+            <a:pPr lvl="2"/>
             <a:r>
               <a:rPr lang="en-US" dirty="0" err="1" smtClean="0"/>
               <a:t>OpenCelld</a:t>
@@ -12146,7 +12304,7 @@
             <a:endParaRPr lang="en-US" dirty="0" smtClean="0"/>
           </a:p>
           <a:p>
-            <a:pPr lvl="1"/>
+            <a:pPr lvl="2"/>
             <a:r>
               <a:rPr lang="en-US" dirty="0" err="1" smtClean="0"/>
               <a:t>OpenBMap</a:t>
@@ -12182,6 +12340,175 @@
 </file>
 
 <file path=ppt/slides/slide13.xml><?xml version="1.0" encoding="utf-8"?>
+<p:sld xmlns:a="http://schemas.openxmlformats.org/drawingml/2006/main" xmlns:r="http://schemas.openxmlformats.org/officeDocument/2006/relationships" xmlns:p="http://schemas.openxmlformats.org/presentationml/2006/main">
+  <p:cSld>
+    <p:spTree>
+      <p:nvGrpSpPr>
+        <p:cNvPr id="1" name=""/>
+        <p:cNvGrpSpPr/>
+        <p:nvPr/>
+      </p:nvGrpSpPr>
+      <p:grpSpPr>
+        <a:xfrm>
+          <a:off x="0" y="0"/>
+          <a:ext cx="0" cy="0"/>
+          <a:chOff x="0" y="0"/>
+          <a:chExt cx="0" cy="0"/>
+        </a:xfrm>
+      </p:grpSpPr>
+      <p:sp>
+        <p:nvSpPr>
+          <p:cNvPr id="2" name="Title 1"/>
+          <p:cNvSpPr>
+            <a:spLocks noGrp="1"/>
+          </p:cNvSpPr>
+          <p:nvPr>
+            <p:ph type="title"/>
+          </p:nvPr>
+        </p:nvSpPr>
+        <p:spPr>
+          <a:xfrm>
+            <a:off x="256874" y="76200"/>
+            <a:ext cx="8562466" cy="695214"/>
+          </a:xfrm>
+        </p:spPr>
+        <p:txBody>
+          <a:bodyPr/>
+          <a:lstStyle/>
+          <a:p>
+            <a:pPr lvl="0"/>
+            <a:r>
+              <a:rPr lang="en-US" dirty="0" smtClean="0"/>
+              <a:t>Clustering: </a:t>
+            </a:r>
+            <a:r>
+              <a:rPr lang="en-US" dirty="0"/>
+              <a:t>Sampling Effect</a:t>
+            </a:r>
+            <a:r>
+              <a:rPr lang="en-US" dirty="0" smtClean="0"/>
+              <a:t> (1)</a:t>
+            </a:r>
+            <a:endParaRPr lang="en-US" dirty="0"/>
+          </a:p>
+        </p:txBody>
+      </p:sp>
+      <p:sp>
+        <p:nvSpPr>
+          <p:cNvPr id="3" name="Content Placeholder 2"/>
+          <p:cNvSpPr>
+            <a:spLocks noGrp="1"/>
+          </p:cNvSpPr>
+          <p:nvPr>
+            <p:ph idx="1"/>
+          </p:nvPr>
+        </p:nvSpPr>
+        <p:spPr/>
+        <p:txBody>
+          <a:bodyPr/>
+          <a:lstStyle/>
+          <a:p>
+            <a:r>
+              <a:rPr lang="en-US" dirty="0"/>
+              <a:t>Reality Mining dataset logs every cell </a:t>
+            </a:r>
+            <a:r>
+              <a:rPr lang="en-US" dirty="0" smtClean="0"/>
+              <a:t>transition</a:t>
+            </a:r>
+          </a:p>
+          <a:p>
+            <a:pPr lvl="1"/>
+            <a:r>
+              <a:rPr lang="en-US" dirty="0" smtClean="0"/>
+              <a:t> We have many soft handovers in one minutes.</a:t>
+            </a:r>
+          </a:p>
+          <a:p>
+            <a:pPr lvl="2"/>
+            <a:r>
+              <a:rPr lang="en-US" dirty="0" smtClean="0"/>
+              <a:t>Question: Do we really need such precision?</a:t>
+            </a:r>
+          </a:p>
+          <a:p>
+            <a:pPr lvl="1"/>
+            <a:endParaRPr lang="en-US" dirty="0"/>
+          </a:p>
+          <a:p>
+            <a:r>
+              <a:rPr lang="en-US" dirty="0" smtClean="0"/>
+              <a:t>Nokia Mobile Data Challenge the </a:t>
+            </a:r>
+            <a:r>
+              <a:rPr lang="en-US" dirty="0"/>
+              <a:t>active cell tower connection </a:t>
+            </a:r>
+            <a:r>
+              <a:rPr lang="en-US" dirty="0" smtClean="0"/>
+              <a:t>is sampled every minute.</a:t>
+            </a:r>
+          </a:p>
+          <a:p>
+            <a:pPr lvl="1"/>
+            <a:r>
+              <a:rPr lang="en-US" dirty="0" smtClean="0"/>
+              <a:t>We lose many hard handovers in one minutes.</a:t>
+            </a:r>
+          </a:p>
+          <a:p>
+            <a:pPr lvl="1"/>
+            <a:r>
+              <a:rPr lang="en-US" dirty="0" smtClean="0"/>
+              <a:t>Question: Are we really ignoring many </a:t>
+            </a:r>
+            <a:r>
+              <a:rPr lang="en-US" dirty="0" err="1" smtClean="0"/>
+              <a:t>mobilities</a:t>
+            </a:r>
+            <a:r>
+              <a:rPr lang="en-US" dirty="0" smtClean="0"/>
+              <a:t>?</a:t>
+            </a:r>
+          </a:p>
+          <a:p>
+            <a:pPr marL="457200" lvl="1" indent="0">
+              <a:buNone/>
+            </a:pPr>
+            <a:endParaRPr lang="en-US" dirty="0"/>
+          </a:p>
+          <a:p>
+            <a:endParaRPr lang="en-US" dirty="0"/>
+          </a:p>
+          <a:p>
+            <a:endParaRPr lang="en-US" dirty="0"/>
+          </a:p>
+          <a:p>
+            <a:endParaRPr lang="en-US" dirty="0"/>
+          </a:p>
+        </p:txBody>
+      </p:sp>
+    </p:spTree>
+    <p:extLst>
+      <p:ext uri="{BB962C8B-B14F-4D97-AF65-F5344CB8AC3E}">
+        <p14:creationId xmlns:p14="http://schemas.microsoft.com/office/powerpoint/2010/main" val="896640915"/>
+      </p:ext>
+    </p:extLst>
+  </p:cSld>
+  <p:clrMapOvr>
+    <a:masterClrMapping/>
+  </p:clrMapOvr>
+  <p:timing>
+    <p:tnLst>
+      <p:par>
+        <p:cTn xmlns:p14="http://schemas.microsoft.com/office/powerpoint/2010/main" id="1" dur="indefinite" restart="never" nodeType="tmRoot"/>
+      </p:par>
+    </p:tnLst>
+  </p:timing>
+</p:sld>
+</file>
+
+<file path=ppt/slides/slide14.xml><?xml version="1.0" encoding="utf-8"?>
 <p:sld xmlns:a="http://schemas.openxmlformats.org/drawingml/2006/main" xmlns:r="http://schemas.openxmlformats.org/officeDocument/2006/relationships" xmlns:p="http://schemas.openxmlformats.org/presentationml/2006/main">
   <p:cSld>
     <p:spTree>
@@ -12344,163 +12671,6 @@
     <p:extLst>
       <p:ext uri="{BB962C8B-B14F-4D97-AF65-F5344CB8AC3E}">
         <p14:creationId xmlns:p14="http://schemas.microsoft.com/office/powerpoint/2010/main" val="2331442092"/>
-      </p:ext>
-    </p:extLst>
-  </p:cSld>
-  <p:clrMapOvr>
-    <a:masterClrMapping/>
-  </p:clrMapOvr>
-  <p:timing>
-    <p:tnLst>
-      <p:par>
-        <p:cTn xmlns:p14="http://schemas.microsoft.com/office/powerpoint/2010/main" id="1" dur="indefinite" restart="never" nodeType="tmRoot"/>
-      </p:par>
-    </p:tnLst>
-  </p:timing>
-</p:sld>
-</file>
-
-<file path=ppt/slides/slide14.xml><?xml version="1.0" encoding="utf-8"?>
-<p:sld xmlns:a="http://schemas.openxmlformats.org/drawingml/2006/main" xmlns:r="http://schemas.openxmlformats.org/officeDocument/2006/relationships" xmlns:p="http://schemas.openxmlformats.org/presentationml/2006/main">
-  <p:cSld>
-    <p:spTree>
-      <p:nvGrpSpPr>
-        <p:cNvPr id="1" name=""/>
-        <p:cNvGrpSpPr/>
-        <p:nvPr/>
-      </p:nvGrpSpPr>
-      <p:grpSpPr>
-        <a:xfrm>
-          <a:off x="0" y="0"/>
-          <a:ext cx="0" cy="0"/>
-          <a:chOff x="0" y="0"/>
-          <a:chExt cx="0" cy="0"/>
-        </a:xfrm>
-      </p:grpSpPr>
-      <p:sp>
-        <p:nvSpPr>
-          <p:cNvPr id="2" name="Title 1"/>
-          <p:cNvSpPr>
-            <a:spLocks noGrp="1"/>
-          </p:cNvSpPr>
-          <p:nvPr>
-            <p:ph type="title"/>
-          </p:nvPr>
-        </p:nvSpPr>
-        <p:spPr>
-          <a:xfrm>
-            <a:off x="256874" y="457200"/>
-            <a:ext cx="8562466" cy="314214"/>
-          </a:xfrm>
-        </p:spPr>
-        <p:txBody>
-          <a:bodyPr/>
-          <a:lstStyle/>
-          <a:p>
-            <a:pPr lvl="0"/>
-            <a:r>
-              <a:rPr lang="en-US" dirty="0" smtClean="0"/>
-              <a:t>Clustering: Ratio</a:t>
-            </a:r>
-            <a:r>
-              <a:rPr lang="en-US" dirty="0"/>
-              <a:t>	</a:t>
-            </a:r>
-            <a:br>
-              <a:rPr lang="en-US" dirty="0"/>
-            </a:br>
-            <a:endParaRPr lang="en-US" dirty="0"/>
-          </a:p>
-        </p:txBody>
-      </p:sp>
-      <p:sp>
-        <p:nvSpPr>
-          <p:cNvPr id="3" name="Content Placeholder 2"/>
-          <p:cNvSpPr>
-            <a:spLocks noGrp="1"/>
-          </p:cNvSpPr>
-          <p:nvPr>
-            <p:ph idx="1"/>
-          </p:nvPr>
-        </p:nvSpPr>
-        <p:spPr>
-          <a:xfrm>
-            <a:off x="125413" y="990600"/>
-            <a:ext cx="8856662" cy="1524000"/>
-          </a:xfrm>
-        </p:spPr>
-        <p:txBody>
-          <a:bodyPr/>
-          <a:lstStyle/>
-          <a:p>
-            <a:r>
-              <a:rPr lang="en-US" dirty="0" smtClean="0"/>
-              <a:t>Sampling every one minutes doesn’t change density ratio:</a:t>
-            </a:r>
-          </a:p>
-          <a:p>
-            <a:pPr lvl="1"/>
-            <a:r>
-              <a:rPr lang="en-US" dirty="0" smtClean="0"/>
-              <a:t>Density Ratio= (# Clusters/ # Cells) in an area</a:t>
-            </a:r>
-            <a:endParaRPr lang="en-US" dirty="0"/>
-          </a:p>
-        </p:txBody>
-      </p:sp>
-      <p:pic>
-        <p:nvPicPr>
-          <p:cNvPr id="6" name="Content Placeholder 3"/>
-          <p:cNvPicPr>
-            <a:picLocks noChangeAspect="1"/>
-          </p:cNvPicPr>
-          <p:nvPr/>
-        </p:nvPicPr>
-        <p:blipFill rotWithShape="1">
-          <a:blip r:embed="rId2"/>
-          <a:srcRect l="3706" t="4082" r="2254" b="-921"/>
-          <a:stretch/>
-        </p:blipFill>
-        <p:spPr bwMode="auto">
-          <a:xfrm>
-            <a:off x="2438400" y="2743200"/>
-            <a:ext cx="4080901" cy="3429000"/>
-          </a:xfrm>
-          <a:prstGeom prst="rect">
-            <a:avLst/>
-          </a:prstGeom>
-          <a:noFill/>
-          <a:ln>
-            <a:noFill/>
-          </a:ln>
-          <a:extLst>
-            <a:ext uri="{909E8E84-426E-40dd-AFC4-6F175D3DCCD1}">
-              <a14:hiddenFill xmlns:a14="http://schemas.microsoft.com/office/drawing/2010/main">
-                <a:solidFill>
-                  <a:srgbClr val="FFFFFF"/>
-                </a:solidFill>
-              </a14:hiddenFill>
-            </a:ext>
-            <a:ext uri="{91240B29-F687-4f45-9708-019B960494DF}">
-              <a14:hiddenLine xmlns:a14="http://schemas.microsoft.com/office/drawing/2010/main" w="9525">
-                <a:solidFill>
-                  <a:srgbClr val="000000"/>
-                </a:solidFill>
-                <a:miter lim="800000"/>
-                <a:headEnd/>
-                <a:tailEnd/>
-              </a14:hiddenLine>
-            </a:ext>
-            <a:ext uri="{FAA26D3D-D897-4be2-8F04-BA451C77F1D7}">
-              <ma14:placeholderFlag xmlns:ma14="http://schemas.microsoft.com/office/mac/drawingml/2011/main" val="1"/>
-            </a:ext>
-          </a:extLst>
-        </p:spPr>
-      </p:pic>
-    </p:spTree>
-    <p:extLst>
-      <p:ext uri="{BB962C8B-B14F-4D97-AF65-F5344CB8AC3E}">
-        <p14:creationId xmlns:p14="http://schemas.microsoft.com/office/powerpoint/2010/main" val="440643279"/>
       </p:ext>
     </p:extLst>
   </p:cSld>
@@ -12703,6 +12873,477 @@
         </p:nvSpPr>
         <p:spPr>
           <a:xfrm>
+            <a:off x="256874" y="76200"/>
+            <a:ext cx="8562466" cy="695214"/>
+          </a:xfrm>
+        </p:spPr>
+        <p:txBody>
+          <a:bodyPr/>
+          <a:lstStyle/>
+          <a:p>
+            <a:pPr lvl="0"/>
+            <a:r>
+              <a:rPr lang="en-US" dirty="0"/>
+              <a:t>GPS Data </a:t>
+            </a:r>
+            <a:r>
+              <a:rPr lang="en-US" dirty="0" smtClean="0"/>
+              <a:t>Sets(1)</a:t>
+            </a:r>
+            <a:endParaRPr lang="en-US" dirty="0"/>
+          </a:p>
+        </p:txBody>
+      </p:sp>
+      <p:sp>
+        <p:nvSpPr>
+          <p:cNvPr id="3" name="Content Placeholder 2"/>
+          <p:cNvSpPr>
+            <a:spLocks noGrp="1"/>
+          </p:cNvSpPr>
+          <p:nvPr>
+            <p:ph idx="1"/>
+          </p:nvPr>
+        </p:nvSpPr>
+        <p:spPr/>
+        <p:txBody>
+          <a:bodyPr/>
+          <a:lstStyle/>
+          <a:p>
+            <a:r>
+              <a:rPr lang="en-US" i="1" dirty="0"/>
+              <a:t>Nokia Mobile Data Challenge – GPS </a:t>
+            </a:r>
+            <a:endParaRPr lang="en-US" dirty="0"/>
+          </a:p>
+          <a:p>
+            <a:pPr lvl="1"/>
+            <a:r>
+              <a:rPr lang="en-US" dirty="0" smtClean="0"/>
+              <a:t> </a:t>
+            </a:r>
+            <a:r>
+              <a:rPr lang="en-US" dirty="0"/>
+              <a:t>GSM and GPS entries do not </a:t>
+            </a:r>
+            <a:r>
+              <a:rPr lang="en-US" dirty="0" smtClean="0"/>
+              <a:t>necessarily </a:t>
+            </a:r>
+            <a:r>
+              <a:rPr lang="en-US" dirty="0"/>
+              <a:t>have the same timestamp </a:t>
+            </a:r>
+            <a:endParaRPr lang="en-US" dirty="0" smtClean="0"/>
+          </a:p>
+          <a:p>
+            <a:pPr lvl="2"/>
+            <a:r>
+              <a:rPr lang="en-US" dirty="0" smtClean="0"/>
+              <a:t>Intuition: Average </a:t>
+            </a:r>
+            <a:r>
+              <a:rPr lang="en-US" dirty="0"/>
+              <a:t>of all GPS positions that were associated with that tower </a:t>
+            </a:r>
+            <a:endParaRPr lang="en-US" dirty="0" smtClean="0"/>
+          </a:p>
+          <a:p>
+            <a:pPr lvl="2"/>
+            <a:r>
+              <a:rPr lang="en-US" dirty="0" smtClean="0"/>
+              <a:t>How much accurate </a:t>
+            </a:r>
+            <a:r>
+              <a:rPr lang="en-US" dirty="0"/>
+              <a:t>the GPS estimate of a particular tower </a:t>
+            </a:r>
+            <a:r>
+              <a:rPr lang="en-US" dirty="0" smtClean="0"/>
+              <a:t>is?</a:t>
+            </a:r>
+          </a:p>
+          <a:p>
+            <a:pPr lvl="3"/>
+            <a:r>
+              <a:rPr lang="en-US" dirty="0" smtClean="0"/>
+              <a:t>Standard </a:t>
+            </a:r>
+            <a:r>
+              <a:rPr lang="en-US" dirty="0"/>
+              <a:t>deviation </a:t>
+            </a:r>
+            <a:endParaRPr lang="en-US" dirty="0" smtClean="0"/>
+          </a:p>
+          <a:p>
+            <a:pPr lvl="4"/>
+            <a:r>
+              <a:rPr lang="en-US" dirty="0" err="1" smtClean="0"/>
+              <a:t>Haversine</a:t>
+            </a:r>
+            <a:r>
+              <a:rPr lang="en-US" dirty="0" smtClean="0"/>
+              <a:t> </a:t>
+            </a:r>
+            <a:r>
+              <a:rPr lang="en-US" dirty="0"/>
+              <a:t>formula </a:t>
+            </a:r>
+            <a:endParaRPr lang="en-US" dirty="0"/>
+          </a:p>
+          <a:p>
+            <a:pPr lvl="3"/>
+            <a:endParaRPr lang="en-US" dirty="0"/>
+          </a:p>
+          <a:p>
+            <a:pPr lvl="2"/>
+            <a:endParaRPr lang="en-US" dirty="0" smtClean="0"/>
+          </a:p>
+          <a:p>
+            <a:pPr lvl="2"/>
+            <a:endParaRPr lang="en-US" dirty="0"/>
+          </a:p>
+          <a:p>
+            <a:pPr marL="0" indent="0">
+              <a:buNone/>
+            </a:pPr>
+            <a:endParaRPr lang="en-US" dirty="0" smtClean="0"/>
+          </a:p>
+          <a:p>
+            <a:pPr marL="457200" lvl="1" indent="0">
+              <a:buNone/>
+            </a:pPr>
+            <a:endParaRPr lang="en-US" dirty="0"/>
+          </a:p>
+          <a:p>
+            <a:endParaRPr lang="en-US" dirty="0"/>
+          </a:p>
+          <a:p>
+            <a:endParaRPr lang="en-US" dirty="0"/>
+          </a:p>
+        </p:txBody>
+      </p:sp>
+      <p:pic>
+        <p:nvPicPr>
+          <p:cNvPr id="6" name="Picture 5"/>
+          <p:cNvPicPr>
+            <a:picLocks noChangeAspect="1"/>
+          </p:cNvPicPr>
+          <p:nvPr/>
+        </p:nvPicPr>
+        <p:blipFill>
+          <a:blip r:embed="rId2"/>
+          <a:stretch>
+            <a:fillRect/>
+          </a:stretch>
+        </p:blipFill>
+        <p:spPr>
+          <a:xfrm>
+            <a:off x="4648200" y="4483100"/>
+            <a:ext cx="838200" cy="419100"/>
+          </a:xfrm>
+          <a:prstGeom prst="rect">
+            <a:avLst/>
+          </a:prstGeom>
+        </p:spPr>
+      </p:pic>
+    </p:spTree>
+    <p:extLst>
+      <p:ext uri="{BB962C8B-B14F-4D97-AF65-F5344CB8AC3E}">
+        <p14:creationId xmlns:p14="http://schemas.microsoft.com/office/powerpoint/2010/main" val="565110912"/>
+      </p:ext>
+    </p:extLst>
+  </p:cSld>
+  <p:clrMapOvr>
+    <a:masterClrMapping/>
+  </p:clrMapOvr>
+  <p:timing>
+    <p:tnLst>
+      <p:par>
+        <p:cTn xmlns:p14="http://schemas.microsoft.com/office/powerpoint/2010/main" id="1" dur="indefinite" restart="never" nodeType="tmRoot"/>
+      </p:par>
+    </p:tnLst>
+  </p:timing>
+</p:sld>
+</file>
+
+<file path=ppt/slides/slide17.xml><?xml version="1.0" encoding="utf-8"?>
+<p:sld xmlns:a="http://schemas.openxmlformats.org/drawingml/2006/main" xmlns:r="http://schemas.openxmlformats.org/officeDocument/2006/relationships" xmlns:p="http://schemas.openxmlformats.org/presentationml/2006/main">
+  <p:cSld>
+    <p:spTree>
+      <p:nvGrpSpPr>
+        <p:cNvPr id="1" name=""/>
+        <p:cNvGrpSpPr/>
+        <p:nvPr/>
+      </p:nvGrpSpPr>
+      <p:grpSpPr>
+        <a:xfrm>
+          <a:off x="0" y="0"/>
+          <a:ext cx="0" cy="0"/>
+          <a:chOff x="0" y="0"/>
+          <a:chExt cx="0" cy="0"/>
+        </a:xfrm>
+      </p:grpSpPr>
+      <p:sp>
+        <p:nvSpPr>
+          <p:cNvPr id="2" name="Title 1"/>
+          <p:cNvSpPr>
+            <a:spLocks noGrp="1"/>
+          </p:cNvSpPr>
+          <p:nvPr>
+            <p:ph type="title"/>
+          </p:nvPr>
+        </p:nvSpPr>
+        <p:spPr>
+          <a:xfrm>
+            <a:off x="256874" y="76200"/>
+            <a:ext cx="8562466" cy="695214"/>
+          </a:xfrm>
+        </p:spPr>
+        <p:txBody>
+          <a:bodyPr/>
+          <a:lstStyle/>
+          <a:p>
+            <a:pPr lvl="0"/>
+            <a:r>
+              <a:rPr lang="en-US" dirty="0"/>
+              <a:t>GPS Data </a:t>
+            </a:r>
+            <a:r>
+              <a:rPr lang="en-US" dirty="0" smtClean="0"/>
+              <a:t>Sets (2)</a:t>
+            </a:r>
+            <a:endParaRPr lang="en-US" dirty="0"/>
+          </a:p>
+        </p:txBody>
+      </p:sp>
+      <p:sp>
+        <p:nvSpPr>
+          <p:cNvPr id="3" name="Content Placeholder 2"/>
+          <p:cNvSpPr>
+            <a:spLocks noGrp="1"/>
+          </p:cNvSpPr>
+          <p:nvPr>
+            <p:ph idx="1"/>
+          </p:nvPr>
+        </p:nvSpPr>
+        <p:spPr/>
+        <p:txBody>
+          <a:bodyPr/>
+          <a:lstStyle/>
+          <a:p>
+            <a:pPr lvl="1"/>
+            <a:r>
+              <a:rPr lang="en-US" dirty="0" smtClean="0"/>
+              <a:t>Cost:</a:t>
+            </a:r>
+          </a:p>
+          <a:p>
+            <a:pPr lvl="2"/>
+            <a:r>
+              <a:rPr lang="en-US" dirty="0" smtClean="0"/>
+              <a:t>k: is </a:t>
+            </a:r>
+            <a:r>
+              <a:rPr lang="en-US" dirty="0"/>
+              <a:t>the number of users in the dataset </a:t>
+            </a:r>
+            <a:endParaRPr lang="en-US" dirty="0" smtClean="0"/>
+          </a:p>
+          <a:p>
+            <a:pPr lvl="2"/>
+            <a:r>
+              <a:rPr lang="en-US" dirty="0" err="1" smtClean="0"/>
+              <a:t>m,n</a:t>
+            </a:r>
+            <a:r>
+              <a:rPr lang="en-US" dirty="0" smtClean="0"/>
+              <a:t>: upper </a:t>
+            </a:r>
+            <a:r>
+              <a:rPr lang="en-US" dirty="0"/>
+              <a:t>bounds on the number of </a:t>
+            </a:r>
+            <a:r>
+              <a:rPr lang="en-US" dirty="0" smtClean="0"/>
+              <a:t>GPS</a:t>
+            </a:r>
+          </a:p>
+          <a:p>
+            <a:pPr marL="914400" lvl="2" indent="0">
+              <a:buNone/>
+            </a:pPr>
+            <a:r>
+              <a:rPr lang="en-US" dirty="0"/>
+              <a:t> </a:t>
+            </a:r>
+            <a:r>
+              <a:rPr lang="en-US" dirty="0" smtClean="0"/>
+              <a:t>  </a:t>
+            </a:r>
+            <a:r>
+              <a:rPr lang="en-US" dirty="0"/>
+              <a:t>and GSM records per user </a:t>
+            </a:r>
+            <a:endParaRPr lang="en-US" dirty="0" smtClean="0"/>
+          </a:p>
+          <a:p>
+            <a:pPr marL="914400" lvl="2" indent="0">
+              <a:buNone/>
+            </a:pPr>
+            <a:endParaRPr lang="en-US" dirty="0" smtClean="0"/>
+          </a:p>
+          <a:p>
+            <a:r>
+              <a:rPr lang="en-US" i="1" dirty="0" err="1"/>
+              <a:t>OpenCellId</a:t>
+            </a:r>
+            <a:r>
+              <a:rPr lang="en-US" i="1" dirty="0"/>
+              <a:t> </a:t>
+            </a:r>
+            <a:r>
+              <a:rPr lang="en-US" dirty="0"/>
+              <a:t>and</a:t>
+            </a:r>
+            <a:r>
+              <a:rPr lang="en-US" i="1" dirty="0"/>
+              <a:t> </a:t>
+            </a:r>
+            <a:r>
+              <a:rPr lang="en-US" i="1" dirty="0" err="1" smtClean="0"/>
+              <a:t>OpenBMap</a:t>
+            </a:r>
+            <a:r>
+              <a:rPr lang="en-US" i="1" dirty="0" smtClean="0"/>
+              <a:t>:</a:t>
+            </a:r>
+          </a:p>
+          <a:p>
+            <a:pPr lvl="1"/>
+            <a:r>
+              <a:rPr lang="en-US" dirty="0" smtClean="0"/>
+              <a:t>keeps </a:t>
+            </a:r>
+            <a:r>
+              <a:rPr lang="en-US" dirty="0"/>
+              <a:t>track of the position and associates it with a cell tower </a:t>
+            </a:r>
+            <a:endParaRPr lang="en-US" dirty="0"/>
+          </a:p>
+          <a:p>
+            <a:pPr marL="457200" lvl="1" indent="0">
+              <a:buNone/>
+            </a:pPr>
+            <a:endParaRPr lang="en-US" dirty="0"/>
+          </a:p>
+          <a:p>
+            <a:endParaRPr lang="en-US" dirty="0"/>
+          </a:p>
+          <a:p>
+            <a:endParaRPr lang="en-US" dirty="0"/>
+          </a:p>
+          <a:p>
+            <a:endParaRPr lang="en-US" dirty="0"/>
+          </a:p>
+        </p:txBody>
+      </p:sp>
+      <p:pic>
+        <p:nvPicPr>
+          <p:cNvPr id="4" name="Picture 3"/>
+          <p:cNvPicPr>
+            <a:picLocks noChangeAspect="1"/>
+          </p:cNvPicPr>
+          <p:nvPr/>
+        </p:nvPicPr>
+        <p:blipFill>
+          <a:blip r:embed="rId2"/>
+          <a:stretch>
+            <a:fillRect/>
+          </a:stretch>
+        </p:blipFill>
+        <p:spPr>
+          <a:xfrm>
+            <a:off x="2743200" y="4648200"/>
+            <a:ext cx="3505200" cy="1778889"/>
+          </a:xfrm>
+          <a:prstGeom prst="rect">
+            <a:avLst/>
+          </a:prstGeom>
+        </p:spPr>
+      </p:pic>
+      <p:pic>
+        <p:nvPicPr>
+          <p:cNvPr id="5" name="Picture 4"/>
+          <p:cNvPicPr>
+            <a:picLocks noChangeAspect="1"/>
+          </p:cNvPicPr>
+          <p:nvPr/>
+        </p:nvPicPr>
+        <p:blipFill>
+          <a:blip r:embed="rId3"/>
+          <a:stretch>
+            <a:fillRect/>
+          </a:stretch>
+        </p:blipFill>
+        <p:spPr>
+          <a:xfrm>
+            <a:off x="1828800" y="1143000"/>
+            <a:ext cx="3048000" cy="413657"/>
+          </a:xfrm>
+          <a:prstGeom prst="rect">
+            <a:avLst/>
+          </a:prstGeom>
+        </p:spPr>
+      </p:pic>
+    </p:spTree>
+    <p:extLst>
+      <p:ext uri="{BB962C8B-B14F-4D97-AF65-F5344CB8AC3E}">
+        <p14:creationId xmlns:p14="http://schemas.microsoft.com/office/powerpoint/2010/main" val="3313108895"/>
+      </p:ext>
+    </p:extLst>
+  </p:cSld>
+  <p:clrMapOvr>
+    <a:masterClrMapping/>
+  </p:clrMapOvr>
+  <p:timing>
+    <p:tnLst>
+      <p:par>
+        <p:cTn xmlns:p14="http://schemas.microsoft.com/office/powerpoint/2010/main" id="1" dur="indefinite" restart="never" nodeType="tmRoot"/>
+      </p:par>
+    </p:tnLst>
+  </p:timing>
+</p:sld>
+</file>
+
+<file path=ppt/slides/slide18.xml><?xml version="1.0" encoding="utf-8"?>
+<p:sld xmlns:a="http://schemas.openxmlformats.org/drawingml/2006/main" xmlns:r="http://schemas.openxmlformats.org/officeDocument/2006/relationships" xmlns:p="http://schemas.openxmlformats.org/presentationml/2006/main">
+  <p:cSld>
+    <p:spTree>
+      <p:nvGrpSpPr>
+        <p:cNvPr id="1" name=""/>
+        <p:cNvGrpSpPr/>
+        <p:nvPr/>
+      </p:nvGrpSpPr>
+      <p:grpSpPr>
+        <a:xfrm>
+          <a:off x="0" y="0"/>
+          <a:ext cx="0" cy="0"/>
+          <a:chOff x="0" y="0"/>
+          <a:chExt cx="0" cy="0"/>
+        </a:xfrm>
+      </p:grpSpPr>
+      <p:sp>
+        <p:nvSpPr>
+          <p:cNvPr id="2" name="Title 1"/>
+          <p:cNvSpPr>
+            <a:spLocks noGrp="1"/>
+          </p:cNvSpPr>
+          <p:nvPr>
+            <p:ph type="title"/>
+          </p:nvPr>
+        </p:nvSpPr>
+        <p:spPr>
+          <a:xfrm>
             <a:off x="256874" y="0"/>
             <a:ext cx="8562466" cy="771414"/>
           </a:xfrm>
@@ -12713,8 +13354,12 @@
           <a:p>
             <a:pPr lvl="0"/>
             <a:r>
+              <a:rPr lang="en-US" dirty="0"/>
+              <a:t>GPS Data Sets </a:t>
+            </a:r>
+            <a:r>
               <a:rPr lang="en-US" dirty="0" smtClean="0"/>
-              <a:t>GPS Data From MDC</a:t>
+              <a:t>(3)</a:t>
             </a:r>
             <a:endParaRPr lang="en-US" dirty="0"/>
           </a:p>
@@ -12806,7 +13451,7 @@
         <p:spPr bwMode="auto">
           <a:xfrm>
             <a:off x="277813" y="1143000"/>
-            <a:ext cx="8856662" cy="1524000"/>
+            <a:ext cx="8856662" cy="1981200"/>
           </a:xfrm>
           <a:prstGeom prst="rect">
             <a:avLst/>
@@ -12995,6 +13640,51 @@
             </a:lvl9pPr>
           </a:lstStyle>
           <a:p>
+            <a:pPr lvl="1"/>
+            <a:r>
+              <a:rPr lang="en-US" dirty="0" smtClean="0"/>
+              <a:t>Combine </a:t>
+            </a:r>
+            <a:r>
+              <a:rPr lang="en-US" dirty="0" err="1" smtClean="0"/>
+              <a:t>OpenBMap</a:t>
+            </a:r>
+            <a:r>
+              <a:rPr lang="ar-IQ" dirty="0" smtClean="0"/>
+              <a:t> </a:t>
+            </a:r>
+            <a:r>
+              <a:rPr lang="en-US" dirty="0" smtClean="0"/>
+              <a:t>and </a:t>
+            </a:r>
+            <a:r>
+              <a:rPr lang="en-US" dirty="0" err="1" smtClean="0"/>
+              <a:t>OpenCellId</a:t>
+            </a:r>
+            <a:r>
+              <a:rPr lang="en-US" dirty="0" smtClean="0"/>
+              <a:t> </a:t>
+            </a:r>
+            <a:r>
+              <a:rPr lang="en-US" dirty="0"/>
+              <a:t>measures and use an </a:t>
+            </a:r>
+            <a:r>
+              <a:rPr lang="en-US" dirty="0" smtClean="0"/>
+              <a:t>average</a:t>
+            </a:r>
+          </a:p>
+          <a:p>
+            <a:r>
+              <a:rPr lang="en-US" dirty="0" smtClean="0"/>
+              <a:t> Summary:</a:t>
+            </a:r>
+            <a:endParaRPr lang="en-US" dirty="0"/>
+          </a:p>
+          <a:p>
+            <a:pPr marL="457200" lvl="1" indent="0">
+              <a:buNone/>
+            </a:pPr>
             <a:endParaRPr lang="en-US" dirty="0"/>
           </a:p>
         </p:txBody>
@@ -13019,7 +13709,7 @@
 </p:sld>
 </file>
 
-<file path=ppt/slides/slide17.xml><?xml version="1.0" encoding="utf-8"?>
+<file path=ppt/slides/slide19.xml><?xml version="1.0" encoding="utf-8"?>
 <p:sld xmlns:a="http://schemas.openxmlformats.org/drawingml/2006/main" xmlns:r="http://schemas.openxmlformats.org/officeDocument/2006/relationships" xmlns:p="http://schemas.openxmlformats.org/presentationml/2006/main">
   <p:cSld>
     <p:spTree>
@@ -13112,7 +13802,7 @@
         </p:blipFill>
         <p:spPr>
           <a:xfrm>
-            <a:off x="2209800" y="2971800"/>
+            <a:off x="2209800" y="2743200"/>
             <a:ext cx="4294731" cy="3403152"/>
           </a:xfrm>
           <a:prstGeom prst="rect">
@@ -13131,7 +13821,7 @@
         <p:spPr bwMode="auto">
           <a:xfrm>
             <a:off x="277813" y="1143000"/>
-            <a:ext cx="8856662" cy="1524000"/>
+            <a:ext cx="8856662" cy="1295400"/>
           </a:xfrm>
           <a:prstGeom prst="rect">
             <a:avLst/>
@@ -13320,6 +14010,25 @@
             </a:lvl9pPr>
           </a:lstStyle>
           <a:p>
+            <a:r>
+              <a:rPr lang="en-US" dirty="0" smtClean="0"/>
+              <a:t>Distance is usually small…</a:t>
+            </a:r>
+          </a:p>
+          <a:p>
+            <a:pPr lvl="1"/>
+            <a:r>
+              <a:rPr lang="en-US" dirty="0"/>
+              <a:t>confidence in the MDC GPS </a:t>
+            </a:r>
+            <a:r>
+              <a:rPr lang="en-US" dirty="0" smtClean="0"/>
+              <a:t>logs </a:t>
+            </a:r>
+            <a:endParaRPr lang="en-US" dirty="0"/>
+          </a:p>
+          <a:p>
+            <a:pPr lvl="1"/>
             <a:endParaRPr lang="en-US" dirty="0"/>
           </a:p>
         </p:txBody>
@@ -13344,7 +14053,140 @@
 </p:sld>
 </file>
 
-<file path=ppt/slides/slide18.xml><?xml version="1.0" encoding="utf-8"?>
+<file path=ppt/slides/slide2.xml><?xml version="1.0" encoding="utf-8"?>
+<p:sld xmlns:a="http://schemas.openxmlformats.org/drawingml/2006/main" xmlns:r="http://schemas.openxmlformats.org/officeDocument/2006/relationships" xmlns:p="http://schemas.openxmlformats.org/presentationml/2006/main">
+  <p:cSld>
+    <p:spTree>
+      <p:nvGrpSpPr>
+        <p:cNvPr id="1" name=""/>
+        <p:cNvGrpSpPr/>
+        <p:nvPr/>
+      </p:nvGrpSpPr>
+      <p:grpSpPr>
+        <a:xfrm>
+          <a:off x="0" y="0"/>
+          <a:ext cx="0" cy="0"/>
+          <a:chOff x="0" y="0"/>
+          <a:chExt cx="0" cy="0"/>
+        </a:xfrm>
+      </p:grpSpPr>
+      <p:sp>
+        <p:nvSpPr>
+          <p:cNvPr id="2" name="Title 1"/>
+          <p:cNvSpPr>
+            <a:spLocks noGrp="1"/>
+          </p:cNvSpPr>
+          <p:nvPr>
+            <p:ph type="title"/>
+          </p:nvPr>
+        </p:nvSpPr>
+        <p:spPr/>
+        <p:txBody>
+          <a:bodyPr/>
+          <a:lstStyle/>
+          <a:p>
+            <a:r>
+              <a:rPr lang="en-US" sz="3000" dirty="0" smtClean="0"/>
+              <a:t>Cellular Mobility Prediction </a:t>
+            </a:r>
+            <a:r>
+              <a:rPr lang="en-US" sz="3000" dirty="0" smtClean="0"/>
+              <a:t>is in </a:t>
+            </a:r>
+            <a:r>
+              <a:rPr lang="en-US" sz="3000" dirty="0" smtClean="0"/>
+              <a:t>Operators’ Interest</a:t>
+            </a:r>
+            <a:endParaRPr lang="en-US" sz="3000" dirty="0"/>
+          </a:p>
+        </p:txBody>
+      </p:sp>
+      <p:sp>
+        <p:nvSpPr>
+          <p:cNvPr id="3" name="Content Placeholder 2"/>
+          <p:cNvSpPr>
+            <a:spLocks noGrp="1"/>
+          </p:cNvSpPr>
+          <p:nvPr>
+            <p:ph idx="1"/>
+          </p:nvPr>
+        </p:nvSpPr>
+        <p:spPr/>
+        <p:txBody>
+          <a:bodyPr/>
+          <a:lstStyle/>
+          <a:p>
+            <a:endParaRPr lang="en-US" dirty="0" smtClean="0"/>
+          </a:p>
+          <a:p>
+            <a:r>
+              <a:rPr lang="en-US" dirty="0" smtClean="0"/>
+              <a:t>Network Optimizations:</a:t>
+            </a:r>
+          </a:p>
+          <a:p>
+            <a:pPr lvl="1"/>
+            <a:r>
+              <a:rPr lang="en-US" dirty="0" smtClean="0"/>
+              <a:t>Resource Pre-allocation</a:t>
+            </a:r>
+          </a:p>
+          <a:p>
+            <a:pPr lvl="1"/>
+            <a:r>
+              <a:rPr lang="en-US" dirty="0" smtClean="0"/>
+              <a:t>Prefetching</a:t>
+            </a:r>
+          </a:p>
+          <a:p>
+            <a:pPr lvl="1"/>
+            <a:r>
+              <a:rPr lang="en-US" dirty="0" smtClean="0"/>
+              <a:t>Handover Optimization</a:t>
+            </a:r>
+          </a:p>
+          <a:p>
+            <a:pPr marL="457200" lvl="1" indent="0">
+              <a:buNone/>
+            </a:pPr>
+            <a:endParaRPr lang="en-US" dirty="0" smtClean="0"/>
+          </a:p>
+          <a:p>
+            <a:r>
+              <a:rPr lang="en-US" dirty="0" smtClean="0"/>
+              <a:t>Personalized Services</a:t>
+            </a:r>
+          </a:p>
+          <a:p>
+            <a:pPr lvl="1"/>
+            <a:r>
+              <a:rPr lang="en-US" dirty="0" smtClean="0"/>
+              <a:t>Location Based Offline Advertisement </a:t>
+            </a:r>
+          </a:p>
+        </p:txBody>
+      </p:sp>
+    </p:spTree>
+    <p:extLst>
+      <p:ext uri="{BB962C8B-B14F-4D97-AF65-F5344CB8AC3E}">
+        <p14:creationId xmlns:p14="http://schemas.microsoft.com/office/powerpoint/2010/main" val="585027193"/>
+      </p:ext>
+    </p:extLst>
+  </p:cSld>
+  <p:clrMapOvr>
+    <a:masterClrMapping/>
+  </p:clrMapOvr>
+  <p:timing>
+    <p:tnLst>
+      <p:par>
+        <p:cTn xmlns:p14="http://schemas.microsoft.com/office/powerpoint/2010/main" id="1" dur="indefinite" restart="never" nodeType="tmRoot"/>
+      </p:par>
+    </p:tnLst>
+  </p:timing>
+</p:sld>
+</file>
+
+<file path=ppt/slides/slide20.xml><?xml version="1.0" encoding="utf-8"?>
 <p:sld xmlns:a="http://schemas.openxmlformats.org/drawingml/2006/main" xmlns:r="http://schemas.openxmlformats.org/officeDocument/2006/relationships" xmlns:p="http://schemas.openxmlformats.org/presentationml/2006/main">
   <p:cSld>
     <p:spTree>
@@ -13373,18 +14215,28 @@
         </p:nvSpPr>
         <p:spPr>
           <a:xfrm>
-            <a:off x="256874" y="457200"/>
-            <a:ext cx="8562466" cy="314214"/>
+            <a:off x="-228600" y="152400"/>
+            <a:ext cx="9200340" cy="847614"/>
           </a:xfrm>
         </p:spPr>
         <p:txBody>
-          <a:bodyPr/>
+          <a:bodyPr>
+            <a:normAutofit fontScale="90000"/>
+          </a:bodyPr>
           <a:lstStyle/>
           <a:p>
             <a:pPr lvl="0"/>
             <a:r>
+              <a:rPr lang="en-US" dirty="0"/>
+              <a:t>Metric </a:t>
+            </a:r>
+            <a:r>
               <a:rPr lang="en-US" dirty="0" smtClean="0"/>
-              <a:t>Cluster Distance</a:t>
+              <a:t>Measurements: Cluster </a:t>
+            </a:r>
+            <a:r>
+              <a:rPr lang="en-US" dirty="0" smtClean="0"/>
+              <a:t>Distance</a:t>
             </a:r>
             <a:r>
               <a:rPr lang="en-US" dirty="0"/>
@@ -13440,8 +14292,8 @@
         </p:blipFill>
         <p:spPr>
           <a:xfrm>
-            <a:off x="76200" y="2590800"/>
-            <a:ext cx="8954610" cy="3602831"/>
+            <a:off x="76200" y="3048000"/>
+            <a:ext cx="8954610" cy="3374231"/>
           </a:xfrm>
           <a:prstGeom prst="rect">
             <a:avLst/>
@@ -13459,7 +14311,7 @@
         <p:spPr bwMode="auto">
           <a:xfrm>
             <a:off x="277813" y="1143000"/>
-            <a:ext cx="8856662" cy="1524000"/>
+            <a:ext cx="8856662" cy="2057400"/>
           </a:xfrm>
           <a:prstGeom prst="rect">
             <a:avLst/>
@@ -13648,6 +14500,35 @@
             </a:lvl9pPr>
           </a:lstStyle>
           <a:p>
+            <a:r>
+              <a:rPr lang="en-US" dirty="0" smtClean="0"/>
+              <a:t>Cluster Distance: </a:t>
+            </a:r>
+          </a:p>
+          <a:p>
+            <a:pPr lvl="1"/>
+            <a:r>
+              <a:rPr lang="en-US" dirty="0" smtClean="0"/>
+              <a:t>The average distance between cells in a cluster</a:t>
+            </a:r>
+          </a:p>
+          <a:p>
+            <a:pPr lvl="1"/>
+            <a:r>
+              <a:rPr lang="en-US" dirty="0" smtClean="0"/>
+              <a:t>Closeness: group </a:t>
+            </a:r>
+            <a:r>
+              <a:rPr lang="en-US" dirty="0"/>
+              <a:t>together towers that are geographically close </a:t>
+            </a:r>
+            <a:endParaRPr lang="en-US" dirty="0"/>
+          </a:p>
+          <a:p>
+            <a:pPr lvl="1"/>
+            <a:endParaRPr lang="en-US" dirty="0"/>
+          </a:p>
+          <a:p>
             <a:endParaRPr lang="en-US" dirty="0"/>
           </a:p>
         </p:txBody>
@@ -13672,7 +14553,7 @@
 </p:sld>
 </file>
 
-<file path=ppt/slides/slide19.xml><?xml version="1.0" encoding="utf-8"?>
+<file path=ppt/slides/slide21.xml><?xml version="1.0" encoding="utf-8"?>
 <p:sld xmlns:a="http://schemas.openxmlformats.org/drawingml/2006/main" xmlns:r="http://schemas.openxmlformats.org/officeDocument/2006/relationships" xmlns:p="http://schemas.openxmlformats.org/presentationml/2006/main">
   <p:cSld>
     <p:spTree>
@@ -13701,8 +14582,8 @@
         </p:nvSpPr>
         <p:spPr>
           <a:xfrm>
-            <a:off x="256874" y="76200"/>
-            <a:ext cx="8562466" cy="695214"/>
+            <a:off x="-152400" y="76200"/>
+            <a:ext cx="9372600" cy="1447800"/>
           </a:xfrm>
         </p:spPr>
         <p:txBody>
@@ -13710,9 +14591,20 @@
           <a:lstStyle/>
           <a:p>
             <a:r>
+              <a:rPr lang="en-US" dirty="0"/>
+              <a:t>Metric Measurements: </a:t>
+            </a:r>
+            <a:r>
               <a:rPr lang="en-US" dirty="0" smtClean="0"/>
-              <a:t>Cluster Incompleteness</a:t>
-            </a:r>
+              <a:t>Incompleteness</a:t>
+            </a:r>
+            <a:r>
+              <a:rPr lang="en-US" dirty="0"/>
+              <a:t>	</a:t>
+            </a:r>
+            <a:br>
+              <a:rPr lang="en-US" dirty="0"/>
+            </a:br>
             <a:endParaRPr lang="en-US" dirty="0"/>
           </a:p>
         </p:txBody>
@@ -13939,6 +14831,10 @@
             </a:lvl9pPr>
           </a:lstStyle>
           <a:p>
+            <a:pPr>
+              <a:buFont typeface="Arial"/>
+              <a:buChar char="•"/>
+            </a:pPr>
             <a:endParaRPr lang="en-US" dirty="0"/>
           </a:p>
         </p:txBody>
@@ -13963,7 +14859,7 @@
 </p:sld>
 </file>
 
-<file path=ppt/slides/slide2.xml><?xml version="1.0" encoding="utf-8"?>
+<file path=ppt/slides/slide22.xml><?xml version="1.0" encoding="utf-8"?>
 <p:sld xmlns:a="http://schemas.openxmlformats.org/drawingml/2006/main" xmlns:r="http://schemas.openxmlformats.org/officeDocument/2006/relationships" xmlns:p="http://schemas.openxmlformats.org/presentationml/2006/main">
   <p:cSld>
     <p:spTree>
@@ -13996,10 +14892,10 @@
           <a:lstStyle/>
           <a:p>
             <a:r>
-              <a:rPr lang="en-US" sz="3000" dirty="0" smtClean="0"/>
-              <a:t>Cellular Mobility Prediction is Operators’ Interest</a:t>
-            </a:r>
-            <a:endParaRPr lang="en-US" sz="3000" dirty="0"/>
+              <a:rPr lang="en-US" dirty="0" smtClean="0"/>
+              <a:t>Conclusion</a:t>
+            </a:r>
+            <a:endParaRPr lang="en-US" dirty="0"/>
           </a:p>
         </p:txBody>
       </p:sp>
@@ -14018,131 +14914,6 @@
           <a:bodyPr/>
           <a:lstStyle/>
           <a:p>
-            <a:endParaRPr lang="en-US" dirty="0" smtClean="0"/>
-          </a:p>
-          <a:p>
-            <a:r>
-              <a:rPr lang="en-US" dirty="0" smtClean="0"/>
-              <a:t>Network Optimizations:</a:t>
-            </a:r>
-          </a:p>
-          <a:p>
-            <a:pPr lvl="1"/>
-            <a:r>
-              <a:rPr lang="en-US" dirty="0" smtClean="0"/>
-              <a:t>Resource Pre-allocation</a:t>
-            </a:r>
-          </a:p>
-          <a:p>
-            <a:pPr lvl="1"/>
-            <a:r>
-              <a:rPr lang="en-US" dirty="0" smtClean="0"/>
-              <a:t>Prefetching</a:t>
-            </a:r>
-          </a:p>
-          <a:p>
-            <a:pPr lvl="1"/>
-            <a:r>
-              <a:rPr lang="en-US" dirty="0" smtClean="0"/>
-              <a:t>Handover Optimization</a:t>
-            </a:r>
-          </a:p>
-          <a:p>
-            <a:pPr marL="457200" lvl="1" indent="0">
-              <a:buNone/>
-            </a:pPr>
-            <a:endParaRPr lang="en-US" dirty="0" smtClean="0"/>
-          </a:p>
-          <a:p>
-            <a:r>
-              <a:rPr lang="en-US" dirty="0" smtClean="0"/>
-              <a:t>Personalized Services</a:t>
-            </a:r>
-          </a:p>
-          <a:p>
-            <a:pPr lvl="1"/>
-            <a:r>
-              <a:rPr lang="en-US" dirty="0" smtClean="0"/>
-              <a:t>Location Based Offline Advertisement </a:t>
-            </a:r>
-          </a:p>
-        </p:txBody>
-      </p:sp>
-    </p:spTree>
-    <p:extLst>
-      <p:ext uri="{BB962C8B-B14F-4D97-AF65-F5344CB8AC3E}">
-        <p14:creationId xmlns:p14="http://schemas.microsoft.com/office/powerpoint/2010/main" val="585027193"/>
-      </p:ext>
-    </p:extLst>
-  </p:cSld>
-  <p:clrMapOvr>
-    <a:masterClrMapping/>
-  </p:clrMapOvr>
-  <p:timing>
-    <p:tnLst>
-      <p:par>
-        <p:cTn xmlns:p14="http://schemas.microsoft.com/office/powerpoint/2010/main" id="1" dur="indefinite" restart="never" nodeType="tmRoot"/>
-      </p:par>
-    </p:tnLst>
-  </p:timing>
-</p:sld>
-</file>
-
-<file path=ppt/slides/slide20.xml><?xml version="1.0" encoding="utf-8"?>
-<p:sld xmlns:a="http://schemas.openxmlformats.org/drawingml/2006/main" xmlns:r="http://schemas.openxmlformats.org/officeDocument/2006/relationships" xmlns:p="http://schemas.openxmlformats.org/presentationml/2006/main">
-  <p:cSld>
-    <p:spTree>
-      <p:nvGrpSpPr>
-        <p:cNvPr id="1" name=""/>
-        <p:cNvGrpSpPr/>
-        <p:nvPr/>
-      </p:nvGrpSpPr>
-      <p:grpSpPr>
-        <a:xfrm>
-          <a:off x="0" y="0"/>
-          <a:ext cx="0" cy="0"/>
-          <a:chOff x="0" y="0"/>
-          <a:chExt cx="0" cy="0"/>
-        </a:xfrm>
-      </p:grpSpPr>
-      <p:sp>
-        <p:nvSpPr>
-          <p:cNvPr id="2" name="Title 1"/>
-          <p:cNvSpPr>
-            <a:spLocks noGrp="1"/>
-          </p:cNvSpPr>
-          <p:nvPr>
-            <p:ph type="title"/>
-          </p:nvPr>
-        </p:nvSpPr>
-        <p:spPr/>
-        <p:txBody>
-          <a:bodyPr/>
-          <a:lstStyle/>
-          <a:p>
-            <a:r>
-              <a:rPr lang="en-US" dirty="0" smtClean="0"/>
-              <a:t>Conclusion</a:t>
-            </a:r>
-            <a:endParaRPr lang="en-US" dirty="0"/>
-          </a:p>
-        </p:txBody>
-      </p:sp>
-      <p:sp>
-        <p:nvSpPr>
-          <p:cNvPr id="3" name="Content Placeholder 2"/>
-          <p:cNvSpPr>
-            <a:spLocks noGrp="1"/>
-          </p:cNvSpPr>
-          <p:nvPr>
-            <p:ph idx="1"/>
-          </p:nvPr>
-        </p:nvSpPr>
-        <p:spPr/>
-        <p:txBody>
-          <a:bodyPr/>
-          <a:lstStyle/>
-          <a:p>
             <a:endParaRPr lang="en-US"/>
           </a:p>
         </p:txBody>
@@ -14160,7 +14931,7 @@
 </p:sld>
 </file>
 
-<file path=ppt/slides/slide21.xml><?xml version="1.0" encoding="utf-8"?>
+<file path=ppt/slides/slide23.xml><?xml version="1.0" encoding="utf-8"?>
 <p:sld xmlns:a="http://schemas.openxmlformats.org/drawingml/2006/main" xmlns:r="http://schemas.openxmlformats.org/officeDocument/2006/relationships" xmlns:p="http://schemas.openxmlformats.org/presentationml/2006/main">
   <p:cSld>
     <p:spTree>
@@ -14414,7 +15185,11 @@
           <a:p>
             <a:r>
               <a:rPr lang="en-US" dirty="0" smtClean="0"/>
-              <a:t>Data Sets</a:t>
+              <a:t>GSM Data </a:t>
+            </a:r>
+            <a:r>
+              <a:rPr lang="en-US" dirty="0" smtClean="0"/>
+              <a:t>Sets</a:t>
             </a:r>
             <a:endParaRPr lang="en-US" dirty="0"/>
           </a:p>
@@ -14945,7 +15720,6 @@
               <a:rPr lang="en-US" dirty="0"/>
               <a:t>Mobility Path Extraction</a:t>
             </a:r>
-            <a:endParaRPr lang="en-US" dirty="0"/>
           </a:p>
         </p:txBody>
       </p:sp>
@@ -14987,10 +15761,7 @@
             <a:pPr marL="457200" lvl="1" indent="0">
               <a:buNone/>
             </a:pPr>
-            <a:r>
-              <a:rPr lang="en-US" dirty="0" smtClean="0"/>
-              <a:t/>
-            </a:r>
+            <a:endParaRPr lang="en-US" dirty="0" smtClean="0"/>
           </a:p>
           <a:p>
             <a:pPr marL="457200" lvl="1" indent="0">
@@ -15572,27 +16343,6 @@
               <a:buNone/>
               <a:tabLst/>
             </a:pPr>
-            <a:r>
-              <a:rPr kumimoji="0" lang="en-US" sz="2400" b="0" i="0" u="none" strike="noStrike" cap="none" normalizeH="0" baseline="-25000" dirty="0" smtClean="0">
-                <a:ln>
-                  <a:noFill/>
-                </a:ln>
-                <a:solidFill>
-                  <a:schemeClr val="tx1"/>
-                </a:solidFill>
-                <a:effectLst>
-                  <a:outerShdw blurRad="38100" dist="38100" dir="2700000" algn="tl">
-                    <a:srgbClr val="000000">
-                      <a:alpha val="43137"/>
-                    </a:srgbClr>
-                  </a:outerShdw>
-                </a:effectLst>
-                <a:latin typeface="Arial" pitchFamily="-105" charset="0"/>
-                <a:ea typeface="ＭＳ Ｐゴシック" pitchFamily="-105" charset="-128"/>
-                <a:cs typeface="ＭＳ Ｐゴシック" pitchFamily="-105" charset="-128"/>
-              </a:rPr>
-              <a:t/>
-            </a:r>
             <a:endParaRPr kumimoji="0" lang="en-US" sz="2400" b="0" i="0" u="none" strike="noStrike" cap="none" normalizeH="0" baseline="-25000" dirty="0">
               <a:ln>
                 <a:noFill/>
@@ -15740,7 +16490,6 @@
               <a:rPr lang="en-US" dirty="0"/>
               <a:t>Oscillating Pair Detection </a:t>
             </a:r>
-            <a:endParaRPr lang="en-US" dirty="0"/>
           </a:p>
         </p:txBody>
       </p:sp>
@@ -15794,12 +16543,12 @@
               <a:t>Soft Handover: The user is in a stationary state but there is transition between </a:t>
             </a:r>
             <a:r>
-              <a:rPr lang="en-US" dirty="0" err="1" smtClean="0"/>
-              <a:t>overlaping</a:t>
-            </a:r>
-            <a:r>
               <a:rPr lang="en-US" dirty="0" smtClean="0"/>
-              <a:t> towers.</a:t>
+              <a:t>overlapping </a:t>
+            </a:r>
+            <a:r>
+              <a:rPr lang="en-US" dirty="0" smtClean="0"/>
+              <a:t>towers.</a:t>
             </a:r>
           </a:p>
           <a:p>
@@ -15853,7 +16602,15 @@
             <a:pPr lvl="3"/>
             <a:r>
               <a:rPr lang="en-US" dirty="0" smtClean="0"/>
-              <a:t>It is oscillating pair</a:t>
+              <a:t>It is </a:t>
+            </a:r>
+            <a:r>
+              <a:rPr lang="en-US" dirty="0" smtClean="0"/>
+              <a:t>an oscillating </a:t>
+            </a:r>
+            <a:r>
+              <a:rPr lang="en-US" dirty="0" smtClean="0"/>
+              <a:t>pair</a:t>
             </a:r>
             <a:endParaRPr lang="en-US" dirty="0"/>
           </a:p>
@@ -16021,7 +16778,6 @@
               <a:rPr lang="en-US" sz="2400" dirty="0"/>
               <a:t>) is the ratio of how many times the cell towers x and y oscillated over the number of mobility paths in which x and y appear. </a:t>
             </a:r>
-            <a:endParaRPr lang="en-US" sz="2400" dirty="0"/>
           </a:p>
           <a:p>
             <a:pPr lvl="1"/>
@@ -16059,7 +16815,15 @@
             </a:r>
             <a:r>
               <a:rPr lang="en-US" sz="2400" dirty="0" smtClean="0"/>
-              <a:t>)=2/3</a:t>
+              <a:t>)</a:t>
+            </a:r>
+            <a:r>
+              <a:rPr lang="en-US" sz="2400" dirty="0" smtClean="0"/>
+              <a:t>=1/</a:t>
+            </a:r>
+            <a:r>
+              <a:rPr lang="en-US" sz="2400" dirty="0" smtClean="0"/>
+              <a:t>3</a:t>
             </a:r>
             <a:endParaRPr lang="en-US" sz="2400" dirty="0"/>
           </a:p>
@@ -16077,7 +16841,7 @@
       </p:sp>
       <p:pic>
         <p:nvPicPr>
-          <p:cNvPr id="4" name="Picture 3"/>
+          <p:cNvPr id="5" name="Picture 4"/>
           <p:cNvPicPr>
             <a:picLocks noChangeAspect="1"/>
           </p:cNvPicPr>
@@ -16091,8 +16855,8 @@
         </p:blipFill>
         <p:spPr>
           <a:xfrm>
-            <a:off x="1600200" y="2514600"/>
-            <a:ext cx="5791200" cy="1043012"/>
+            <a:off x="2209800" y="2438400"/>
+            <a:ext cx="5334000" cy="1092287"/>
           </a:xfrm>
           <a:prstGeom prst="rect">
             <a:avLst/>
@@ -16250,7 +17014,7 @@
         </p:blipFill>
         <p:spPr>
           <a:xfrm>
-            <a:off x="1676400" y="4038600"/>
+            <a:off x="1676400" y="3962400"/>
             <a:ext cx="5136444" cy="1828800"/>
           </a:xfrm>
           <a:prstGeom prst="rect">
